--- a/beadandóTG.pptx
+++ b/beadandóTG.pptx
@@ -2,7 +2,7 @@
 <file path=ppt/presentation.xml><?xml version="1.0" encoding="utf-8"?>
 <p:presentation xmlns:a="http://schemas.openxmlformats.org/drawingml/2006/main" xmlns:r="http://schemas.openxmlformats.org/officeDocument/2006/relationships" xmlns:p="http://schemas.openxmlformats.org/presentationml/2006/main" saveSubsetFonts="1">
   <p:sldMasterIdLst>
-    <p:sldMasterId id="2147483648" r:id="rId1"/>
+    <p:sldMasterId id="2147483672" r:id="rId1"/>
   </p:sldMasterIdLst>
   <p:sldIdLst>
     <p:sldId id="256" r:id="rId2"/>
@@ -11,16 +11,17 @@
     <p:sldId id="259" r:id="rId5"/>
     <p:sldId id="260" r:id="rId6"/>
     <p:sldId id="261" r:id="rId7"/>
-    <p:sldId id="262" r:id="rId8"/>
-    <p:sldId id="263" r:id="rId9"/>
+    <p:sldId id="263" r:id="rId8"/>
+    <p:sldId id="262" r:id="rId9"/>
+    <p:sldId id="264" r:id="rId10"/>
   </p:sldIdLst>
   <p:sldSz cx="12192000" cy="6858000"/>
   <p:notesSz cx="6858000" cy="9144000"/>
   <p:defaultTextStyle>
     <a:defPPr>
-      <a:defRPr lang="hu-HU"/>
+      <a:defRPr lang="en-US"/>
     </a:defPPr>
-    <a:lvl1pPr marL="0" algn="l" defTabSz="914400" rtl="0" eaLnBrk="1" latinLnBrk="0" hangingPunct="1">
+    <a:lvl1pPr marL="0" algn="l" defTabSz="457200" rtl="0" eaLnBrk="1" latinLnBrk="0" hangingPunct="1">
       <a:defRPr sz="1800" kern="1200">
         <a:solidFill>
           <a:schemeClr val="tx1"/>
@@ -30,7 +31,7 @@
         <a:cs typeface="+mn-cs"/>
       </a:defRPr>
     </a:lvl1pPr>
-    <a:lvl2pPr marL="457200" algn="l" defTabSz="914400" rtl="0" eaLnBrk="1" latinLnBrk="0" hangingPunct="1">
+    <a:lvl2pPr marL="457200" algn="l" defTabSz="457200" rtl="0" eaLnBrk="1" latinLnBrk="0" hangingPunct="1">
       <a:defRPr sz="1800" kern="1200">
         <a:solidFill>
           <a:schemeClr val="tx1"/>
@@ -40,7 +41,7 @@
         <a:cs typeface="+mn-cs"/>
       </a:defRPr>
     </a:lvl2pPr>
-    <a:lvl3pPr marL="914400" algn="l" defTabSz="914400" rtl="0" eaLnBrk="1" latinLnBrk="0" hangingPunct="1">
+    <a:lvl3pPr marL="914400" algn="l" defTabSz="457200" rtl="0" eaLnBrk="1" latinLnBrk="0" hangingPunct="1">
       <a:defRPr sz="1800" kern="1200">
         <a:solidFill>
           <a:schemeClr val="tx1"/>
@@ -50,7 +51,7 @@
         <a:cs typeface="+mn-cs"/>
       </a:defRPr>
     </a:lvl3pPr>
-    <a:lvl4pPr marL="1371600" algn="l" defTabSz="914400" rtl="0" eaLnBrk="1" latinLnBrk="0" hangingPunct="1">
+    <a:lvl4pPr marL="1371600" algn="l" defTabSz="457200" rtl="0" eaLnBrk="1" latinLnBrk="0" hangingPunct="1">
       <a:defRPr sz="1800" kern="1200">
         <a:solidFill>
           <a:schemeClr val="tx1"/>
@@ -60,7 +61,7 @@
         <a:cs typeface="+mn-cs"/>
       </a:defRPr>
     </a:lvl4pPr>
-    <a:lvl5pPr marL="1828800" algn="l" defTabSz="914400" rtl="0" eaLnBrk="1" latinLnBrk="0" hangingPunct="1">
+    <a:lvl5pPr marL="1828800" algn="l" defTabSz="457200" rtl="0" eaLnBrk="1" latinLnBrk="0" hangingPunct="1">
       <a:defRPr sz="1800" kern="1200">
         <a:solidFill>
           <a:schemeClr val="tx1"/>
@@ -70,7 +71,7 @@
         <a:cs typeface="+mn-cs"/>
       </a:defRPr>
     </a:lvl5pPr>
-    <a:lvl6pPr marL="2286000" algn="l" defTabSz="914400" rtl="0" eaLnBrk="1" latinLnBrk="0" hangingPunct="1">
+    <a:lvl6pPr marL="2286000" algn="l" defTabSz="457200" rtl="0" eaLnBrk="1" latinLnBrk="0" hangingPunct="1">
       <a:defRPr sz="1800" kern="1200">
         <a:solidFill>
           <a:schemeClr val="tx1"/>
@@ -80,7 +81,7 @@
         <a:cs typeface="+mn-cs"/>
       </a:defRPr>
     </a:lvl6pPr>
-    <a:lvl7pPr marL="2743200" algn="l" defTabSz="914400" rtl="0" eaLnBrk="1" latinLnBrk="0" hangingPunct="1">
+    <a:lvl7pPr marL="2743200" algn="l" defTabSz="457200" rtl="0" eaLnBrk="1" latinLnBrk="0" hangingPunct="1">
       <a:defRPr sz="1800" kern="1200">
         <a:solidFill>
           <a:schemeClr val="tx1"/>
@@ -90,7 +91,7 @@
         <a:cs typeface="+mn-cs"/>
       </a:defRPr>
     </a:lvl7pPr>
-    <a:lvl8pPr marL="3200400" algn="l" defTabSz="914400" rtl="0" eaLnBrk="1" latinLnBrk="0" hangingPunct="1">
+    <a:lvl8pPr marL="3200400" algn="l" defTabSz="457200" rtl="0" eaLnBrk="1" latinLnBrk="0" hangingPunct="1">
       <a:defRPr sz="1800" kern="1200">
         <a:solidFill>
           <a:schemeClr val="tx1"/>
@@ -100,7 +101,7 @@
         <a:cs typeface="+mn-cs"/>
       </a:defRPr>
     </a:lvl8pPr>
-    <a:lvl9pPr marL="3657600" algn="l" defTabSz="914400" rtl="0" eaLnBrk="1" latinLnBrk="0" hangingPunct="1">
+    <a:lvl9pPr marL="3657600" algn="l" defTabSz="457200" rtl="0" eaLnBrk="1" latinLnBrk="0" hangingPunct="1">
       <a:defRPr sz="1800" kern="1200">
         <a:solidFill>
           <a:schemeClr val="tx1"/>
@@ -111,6 +112,11 @@
       </a:defRPr>
     </a:lvl9pPr>
   </p:defaultTextStyle>
+  <p:extLst>
+    <p:ext uri="{EFAFB233-063F-42B5-8137-9DF3F51BA10A}">
+      <p15:sldGuideLst xmlns:p15="http://schemas.microsoft.com/office/powerpoint/2012/main"/>
+    </p:ext>
+  </p:extLst>
 </p:presentation>
 </file>
 
@@ -133,7 +139,7 @@
       </p:grpSpPr>
       <p:sp>
         <p:nvSpPr>
-          <p:cNvPr id="2" name="Cím 1"/>
+          <p:cNvPr id="2" name="Title 1"/>
           <p:cNvSpPr>
             <a:spLocks noGrp="1"/>
           </p:cNvSpPr>
@@ -159,13 +165,13 @@
               <a:rPr lang="hu-HU" smtClean="0"/>
               <a:t>Mintacím szerkesztése</a:t>
             </a:r>
-            <a:endParaRPr lang="hu-HU"/>
-          </a:p>
-        </p:txBody>
-      </p:sp>
-      <p:sp>
-        <p:nvSpPr>
-          <p:cNvPr id="3" name="Alcím 2"/>
+            <a:endParaRPr lang="en-US" dirty="0"/>
+          </a:p>
+        </p:txBody>
+      </p:sp>
+      <p:sp>
+        <p:nvSpPr>
+          <p:cNvPr id="3" name="Subtitle 2"/>
           <p:cNvSpPr>
             <a:spLocks noGrp="1"/>
           </p:cNvSpPr>
@@ -224,13 +230,13 @@
               <a:rPr lang="hu-HU" smtClean="0"/>
               <a:t>Kattintson ide az alcím mintájának szerkesztéséhez</a:t>
             </a:r>
-            <a:endParaRPr lang="hu-HU"/>
-          </a:p>
-        </p:txBody>
-      </p:sp>
-      <p:sp>
-        <p:nvSpPr>
-          <p:cNvPr id="4" name="Dátum helye 3"/>
+            <a:endParaRPr lang="en-US" dirty="0"/>
+          </a:p>
+        </p:txBody>
+      </p:sp>
+      <p:sp>
+        <p:nvSpPr>
+          <p:cNvPr id="4" name="Date Placeholder 3"/>
           <p:cNvSpPr>
             <a:spLocks noGrp="1"/>
           </p:cNvSpPr>
@@ -245,7 +251,7 @@
           <a:p>
             <a:fld id="{5DCFF550-74A6-4A3B-803B-1468DFA707D9}" type="datetimeFigureOut">
               <a:rPr lang="hu-HU" smtClean="0"/>
-              <a:t>2022.09.08.</a:t>
+              <a:t>2022.09.12.</a:t>
             </a:fld>
             <a:endParaRPr lang="hu-HU"/>
           </a:p>
@@ -253,7 +259,7 @@
       </p:sp>
       <p:sp>
         <p:nvSpPr>
-          <p:cNvPr id="5" name="Élőláb helye 4"/>
+          <p:cNvPr id="5" name="Footer Placeholder 4"/>
           <p:cNvSpPr>
             <a:spLocks noGrp="1"/>
           </p:cNvSpPr>
@@ -272,7 +278,7 @@
       </p:sp>
       <p:sp>
         <p:nvSpPr>
-          <p:cNvPr id="6" name="Dia számának helye 5"/>
+          <p:cNvPr id="6" name="Slide Number Placeholder 5"/>
           <p:cNvSpPr>
             <a:spLocks noGrp="1"/>
           </p:cNvSpPr>
@@ -296,13 +302,25 @@
     </p:spTree>
     <p:extLst>
       <p:ext uri="{BB962C8B-B14F-4D97-AF65-F5344CB8AC3E}">
-        <p14:creationId xmlns:p14="http://schemas.microsoft.com/office/powerpoint/2010/main" val="1550096777"/>
+        <p14:creationId xmlns:p14="http://schemas.microsoft.com/office/powerpoint/2010/main" val="564711767"/>
       </p:ext>
     </p:extLst>
   </p:cSld>
   <p:clrMapOvr>
     <a:masterClrMapping/>
   </p:clrMapOvr>
+  <mc:AlternateContent xmlns:mc="http://schemas.openxmlformats.org/markup-compatibility/2006">
+    <mc:Choice xmlns:p14="http://schemas.microsoft.com/office/powerpoint/2010/main" Requires="p14">
+      <p:transition spd="slow" p14:dur="1500">
+        <p:push/>
+      </p:transition>
+    </mc:Choice>
+    <mc:Fallback>
+      <p:transition spd="slow">
+        <p:push/>
+      </p:transition>
+    </mc:Fallback>
+  </mc:AlternateContent>
 </p:sldLayout>
 </file>
 
@@ -325,7 +343,7 @@
       </p:grpSpPr>
       <p:sp>
         <p:nvSpPr>
-          <p:cNvPr id="2" name="Cím 1"/>
+          <p:cNvPr id="2" name="Title 1"/>
           <p:cNvSpPr>
             <a:spLocks noGrp="1"/>
           </p:cNvSpPr>
@@ -342,13 +360,13 @@
               <a:rPr lang="hu-HU" smtClean="0"/>
               <a:t>Mintacím szerkesztése</a:t>
             </a:r>
-            <a:endParaRPr lang="hu-HU"/>
-          </a:p>
-        </p:txBody>
-      </p:sp>
-      <p:sp>
-        <p:nvSpPr>
-          <p:cNvPr id="3" name="Függőleges szöveg helye 2"/>
+            <a:endParaRPr lang="en-US" dirty="0"/>
+          </a:p>
+        </p:txBody>
+      </p:sp>
+      <p:sp>
+        <p:nvSpPr>
+          <p:cNvPr id="3" name="Vertical Text Placeholder 2"/>
           <p:cNvSpPr>
             <a:spLocks noGrp="1"/>
           </p:cNvSpPr>
@@ -394,13 +412,13 @@
               <a:rPr lang="hu-HU" smtClean="0"/>
               <a:t>Ötödik szint</a:t>
             </a:r>
-            <a:endParaRPr lang="hu-HU"/>
-          </a:p>
-        </p:txBody>
-      </p:sp>
-      <p:sp>
-        <p:nvSpPr>
-          <p:cNvPr id="4" name="Dátum helye 3"/>
+            <a:endParaRPr lang="en-US" dirty="0"/>
+          </a:p>
+        </p:txBody>
+      </p:sp>
+      <p:sp>
+        <p:nvSpPr>
+          <p:cNvPr id="4" name="Date Placeholder 3"/>
           <p:cNvSpPr>
             <a:spLocks noGrp="1"/>
           </p:cNvSpPr>
@@ -415,7 +433,7 @@
           <a:p>
             <a:fld id="{5DCFF550-74A6-4A3B-803B-1468DFA707D9}" type="datetimeFigureOut">
               <a:rPr lang="hu-HU" smtClean="0"/>
-              <a:t>2022.09.08.</a:t>
+              <a:t>2022.09.12.</a:t>
             </a:fld>
             <a:endParaRPr lang="hu-HU"/>
           </a:p>
@@ -423,7 +441,7 @@
       </p:sp>
       <p:sp>
         <p:nvSpPr>
-          <p:cNvPr id="5" name="Élőláb helye 4"/>
+          <p:cNvPr id="5" name="Footer Placeholder 4"/>
           <p:cNvSpPr>
             <a:spLocks noGrp="1"/>
           </p:cNvSpPr>
@@ -442,7 +460,7 @@
       </p:sp>
       <p:sp>
         <p:nvSpPr>
-          <p:cNvPr id="6" name="Dia számának helye 5"/>
+          <p:cNvPr id="6" name="Slide Number Placeholder 5"/>
           <p:cNvSpPr>
             <a:spLocks noGrp="1"/>
           </p:cNvSpPr>
@@ -466,13 +484,25 @@
     </p:spTree>
     <p:extLst>
       <p:ext uri="{BB962C8B-B14F-4D97-AF65-F5344CB8AC3E}">
-        <p14:creationId xmlns:p14="http://schemas.microsoft.com/office/powerpoint/2010/main" val="2502648369"/>
+        <p14:creationId xmlns:p14="http://schemas.microsoft.com/office/powerpoint/2010/main" val="3934635410"/>
       </p:ext>
     </p:extLst>
   </p:cSld>
   <p:clrMapOvr>
     <a:masterClrMapping/>
   </p:clrMapOvr>
+  <mc:AlternateContent xmlns:mc="http://schemas.openxmlformats.org/markup-compatibility/2006">
+    <mc:Choice xmlns:p14="http://schemas.microsoft.com/office/powerpoint/2010/main" Requires="p14">
+      <p:transition spd="slow" p14:dur="1500">
+        <p:push/>
+      </p:transition>
+    </mc:Choice>
+    <mc:Fallback>
+      <p:transition spd="slow">
+        <p:push/>
+      </p:transition>
+    </mc:Fallback>
+  </mc:AlternateContent>
 </p:sldLayout>
 </file>
 
@@ -495,7 +525,7 @@
       </p:grpSpPr>
       <p:sp>
         <p:nvSpPr>
-          <p:cNvPr id="2" name="Függőleges cím 1"/>
+          <p:cNvPr id="2" name="Vertical Title 1"/>
           <p:cNvSpPr>
             <a:spLocks noGrp="1"/>
           </p:cNvSpPr>
@@ -517,13 +547,13 @@
               <a:rPr lang="hu-HU" smtClean="0"/>
               <a:t>Mintacím szerkesztése</a:t>
             </a:r>
-            <a:endParaRPr lang="hu-HU"/>
-          </a:p>
-        </p:txBody>
-      </p:sp>
-      <p:sp>
-        <p:nvSpPr>
-          <p:cNvPr id="3" name="Függőleges szöveg helye 2"/>
+            <a:endParaRPr lang="en-US" dirty="0"/>
+          </a:p>
+        </p:txBody>
+      </p:sp>
+      <p:sp>
+        <p:nvSpPr>
+          <p:cNvPr id="3" name="Vertical Text Placeholder 2"/>
           <p:cNvSpPr>
             <a:spLocks noGrp="1"/>
           </p:cNvSpPr>
@@ -574,13 +604,13 @@
               <a:rPr lang="hu-HU" smtClean="0"/>
               <a:t>Ötödik szint</a:t>
             </a:r>
-            <a:endParaRPr lang="hu-HU"/>
-          </a:p>
-        </p:txBody>
-      </p:sp>
-      <p:sp>
-        <p:nvSpPr>
-          <p:cNvPr id="4" name="Dátum helye 3"/>
+            <a:endParaRPr lang="en-US" dirty="0"/>
+          </a:p>
+        </p:txBody>
+      </p:sp>
+      <p:sp>
+        <p:nvSpPr>
+          <p:cNvPr id="4" name="Date Placeholder 3"/>
           <p:cNvSpPr>
             <a:spLocks noGrp="1"/>
           </p:cNvSpPr>
@@ -595,7 +625,7 @@
           <a:p>
             <a:fld id="{5DCFF550-74A6-4A3B-803B-1468DFA707D9}" type="datetimeFigureOut">
               <a:rPr lang="hu-HU" smtClean="0"/>
-              <a:t>2022.09.08.</a:t>
+              <a:t>2022.09.12.</a:t>
             </a:fld>
             <a:endParaRPr lang="hu-HU"/>
           </a:p>
@@ -603,7 +633,7 @@
       </p:sp>
       <p:sp>
         <p:nvSpPr>
-          <p:cNvPr id="5" name="Élőláb helye 4"/>
+          <p:cNvPr id="5" name="Footer Placeholder 4"/>
           <p:cNvSpPr>
             <a:spLocks noGrp="1"/>
           </p:cNvSpPr>
@@ -622,7 +652,7 @@
       </p:sp>
       <p:sp>
         <p:nvSpPr>
-          <p:cNvPr id="6" name="Dia számának helye 5"/>
+          <p:cNvPr id="6" name="Slide Number Placeholder 5"/>
           <p:cNvSpPr>
             <a:spLocks noGrp="1"/>
           </p:cNvSpPr>
@@ -646,13 +676,25 @@
     </p:spTree>
     <p:extLst>
       <p:ext uri="{BB962C8B-B14F-4D97-AF65-F5344CB8AC3E}">
-        <p14:creationId xmlns:p14="http://schemas.microsoft.com/office/powerpoint/2010/main" val="1687489846"/>
+        <p14:creationId xmlns:p14="http://schemas.microsoft.com/office/powerpoint/2010/main" val="1875696432"/>
       </p:ext>
     </p:extLst>
   </p:cSld>
   <p:clrMapOvr>
     <a:masterClrMapping/>
   </p:clrMapOvr>
+  <mc:AlternateContent xmlns:mc="http://schemas.openxmlformats.org/markup-compatibility/2006">
+    <mc:Choice xmlns:p14="http://schemas.microsoft.com/office/powerpoint/2010/main" Requires="p14">
+      <p:transition spd="slow" p14:dur="1500">
+        <p:push/>
+      </p:transition>
+    </mc:Choice>
+    <mc:Fallback>
+      <p:transition spd="slow">
+        <p:push/>
+      </p:transition>
+    </mc:Fallback>
+  </mc:AlternateContent>
 </p:sldLayout>
 </file>
 
@@ -675,7 +717,7 @@
       </p:grpSpPr>
       <p:sp>
         <p:nvSpPr>
-          <p:cNvPr id="2" name="Cím 1"/>
+          <p:cNvPr id="2" name="Title 1"/>
           <p:cNvSpPr>
             <a:spLocks noGrp="1"/>
           </p:cNvSpPr>
@@ -692,13 +734,13 @@
               <a:rPr lang="hu-HU" smtClean="0"/>
               <a:t>Mintacím szerkesztése</a:t>
             </a:r>
-            <a:endParaRPr lang="hu-HU"/>
-          </a:p>
-        </p:txBody>
-      </p:sp>
-      <p:sp>
-        <p:nvSpPr>
-          <p:cNvPr id="3" name="Tartalom helye 2"/>
+            <a:endParaRPr lang="en-US" dirty="0"/>
+          </a:p>
+        </p:txBody>
+      </p:sp>
+      <p:sp>
+        <p:nvSpPr>
+          <p:cNvPr id="3" name="Content Placeholder 2"/>
           <p:cNvSpPr>
             <a:spLocks noGrp="1"/>
           </p:cNvSpPr>
@@ -744,13 +786,13 @@
               <a:rPr lang="hu-HU" smtClean="0"/>
               <a:t>Ötödik szint</a:t>
             </a:r>
-            <a:endParaRPr lang="hu-HU"/>
-          </a:p>
-        </p:txBody>
-      </p:sp>
-      <p:sp>
-        <p:nvSpPr>
-          <p:cNvPr id="4" name="Dátum helye 3"/>
+            <a:endParaRPr lang="en-US" dirty="0"/>
+          </a:p>
+        </p:txBody>
+      </p:sp>
+      <p:sp>
+        <p:nvSpPr>
+          <p:cNvPr id="4" name="Date Placeholder 3"/>
           <p:cNvSpPr>
             <a:spLocks noGrp="1"/>
           </p:cNvSpPr>
@@ -765,7 +807,7 @@
           <a:p>
             <a:fld id="{5DCFF550-74A6-4A3B-803B-1468DFA707D9}" type="datetimeFigureOut">
               <a:rPr lang="hu-HU" smtClean="0"/>
-              <a:t>2022.09.08.</a:t>
+              <a:t>2022.09.12.</a:t>
             </a:fld>
             <a:endParaRPr lang="hu-HU"/>
           </a:p>
@@ -773,7 +815,7 @@
       </p:sp>
       <p:sp>
         <p:nvSpPr>
-          <p:cNvPr id="5" name="Élőláb helye 4"/>
+          <p:cNvPr id="5" name="Footer Placeholder 4"/>
           <p:cNvSpPr>
             <a:spLocks noGrp="1"/>
           </p:cNvSpPr>
@@ -792,7 +834,7 @@
       </p:sp>
       <p:sp>
         <p:nvSpPr>
-          <p:cNvPr id="6" name="Dia számának helye 5"/>
+          <p:cNvPr id="6" name="Slide Number Placeholder 5"/>
           <p:cNvSpPr>
             <a:spLocks noGrp="1"/>
           </p:cNvSpPr>
@@ -816,13 +858,25 @@
     </p:spTree>
     <p:extLst>
       <p:ext uri="{BB962C8B-B14F-4D97-AF65-F5344CB8AC3E}">
-        <p14:creationId xmlns:p14="http://schemas.microsoft.com/office/powerpoint/2010/main" val="4125162369"/>
+        <p14:creationId xmlns:p14="http://schemas.microsoft.com/office/powerpoint/2010/main" val="2001651792"/>
       </p:ext>
     </p:extLst>
   </p:cSld>
   <p:clrMapOvr>
     <a:masterClrMapping/>
   </p:clrMapOvr>
+  <mc:AlternateContent xmlns:mc="http://schemas.openxmlformats.org/markup-compatibility/2006">
+    <mc:Choice xmlns:p14="http://schemas.microsoft.com/office/powerpoint/2010/main" Requires="p14">
+      <p:transition spd="slow" p14:dur="1500">
+        <p:push/>
+      </p:transition>
+    </mc:Choice>
+    <mc:Fallback>
+      <p:transition spd="slow">
+        <p:push/>
+      </p:transition>
+    </mc:Fallback>
+  </mc:AlternateContent>
 </p:sldLayout>
 </file>
 
@@ -845,7 +899,7 @@
       </p:grpSpPr>
       <p:sp>
         <p:nvSpPr>
-          <p:cNvPr id="2" name="Cím 1"/>
+          <p:cNvPr id="2" name="Title 1"/>
           <p:cNvSpPr>
             <a:spLocks noGrp="1"/>
           </p:cNvSpPr>
@@ -871,13 +925,13 @@
               <a:rPr lang="hu-HU" smtClean="0"/>
               <a:t>Mintacím szerkesztése</a:t>
             </a:r>
-            <a:endParaRPr lang="hu-HU"/>
-          </a:p>
-        </p:txBody>
-      </p:sp>
-      <p:sp>
-        <p:nvSpPr>
-          <p:cNvPr id="3" name="Szöveg helye 2"/>
+            <a:endParaRPr lang="en-US" dirty="0"/>
+          </a:p>
+        </p:txBody>
+      </p:sp>
+      <p:sp>
+        <p:nvSpPr>
+          <p:cNvPr id="3" name="Text Placeholder 2"/>
           <p:cNvSpPr>
             <a:spLocks noGrp="1"/>
           </p:cNvSpPr>
@@ -996,7 +1050,7 @@
       </p:sp>
       <p:sp>
         <p:nvSpPr>
-          <p:cNvPr id="4" name="Dátum helye 3"/>
+          <p:cNvPr id="4" name="Date Placeholder 3"/>
           <p:cNvSpPr>
             <a:spLocks noGrp="1"/>
           </p:cNvSpPr>
@@ -1011,7 +1065,7 @@
           <a:p>
             <a:fld id="{5DCFF550-74A6-4A3B-803B-1468DFA707D9}" type="datetimeFigureOut">
               <a:rPr lang="hu-HU" smtClean="0"/>
-              <a:t>2022.09.08.</a:t>
+              <a:t>2022.09.12.</a:t>
             </a:fld>
             <a:endParaRPr lang="hu-HU"/>
           </a:p>
@@ -1019,7 +1073,7 @@
       </p:sp>
       <p:sp>
         <p:nvSpPr>
-          <p:cNvPr id="5" name="Élőláb helye 4"/>
+          <p:cNvPr id="5" name="Footer Placeholder 4"/>
           <p:cNvSpPr>
             <a:spLocks noGrp="1"/>
           </p:cNvSpPr>
@@ -1038,7 +1092,7 @@
       </p:sp>
       <p:sp>
         <p:nvSpPr>
-          <p:cNvPr id="6" name="Dia számának helye 5"/>
+          <p:cNvPr id="6" name="Slide Number Placeholder 5"/>
           <p:cNvSpPr>
             <a:spLocks noGrp="1"/>
           </p:cNvSpPr>
@@ -1062,13 +1116,25 @@
     </p:spTree>
     <p:extLst>
       <p:ext uri="{BB962C8B-B14F-4D97-AF65-F5344CB8AC3E}">
-        <p14:creationId xmlns:p14="http://schemas.microsoft.com/office/powerpoint/2010/main" val="2577190975"/>
+        <p14:creationId xmlns:p14="http://schemas.microsoft.com/office/powerpoint/2010/main" val="163230645"/>
       </p:ext>
     </p:extLst>
   </p:cSld>
   <p:clrMapOvr>
     <a:masterClrMapping/>
   </p:clrMapOvr>
+  <mc:AlternateContent xmlns:mc="http://schemas.openxmlformats.org/markup-compatibility/2006">
+    <mc:Choice xmlns:p14="http://schemas.microsoft.com/office/powerpoint/2010/main" Requires="p14">
+      <p:transition spd="slow" p14:dur="1500">
+        <p:push/>
+      </p:transition>
+    </mc:Choice>
+    <mc:Fallback>
+      <p:transition spd="slow">
+        <p:push/>
+      </p:transition>
+    </mc:Fallback>
+  </mc:AlternateContent>
 </p:sldLayout>
 </file>
 
@@ -1091,7 +1157,7 @@
       </p:grpSpPr>
       <p:sp>
         <p:nvSpPr>
-          <p:cNvPr id="2" name="Cím 1"/>
+          <p:cNvPr id="2" name="Title 1"/>
           <p:cNvSpPr>
             <a:spLocks noGrp="1"/>
           </p:cNvSpPr>
@@ -1108,13 +1174,13 @@
               <a:rPr lang="hu-HU" smtClean="0"/>
               <a:t>Mintacím szerkesztése</a:t>
             </a:r>
-            <a:endParaRPr lang="hu-HU"/>
-          </a:p>
-        </p:txBody>
-      </p:sp>
-      <p:sp>
-        <p:nvSpPr>
-          <p:cNvPr id="3" name="Tartalom helye 2"/>
+            <a:endParaRPr lang="en-US" dirty="0"/>
+          </a:p>
+        </p:txBody>
+      </p:sp>
+      <p:sp>
+        <p:nvSpPr>
+          <p:cNvPr id="3" name="Content Placeholder 2"/>
           <p:cNvSpPr>
             <a:spLocks noGrp="1"/>
           </p:cNvSpPr>
@@ -1165,13 +1231,13 @@
               <a:rPr lang="hu-HU" smtClean="0"/>
               <a:t>Ötödik szint</a:t>
             </a:r>
-            <a:endParaRPr lang="hu-HU"/>
-          </a:p>
-        </p:txBody>
-      </p:sp>
-      <p:sp>
-        <p:nvSpPr>
-          <p:cNvPr id="4" name="Tartalom helye 3"/>
+            <a:endParaRPr lang="en-US" dirty="0"/>
+          </a:p>
+        </p:txBody>
+      </p:sp>
+      <p:sp>
+        <p:nvSpPr>
+          <p:cNvPr id="4" name="Content Placeholder 3"/>
           <p:cNvSpPr>
             <a:spLocks noGrp="1"/>
           </p:cNvSpPr>
@@ -1222,13 +1288,13 @@
               <a:rPr lang="hu-HU" smtClean="0"/>
               <a:t>Ötödik szint</a:t>
             </a:r>
-            <a:endParaRPr lang="hu-HU"/>
-          </a:p>
-        </p:txBody>
-      </p:sp>
-      <p:sp>
-        <p:nvSpPr>
-          <p:cNvPr id="5" name="Dátum helye 4"/>
+            <a:endParaRPr lang="en-US" dirty="0"/>
+          </a:p>
+        </p:txBody>
+      </p:sp>
+      <p:sp>
+        <p:nvSpPr>
+          <p:cNvPr id="5" name="Date Placeholder 4"/>
           <p:cNvSpPr>
             <a:spLocks noGrp="1"/>
           </p:cNvSpPr>
@@ -1243,7 +1309,7 @@
           <a:p>
             <a:fld id="{5DCFF550-74A6-4A3B-803B-1468DFA707D9}" type="datetimeFigureOut">
               <a:rPr lang="hu-HU" smtClean="0"/>
-              <a:t>2022.09.08.</a:t>
+              <a:t>2022.09.12.</a:t>
             </a:fld>
             <a:endParaRPr lang="hu-HU"/>
           </a:p>
@@ -1251,7 +1317,7 @@
       </p:sp>
       <p:sp>
         <p:nvSpPr>
-          <p:cNvPr id="6" name="Élőláb helye 5"/>
+          <p:cNvPr id="6" name="Footer Placeholder 5"/>
           <p:cNvSpPr>
             <a:spLocks noGrp="1"/>
           </p:cNvSpPr>
@@ -1270,7 +1336,7 @@
       </p:sp>
       <p:sp>
         <p:nvSpPr>
-          <p:cNvPr id="7" name="Dia számának helye 6"/>
+          <p:cNvPr id="7" name="Slide Number Placeholder 6"/>
           <p:cNvSpPr>
             <a:spLocks noGrp="1"/>
           </p:cNvSpPr>
@@ -1294,13 +1360,25 @@
     </p:spTree>
     <p:extLst>
       <p:ext uri="{BB962C8B-B14F-4D97-AF65-F5344CB8AC3E}">
-        <p14:creationId xmlns:p14="http://schemas.microsoft.com/office/powerpoint/2010/main" val="1709654900"/>
+        <p14:creationId xmlns:p14="http://schemas.microsoft.com/office/powerpoint/2010/main" val="2046746241"/>
       </p:ext>
     </p:extLst>
   </p:cSld>
   <p:clrMapOvr>
     <a:masterClrMapping/>
   </p:clrMapOvr>
+  <mc:AlternateContent xmlns:mc="http://schemas.openxmlformats.org/markup-compatibility/2006">
+    <mc:Choice xmlns:p14="http://schemas.microsoft.com/office/powerpoint/2010/main" Requires="p14">
+      <p:transition spd="slow" p14:dur="1500">
+        <p:push/>
+      </p:transition>
+    </mc:Choice>
+    <mc:Fallback>
+      <p:transition spd="slow">
+        <p:push/>
+      </p:transition>
+    </mc:Fallback>
+  </mc:AlternateContent>
 </p:sldLayout>
 </file>
 
@@ -1323,7 +1401,7 @@
       </p:grpSpPr>
       <p:sp>
         <p:nvSpPr>
-          <p:cNvPr id="2" name="Cím 1"/>
+          <p:cNvPr id="2" name="Title 1"/>
           <p:cNvSpPr>
             <a:spLocks noGrp="1"/>
           </p:cNvSpPr>
@@ -1345,13 +1423,13 @@
               <a:rPr lang="hu-HU" smtClean="0"/>
               <a:t>Mintacím szerkesztése</a:t>
             </a:r>
-            <a:endParaRPr lang="hu-HU"/>
-          </a:p>
-        </p:txBody>
-      </p:sp>
-      <p:sp>
-        <p:nvSpPr>
-          <p:cNvPr id="3" name="Szöveg helye 2"/>
+            <a:endParaRPr lang="en-US" dirty="0"/>
+          </a:p>
+        </p:txBody>
+      </p:sp>
+      <p:sp>
+        <p:nvSpPr>
+          <p:cNvPr id="3" name="Text Placeholder 2"/>
           <p:cNvSpPr>
             <a:spLocks noGrp="1"/>
           </p:cNvSpPr>
@@ -1416,7 +1494,7 @@
       </p:sp>
       <p:sp>
         <p:nvSpPr>
-          <p:cNvPr id="4" name="Tartalom helye 3"/>
+          <p:cNvPr id="4" name="Content Placeholder 3"/>
           <p:cNvSpPr>
             <a:spLocks noGrp="1"/>
           </p:cNvSpPr>
@@ -1467,13 +1545,13 @@
               <a:rPr lang="hu-HU" smtClean="0"/>
               <a:t>Ötödik szint</a:t>
             </a:r>
-            <a:endParaRPr lang="hu-HU"/>
-          </a:p>
-        </p:txBody>
-      </p:sp>
-      <p:sp>
-        <p:nvSpPr>
-          <p:cNvPr id="5" name="Szöveg helye 4"/>
+            <a:endParaRPr lang="en-US" dirty="0"/>
+          </a:p>
+        </p:txBody>
+      </p:sp>
+      <p:sp>
+        <p:nvSpPr>
+          <p:cNvPr id="5" name="Text Placeholder 4"/>
           <p:cNvSpPr>
             <a:spLocks noGrp="1"/>
           </p:cNvSpPr>
@@ -1538,7 +1616,7 @@
       </p:sp>
       <p:sp>
         <p:nvSpPr>
-          <p:cNvPr id="6" name="Tartalom helye 5"/>
+          <p:cNvPr id="6" name="Content Placeholder 5"/>
           <p:cNvSpPr>
             <a:spLocks noGrp="1"/>
           </p:cNvSpPr>
@@ -1589,13 +1667,13 @@
               <a:rPr lang="hu-HU" smtClean="0"/>
               <a:t>Ötödik szint</a:t>
             </a:r>
-            <a:endParaRPr lang="hu-HU"/>
-          </a:p>
-        </p:txBody>
-      </p:sp>
-      <p:sp>
-        <p:nvSpPr>
-          <p:cNvPr id="7" name="Dátum helye 6"/>
+            <a:endParaRPr lang="en-US" dirty="0"/>
+          </a:p>
+        </p:txBody>
+      </p:sp>
+      <p:sp>
+        <p:nvSpPr>
+          <p:cNvPr id="7" name="Date Placeholder 6"/>
           <p:cNvSpPr>
             <a:spLocks noGrp="1"/>
           </p:cNvSpPr>
@@ -1610,7 +1688,7 @@
           <a:p>
             <a:fld id="{5DCFF550-74A6-4A3B-803B-1468DFA707D9}" type="datetimeFigureOut">
               <a:rPr lang="hu-HU" smtClean="0"/>
-              <a:t>2022.09.08.</a:t>
+              <a:t>2022.09.12.</a:t>
             </a:fld>
             <a:endParaRPr lang="hu-HU"/>
           </a:p>
@@ -1618,7 +1696,7 @@
       </p:sp>
       <p:sp>
         <p:nvSpPr>
-          <p:cNvPr id="8" name="Élőláb helye 7"/>
+          <p:cNvPr id="8" name="Footer Placeholder 7"/>
           <p:cNvSpPr>
             <a:spLocks noGrp="1"/>
           </p:cNvSpPr>
@@ -1637,7 +1715,7 @@
       </p:sp>
       <p:sp>
         <p:nvSpPr>
-          <p:cNvPr id="9" name="Dia számának helye 8"/>
+          <p:cNvPr id="9" name="Slide Number Placeholder 8"/>
           <p:cNvSpPr>
             <a:spLocks noGrp="1"/>
           </p:cNvSpPr>
@@ -1661,13 +1739,25 @@
     </p:spTree>
     <p:extLst>
       <p:ext uri="{BB962C8B-B14F-4D97-AF65-F5344CB8AC3E}">
-        <p14:creationId xmlns:p14="http://schemas.microsoft.com/office/powerpoint/2010/main" val="1773502070"/>
+        <p14:creationId xmlns:p14="http://schemas.microsoft.com/office/powerpoint/2010/main" val="2074093644"/>
       </p:ext>
     </p:extLst>
   </p:cSld>
   <p:clrMapOvr>
     <a:masterClrMapping/>
   </p:clrMapOvr>
+  <mc:AlternateContent xmlns:mc="http://schemas.openxmlformats.org/markup-compatibility/2006">
+    <mc:Choice xmlns:p14="http://schemas.microsoft.com/office/powerpoint/2010/main" Requires="p14">
+      <p:transition spd="slow" p14:dur="1500">
+        <p:push/>
+      </p:transition>
+    </mc:Choice>
+    <mc:Fallback>
+      <p:transition spd="slow">
+        <p:push/>
+      </p:transition>
+    </mc:Fallback>
+  </mc:AlternateContent>
 </p:sldLayout>
 </file>
 
@@ -1690,7 +1780,7 @@
       </p:grpSpPr>
       <p:sp>
         <p:nvSpPr>
-          <p:cNvPr id="2" name="Cím 1"/>
+          <p:cNvPr id="2" name="Title 1"/>
           <p:cNvSpPr>
             <a:spLocks noGrp="1"/>
           </p:cNvSpPr>
@@ -1707,13 +1797,13 @@
               <a:rPr lang="hu-HU" smtClean="0"/>
               <a:t>Mintacím szerkesztése</a:t>
             </a:r>
-            <a:endParaRPr lang="hu-HU"/>
-          </a:p>
-        </p:txBody>
-      </p:sp>
-      <p:sp>
-        <p:nvSpPr>
-          <p:cNvPr id="3" name="Dátum helye 2"/>
+            <a:endParaRPr lang="en-US" dirty="0"/>
+          </a:p>
+        </p:txBody>
+      </p:sp>
+      <p:sp>
+        <p:nvSpPr>
+          <p:cNvPr id="3" name="Date Placeholder 2"/>
           <p:cNvSpPr>
             <a:spLocks noGrp="1"/>
           </p:cNvSpPr>
@@ -1728,7 +1818,7 @@
           <a:p>
             <a:fld id="{5DCFF550-74A6-4A3B-803B-1468DFA707D9}" type="datetimeFigureOut">
               <a:rPr lang="hu-HU" smtClean="0"/>
-              <a:t>2022.09.08.</a:t>
+              <a:t>2022.09.12.</a:t>
             </a:fld>
             <a:endParaRPr lang="hu-HU"/>
           </a:p>
@@ -1736,7 +1826,7 @@
       </p:sp>
       <p:sp>
         <p:nvSpPr>
-          <p:cNvPr id="4" name="Élőláb helye 3"/>
+          <p:cNvPr id="4" name="Footer Placeholder 3"/>
           <p:cNvSpPr>
             <a:spLocks noGrp="1"/>
           </p:cNvSpPr>
@@ -1755,7 +1845,7 @@
       </p:sp>
       <p:sp>
         <p:nvSpPr>
-          <p:cNvPr id="5" name="Dia számának helye 4"/>
+          <p:cNvPr id="5" name="Slide Number Placeholder 4"/>
           <p:cNvSpPr>
             <a:spLocks noGrp="1"/>
           </p:cNvSpPr>
@@ -1779,13 +1869,25 @@
     </p:spTree>
     <p:extLst>
       <p:ext uri="{BB962C8B-B14F-4D97-AF65-F5344CB8AC3E}">
-        <p14:creationId xmlns:p14="http://schemas.microsoft.com/office/powerpoint/2010/main" val="1119086653"/>
+        <p14:creationId xmlns:p14="http://schemas.microsoft.com/office/powerpoint/2010/main" val="1966598100"/>
       </p:ext>
     </p:extLst>
   </p:cSld>
   <p:clrMapOvr>
     <a:masterClrMapping/>
   </p:clrMapOvr>
+  <mc:AlternateContent xmlns:mc="http://schemas.openxmlformats.org/markup-compatibility/2006">
+    <mc:Choice xmlns:p14="http://schemas.microsoft.com/office/powerpoint/2010/main" Requires="p14">
+      <p:transition spd="slow" p14:dur="1500">
+        <p:push/>
+      </p:transition>
+    </mc:Choice>
+    <mc:Fallback>
+      <p:transition spd="slow">
+        <p:push/>
+      </p:transition>
+    </mc:Fallback>
+  </mc:AlternateContent>
 </p:sldLayout>
 </file>
 
@@ -1808,7 +1910,7 @@
       </p:grpSpPr>
       <p:sp>
         <p:nvSpPr>
-          <p:cNvPr id="2" name="Dátum helye 1"/>
+          <p:cNvPr id="2" name="Date Placeholder 1"/>
           <p:cNvSpPr>
             <a:spLocks noGrp="1"/>
           </p:cNvSpPr>
@@ -1823,7 +1925,7 @@
           <a:p>
             <a:fld id="{5DCFF550-74A6-4A3B-803B-1468DFA707D9}" type="datetimeFigureOut">
               <a:rPr lang="hu-HU" smtClean="0"/>
-              <a:t>2022.09.08.</a:t>
+              <a:t>2022.09.12.</a:t>
             </a:fld>
             <a:endParaRPr lang="hu-HU"/>
           </a:p>
@@ -1831,7 +1933,7 @@
       </p:sp>
       <p:sp>
         <p:nvSpPr>
-          <p:cNvPr id="3" name="Élőláb helye 2"/>
+          <p:cNvPr id="3" name="Footer Placeholder 2"/>
           <p:cNvSpPr>
             <a:spLocks noGrp="1"/>
           </p:cNvSpPr>
@@ -1850,7 +1952,7 @@
       </p:sp>
       <p:sp>
         <p:nvSpPr>
-          <p:cNvPr id="4" name="Dia számának helye 3"/>
+          <p:cNvPr id="4" name="Slide Number Placeholder 3"/>
           <p:cNvSpPr>
             <a:spLocks noGrp="1"/>
           </p:cNvSpPr>
@@ -1874,13 +1976,25 @@
     </p:spTree>
     <p:extLst>
       <p:ext uri="{BB962C8B-B14F-4D97-AF65-F5344CB8AC3E}">
-        <p14:creationId xmlns:p14="http://schemas.microsoft.com/office/powerpoint/2010/main" val="2410636247"/>
+        <p14:creationId xmlns:p14="http://schemas.microsoft.com/office/powerpoint/2010/main" val="1791110934"/>
       </p:ext>
     </p:extLst>
   </p:cSld>
   <p:clrMapOvr>
     <a:masterClrMapping/>
   </p:clrMapOvr>
+  <mc:AlternateContent xmlns:mc="http://schemas.openxmlformats.org/markup-compatibility/2006">
+    <mc:Choice xmlns:p14="http://schemas.microsoft.com/office/powerpoint/2010/main" Requires="p14">
+      <p:transition spd="slow" p14:dur="1500">
+        <p:push/>
+      </p:transition>
+    </mc:Choice>
+    <mc:Fallback>
+      <p:transition spd="slow">
+        <p:push/>
+      </p:transition>
+    </mc:Fallback>
+  </mc:AlternateContent>
 </p:sldLayout>
 </file>
 
@@ -1903,7 +2017,7 @@
       </p:grpSpPr>
       <p:sp>
         <p:nvSpPr>
-          <p:cNvPr id="2" name="Cím 1"/>
+          <p:cNvPr id="2" name="Title 1"/>
           <p:cNvSpPr>
             <a:spLocks noGrp="1"/>
           </p:cNvSpPr>
@@ -1929,13 +2043,13 @@
               <a:rPr lang="hu-HU" smtClean="0"/>
               <a:t>Mintacím szerkesztése</a:t>
             </a:r>
-            <a:endParaRPr lang="hu-HU"/>
-          </a:p>
-        </p:txBody>
-      </p:sp>
-      <p:sp>
-        <p:nvSpPr>
-          <p:cNvPr id="3" name="Tartalom helye 2"/>
+            <a:endParaRPr lang="en-US" dirty="0"/>
+          </a:p>
+        </p:txBody>
+      </p:sp>
+      <p:sp>
+        <p:nvSpPr>
+          <p:cNvPr id="3" name="Content Placeholder 2"/>
           <p:cNvSpPr>
             <a:spLocks noGrp="1"/>
           </p:cNvSpPr>
@@ -2014,13 +2128,13 @@
               <a:rPr lang="hu-HU" smtClean="0"/>
               <a:t>Ötödik szint</a:t>
             </a:r>
-            <a:endParaRPr lang="hu-HU"/>
-          </a:p>
-        </p:txBody>
-      </p:sp>
-      <p:sp>
-        <p:nvSpPr>
-          <p:cNvPr id="4" name="Szöveg helye 3"/>
+            <a:endParaRPr lang="en-US" dirty="0"/>
+          </a:p>
+        </p:txBody>
+      </p:sp>
+      <p:sp>
+        <p:nvSpPr>
+          <p:cNvPr id="4" name="Text Placeholder 3"/>
           <p:cNvSpPr>
             <a:spLocks noGrp="1"/>
           </p:cNvSpPr>
@@ -2085,7 +2199,7 @@
       </p:sp>
       <p:sp>
         <p:nvSpPr>
-          <p:cNvPr id="5" name="Dátum helye 4"/>
+          <p:cNvPr id="5" name="Date Placeholder 4"/>
           <p:cNvSpPr>
             <a:spLocks noGrp="1"/>
           </p:cNvSpPr>
@@ -2100,7 +2214,7 @@
           <a:p>
             <a:fld id="{5DCFF550-74A6-4A3B-803B-1468DFA707D9}" type="datetimeFigureOut">
               <a:rPr lang="hu-HU" smtClean="0"/>
-              <a:t>2022.09.08.</a:t>
+              <a:t>2022.09.12.</a:t>
             </a:fld>
             <a:endParaRPr lang="hu-HU"/>
           </a:p>
@@ -2108,7 +2222,7 @@
       </p:sp>
       <p:sp>
         <p:nvSpPr>
-          <p:cNvPr id="6" name="Élőláb helye 5"/>
+          <p:cNvPr id="6" name="Footer Placeholder 5"/>
           <p:cNvSpPr>
             <a:spLocks noGrp="1"/>
           </p:cNvSpPr>
@@ -2127,7 +2241,7 @@
       </p:sp>
       <p:sp>
         <p:nvSpPr>
-          <p:cNvPr id="7" name="Dia számának helye 6"/>
+          <p:cNvPr id="7" name="Slide Number Placeholder 6"/>
           <p:cNvSpPr>
             <a:spLocks noGrp="1"/>
           </p:cNvSpPr>
@@ -2151,13 +2265,25 @@
     </p:spTree>
     <p:extLst>
       <p:ext uri="{BB962C8B-B14F-4D97-AF65-F5344CB8AC3E}">
-        <p14:creationId xmlns:p14="http://schemas.microsoft.com/office/powerpoint/2010/main" val="1939991602"/>
+        <p14:creationId xmlns:p14="http://schemas.microsoft.com/office/powerpoint/2010/main" val="706741003"/>
       </p:ext>
     </p:extLst>
   </p:cSld>
   <p:clrMapOvr>
     <a:masterClrMapping/>
   </p:clrMapOvr>
+  <mc:AlternateContent xmlns:mc="http://schemas.openxmlformats.org/markup-compatibility/2006">
+    <mc:Choice xmlns:p14="http://schemas.microsoft.com/office/powerpoint/2010/main" Requires="p14">
+      <p:transition spd="slow" p14:dur="1500">
+        <p:push/>
+      </p:transition>
+    </mc:Choice>
+    <mc:Fallback>
+      <p:transition spd="slow">
+        <p:push/>
+      </p:transition>
+    </mc:Fallback>
+  </mc:AlternateContent>
 </p:sldLayout>
 </file>
 
@@ -2180,7 +2306,7 @@
       </p:grpSpPr>
       <p:sp>
         <p:nvSpPr>
-          <p:cNvPr id="2" name="Cím 1"/>
+          <p:cNvPr id="2" name="Title 1"/>
           <p:cNvSpPr>
             <a:spLocks noGrp="1"/>
           </p:cNvSpPr>
@@ -2206,15 +2332,15 @@
               <a:rPr lang="hu-HU" smtClean="0"/>
               <a:t>Mintacím szerkesztése</a:t>
             </a:r>
-            <a:endParaRPr lang="hu-HU"/>
-          </a:p>
-        </p:txBody>
-      </p:sp>
-      <p:sp>
-        <p:nvSpPr>
-          <p:cNvPr id="3" name="Kép helye 2"/>
-          <p:cNvSpPr>
-            <a:spLocks noGrp="1"/>
+            <a:endParaRPr lang="en-US" dirty="0"/>
+          </a:p>
+        </p:txBody>
+      </p:sp>
+      <p:sp>
+        <p:nvSpPr>
+          <p:cNvPr id="3" name="Picture Placeholder 2"/>
+          <p:cNvSpPr>
+            <a:spLocks noGrp="1" noChangeAspect="1"/>
           </p:cNvSpPr>
           <p:nvPr>
             <p:ph type="pic" idx="1"/>
@@ -2227,7 +2353,7 @@
           </a:xfrm>
         </p:spPr>
         <p:txBody>
-          <a:bodyPr/>
+          <a:bodyPr anchor="t"/>
           <a:lstStyle>
             <a:lvl1pPr marL="0" indent="0">
               <a:buNone/>
@@ -2267,13 +2393,17 @@
             </a:lvl9pPr>
           </a:lstStyle>
           <a:p>
-            <a:endParaRPr lang="hu-HU"/>
-          </a:p>
-        </p:txBody>
-      </p:sp>
-      <p:sp>
-        <p:nvSpPr>
-          <p:cNvPr id="4" name="Szöveg helye 3"/>
+            <a:r>
+              <a:rPr lang="hu-HU" smtClean="0"/>
+              <a:t>Kép beszúrásához kattintson az ikonra</a:t>
+            </a:r>
+            <a:endParaRPr lang="en-US" dirty="0"/>
+          </a:p>
+        </p:txBody>
+      </p:sp>
+      <p:sp>
+        <p:nvSpPr>
+          <p:cNvPr id="4" name="Text Placeholder 3"/>
           <p:cNvSpPr>
             <a:spLocks noGrp="1"/>
           </p:cNvSpPr>
@@ -2338,7 +2468,7 @@
       </p:sp>
       <p:sp>
         <p:nvSpPr>
-          <p:cNvPr id="5" name="Dátum helye 4"/>
+          <p:cNvPr id="5" name="Date Placeholder 4"/>
           <p:cNvSpPr>
             <a:spLocks noGrp="1"/>
           </p:cNvSpPr>
@@ -2353,7 +2483,7 @@
           <a:p>
             <a:fld id="{5DCFF550-74A6-4A3B-803B-1468DFA707D9}" type="datetimeFigureOut">
               <a:rPr lang="hu-HU" smtClean="0"/>
-              <a:t>2022.09.08.</a:t>
+              <a:t>2022.09.12.</a:t>
             </a:fld>
             <a:endParaRPr lang="hu-HU"/>
           </a:p>
@@ -2361,7 +2491,7 @@
       </p:sp>
       <p:sp>
         <p:nvSpPr>
-          <p:cNvPr id="6" name="Élőláb helye 5"/>
+          <p:cNvPr id="6" name="Footer Placeholder 5"/>
           <p:cNvSpPr>
             <a:spLocks noGrp="1"/>
           </p:cNvSpPr>
@@ -2380,7 +2510,7 @@
       </p:sp>
       <p:sp>
         <p:nvSpPr>
-          <p:cNvPr id="7" name="Dia számának helye 6"/>
+          <p:cNvPr id="7" name="Slide Number Placeholder 6"/>
           <p:cNvSpPr>
             <a:spLocks noGrp="1"/>
           </p:cNvSpPr>
@@ -2404,13 +2534,25 @@
     </p:spTree>
     <p:extLst>
       <p:ext uri="{BB962C8B-B14F-4D97-AF65-F5344CB8AC3E}">
-        <p14:creationId xmlns:p14="http://schemas.microsoft.com/office/powerpoint/2010/main" val="2527639508"/>
+        <p14:creationId xmlns:p14="http://schemas.microsoft.com/office/powerpoint/2010/main" val="3313713189"/>
       </p:ext>
     </p:extLst>
   </p:cSld>
   <p:clrMapOvr>
     <a:masterClrMapping/>
   </p:clrMapOvr>
+  <mc:AlternateContent xmlns:mc="http://schemas.openxmlformats.org/markup-compatibility/2006">
+    <mc:Choice xmlns:p14="http://schemas.microsoft.com/office/powerpoint/2010/main" Requires="p14">
+      <p:transition spd="slow" p14:dur="1500">
+        <p:push/>
+      </p:transition>
+    </mc:Choice>
+    <mc:Fallback>
+      <p:transition spd="slow">
+        <p:push/>
+      </p:transition>
+    </mc:Fallback>
+  </mc:AlternateContent>
 </p:sldLayout>
 </file>
 
@@ -2438,7 +2580,7 @@
       </p:grpSpPr>
       <p:sp>
         <p:nvSpPr>
-          <p:cNvPr id="2" name="Cím helye 1"/>
+          <p:cNvPr id="2" name="Title Placeholder 1"/>
           <p:cNvSpPr>
             <a:spLocks noGrp="1"/>
           </p:cNvSpPr>
@@ -2465,13 +2607,13 @@
               <a:rPr lang="hu-HU" smtClean="0"/>
               <a:t>Mintacím szerkesztése</a:t>
             </a:r>
-            <a:endParaRPr lang="hu-HU"/>
-          </a:p>
-        </p:txBody>
-      </p:sp>
-      <p:sp>
-        <p:nvSpPr>
-          <p:cNvPr id="3" name="Szöveg helye 2"/>
+            <a:endParaRPr lang="en-US" dirty="0"/>
+          </a:p>
+        </p:txBody>
+      </p:sp>
+      <p:sp>
+        <p:nvSpPr>
+          <p:cNvPr id="3" name="Text Placeholder 2"/>
           <p:cNvSpPr>
             <a:spLocks noGrp="1"/>
           </p:cNvSpPr>
@@ -2527,13 +2669,13 @@
               <a:rPr lang="hu-HU" smtClean="0"/>
               <a:t>Ötödik szint</a:t>
             </a:r>
-            <a:endParaRPr lang="hu-HU"/>
-          </a:p>
-        </p:txBody>
-      </p:sp>
-      <p:sp>
-        <p:nvSpPr>
-          <p:cNvPr id="4" name="Dátum helye 3"/>
+            <a:endParaRPr lang="en-US" dirty="0"/>
+          </a:p>
+        </p:txBody>
+      </p:sp>
+      <p:sp>
+        <p:nvSpPr>
+          <p:cNvPr id="4" name="Date Placeholder 3"/>
           <p:cNvSpPr>
             <a:spLocks noGrp="1"/>
           </p:cNvSpPr>
@@ -2566,7 +2708,7 @@
           <a:p>
             <a:fld id="{5DCFF550-74A6-4A3B-803B-1468DFA707D9}" type="datetimeFigureOut">
               <a:rPr lang="hu-HU" smtClean="0"/>
-              <a:t>2022.09.08.</a:t>
+              <a:t>2022.09.12.</a:t>
             </a:fld>
             <a:endParaRPr lang="hu-HU"/>
           </a:p>
@@ -2574,7 +2716,7 @@
       </p:sp>
       <p:sp>
         <p:nvSpPr>
-          <p:cNvPr id="5" name="Élőláb helye 4"/>
+          <p:cNvPr id="5" name="Footer Placeholder 4"/>
           <p:cNvSpPr>
             <a:spLocks noGrp="1"/>
           </p:cNvSpPr>
@@ -2611,7 +2753,7 @@
       </p:sp>
       <p:sp>
         <p:nvSpPr>
-          <p:cNvPr id="6" name="Dia számának helye 5"/>
+          <p:cNvPr id="6" name="Slide Number Placeholder 5"/>
           <p:cNvSpPr>
             <a:spLocks noGrp="1"/>
           </p:cNvSpPr>
@@ -2653,24 +2795,36 @@
     </p:spTree>
     <p:extLst>
       <p:ext uri="{BB962C8B-B14F-4D97-AF65-F5344CB8AC3E}">
-        <p14:creationId xmlns:p14="http://schemas.microsoft.com/office/powerpoint/2010/main" val="4222589574"/>
+        <p14:creationId xmlns:p14="http://schemas.microsoft.com/office/powerpoint/2010/main" val="232297898"/>
       </p:ext>
     </p:extLst>
   </p:cSld>
   <p:clrMap bg1="lt1" tx1="dk1" bg2="lt2" tx2="dk2" accent1="accent1" accent2="accent2" accent3="accent3" accent4="accent4" accent5="accent5" accent6="accent6" hlink="hlink" folHlink="folHlink"/>
   <p:sldLayoutIdLst>
-    <p:sldLayoutId id="2147483649" r:id="rId1"/>
-    <p:sldLayoutId id="2147483650" r:id="rId2"/>
-    <p:sldLayoutId id="2147483651" r:id="rId3"/>
-    <p:sldLayoutId id="2147483652" r:id="rId4"/>
-    <p:sldLayoutId id="2147483653" r:id="rId5"/>
-    <p:sldLayoutId id="2147483654" r:id="rId6"/>
-    <p:sldLayoutId id="2147483655" r:id="rId7"/>
-    <p:sldLayoutId id="2147483656" r:id="rId8"/>
-    <p:sldLayoutId id="2147483657" r:id="rId9"/>
-    <p:sldLayoutId id="2147483658" r:id="rId10"/>
-    <p:sldLayoutId id="2147483659" r:id="rId11"/>
+    <p:sldLayoutId id="2147483673" r:id="rId1"/>
+    <p:sldLayoutId id="2147483674" r:id="rId2"/>
+    <p:sldLayoutId id="2147483675" r:id="rId3"/>
+    <p:sldLayoutId id="2147483676" r:id="rId4"/>
+    <p:sldLayoutId id="2147483677" r:id="rId5"/>
+    <p:sldLayoutId id="2147483678" r:id="rId6"/>
+    <p:sldLayoutId id="2147483679" r:id="rId7"/>
+    <p:sldLayoutId id="2147483680" r:id="rId8"/>
+    <p:sldLayoutId id="2147483681" r:id="rId9"/>
+    <p:sldLayoutId id="2147483682" r:id="rId10"/>
+    <p:sldLayoutId id="2147483683" r:id="rId11"/>
   </p:sldLayoutIdLst>
+  <mc:AlternateContent xmlns:mc="http://schemas.openxmlformats.org/markup-compatibility/2006">
+    <mc:Choice xmlns:p14="http://schemas.microsoft.com/office/powerpoint/2010/main" Requires="p14">
+      <p:transition spd="slow" p14:dur="1500">
+        <p:push/>
+      </p:transition>
+    </mc:Choice>
+    <mc:Fallback>
+      <p:transition spd="slow">
+        <p:push/>
+      </p:transition>
+    </mc:Fallback>
+  </mc:AlternateContent>
   <p:txStyles>
     <p:titleStyle>
       <a:lvl1pPr algn="l" defTabSz="914400" rtl="0" eaLnBrk="1" latinLnBrk="0" hangingPunct="1">
@@ -2857,7 +3011,7 @@
     </p:bodyStyle>
     <p:otherStyle>
       <a:defPPr>
-        <a:defRPr lang="hu-HU"/>
+        <a:defRPr lang="en-US"/>
       </a:defPPr>
       <a:lvl1pPr marL="0" algn="l" defTabSz="914400" rtl="0" eaLnBrk="1" latinLnBrk="0" hangingPunct="1">
         <a:defRPr sz="1800" kern="1200">
@@ -2986,7 +3140,11 @@
           <a:bodyPr/>
           <a:lstStyle/>
           <a:p>
-            <a:endParaRPr lang="hu-HU"/>
+            <a:r>
+              <a:rPr lang="hu-HU" dirty="0" smtClean="0"/>
+              <a:t>Adobe</a:t>
+            </a:r>
+            <a:endParaRPr lang="hu-HU" dirty="0"/>
           </a:p>
         </p:txBody>
       </p:sp>
@@ -3005,6 +3163,56 @@
           <a:bodyPr/>
           <a:lstStyle/>
           <a:p>
+            <a:r>
+              <a:rPr lang="hu-HU" dirty="0"/>
+              <a:t>https://www.adobe.com/hu/products/catalog.html</a:t>
+            </a:r>
+            <a:endParaRPr lang="hu-HU" dirty="0"/>
+          </a:p>
+        </p:txBody>
+      </p:sp>
+      <p:sp>
+        <p:nvSpPr>
+          <p:cNvPr id="4" name="Téglalap 3"/>
+          <p:cNvSpPr/>
+          <p:nvPr/>
+        </p:nvSpPr>
+        <p:spPr>
+          <a:xfrm>
+            <a:off x="0" y="4241800"/>
+            <a:ext cx="12192000" cy="114300"/>
+          </a:xfrm>
+          <a:prstGeom prst="rect">
+            <a:avLst/>
+          </a:prstGeom>
+          <a:solidFill>
+            <a:schemeClr val="tx1"/>
+          </a:solidFill>
+          <a:ln>
+            <a:noFill/>
+          </a:ln>
+        </p:spPr>
+        <p:style>
+          <a:lnRef idx="2">
+            <a:schemeClr val="accent1">
+              <a:shade val="50000"/>
+            </a:schemeClr>
+          </a:lnRef>
+          <a:fillRef idx="1">
+            <a:schemeClr val="accent1"/>
+          </a:fillRef>
+          <a:effectRef idx="0">
+            <a:schemeClr val="accent1"/>
+          </a:effectRef>
+          <a:fontRef idx="minor">
+            <a:schemeClr val="lt1"/>
+          </a:fontRef>
+        </p:style>
+        <p:txBody>
+          <a:bodyPr rtlCol="0" anchor="ctr"/>
+          <a:lstStyle/>
+          <a:p>
+            <a:pPr algn="ctr"/>
             <a:endParaRPr lang="hu-HU"/>
           </a:p>
         </p:txBody>
@@ -3019,6 +3227,14 @@
   <p:clrMapOvr>
     <a:masterClrMapping/>
   </p:clrMapOvr>
+  <mc:AlternateContent xmlns:mc="http://schemas.openxmlformats.org/markup-compatibility/2006">
+    <mc:Choice xmlns:p14="http://schemas.microsoft.com/office/powerpoint/2010/main" Requires="p14">
+      <p:transition p14:dur="0"/>
+    </mc:Choice>
+    <mc:Fallback>
+      <p:transition/>
+    </mc:Fallback>
+  </mc:AlternateContent>
   <p:timing>
     <p:tnLst>
       <p:par>
@@ -3054,15 +3270,18 @@
         </p:nvSpPr>
         <p:spPr>
           <a:xfrm>
-            <a:off x="0" y="4114800"/>
-            <a:ext cx="12192000" cy="723900"/>
+            <a:off x="0" y="4241800"/>
+            <a:ext cx="12192000" cy="114300"/>
           </a:xfrm>
           <a:prstGeom prst="rect">
             <a:avLst/>
           </a:prstGeom>
           <a:solidFill>
-            <a:srgbClr val="00B050"/>
+            <a:srgbClr val="31A8FF"/>
           </a:solidFill>
+          <a:ln>
+            <a:noFill/>
+          </a:ln>
         </p:spPr>
         <p:style>
           <a:lnRef idx="2">
@@ -3091,47 +3310,66 @@
       </p:sp>
       <p:sp>
         <p:nvSpPr>
-          <p:cNvPr id="8" name="Ellipszis 7"/>
-          <p:cNvSpPr/>
+          <p:cNvPr id="7" name="Szövegdoboz 6"/>
+          <p:cNvSpPr txBox="1"/>
           <p:nvPr/>
         </p:nvSpPr>
         <p:spPr>
           <a:xfrm>
-            <a:off x="7493000" y="2698750"/>
-            <a:ext cx="3556000" cy="3556000"/>
-          </a:xfrm>
-          <a:prstGeom prst="ellipse">
+            <a:off x="2749350" y="5632644"/>
+            <a:ext cx="3905450" cy="215444"/>
+          </a:xfrm>
+          <a:prstGeom prst="rect">
             <a:avLst/>
           </a:prstGeom>
-          <a:solidFill>
-            <a:srgbClr val="00B050"/>
-          </a:solidFill>
-        </p:spPr>
-        <p:style>
-          <a:lnRef idx="2">
-            <a:schemeClr val="accent1">
-              <a:shade val="50000"/>
-            </a:schemeClr>
-          </a:lnRef>
-          <a:fillRef idx="1">
-            <a:schemeClr val="accent1"/>
-          </a:fillRef>
-          <a:effectRef idx="0">
-            <a:schemeClr val="accent1"/>
-          </a:effectRef>
-          <a:fontRef idx="minor">
-            <a:schemeClr val="lt1"/>
-          </a:fontRef>
-        </p:style>
-        <p:txBody>
-          <a:bodyPr rtlCol="0" anchor="ctr"/>
-          <a:lstStyle/>
-          <a:p>
-            <a:pPr algn="ctr"/>
-            <a:endParaRPr lang="hu-HU"/>
-          </a:p>
-        </p:txBody>
-      </p:sp>
+          <a:noFill/>
+        </p:spPr>
+        <p:txBody>
+          <a:bodyPr wrap="square" rtlCol="0">
+            <a:spAutoFit/>
+          </a:bodyPr>
+          <a:lstStyle/>
+          <a:p>
+            <a:r>
+              <a:rPr lang="hu-HU" sz="800" dirty="0">
+                <a:hlinkClick r:id="rId2"/>
+              </a:rPr>
+              <a:t>https://seeklogo.com/vector-logo/380560/adobe-photoshop</a:t>
+            </a:r>
+            <a:endParaRPr lang="hu-HU" sz="800" dirty="0"/>
+          </a:p>
+        </p:txBody>
+      </p:sp>
+      <p:pic>
+        <p:nvPicPr>
+          <p:cNvPr id="9" name="Kép 8"/>
+          <p:cNvPicPr>
+            <a:picLocks noChangeAspect="1"/>
+          </p:cNvPicPr>
+          <p:nvPr/>
+        </p:nvPicPr>
+        <p:blipFill>
+          <a:blip r:embed="rId3">
+            <a:extLst>
+              <a:ext uri="{28A0092B-C50C-407E-A947-70E740481C1C}">
+                <a14:useLocalDpi xmlns:a14="http://schemas.microsoft.com/office/drawing/2010/main" val="0"/>
+              </a:ext>
+            </a:extLst>
+          </a:blip>
+          <a:stretch>
+            <a:fillRect/>
+          </a:stretch>
+        </p:blipFill>
+        <p:spPr>
+          <a:xfrm>
+            <a:off x="2749350" y="2850956"/>
+            <a:ext cx="2857899" cy="2781688"/>
+          </a:xfrm>
+          <a:prstGeom prst="rect">
+            <a:avLst/>
+          </a:prstGeom>
+        </p:spPr>
+      </p:pic>
     </p:spTree>
     <p:extLst>
       <p:ext uri="{BB962C8B-B14F-4D97-AF65-F5344CB8AC3E}">
@@ -3142,7 +3380,7 @@
   <p:clrMapOvr>
     <a:masterClrMapping/>
   </p:clrMapOvr>
-  <p:transition spd="slow">
+  <p:transition spd="med">
     <p:push/>
   </p:transition>
   <p:timing>
@@ -3180,15 +3418,18 @@
         </p:nvSpPr>
         <p:spPr>
           <a:xfrm>
-            <a:off x="0" y="4114800"/>
-            <a:ext cx="12192000" cy="723900"/>
+            <a:off x="0" y="4241800"/>
+            <a:ext cx="12192000" cy="114300"/>
           </a:xfrm>
           <a:prstGeom prst="rect">
             <a:avLst/>
           </a:prstGeom>
           <a:solidFill>
-            <a:srgbClr val="00B0F0"/>
+            <a:srgbClr val="9999FF"/>
           </a:solidFill>
+          <a:ln>
+            <a:noFill/>
+          </a:ln>
         </p:spPr>
         <p:style>
           <a:lnRef idx="2">
@@ -3215,62 +3456,90 @@
           </a:p>
         </p:txBody>
       </p:sp>
-      <p:sp>
-        <p:nvSpPr>
-          <p:cNvPr id="8" name="Ellipszis 7"/>
-          <p:cNvSpPr/>
+      <p:pic>
+        <p:nvPicPr>
+          <p:cNvPr id="4" name="Kép 3"/>
+          <p:cNvPicPr>
+            <a:picLocks noChangeAspect="1"/>
+          </p:cNvPicPr>
           <p:nvPr/>
-        </p:nvSpPr>
-        <p:spPr>
-          <a:xfrm>
-            <a:off x="7493000" y="2698750"/>
-            <a:ext cx="3556000" cy="3556000"/>
-          </a:xfrm>
-          <a:prstGeom prst="ellipse">
+        </p:nvPicPr>
+        <p:blipFill>
+          <a:blip r:embed="rId2">
+            <a:extLst>
+              <a:ext uri="{28A0092B-C50C-407E-A947-70E740481C1C}">
+                <a14:useLocalDpi xmlns:a14="http://schemas.microsoft.com/office/drawing/2010/main" val="0"/>
+              </a:ext>
+            </a:extLst>
+          </a:blip>
+          <a:stretch>
+            <a:fillRect/>
+          </a:stretch>
+        </p:blipFill>
+        <p:spPr>
+          <a:xfrm>
+            <a:off x="2749349" y="2850956"/>
+            <a:ext cx="2857899" cy="2781688"/>
+          </a:xfrm>
+          <a:prstGeom prst="rect">
             <a:avLst/>
           </a:prstGeom>
-          <a:solidFill>
-            <a:srgbClr val="00B0F0"/>
-          </a:solidFill>
-        </p:spPr>
-        <p:style>
-          <a:lnRef idx="2">
-            <a:schemeClr val="accent1">
-              <a:shade val="50000"/>
-            </a:schemeClr>
-          </a:lnRef>
-          <a:fillRef idx="1">
-            <a:schemeClr val="accent1"/>
-          </a:fillRef>
-          <a:effectRef idx="0">
-            <a:schemeClr val="accent1"/>
-          </a:effectRef>
-          <a:fontRef idx="minor">
-            <a:schemeClr val="lt1"/>
-          </a:fontRef>
-        </p:style>
-        <p:txBody>
-          <a:bodyPr rtlCol="0" anchor="ctr"/>
-          <a:lstStyle/>
-          <a:p>
-            <a:pPr algn="ctr"/>
-            <a:endParaRPr lang="hu-HU"/>
+        </p:spPr>
+      </p:pic>
+      <p:sp>
+        <p:nvSpPr>
+          <p:cNvPr id="5" name="Szövegdoboz 4"/>
+          <p:cNvSpPr txBox="1"/>
+          <p:nvPr/>
+        </p:nvSpPr>
+        <p:spPr>
+          <a:xfrm>
+            <a:off x="2749349" y="5639222"/>
+            <a:ext cx="3568700" cy="215444"/>
+          </a:xfrm>
+          <a:prstGeom prst="rect">
+            <a:avLst/>
+          </a:prstGeom>
+          <a:noFill/>
+        </p:spPr>
+        <p:txBody>
+          <a:bodyPr wrap="square" rtlCol="0">
+            <a:spAutoFit/>
+          </a:bodyPr>
+          <a:lstStyle/>
+          <a:p>
+            <a:r>
+              <a:rPr lang="hu-HU" sz="800" dirty="0">
+                <a:hlinkClick r:id="rId3"/>
+              </a:rPr>
+              <a:t>https://seeklogo.com/vector-logo/380789/adobe-premiere</a:t>
+            </a:r>
+            <a:endParaRPr lang="hu-HU" sz="800" dirty="0"/>
           </a:p>
         </p:txBody>
       </p:sp>
     </p:spTree>
     <p:extLst>
       <p:ext uri="{BB962C8B-B14F-4D97-AF65-F5344CB8AC3E}">
-        <p14:creationId xmlns:p14="http://schemas.microsoft.com/office/powerpoint/2010/main" val="2807204093"/>
+        <p14:creationId xmlns:p14="http://schemas.microsoft.com/office/powerpoint/2010/main" val="1612289633"/>
       </p:ext>
     </p:extLst>
   </p:cSld>
   <p:clrMapOvr>
     <a:masterClrMapping/>
   </p:clrMapOvr>
-  <p:transition spd="slow">
-    <p:push/>
-  </p:transition>
+  <mc:AlternateContent xmlns:mc="http://schemas.openxmlformats.org/markup-compatibility/2006">
+    <mc:Choice xmlns:p14="http://schemas.microsoft.com/office/powerpoint/2010/main" Requires="p14">
+      <p:transition spd="slow" p14:dur="1500">
+        <p:push/>
+      </p:transition>
+    </mc:Choice>
+    <mc:Fallback>
+      <p:transition spd="slow">
+        <p:push/>
+      </p:transition>
+    </mc:Fallback>
+  </mc:AlternateContent>
   <p:timing>
     <p:tnLst>
       <p:par>
@@ -3306,15 +3575,18 @@
         </p:nvSpPr>
         <p:spPr>
           <a:xfrm>
-            <a:off x="0" y="4114800"/>
-            <a:ext cx="12192000" cy="723900"/>
+            <a:off x="0" y="4241800"/>
+            <a:ext cx="12192000" cy="114300"/>
           </a:xfrm>
           <a:prstGeom prst="rect">
             <a:avLst/>
           </a:prstGeom>
           <a:solidFill>
-            <a:srgbClr val="0070C0"/>
+            <a:srgbClr val="9999FF"/>
           </a:solidFill>
+          <a:ln>
+            <a:noFill/>
+          </a:ln>
         </p:spPr>
         <p:style>
           <a:lnRef idx="2">
@@ -3341,62 +3613,90 @@
           </a:p>
         </p:txBody>
       </p:sp>
-      <p:sp>
-        <p:nvSpPr>
-          <p:cNvPr id="8" name="Ellipszis 7"/>
-          <p:cNvSpPr/>
+      <p:pic>
+        <p:nvPicPr>
+          <p:cNvPr id="4" name="Kép 3"/>
+          <p:cNvPicPr>
+            <a:picLocks noChangeAspect="1"/>
+          </p:cNvPicPr>
           <p:nvPr/>
-        </p:nvSpPr>
-        <p:spPr>
-          <a:xfrm>
-            <a:off x="7493000" y="2698750"/>
-            <a:ext cx="3556000" cy="3556000"/>
-          </a:xfrm>
-          <a:prstGeom prst="ellipse">
+        </p:nvPicPr>
+        <p:blipFill>
+          <a:blip r:embed="rId2" cstate="print">
+            <a:extLst>
+              <a:ext uri="{28A0092B-C50C-407E-A947-70E740481C1C}">
+                <a14:useLocalDpi xmlns:a14="http://schemas.microsoft.com/office/drawing/2010/main" val="0"/>
+              </a:ext>
+            </a:extLst>
+          </a:blip>
+          <a:stretch>
+            <a:fillRect/>
+          </a:stretch>
+        </p:blipFill>
+        <p:spPr>
+          <a:xfrm>
+            <a:off x="2749350" y="2850956"/>
+            <a:ext cx="2853675" cy="2781688"/>
+          </a:xfrm>
+          <a:prstGeom prst="rect">
             <a:avLst/>
           </a:prstGeom>
-          <a:solidFill>
-            <a:srgbClr val="0070C0"/>
-          </a:solidFill>
-        </p:spPr>
-        <p:style>
-          <a:lnRef idx="2">
-            <a:schemeClr val="accent1">
-              <a:shade val="50000"/>
-            </a:schemeClr>
-          </a:lnRef>
-          <a:fillRef idx="1">
-            <a:schemeClr val="accent1"/>
-          </a:fillRef>
-          <a:effectRef idx="0">
-            <a:schemeClr val="accent1"/>
-          </a:effectRef>
-          <a:fontRef idx="minor">
-            <a:schemeClr val="lt1"/>
-          </a:fontRef>
-        </p:style>
-        <p:txBody>
-          <a:bodyPr rtlCol="0" anchor="ctr"/>
-          <a:lstStyle/>
-          <a:p>
-            <a:pPr algn="ctr"/>
-            <a:endParaRPr lang="hu-HU"/>
+        </p:spPr>
+      </p:pic>
+      <p:sp>
+        <p:nvSpPr>
+          <p:cNvPr id="6" name="Szövegdoboz 5"/>
+          <p:cNvSpPr txBox="1"/>
+          <p:nvPr/>
+        </p:nvSpPr>
+        <p:spPr>
+          <a:xfrm>
+            <a:off x="2969687" y="5632644"/>
+            <a:ext cx="2413000" cy="338554"/>
+          </a:xfrm>
+          <a:prstGeom prst="rect">
+            <a:avLst/>
+          </a:prstGeom>
+          <a:noFill/>
+        </p:spPr>
+        <p:txBody>
+          <a:bodyPr wrap="square" rtlCol="0">
+            <a:spAutoFit/>
+          </a:bodyPr>
+          <a:lstStyle/>
+          <a:p>
+            <a:r>
+              <a:rPr lang="hu-HU" sz="800" dirty="0">
+                <a:hlinkClick r:id="rId3"/>
+              </a:rPr>
+              <a:t>https://commons.wikimedia.org/wiki/File:Adobe_After_Effects_CC_icon.svg</a:t>
+            </a:r>
+            <a:endParaRPr lang="hu-HU" sz="800" dirty="0"/>
           </a:p>
         </p:txBody>
       </p:sp>
     </p:spTree>
     <p:extLst>
       <p:ext uri="{BB962C8B-B14F-4D97-AF65-F5344CB8AC3E}">
-        <p14:creationId xmlns:p14="http://schemas.microsoft.com/office/powerpoint/2010/main" val="3934520646"/>
+        <p14:creationId xmlns:p14="http://schemas.microsoft.com/office/powerpoint/2010/main" val="3763855223"/>
       </p:ext>
     </p:extLst>
   </p:cSld>
   <p:clrMapOvr>
     <a:masterClrMapping/>
   </p:clrMapOvr>
-  <p:transition spd="slow">
-    <p:push/>
-  </p:transition>
+  <mc:AlternateContent xmlns:mc="http://schemas.openxmlformats.org/markup-compatibility/2006">
+    <mc:Choice xmlns:p14="http://schemas.microsoft.com/office/powerpoint/2010/main" Requires="p14">
+      <p:transition spd="slow" p14:dur="1500">
+        <p:push/>
+      </p:transition>
+    </mc:Choice>
+    <mc:Fallback>
+      <p:transition spd="slow">
+        <p:push/>
+      </p:transition>
+    </mc:Fallback>
+  </mc:AlternateContent>
   <p:timing>
     <p:tnLst>
       <p:par>
@@ -3432,15 +3732,18 @@
         </p:nvSpPr>
         <p:spPr>
           <a:xfrm>
-            <a:off x="0" y="4114800"/>
-            <a:ext cx="12192000" cy="723900"/>
+            <a:off x="0" y="4241800"/>
+            <a:ext cx="12192000" cy="114300"/>
           </a:xfrm>
           <a:prstGeom prst="rect">
             <a:avLst/>
           </a:prstGeom>
           <a:solidFill>
-            <a:srgbClr val="B000F6"/>
+            <a:srgbClr val="31A8FF"/>
           </a:solidFill>
+          <a:ln>
+            <a:noFill/>
+          </a:ln>
         </p:spPr>
         <p:style>
           <a:lnRef idx="2">
@@ -3467,62 +3770,90 @@
           </a:p>
         </p:txBody>
       </p:sp>
-      <p:sp>
-        <p:nvSpPr>
-          <p:cNvPr id="8" name="Ellipszis 7"/>
-          <p:cNvSpPr/>
+      <p:pic>
+        <p:nvPicPr>
+          <p:cNvPr id="4" name="Kép 3"/>
+          <p:cNvPicPr>
+            <a:picLocks noChangeAspect="1"/>
+          </p:cNvPicPr>
           <p:nvPr/>
-        </p:nvSpPr>
-        <p:spPr>
-          <a:xfrm>
-            <a:off x="7493000" y="2698750"/>
-            <a:ext cx="3556000" cy="3556000"/>
-          </a:xfrm>
-          <a:prstGeom prst="ellipse">
+        </p:nvPicPr>
+        <p:blipFill>
+          <a:blip r:embed="rId2" cstate="print">
+            <a:extLst>
+              <a:ext uri="{28A0092B-C50C-407E-A947-70E740481C1C}">
+                <a14:useLocalDpi xmlns:a14="http://schemas.microsoft.com/office/drawing/2010/main" val="0"/>
+              </a:ext>
+            </a:extLst>
+          </a:blip>
+          <a:stretch>
+            <a:fillRect/>
+          </a:stretch>
+        </p:blipFill>
+        <p:spPr>
+          <a:xfrm>
+            <a:off x="2749350" y="2850956"/>
+            <a:ext cx="2848144" cy="2781688"/>
+          </a:xfrm>
+          <a:prstGeom prst="rect">
             <a:avLst/>
           </a:prstGeom>
-          <a:solidFill>
-            <a:srgbClr val="B000F6"/>
-          </a:solidFill>
-        </p:spPr>
-        <p:style>
-          <a:lnRef idx="2">
-            <a:schemeClr val="accent1">
-              <a:shade val="50000"/>
-            </a:schemeClr>
-          </a:lnRef>
-          <a:fillRef idx="1">
-            <a:schemeClr val="accent1"/>
-          </a:fillRef>
-          <a:effectRef idx="0">
-            <a:schemeClr val="accent1"/>
-          </a:effectRef>
-          <a:fontRef idx="minor">
-            <a:schemeClr val="lt1"/>
-          </a:fontRef>
-        </p:style>
-        <p:txBody>
-          <a:bodyPr rtlCol="0" anchor="ctr"/>
-          <a:lstStyle/>
-          <a:p>
-            <a:pPr algn="ctr"/>
-            <a:endParaRPr lang="hu-HU"/>
+        </p:spPr>
+      </p:pic>
+      <p:sp>
+        <p:nvSpPr>
+          <p:cNvPr id="7" name="Szövegdoboz 6"/>
+          <p:cNvSpPr txBox="1"/>
+          <p:nvPr/>
+        </p:nvSpPr>
+        <p:spPr>
+          <a:xfrm>
+            <a:off x="2273300" y="5632644"/>
+            <a:ext cx="4991100" cy="215444"/>
+          </a:xfrm>
+          <a:prstGeom prst="rect">
+            <a:avLst/>
+          </a:prstGeom>
+          <a:noFill/>
+        </p:spPr>
+        <p:txBody>
+          <a:bodyPr wrap="square" rtlCol="0">
+            <a:spAutoFit/>
+          </a:bodyPr>
+          <a:lstStyle/>
+          <a:p>
+            <a:r>
+              <a:rPr lang="hu-HU" sz="800" dirty="0">
+                <a:hlinkClick r:id="rId3"/>
+              </a:rPr>
+              <a:t>https://hu.m.wikipedia.org/wiki/F%C3%A1jl:Adobe_Photoshop_Lightroom_CC_logo.svg</a:t>
+            </a:r>
+            <a:endParaRPr lang="hu-HU" sz="800" dirty="0"/>
           </a:p>
         </p:txBody>
       </p:sp>
     </p:spTree>
     <p:extLst>
       <p:ext uri="{BB962C8B-B14F-4D97-AF65-F5344CB8AC3E}">
-        <p14:creationId xmlns:p14="http://schemas.microsoft.com/office/powerpoint/2010/main" val="1135478870"/>
+        <p14:creationId xmlns:p14="http://schemas.microsoft.com/office/powerpoint/2010/main" val="238994123"/>
       </p:ext>
     </p:extLst>
   </p:cSld>
   <p:clrMapOvr>
     <a:masterClrMapping/>
   </p:clrMapOvr>
-  <p:transition spd="slow">
-    <p:push/>
-  </p:transition>
+  <mc:AlternateContent xmlns:mc="http://schemas.openxmlformats.org/markup-compatibility/2006">
+    <mc:Choice xmlns:p14="http://schemas.microsoft.com/office/powerpoint/2010/main" Requires="p14">
+      <p:transition spd="slow" p14:dur="1500">
+        <p:push/>
+      </p:transition>
+    </mc:Choice>
+    <mc:Fallback>
+      <p:transition spd="slow">
+        <p:push/>
+      </p:transition>
+    </mc:Fallback>
+  </mc:AlternateContent>
   <p:timing>
     <p:tnLst>
       <p:par>
@@ -3558,15 +3889,18 @@
         </p:nvSpPr>
         <p:spPr>
           <a:xfrm>
-            <a:off x="0" y="4114800"/>
-            <a:ext cx="12192000" cy="723900"/>
+            <a:off x="0" y="4241800"/>
+            <a:ext cx="12192000" cy="114300"/>
           </a:xfrm>
           <a:prstGeom prst="rect">
             <a:avLst/>
           </a:prstGeom>
           <a:solidFill>
-            <a:srgbClr val="FF1DE4"/>
+            <a:srgbClr val="FF9A00"/>
           </a:solidFill>
+          <a:ln>
+            <a:noFill/>
+          </a:ln>
         </p:spPr>
         <p:style>
           <a:lnRef idx="2">
@@ -3593,62 +3927,90 @@
           </a:p>
         </p:txBody>
       </p:sp>
-      <p:sp>
-        <p:nvSpPr>
-          <p:cNvPr id="8" name="Ellipszis 7"/>
-          <p:cNvSpPr/>
+      <p:pic>
+        <p:nvPicPr>
+          <p:cNvPr id="3" name="Kép 2"/>
+          <p:cNvPicPr>
+            <a:picLocks noChangeAspect="1"/>
+          </p:cNvPicPr>
           <p:nvPr/>
-        </p:nvSpPr>
-        <p:spPr>
-          <a:xfrm>
-            <a:off x="7493000" y="2698750"/>
-            <a:ext cx="3556000" cy="3556000"/>
-          </a:xfrm>
-          <a:prstGeom prst="ellipse">
+        </p:nvPicPr>
+        <p:blipFill>
+          <a:blip r:embed="rId2">
+            <a:extLst>
+              <a:ext uri="{28A0092B-C50C-407E-A947-70E740481C1C}">
+                <a14:useLocalDpi xmlns:a14="http://schemas.microsoft.com/office/drawing/2010/main" val="0"/>
+              </a:ext>
+            </a:extLst>
+          </a:blip>
+          <a:stretch>
+            <a:fillRect/>
+          </a:stretch>
+        </p:blipFill>
+        <p:spPr>
+          <a:xfrm>
+            <a:off x="2749350" y="2850956"/>
+            <a:ext cx="2857899" cy="2781688"/>
+          </a:xfrm>
+          <a:prstGeom prst="rect">
             <a:avLst/>
           </a:prstGeom>
-          <a:solidFill>
-            <a:srgbClr val="FF1DE4"/>
-          </a:solidFill>
-        </p:spPr>
-        <p:style>
-          <a:lnRef idx="2">
-            <a:schemeClr val="accent1">
-              <a:shade val="50000"/>
-            </a:schemeClr>
-          </a:lnRef>
-          <a:fillRef idx="1">
-            <a:schemeClr val="accent1"/>
-          </a:fillRef>
-          <a:effectRef idx="0">
-            <a:schemeClr val="accent1"/>
-          </a:effectRef>
-          <a:fontRef idx="minor">
-            <a:schemeClr val="lt1"/>
-          </a:fontRef>
-        </p:style>
-        <p:txBody>
-          <a:bodyPr rtlCol="0" anchor="ctr"/>
-          <a:lstStyle/>
-          <a:p>
-            <a:pPr algn="ctr"/>
-            <a:endParaRPr lang="hu-HU"/>
+        </p:spPr>
+      </p:pic>
+      <p:sp>
+        <p:nvSpPr>
+          <p:cNvPr id="6" name="Szövegdoboz 5"/>
+          <p:cNvSpPr txBox="1"/>
+          <p:nvPr/>
+        </p:nvSpPr>
+        <p:spPr>
+          <a:xfrm>
+            <a:off x="2882900" y="5639222"/>
+            <a:ext cx="2832100" cy="215444"/>
+          </a:xfrm>
+          <a:prstGeom prst="rect">
+            <a:avLst/>
+          </a:prstGeom>
+          <a:noFill/>
+        </p:spPr>
+        <p:txBody>
+          <a:bodyPr wrap="square" rtlCol="0">
+            <a:spAutoFit/>
+          </a:bodyPr>
+          <a:lstStyle/>
+          <a:p>
+            <a:r>
+              <a:rPr lang="hu-HU" sz="800" dirty="0" smtClean="0">
+                <a:hlinkClick r:id="rId3"/>
+              </a:rPr>
+              <a:t>https://seeklogo.com/vector-logo/380559/adobe-illustrator</a:t>
+            </a:r>
+            <a:endParaRPr lang="hu-HU" sz="800" dirty="0"/>
           </a:p>
         </p:txBody>
       </p:sp>
     </p:spTree>
     <p:extLst>
       <p:ext uri="{BB962C8B-B14F-4D97-AF65-F5344CB8AC3E}">
-        <p14:creationId xmlns:p14="http://schemas.microsoft.com/office/powerpoint/2010/main" val="483133889"/>
+        <p14:creationId xmlns:p14="http://schemas.microsoft.com/office/powerpoint/2010/main" val="735547391"/>
       </p:ext>
     </p:extLst>
   </p:cSld>
   <p:clrMapOvr>
     <a:masterClrMapping/>
   </p:clrMapOvr>
-  <p:transition spd="slow">
-    <p:push/>
-  </p:transition>
+  <mc:AlternateContent xmlns:mc="http://schemas.openxmlformats.org/markup-compatibility/2006">
+    <mc:Choice xmlns:p14="http://schemas.microsoft.com/office/powerpoint/2010/main" Requires="p14">
+      <p:transition spd="slow" p14:dur="1500">
+        <p:push/>
+      </p:transition>
+    </mc:Choice>
+    <mc:Fallback>
+      <p:transition spd="slow">
+        <p:push/>
+      </p:transition>
+    </mc:Fallback>
+  </mc:AlternateContent>
   <p:timing>
     <p:tnLst>
       <p:par>
@@ -3684,8 +4046,8 @@
         </p:nvSpPr>
         <p:spPr>
           <a:xfrm>
-            <a:off x="0" y="4114800"/>
-            <a:ext cx="12192000" cy="723900"/>
+            <a:off x="0" y="4241800"/>
+            <a:ext cx="12192000" cy="114300"/>
           </a:xfrm>
           <a:prstGeom prst="rect">
             <a:avLst/>
@@ -3693,6 +4055,9 @@
           <a:solidFill>
             <a:srgbClr val="FF0000"/>
           </a:solidFill>
+          <a:ln>
+            <a:noFill/>
+          </a:ln>
         </p:spPr>
         <p:style>
           <a:lnRef idx="2">
@@ -3719,62 +4084,92 @@
           </a:p>
         </p:txBody>
       </p:sp>
-      <p:sp>
-        <p:nvSpPr>
-          <p:cNvPr id="8" name="Ellipszis 7"/>
-          <p:cNvSpPr/>
+      <p:pic>
+        <p:nvPicPr>
+          <p:cNvPr id="7" name="Kép 6">
+            <a:hlinkClick r:id="rId2"/>
+          </p:cNvPr>
+          <p:cNvPicPr>
+            <a:picLocks noChangeAspect="1"/>
+          </p:cNvPicPr>
           <p:nvPr/>
-        </p:nvSpPr>
-        <p:spPr>
-          <a:xfrm>
-            <a:off x="7493000" y="2698750"/>
-            <a:ext cx="3556000" cy="3556000"/>
-          </a:xfrm>
-          <a:prstGeom prst="ellipse">
+        </p:nvPicPr>
+        <p:blipFill>
+          <a:blip r:embed="rId3">
+            <a:extLst>
+              <a:ext uri="{28A0092B-C50C-407E-A947-70E740481C1C}">
+                <a14:useLocalDpi xmlns:a14="http://schemas.microsoft.com/office/drawing/2010/main" val="0"/>
+              </a:ext>
+            </a:extLst>
+          </a:blip>
+          <a:stretch>
+            <a:fillRect/>
+          </a:stretch>
+        </p:blipFill>
+        <p:spPr>
+          <a:xfrm>
+            <a:off x="2411769" y="2457650"/>
+            <a:ext cx="3568294" cy="3568294"/>
+          </a:xfrm>
+          <a:prstGeom prst="rect">
             <a:avLst/>
           </a:prstGeom>
-          <a:solidFill>
-            <a:srgbClr val="FF0000"/>
-          </a:solidFill>
-        </p:spPr>
-        <p:style>
-          <a:lnRef idx="2">
-            <a:schemeClr val="accent1">
-              <a:shade val="50000"/>
-            </a:schemeClr>
-          </a:lnRef>
-          <a:fillRef idx="1">
-            <a:schemeClr val="accent1"/>
-          </a:fillRef>
-          <a:effectRef idx="0">
-            <a:schemeClr val="accent1"/>
-          </a:effectRef>
-          <a:fontRef idx="minor">
-            <a:schemeClr val="lt1"/>
-          </a:fontRef>
-        </p:style>
-        <p:txBody>
-          <a:bodyPr rtlCol="0" anchor="ctr"/>
-          <a:lstStyle/>
-          <a:p>
-            <a:pPr algn="ctr"/>
-            <a:endParaRPr lang="hu-HU"/>
+        </p:spPr>
+      </p:pic>
+      <p:sp>
+        <p:nvSpPr>
+          <p:cNvPr id="9" name="Szövegdoboz 8"/>
+          <p:cNvSpPr txBox="1"/>
+          <p:nvPr/>
+        </p:nvSpPr>
+        <p:spPr>
+          <a:xfrm>
+            <a:off x="2849716" y="5549900"/>
+            <a:ext cx="2692400" cy="338554"/>
+          </a:xfrm>
+          <a:prstGeom prst="rect">
+            <a:avLst/>
+          </a:prstGeom>
+          <a:noFill/>
+        </p:spPr>
+        <p:txBody>
+          <a:bodyPr wrap="square" rtlCol="0">
+            <a:spAutoFit/>
+          </a:bodyPr>
+          <a:lstStyle/>
+          <a:p>
+            <a:r>
+              <a:rPr lang="hu-HU" sz="800" dirty="0" smtClean="0">
+                <a:hlinkClick r:id="rId2"/>
+              </a:rPr>
+              <a:t>www.likento.com/similarities/5de4be60f03b1600170b103d/details</a:t>
+            </a:r>
+            <a:endParaRPr lang="hu-HU" sz="800" dirty="0"/>
           </a:p>
         </p:txBody>
       </p:sp>
     </p:spTree>
     <p:extLst>
       <p:ext uri="{BB962C8B-B14F-4D97-AF65-F5344CB8AC3E}">
-        <p14:creationId xmlns:p14="http://schemas.microsoft.com/office/powerpoint/2010/main" val="1343585880"/>
+        <p14:creationId xmlns:p14="http://schemas.microsoft.com/office/powerpoint/2010/main" val="676245274"/>
       </p:ext>
     </p:extLst>
   </p:cSld>
   <p:clrMapOvr>
     <a:masterClrMapping/>
   </p:clrMapOvr>
-  <p:transition spd="slow">
-    <p:push/>
-  </p:transition>
+  <mc:AlternateContent xmlns:mc="http://schemas.openxmlformats.org/markup-compatibility/2006">
+    <mc:Choice xmlns:p14="http://schemas.microsoft.com/office/powerpoint/2010/main" Requires="p14">
+      <p:transition spd="slow" p14:dur="1500">
+        <p:push/>
+      </p:transition>
+    </mc:Choice>
+    <mc:Fallback>
+      <p:transition spd="slow">
+        <p:push/>
+      </p:transition>
+    </mc:Fallback>
+  </mc:AlternateContent>
   <p:timing>
     <p:tnLst>
       <p:par>
@@ -3810,15 +4205,18 @@
         </p:nvSpPr>
         <p:spPr>
           <a:xfrm>
-            <a:off x="0" y="4114800"/>
-            <a:ext cx="12192000" cy="723900"/>
+            <a:off x="0" y="4241800"/>
+            <a:ext cx="12192000" cy="114300"/>
           </a:xfrm>
           <a:prstGeom prst="rect">
             <a:avLst/>
           </a:prstGeom>
           <a:solidFill>
-            <a:srgbClr val="FFC000"/>
+            <a:srgbClr val="FF61F6"/>
           </a:solidFill>
+          <a:ln>
+            <a:noFill/>
+          </a:ln>
         </p:spPr>
         <p:style>
           <a:lnRef idx="2">
@@ -3845,23 +4243,197 @@
           </a:p>
         </p:txBody>
       </p:sp>
-      <p:sp>
-        <p:nvSpPr>
-          <p:cNvPr id="8" name="Ellipszis 7"/>
+      <p:pic>
+        <p:nvPicPr>
+          <p:cNvPr id="5" name="Kép 4"/>
+          <p:cNvPicPr>
+            <a:picLocks noChangeAspect="1"/>
+          </p:cNvPicPr>
+          <p:nvPr/>
+        </p:nvPicPr>
+        <p:blipFill>
+          <a:blip r:embed="rId2" cstate="print">
+            <a:extLst>
+              <a:ext uri="{28A0092B-C50C-407E-A947-70E740481C1C}">
+                <a14:useLocalDpi xmlns:a14="http://schemas.microsoft.com/office/drawing/2010/main" val="0"/>
+              </a:ext>
+            </a:extLst>
+          </a:blip>
+          <a:stretch>
+            <a:fillRect/>
+          </a:stretch>
+        </p:blipFill>
+        <p:spPr>
+          <a:xfrm>
+            <a:off x="2749350" y="2908105"/>
+            <a:ext cx="2853675" cy="2781687"/>
+          </a:xfrm>
+          <a:prstGeom prst="rect">
+            <a:avLst/>
+          </a:prstGeom>
+        </p:spPr>
+      </p:pic>
+      <p:sp>
+        <p:nvSpPr>
+          <p:cNvPr id="6" name="Szövegdoboz 5"/>
+          <p:cNvSpPr txBox="1"/>
+          <p:nvPr/>
+        </p:nvSpPr>
+        <p:spPr>
+          <a:xfrm>
+            <a:off x="2882900" y="5689792"/>
+            <a:ext cx="2603500" cy="338554"/>
+          </a:xfrm>
+          <a:prstGeom prst="rect">
+            <a:avLst/>
+          </a:prstGeom>
+          <a:noFill/>
+        </p:spPr>
+        <p:txBody>
+          <a:bodyPr wrap="square" rtlCol="0">
+            <a:spAutoFit/>
+          </a:bodyPr>
+          <a:lstStyle/>
+          <a:p>
+            <a:r>
+              <a:rPr lang="hu-HU" sz="800" dirty="0">
+                <a:hlinkClick r:id="rId3"/>
+              </a:rPr>
+              <a:t>https://commons.wikimedia.org/wiki/File:Adobe_XD_CC_icon.svg</a:t>
+            </a:r>
+            <a:endParaRPr lang="hu-HU" sz="800" dirty="0"/>
+          </a:p>
+        </p:txBody>
+      </p:sp>
+    </p:spTree>
+    <p:extLst>
+      <p:ext uri="{BB962C8B-B14F-4D97-AF65-F5344CB8AC3E}">
+        <p14:creationId xmlns:p14="http://schemas.microsoft.com/office/powerpoint/2010/main" val="3188329268"/>
+      </p:ext>
+    </p:extLst>
+  </p:cSld>
+  <p:clrMapOvr>
+    <a:masterClrMapping/>
+  </p:clrMapOvr>
+  <mc:AlternateContent xmlns:mc="http://schemas.openxmlformats.org/markup-compatibility/2006">
+    <mc:Choice xmlns:p14="http://schemas.microsoft.com/office/powerpoint/2010/main" Requires="p14">
+      <p:transition spd="slow" p14:dur="1500">
+        <p:push/>
+      </p:transition>
+    </mc:Choice>
+    <mc:Fallback>
+      <p:transition spd="slow">
+        <p:push/>
+      </p:transition>
+    </mc:Fallback>
+  </mc:AlternateContent>
+  <p:timing>
+    <p:tnLst>
+      <p:par>
+        <p:cTn id="1" dur="indefinite" restart="never" nodeType="tmRoot"/>
+      </p:par>
+    </p:tnLst>
+  </p:timing>
+</p:sld>
+</file>
+
+<file path=ppt/slides/slide9.xml><?xml version="1.0" encoding="utf-8"?>
+<p:sld xmlns:a="http://schemas.openxmlformats.org/drawingml/2006/main" xmlns:r="http://schemas.openxmlformats.org/officeDocument/2006/relationships" xmlns:p="http://schemas.openxmlformats.org/presentationml/2006/main">
+  <p:cSld>
+    <p:spTree>
+      <p:nvGrpSpPr>
+        <p:cNvPr id="1" name=""/>
+        <p:cNvGrpSpPr/>
+        <p:nvPr/>
+      </p:nvGrpSpPr>
+      <p:grpSpPr>
+        <a:xfrm>
+          <a:off x="0" y="0"/>
+          <a:ext cx="0" cy="0"/>
+          <a:chOff x="0" y="0"/>
+          <a:chExt cx="0" cy="0"/>
+        </a:xfrm>
+      </p:grpSpPr>
+      <p:sp>
+        <p:nvSpPr>
+          <p:cNvPr id="3" name="Szövegdoboz 2"/>
+          <p:cNvSpPr txBox="1"/>
+          <p:nvPr/>
+        </p:nvSpPr>
+        <p:spPr>
+          <a:xfrm>
+            <a:off x="3073400" y="1778000"/>
+            <a:ext cx="7112000" cy="830997"/>
+          </a:xfrm>
+          <a:prstGeom prst="rect">
+            <a:avLst/>
+          </a:prstGeom>
+          <a:noFill/>
+        </p:spPr>
+        <p:txBody>
+          <a:bodyPr wrap="square" rtlCol="0">
+            <a:spAutoFit/>
+          </a:bodyPr>
+          <a:lstStyle/>
+          <a:p>
+            <a:r>
+              <a:rPr lang="hu-HU" sz="4800" dirty="0" smtClean="0"/>
+              <a:t>Köszönöm a figyelmet!</a:t>
+            </a:r>
+            <a:endParaRPr lang="hu-HU" sz="4800" dirty="0"/>
+          </a:p>
+        </p:txBody>
+      </p:sp>
+      <p:sp>
+        <p:nvSpPr>
+          <p:cNvPr id="6" name="Szövegdoboz 5"/>
+          <p:cNvSpPr txBox="1"/>
+          <p:nvPr/>
+        </p:nvSpPr>
+        <p:spPr>
+          <a:xfrm>
+            <a:off x="4546600" y="4584700"/>
+            <a:ext cx="7112000" cy="461665"/>
+          </a:xfrm>
+          <a:prstGeom prst="rect">
+            <a:avLst/>
+          </a:prstGeom>
+          <a:noFill/>
+        </p:spPr>
+        <p:txBody>
+          <a:bodyPr wrap="square" rtlCol="0">
+            <a:spAutoFit/>
+          </a:bodyPr>
+          <a:lstStyle/>
+          <a:p>
+            <a:r>
+              <a:rPr lang="hu-HU" sz="2400" dirty="0" smtClean="0"/>
+              <a:t>Készítette: Tarr Gábor</a:t>
+            </a:r>
+            <a:endParaRPr lang="hu-HU" sz="2400" dirty="0"/>
+          </a:p>
+        </p:txBody>
+      </p:sp>
+      <p:sp>
+        <p:nvSpPr>
+          <p:cNvPr id="7" name="Téglalap 6"/>
           <p:cNvSpPr/>
           <p:nvPr/>
         </p:nvSpPr>
         <p:spPr>
           <a:xfrm>
-            <a:off x="7493000" y="2698750"/>
-            <a:ext cx="3556000" cy="3556000"/>
-          </a:xfrm>
-          <a:prstGeom prst="ellipse">
+            <a:off x="0" y="4241800"/>
+            <a:ext cx="12192000" cy="114300"/>
+          </a:xfrm>
+          <a:prstGeom prst="rect">
             <a:avLst/>
           </a:prstGeom>
           <a:solidFill>
-            <a:srgbClr val="FFC000"/>
+            <a:schemeClr val="tx1"/>
           </a:solidFill>
+          <a:ln>
+            <a:noFill/>
+          </a:ln>
         </p:spPr>
         <p:style>
           <a:lnRef idx="2">
@@ -3888,19 +4460,67 @@
           </a:p>
         </p:txBody>
       </p:sp>
+      <p:sp>
+        <p:nvSpPr>
+          <p:cNvPr id="4" name="Szövegdoboz 3"/>
+          <p:cNvSpPr txBox="1"/>
+          <p:nvPr/>
+        </p:nvSpPr>
+        <p:spPr>
+          <a:xfrm>
+            <a:off x="381000" y="5918200"/>
+            <a:ext cx="6591300" cy="646331"/>
+          </a:xfrm>
+          <a:prstGeom prst="rect">
+            <a:avLst/>
+          </a:prstGeom>
+          <a:noFill/>
+        </p:spPr>
+        <p:txBody>
+          <a:bodyPr wrap="square" rtlCol="0">
+            <a:spAutoFit/>
+          </a:bodyPr>
+          <a:lstStyle/>
+          <a:p>
+            <a:r>
+              <a:rPr lang="hu-HU" dirty="0" smtClean="0"/>
+              <a:t>Forrás: </a:t>
+            </a:r>
+            <a:r>
+              <a:rPr lang="hu-HU" dirty="0">
+                <a:hlinkClick r:id="rId2"/>
+              </a:rPr>
+              <a:t>https://www.adobe.com/hu/products/catalog.html</a:t>
+            </a:r>
+            <a:endParaRPr lang="hu-HU" dirty="0"/>
+          </a:p>
+          <a:p>
+            <a:endParaRPr lang="hu-HU" dirty="0"/>
+          </a:p>
+        </p:txBody>
+      </p:sp>
     </p:spTree>
     <p:extLst>
       <p:ext uri="{BB962C8B-B14F-4D97-AF65-F5344CB8AC3E}">
-        <p14:creationId xmlns:p14="http://schemas.microsoft.com/office/powerpoint/2010/main" val="302615761"/>
+        <p14:creationId xmlns:p14="http://schemas.microsoft.com/office/powerpoint/2010/main" val="2000260441"/>
       </p:ext>
     </p:extLst>
   </p:cSld>
   <p:clrMapOvr>
     <a:masterClrMapping/>
   </p:clrMapOvr>
-  <p:transition spd="slow">
-    <p:push/>
-  </p:transition>
+  <mc:AlternateContent xmlns:mc="http://schemas.openxmlformats.org/markup-compatibility/2006">
+    <mc:Choice xmlns:p14="http://schemas.microsoft.com/office/powerpoint/2010/main" Requires="p14">
+      <p:transition spd="slow" p14:dur="1500">
+        <p:push/>
+      </p:transition>
+    </mc:Choice>
+    <mc:Fallback>
+      <p:transition spd="slow">
+        <p:push/>
+      </p:transition>
+    </mc:Fallback>
+  </mc:AlternateContent>
   <p:timing>
     <p:tnLst>
       <p:par>
@@ -3912,9 +4532,9 @@
 </file>
 
 <file path=ppt/theme/theme1.xml><?xml version="1.0" encoding="utf-8"?>
-<a:theme xmlns:a="http://schemas.openxmlformats.org/drawingml/2006/main" name="Office-téma">
+<a:theme xmlns:a="http://schemas.openxmlformats.org/drawingml/2006/main" name="Office Theme">
   <a:themeElements>
-    <a:clrScheme name="Office">
+    <a:clrScheme name="Lila">
       <a:dk1>
         <a:sysClr val="windowText" lastClr="000000"/>
       </a:dk1>
@@ -3922,37 +4542,37 @@
         <a:sysClr val="window" lastClr="FFFFFF"/>
       </a:lt1>
       <a:dk2>
-        <a:srgbClr val="44546A"/>
+        <a:srgbClr val="373545"/>
       </a:dk2>
       <a:lt2>
-        <a:srgbClr val="E7E6E6"/>
+        <a:srgbClr val="DCD8DC"/>
       </a:lt2>
       <a:accent1>
-        <a:srgbClr val="5B9BD5"/>
+        <a:srgbClr val="AD84C6"/>
       </a:accent1>
       <a:accent2>
-        <a:srgbClr val="ED7D31"/>
+        <a:srgbClr val="8784C7"/>
       </a:accent2>
       <a:accent3>
-        <a:srgbClr val="A5A5A5"/>
+        <a:srgbClr val="5D739A"/>
       </a:accent3>
       <a:accent4>
-        <a:srgbClr val="FFC000"/>
+        <a:srgbClr val="6997AF"/>
       </a:accent4>
       <a:accent5>
-        <a:srgbClr val="4472C4"/>
+        <a:srgbClr val="84ACB6"/>
       </a:accent5>
       <a:accent6>
-        <a:srgbClr val="70AD47"/>
+        <a:srgbClr val="6F8183"/>
       </a:accent6>
       <a:hlink>
-        <a:srgbClr val="0563C1"/>
+        <a:srgbClr val="69A020"/>
       </a:hlink>
       <a:folHlink>
-        <a:srgbClr val="954F72"/>
+        <a:srgbClr val="8C8C8C"/>
       </a:folHlink>
     </a:clrScheme>
-    <a:fontScheme name="Office">
+    <a:fontScheme name="Office-téma">
       <a:majorFont>
         <a:latin typeface="Calibri Light" panose="020F0302020204030204"/>
         <a:ea typeface=""/>
@@ -4024,7 +4644,7 @@
         <a:font script="Geor" typeface="Sylfaen"/>
       </a:minorFont>
     </a:fontScheme>
-    <a:fmtScheme name="Office">
+    <a:fmtScheme name="Office-téma">
       <a:fillStyleLst>
         <a:solidFill>
           <a:schemeClr val="phClr"/>

--- a/beadandóTG.pptx
+++ b/beadandóTG.pptx
@@ -251,7 +251,7 @@
           <a:p>
             <a:fld id="{5DCFF550-74A6-4A3B-803B-1468DFA707D9}" type="datetimeFigureOut">
               <a:rPr lang="hu-HU" smtClean="0"/>
-              <a:t>2022.09.12.</a:t>
+              <a:t>2022.09.13.</a:t>
             </a:fld>
             <a:endParaRPr lang="hu-HU"/>
           </a:p>
@@ -309,18 +309,9 @@
   <p:clrMapOvr>
     <a:masterClrMapping/>
   </p:clrMapOvr>
-  <mc:AlternateContent xmlns:mc="http://schemas.openxmlformats.org/markup-compatibility/2006">
-    <mc:Choice xmlns:p14="http://schemas.microsoft.com/office/powerpoint/2010/main" Requires="p14">
-      <p:transition spd="slow" p14:dur="1500">
-        <p:push/>
-      </p:transition>
-    </mc:Choice>
-    <mc:Fallback>
-      <p:transition spd="slow">
-        <p:push/>
-      </p:transition>
-    </mc:Fallback>
-  </mc:AlternateContent>
+  <p:transition spd="med">
+    <p:push/>
+  </p:transition>
 </p:sldLayout>
 </file>
 
@@ -433,7 +424,7 @@
           <a:p>
             <a:fld id="{5DCFF550-74A6-4A3B-803B-1468DFA707D9}" type="datetimeFigureOut">
               <a:rPr lang="hu-HU" smtClean="0"/>
-              <a:t>2022.09.12.</a:t>
+              <a:t>2022.09.13.</a:t>
             </a:fld>
             <a:endParaRPr lang="hu-HU"/>
           </a:p>
@@ -491,18 +482,9 @@
   <p:clrMapOvr>
     <a:masterClrMapping/>
   </p:clrMapOvr>
-  <mc:AlternateContent xmlns:mc="http://schemas.openxmlformats.org/markup-compatibility/2006">
-    <mc:Choice xmlns:p14="http://schemas.microsoft.com/office/powerpoint/2010/main" Requires="p14">
-      <p:transition spd="slow" p14:dur="1500">
-        <p:push/>
-      </p:transition>
-    </mc:Choice>
-    <mc:Fallback>
-      <p:transition spd="slow">
-        <p:push/>
-      </p:transition>
-    </mc:Fallback>
-  </mc:AlternateContent>
+  <p:transition spd="med">
+    <p:push/>
+  </p:transition>
 </p:sldLayout>
 </file>
 
@@ -625,7 +607,7 @@
           <a:p>
             <a:fld id="{5DCFF550-74A6-4A3B-803B-1468DFA707D9}" type="datetimeFigureOut">
               <a:rPr lang="hu-HU" smtClean="0"/>
-              <a:t>2022.09.12.</a:t>
+              <a:t>2022.09.13.</a:t>
             </a:fld>
             <a:endParaRPr lang="hu-HU"/>
           </a:p>
@@ -683,18 +665,9 @@
   <p:clrMapOvr>
     <a:masterClrMapping/>
   </p:clrMapOvr>
-  <mc:AlternateContent xmlns:mc="http://schemas.openxmlformats.org/markup-compatibility/2006">
-    <mc:Choice xmlns:p14="http://schemas.microsoft.com/office/powerpoint/2010/main" Requires="p14">
-      <p:transition spd="slow" p14:dur="1500">
-        <p:push/>
-      </p:transition>
-    </mc:Choice>
-    <mc:Fallback>
-      <p:transition spd="slow">
-        <p:push/>
-      </p:transition>
-    </mc:Fallback>
-  </mc:AlternateContent>
+  <p:transition spd="med">
+    <p:push/>
+  </p:transition>
 </p:sldLayout>
 </file>
 
@@ -807,7 +780,7 @@
           <a:p>
             <a:fld id="{5DCFF550-74A6-4A3B-803B-1468DFA707D9}" type="datetimeFigureOut">
               <a:rPr lang="hu-HU" smtClean="0"/>
-              <a:t>2022.09.12.</a:t>
+              <a:t>2022.09.13.</a:t>
             </a:fld>
             <a:endParaRPr lang="hu-HU"/>
           </a:p>
@@ -865,18 +838,9 @@
   <p:clrMapOvr>
     <a:masterClrMapping/>
   </p:clrMapOvr>
-  <mc:AlternateContent xmlns:mc="http://schemas.openxmlformats.org/markup-compatibility/2006">
-    <mc:Choice xmlns:p14="http://schemas.microsoft.com/office/powerpoint/2010/main" Requires="p14">
-      <p:transition spd="slow" p14:dur="1500">
-        <p:push/>
-      </p:transition>
-    </mc:Choice>
-    <mc:Fallback>
-      <p:transition spd="slow">
-        <p:push/>
-      </p:transition>
-    </mc:Fallback>
-  </mc:AlternateContent>
+  <p:transition spd="med">
+    <p:push/>
+  </p:transition>
 </p:sldLayout>
 </file>
 
@@ -1065,7 +1029,7 @@
           <a:p>
             <a:fld id="{5DCFF550-74A6-4A3B-803B-1468DFA707D9}" type="datetimeFigureOut">
               <a:rPr lang="hu-HU" smtClean="0"/>
-              <a:t>2022.09.12.</a:t>
+              <a:t>2022.09.13.</a:t>
             </a:fld>
             <a:endParaRPr lang="hu-HU"/>
           </a:p>
@@ -1123,18 +1087,9 @@
   <p:clrMapOvr>
     <a:masterClrMapping/>
   </p:clrMapOvr>
-  <mc:AlternateContent xmlns:mc="http://schemas.openxmlformats.org/markup-compatibility/2006">
-    <mc:Choice xmlns:p14="http://schemas.microsoft.com/office/powerpoint/2010/main" Requires="p14">
-      <p:transition spd="slow" p14:dur="1500">
-        <p:push/>
-      </p:transition>
-    </mc:Choice>
-    <mc:Fallback>
-      <p:transition spd="slow">
-        <p:push/>
-      </p:transition>
-    </mc:Fallback>
-  </mc:AlternateContent>
+  <p:transition spd="med">
+    <p:push/>
+  </p:transition>
 </p:sldLayout>
 </file>
 
@@ -1309,7 +1264,7 @@
           <a:p>
             <a:fld id="{5DCFF550-74A6-4A3B-803B-1468DFA707D9}" type="datetimeFigureOut">
               <a:rPr lang="hu-HU" smtClean="0"/>
-              <a:t>2022.09.12.</a:t>
+              <a:t>2022.09.13.</a:t>
             </a:fld>
             <a:endParaRPr lang="hu-HU"/>
           </a:p>
@@ -1367,18 +1322,9 @@
   <p:clrMapOvr>
     <a:masterClrMapping/>
   </p:clrMapOvr>
-  <mc:AlternateContent xmlns:mc="http://schemas.openxmlformats.org/markup-compatibility/2006">
-    <mc:Choice xmlns:p14="http://schemas.microsoft.com/office/powerpoint/2010/main" Requires="p14">
-      <p:transition spd="slow" p14:dur="1500">
-        <p:push/>
-      </p:transition>
-    </mc:Choice>
-    <mc:Fallback>
-      <p:transition spd="slow">
-        <p:push/>
-      </p:transition>
-    </mc:Fallback>
-  </mc:AlternateContent>
+  <p:transition spd="med">
+    <p:push/>
+  </p:transition>
 </p:sldLayout>
 </file>
 
@@ -1688,7 +1634,7 @@
           <a:p>
             <a:fld id="{5DCFF550-74A6-4A3B-803B-1468DFA707D9}" type="datetimeFigureOut">
               <a:rPr lang="hu-HU" smtClean="0"/>
-              <a:t>2022.09.12.</a:t>
+              <a:t>2022.09.13.</a:t>
             </a:fld>
             <a:endParaRPr lang="hu-HU"/>
           </a:p>
@@ -1746,18 +1692,9 @@
   <p:clrMapOvr>
     <a:masterClrMapping/>
   </p:clrMapOvr>
-  <mc:AlternateContent xmlns:mc="http://schemas.openxmlformats.org/markup-compatibility/2006">
-    <mc:Choice xmlns:p14="http://schemas.microsoft.com/office/powerpoint/2010/main" Requires="p14">
-      <p:transition spd="slow" p14:dur="1500">
-        <p:push/>
-      </p:transition>
-    </mc:Choice>
-    <mc:Fallback>
-      <p:transition spd="slow">
-        <p:push/>
-      </p:transition>
-    </mc:Fallback>
-  </mc:AlternateContent>
+  <p:transition spd="med">
+    <p:push/>
+  </p:transition>
 </p:sldLayout>
 </file>
 
@@ -1818,7 +1755,7 @@
           <a:p>
             <a:fld id="{5DCFF550-74A6-4A3B-803B-1468DFA707D9}" type="datetimeFigureOut">
               <a:rPr lang="hu-HU" smtClean="0"/>
-              <a:t>2022.09.12.</a:t>
+              <a:t>2022.09.13.</a:t>
             </a:fld>
             <a:endParaRPr lang="hu-HU"/>
           </a:p>
@@ -1876,18 +1813,9 @@
   <p:clrMapOvr>
     <a:masterClrMapping/>
   </p:clrMapOvr>
-  <mc:AlternateContent xmlns:mc="http://schemas.openxmlformats.org/markup-compatibility/2006">
-    <mc:Choice xmlns:p14="http://schemas.microsoft.com/office/powerpoint/2010/main" Requires="p14">
-      <p:transition spd="slow" p14:dur="1500">
-        <p:push/>
-      </p:transition>
-    </mc:Choice>
-    <mc:Fallback>
-      <p:transition spd="slow">
-        <p:push/>
-      </p:transition>
-    </mc:Fallback>
-  </mc:AlternateContent>
+  <p:transition spd="med">
+    <p:push/>
+  </p:transition>
 </p:sldLayout>
 </file>
 
@@ -1925,7 +1853,7 @@
           <a:p>
             <a:fld id="{5DCFF550-74A6-4A3B-803B-1468DFA707D9}" type="datetimeFigureOut">
               <a:rPr lang="hu-HU" smtClean="0"/>
-              <a:t>2022.09.12.</a:t>
+              <a:t>2022.09.13.</a:t>
             </a:fld>
             <a:endParaRPr lang="hu-HU"/>
           </a:p>
@@ -1983,18 +1911,9 @@
   <p:clrMapOvr>
     <a:masterClrMapping/>
   </p:clrMapOvr>
-  <mc:AlternateContent xmlns:mc="http://schemas.openxmlformats.org/markup-compatibility/2006">
-    <mc:Choice xmlns:p14="http://schemas.microsoft.com/office/powerpoint/2010/main" Requires="p14">
-      <p:transition spd="slow" p14:dur="1500">
-        <p:push/>
-      </p:transition>
-    </mc:Choice>
-    <mc:Fallback>
-      <p:transition spd="slow">
-        <p:push/>
-      </p:transition>
-    </mc:Fallback>
-  </mc:AlternateContent>
+  <p:transition spd="med">
+    <p:push/>
+  </p:transition>
 </p:sldLayout>
 </file>
 
@@ -2214,7 +2133,7 @@
           <a:p>
             <a:fld id="{5DCFF550-74A6-4A3B-803B-1468DFA707D9}" type="datetimeFigureOut">
               <a:rPr lang="hu-HU" smtClean="0"/>
-              <a:t>2022.09.12.</a:t>
+              <a:t>2022.09.13.</a:t>
             </a:fld>
             <a:endParaRPr lang="hu-HU"/>
           </a:p>
@@ -2272,18 +2191,9 @@
   <p:clrMapOvr>
     <a:masterClrMapping/>
   </p:clrMapOvr>
-  <mc:AlternateContent xmlns:mc="http://schemas.openxmlformats.org/markup-compatibility/2006">
-    <mc:Choice xmlns:p14="http://schemas.microsoft.com/office/powerpoint/2010/main" Requires="p14">
-      <p:transition spd="slow" p14:dur="1500">
-        <p:push/>
-      </p:transition>
-    </mc:Choice>
-    <mc:Fallback>
-      <p:transition spd="slow">
-        <p:push/>
-      </p:transition>
-    </mc:Fallback>
-  </mc:AlternateContent>
+  <p:transition spd="med">
+    <p:push/>
+  </p:transition>
 </p:sldLayout>
 </file>
 
@@ -2483,7 +2393,7 @@
           <a:p>
             <a:fld id="{5DCFF550-74A6-4A3B-803B-1468DFA707D9}" type="datetimeFigureOut">
               <a:rPr lang="hu-HU" smtClean="0"/>
-              <a:t>2022.09.12.</a:t>
+              <a:t>2022.09.13.</a:t>
             </a:fld>
             <a:endParaRPr lang="hu-HU"/>
           </a:p>
@@ -2541,18 +2451,9 @@
   <p:clrMapOvr>
     <a:masterClrMapping/>
   </p:clrMapOvr>
-  <mc:AlternateContent xmlns:mc="http://schemas.openxmlformats.org/markup-compatibility/2006">
-    <mc:Choice xmlns:p14="http://schemas.microsoft.com/office/powerpoint/2010/main" Requires="p14">
-      <p:transition spd="slow" p14:dur="1500">
-        <p:push/>
-      </p:transition>
-    </mc:Choice>
-    <mc:Fallback>
-      <p:transition spd="slow">
-        <p:push/>
-      </p:transition>
-    </mc:Fallback>
-  </mc:AlternateContent>
+  <p:transition spd="med">
+    <p:push/>
+  </p:transition>
 </p:sldLayout>
 </file>
 
@@ -2708,7 +2609,7 @@
           <a:p>
             <a:fld id="{5DCFF550-74A6-4A3B-803B-1468DFA707D9}" type="datetimeFigureOut">
               <a:rPr lang="hu-HU" smtClean="0"/>
-              <a:t>2022.09.12.</a:t>
+              <a:t>2022.09.13.</a:t>
             </a:fld>
             <a:endParaRPr lang="hu-HU"/>
           </a:p>
@@ -2813,18 +2714,9 @@
     <p:sldLayoutId id="2147483682" r:id="rId10"/>
     <p:sldLayoutId id="2147483683" r:id="rId11"/>
   </p:sldLayoutIdLst>
-  <mc:AlternateContent xmlns:mc="http://schemas.openxmlformats.org/markup-compatibility/2006">
-    <mc:Choice xmlns:p14="http://schemas.microsoft.com/office/powerpoint/2010/main" Requires="p14">
-      <p:transition spd="slow" p14:dur="1500">
-        <p:push/>
-      </p:transition>
-    </mc:Choice>
-    <mc:Fallback>
-      <p:transition spd="slow">
-        <p:push/>
-      </p:transition>
-    </mc:Fallback>
-  </mc:AlternateContent>
+  <p:transition spd="med">
+    <p:push/>
+  </p:transition>
   <p:txStyles>
     <p:titleStyle>
       <a:lvl1pPr algn="l" defTabSz="914400" rtl="0" eaLnBrk="1" latinLnBrk="0" hangingPunct="1">
@@ -3127,52 +3019,6 @@
       </p:grpSpPr>
       <p:sp>
         <p:nvSpPr>
-          <p:cNvPr id="2" name="Cím 1"/>
-          <p:cNvSpPr>
-            <a:spLocks noGrp="1"/>
-          </p:cNvSpPr>
-          <p:nvPr>
-            <p:ph type="ctrTitle"/>
-          </p:nvPr>
-        </p:nvSpPr>
-        <p:spPr/>
-        <p:txBody>
-          <a:bodyPr/>
-          <a:lstStyle/>
-          <a:p>
-            <a:r>
-              <a:rPr lang="hu-HU" dirty="0" smtClean="0"/>
-              <a:t>Adobe</a:t>
-            </a:r>
-            <a:endParaRPr lang="hu-HU" dirty="0"/>
-          </a:p>
-        </p:txBody>
-      </p:sp>
-      <p:sp>
-        <p:nvSpPr>
-          <p:cNvPr id="3" name="Alcím 2"/>
-          <p:cNvSpPr>
-            <a:spLocks noGrp="1"/>
-          </p:cNvSpPr>
-          <p:nvPr>
-            <p:ph type="subTitle" idx="1"/>
-          </p:nvPr>
-        </p:nvSpPr>
-        <p:spPr/>
-        <p:txBody>
-          <a:bodyPr/>
-          <a:lstStyle/>
-          <a:p>
-            <a:r>
-              <a:rPr lang="hu-HU" dirty="0"/>
-              <a:t>https://www.adobe.com/hu/products/catalog.html</a:t>
-            </a:r>
-            <a:endParaRPr lang="hu-HU" dirty="0"/>
-          </a:p>
-        </p:txBody>
-      </p:sp>
-      <p:sp>
-        <p:nvSpPr>
           <p:cNvPr id="4" name="Téglalap 3"/>
           <p:cNvSpPr/>
           <p:nvPr/>
@@ -3214,6 +3060,272 @@
           <a:p>
             <a:pPr algn="ctr"/>
             <a:endParaRPr lang="hu-HU"/>
+          </a:p>
+        </p:txBody>
+      </p:sp>
+      <p:sp>
+        <p:nvSpPr>
+          <p:cNvPr id="5" name="Derékszögű háromszög 4"/>
+          <p:cNvSpPr/>
+          <p:nvPr/>
+        </p:nvSpPr>
+        <p:spPr>
+          <a:xfrm rot="5400000">
+            <a:off x="0" y="0"/>
+            <a:ext cx="1346200" cy="1346200"/>
+          </a:xfrm>
+          <a:prstGeom prst="rtTriangle">
+            <a:avLst/>
+          </a:prstGeom>
+          <a:solidFill>
+            <a:srgbClr val="ED1C24"/>
+          </a:solidFill>
+          <a:ln>
+            <a:noFill/>
+          </a:ln>
+        </p:spPr>
+        <p:style>
+          <a:lnRef idx="2">
+            <a:schemeClr val="accent1">
+              <a:shade val="50000"/>
+            </a:schemeClr>
+          </a:lnRef>
+          <a:fillRef idx="1">
+            <a:schemeClr val="accent1"/>
+          </a:fillRef>
+          <a:effectRef idx="0">
+            <a:schemeClr val="accent1"/>
+          </a:effectRef>
+          <a:fontRef idx="minor">
+            <a:schemeClr val="lt1"/>
+          </a:fontRef>
+        </p:style>
+        <p:txBody>
+          <a:bodyPr rtlCol="0" anchor="ctr"/>
+          <a:lstStyle/>
+          <a:p>
+            <a:pPr algn="ctr"/>
+            <a:endParaRPr lang="hu-HU"/>
+          </a:p>
+        </p:txBody>
+      </p:sp>
+      <p:sp>
+        <p:nvSpPr>
+          <p:cNvPr id="6" name="Derékszögű háromszög 5"/>
+          <p:cNvSpPr/>
+          <p:nvPr/>
+        </p:nvSpPr>
+        <p:spPr>
+          <a:xfrm>
+            <a:off x="0" y="5511800"/>
+            <a:ext cx="1346200" cy="1346200"/>
+          </a:xfrm>
+          <a:prstGeom prst="rtTriangle">
+            <a:avLst/>
+          </a:prstGeom>
+          <a:solidFill>
+            <a:srgbClr val="ED1C24"/>
+          </a:solidFill>
+          <a:ln>
+            <a:noFill/>
+          </a:ln>
+        </p:spPr>
+        <p:style>
+          <a:lnRef idx="2">
+            <a:schemeClr val="accent1">
+              <a:shade val="50000"/>
+            </a:schemeClr>
+          </a:lnRef>
+          <a:fillRef idx="1">
+            <a:schemeClr val="accent1"/>
+          </a:fillRef>
+          <a:effectRef idx="0">
+            <a:schemeClr val="accent1"/>
+          </a:effectRef>
+          <a:fontRef idx="minor">
+            <a:schemeClr val="lt1"/>
+          </a:fontRef>
+        </p:style>
+        <p:txBody>
+          <a:bodyPr rtlCol="0" anchor="ctr"/>
+          <a:lstStyle/>
+          <a:p>
+            <a:pPr algn="ctr"/>
+            <a:endParaRPr lang="hu-HU"/>
+          </a:p>
+        </p:txBody>
+      </p:sp>
+      <p:sp>
+        <p:nvSpPr>
+          <p:cNvPr id="7" name="Derékszögű háromszög 6"/>
+          <p:cNvSpPr/>
+          <p:nvPr/>
+        </p:nvSpPr>
+        <p:spPr>
+          <a:xfrm rot="10800000">
+            <a:off x="10845800" y="0"/>
+            <a:ext cx="1346200" cy="1346200"/>
+          </a:xfrm>
+          <a:prstGeom prst="rtTriangle">
+            <a:avLst/>
+          </a:prstGeom>
+          <a:solidFill>
+            <a:srgbClr val="ED1C24"/>
+          </a:solidFill>
+          <a:ln>
+            <a:noFill/>
+          </a:ln>
+        </p:spPr>
+        <p:style>
+          <a:lnRef idx="2">
+            <a:schemeClr val="accent1">
+              <a:shade val="50000"/>
+            </a:schemeClr>
+          </a:lnRef>
+          <a:fillRef idx="1">
+            <a:schemeClr val="accent1"/>
+          </a:fillRef>
+          <a:effectRef idx="0">
+            <a:schemeClr val="accent1"/>
+          </a:effectRef>
+          <a:fontRef idx="minor">
+            <a:schemeClr val="lt1"/>
+          </a:fontRef>
+        </p:style>
+        <p:txBody>
+          <a:bodyPr rtlCol="0" anchor="ctr"/>
+          <a:lstStyle/>
+          <a:p>
+            <a:pPr algn="ctr"/>
+            <a:endParaRPr lang="hu-HU"/>
+          </a:p>
+        </p:txBody>
+      </p:sp>
+      <p:sp>
+        <p:nvSpPr>
+          <p:cNvPr id="8" name="Derékszögű háromszög 7"/>
+          <p:cNvSpPr/>
+          <p:nvPr/>
+        </p:nvSpPr>
+        <p:spPr>
+          <a:xfrm rot="16200000">
+            <a:off x="10845800" y="5511800"/>
+            <a:ext cx="1346200" cy="1346200"/>
+          </a:xfrm>
+          <a:prstGeom prst="rtTriangle">
+            <a:avLst/>
+          </a:prstGeom>
+          <a:solidFill>
+            <a:srgbClr val="ED1C24"/>
+          </a:solidFill>
+          <a:ln>
+            <a:noFill/>
+          </a:ln>
+        </p:spPr>
+        <p:style>
+          <a:lnRef idx="2">
+            <a:schemeClr val="accent1">
+              <a:shade val="50000"/>
+            </a:schemeClr>
+          </a:lnRef>
+          <a:fillRef idx="1">
+            <a:schemeClr val="accent1"/>
+          </a:fillRef>
+          <a:effectRef idx="0">
+            <a:schemeClr val="accent1"/>
+          </a:effectRef>
+          <a:fontRef idx="minor">
+            <a:schemeClr val="lt1"/>
+          </a:fontRef>
+        </p:style>
+        <p:txBody>
+          <a:bodyPr rtlCol="0" anchor="ctr"/>
+          <a:lstStyle/>
+          <a:p>
+            <a:pPr algn="ctr"/>
+            <a:endParaRPr lang="hu-HU"/>
+          </a:p>
+        </p:txBody>
+      </p:sp>
+      <p:pic>
+        <p:nvPicPr>
+          <p:cNvPr id="11" name="Kép 10"/>
+          <p:cNvPicPr>
+            <a:picLocks noChangeAspect="1"/>
+          </p:cNvPicPr>
+          <p:nvPr/>
+        </p:nvPicPr>
+        <p:blipFill rotWithShape="1">
+          <a:blip r:embed="rId2" cstate="print">
+            <a:extLst>
+              <a:ext uri="{28A0092B-C50C-407E-A947-70E740481C1C}">
+                <a14:useLocalDpi xmlns:a14="http://schemas.microsoft.com/office/drawing/2010/main" val="0"/>
+              </a:ext>
+            </a:extLst>
+          </a:blip>
+          <a:srcRect l="3625" t="5721" r="4407" b="6966"/>
+          <a:stretch/>
+        </p:blipFill>
+        <p:spPr>
+          <a:xfrm>
+            <a:off x="2901750" y="2965256"/>
+            <a:ext cx="3145784" cy="2781688"/>
+          </a:xfrm>
+          <a:prstGeom prst="rect">
+            <a:avLst/>
+          </a:prstGeom>
+        </p:spPr>
+      </p:pic>
+      <p:sp>
+        <p:nvSpPr>
+          <p:cNvPr id="13" name="Cím 1"/>
+          <p:cNvSpPr txBox="1">
+            <a:spLocks/>
+          </p:cNvSpPr>
+          <p:nvPr/>
+        </p:nvSpPr>
+        <p:spPr>
+          <a:xfrm>
+            <a:off x="889001" y="3720872"/>
+            <a:ext cx="2044699" cy="940028"/>
+          </a:xfrm>
+          <a:prstGeom prst="rect">
+            <a:avLst/>
+          </a:prstGeom>
+        </p:spPr>
+        <p:txBody>
+          <a:bodyPr/>
+          <a:lstStyle>
+            <a:lvl1pPr algn="l" defTabSz="914400" rtl="0" eaLnBrk="1" latinLnBrk="0" hangingPunct="1">
+              <a:lnSpc>
+                <a:spcPct val="90000"/>
+              </a:lnSpc>
+              <a:spcBef>
+                <a:spcPct val="0"/>
+              </a:spcBef>
+              <a:buNone/>
+              <a:defRPr sz="4400" kern="1200">
+                <a:solidFill>
+                  <a:schemeClr val="tx1"/>
+                </a:solidFill>
+                <a:latin typeface="+mj-lt"/>
+                <a:ea typeface="+mj-ea"/>
+                <a:cs typeface="+mj-cs"/>
+              </a:defRPr>
+            </a:lvl1pPr>
+          </a:lstStyle>
+          <a:p>
+            <a:r>
+              <a:rPr lang="hu-HU" smtClean="0">
+                <a:latin typeface="Times New Roman" panose="02020603050405020304" pitchFamily="18" charset="0"/>
+                <a:cs typeface="Times New Roman" panose="02020603050405020304" pitchFamily="18" charset="0"/>
+              </a:rPr>
+              <a:t>Adobe</a:t>
+            </a:r>
+            <a:endParaRPr lang="hu-HU" dirty="0">
+              <a:latin typeface="Times New Roman" panose="02020603050405020304" pitchFamily="18" charset="0"/>
+              <a:cs typeface="Times New Roman" panose="02020603050405020304" pitchFamily="18" charset="0"/>
+            </a:endParaRPr>
           </a:p>
         </p:txBody>
       </p:sp>
@@ -3370,6 +3482,363 @@
           </a:prstGeom>
         </p:spPr>
       </p:pic>
+      <p:sp>
+        <p:nvSpPr>
+          <p:cNvPr id="3" name="Derékszögű háromszög 2"/>
+          <p:cNvSpPr/>
+          <p:nvPr/>
+        </p:nvSpPr>
+        <p:spPr>
+          <a:xfrm rot="5400000">
+            <a:off x="0" y="0"/>
+            <a:ext cx="1346200" cy="1346200"/>
+          </a:xfrm>
+          <a:prstGeom prst="rtTriangle">
+            <a:avLst/>
+          </a:prstGeom>
+          <a:solidFill>
+            <a:srgbClr val="31A8FF"/>
+          </a:solidFill>
+          <a:ln>
+            <a:noFill/>
+          </a:ln>
+        </p:spPr>
+        <p:style>
+          <a:lnRef idx="2">
+            <a:schemeClr val="accent1">
+              <a:shade val="50000"/>
+            </a:schemeClr>
+          </a:lnRef>
+          <a:fillRef idx="1">
+            <a:schemeClr val="accent1"/>
+          </a:fillRef>
+          <a:effectRef idx="0">
+            <a:schemeClr val="accent1"/>
+          </a:effectRef>
+          <a:fontRef idx="minor">
+            <a:schemeClr val="lt1"/>
+          </a:fontRef>
+        </p:style>
+        <p:txBody>
+          <a:bodyPr rtlCol="0" anchor="ctr"/>
+          <a:lstStyle/>
+          <a:p>
+            <a:pPr algn="ctr"/>
+            <a:endParaRPr lang="hu-HU"/>
+          </a:p>
+        </p:txBody>
+      </p:sp>
+      <p:sp>
+        <p:nvSpPr>
+          <p:cNvPr id="10" name="Derékszögű háromszög 9"/>
+          <p:cNvSpPr/>
+          <p:nvPr/>
+        </p:nvSpPr>
+        <p:spPr>
+          <a:xfrm>
+            <a:off x="0" y="5511800"/>
+            <a:ext cx="1346200" cy="1346200"/>
+          </a:xfrm>
+          <a:prstGeom prst="rtTriangle">
+            <a:avLst/>
+          </a:prstGeom>
+          <a:solidFill>
+            <a:srgbClr val="31A8FF"/>
+          </a:solidFill>
+          <a:ln>
+            <a:noFill/>
+          </a:ln>
+        </p:spPr>
+        <p:style>
+          <a:lnRef idx="2">
+            <a:schemeClr val="accent1">
+              <a:shade val="50000"/>
+            </a:schemeClr>
+          </a:lnRef>
+          <a:fillRef idx="1">
+            <a:schemeClr val="accent1"/>
+          </a:fillRef>
+          <a:effectRef idx="0">
+            <a:schemeClr val="accent1"/>
+          </a:effectRef>
+          <a:fontRef idx="minor">
+            <a:schemeClr val="lt1"/>
+          </a:fontRef>
+        </p:style>
+        <p:txBody>
+          <a:bodyPr rtlCol="0" anchor="ctr"/>
+          <a:lstStyle/>
+          <a:p>
+            <a:pPr algn="ctr"/>
+            <a:endParaRPr lang="hu-HU"/>
+          </a:p>
+        </p:txBody>
+      </p:sp>
+      <p:sp>
+        <p:nvSpPr>
+          <p:cNvPr id="11" name="Derékszögű háromszög 10"/>
+          <p:cNvSpPr/>
+          <p:nvPr/>
+        </p:nvSpPr>
+        <p:spPr>
+          <a:xfrm rot="10800000">
+            <a:off x="10845800" y="0"/>
+            <a:ext cx="1346200" cy="1346200"/>
+          </a:xfrm>
+          <a:prstGeom prst="rtTriangle">
+            <a:avLst/>
+          </a:prstGeom>
+          <a:solidFill>
+            <a:srgbClr val="31A8FF"/>
+          </a:solidFill>
+          <a:ln>
+            <a:noFill/>
+          </a:ln>
+        </p:spPr>
+        <p:style>
+          <a:lnRef idx="2">
+            <a:schemeClr val="accent1">
+              <a:shade val="50000"/>
+            </a:schemeClr>
+          </a:lnRef>
+          <a:fillRef idx="1">
+            <a:schemeClr val="accent1"/>
+          </a:fillRef>
+          <a:effectRef idx="0">
+            <a:schemeClr val="accent1"/>
+          </a:effectRef>
+          <a:fontRef idx="minor">
+            <a:schemeClr val="lt1"/>
+          </a:fontRef>
+        </p:style>
+        <p:txBody>
+          <a:bodyPr rtlCol="0" anchor="ctr"/>
+          <a:lstStyle/>
+          <a:p>
+            <a:pPr algn="ctr"/>
+            <a:endParaRPr lang="hu-HU"/>
+          </a:p>
+        </p:txBody>
+      </p:sp>
+      <p:sp>
+        <p:nvSpPr>
+          <p:cNvPr id="12" name="Derékszögű háromszög 11"/>
+          <p:cNvSpPr/>
+          <p:nvPr/>
+        </p:nvSpPr>
+        <p:spPr>
+          <a:xfrm rot="16200000">
+            <a:off x="10845800" y="5511800"/>
+            <a:ext cx="1346200" cy="1346200"/>
+          </a:xfrm>
+          <a:prstGeom prst="rtTriangle">
+            <a:avLst/>
+          </a:prstGeom>
+          <a:solidFill>
+            <a:srgbClr val="31A8FF"/>
+          </a:solidFill>
+          <a:ln>
+            <a:noFill/>
+          </a:ln>
+        </p:spPr>
+        <p:style>
+          <a:lnRef idx="2">
+            <a:schemeClr val="accent1">
+              <a:shade val="50000"/>
+            </a:schemeClr>
+          </a:lnRef>
+          <a:fillRef idx="1">
+            <a:schemeClr val="accent1"/>
+          </a:fillRef>
+          <a:effectRef idx="0">
+            <a:schemeClr val="accent1"/>
+          </a:effectRef>
+          <a:fontRef idx="minor">
+            <a:schemeClr val="lt1"/>
+          </a:fontRef>
+        </p:style>
+        <p:txBody>
+          <a:bodyPr rtlCol="0" anchor="ctr"/>
+          <a:lstStyle/>
+          <a:p>
+            <a:pPr algn="ctr"/>
+            <a:endParaRPr lang="hu-HU"/>
+          </a:p>
+        </p:txBody>
+      </p:sp>
+      <p:sp>
+        <p:nvSpPr>
+          <p:cNvPr id="13" name="Szövegdoboz 12"/>
+          <p:cNvSpPr txBox="1"/>
+          <p:nvPr/>
+        </p:nvSpPr>
+        <p:spPr>
+          <a:xfrm>
+            <a:off x="6730999" y="4449970"/>
+            <a:ext cx="4865737" cy="2123658"/>
+          </a:xfrm>
+          <a:prstGeom prst="rect">
+            <a:avLst/>
+          </a:prstGeom>
+          <a:noFill/>
+        </p:spPr>
+        <p:txBody>
+          <a:bodyPr wrap="square" rtlCol="0">
+            <a:spAutoFit/>
+          </a:bodyPr>
+          <a:lstStyle/>
+          <a:p>
+            <a:r>
+              <a:rPr lang="hu-HU" sz="4400" dirty="0" smtClean="0">
+                <a:latin typeface="Times New Roman" panose="02020603050405020304" pitchFamily="18" charset="0"/>
+                <a:cs typeface="Times New Roman" panose="02020603050405020304" pitchFamily="18" charset="0"/>
+              </a:rPr>
+              <a:t>-PDF fájlok</a:t>
+            </a:r>
+            <a:br>
+              <a:rPr lang="hu-HU" sz="4400" dirty="0" smtClean="0">
+                <a:latin typeface="Times New Roman" panose="02020603050405020304" pitchFamily="18" charset="0"/>
+                <a:cs typeface="Times New Roman" panose="02020603050405020304" pitchFamily="18" charset="0"/>
+              </a:rPr>
+            </a:br>
+            <a:r>
+              <a:rPr lang="hu-HU" sz="4400" dirty="0" smtClean="0">
+                <a:latin typeface="Times New Roman" panose="02020603050405020304" pitchFamily="18" charset="0"/>
+                <a:cs typeface="Times New Roman" panose="02020603050405020304" pitchFamily="18" charset="0"/>
+              </a:rPr>
+              <a:t>-Kompatibilis</a:t>
+            </a:r>
+          </a:p>
+          <a:p>
+            <a:r>
+              <a:rPr lang="hu-HU" sz="4400" dirty="0" smtClean="0">
+                <a:latin typeface="Times New Roman" panose="02020603050405020304" pitchFamily="18" charset="0"/>
+                <a:cs typeface="Times New Roman" panose="02020603050405020304" pitchFamily="18" charset="0"/>
+              </a:rPr>
+              <a:t>-Aláírások</a:t>
+            </a:r>
+            <a:endParaRPr lang="hu-HU" sz="4400" dirty="0">
+              <a:latin typeface="Times New Roman" panose="02020603050405020304" pitchFamily="18" charset="0"/>
+              <a:cs typeface="Times New Roman" panose="02020603050405020304" pitchFamily="18" charset="0"/>
+            </a:endParaRPr>
+          </a:p>
+        </p:txBody>
+      </p:sp>
+      <p:pic>
+        <p:nvPicPr>
+          <p:cNvPr id="4" name="Kép 3"/>
+          <p:cNvPicPr>
+            <a:picLocks noChangeAspect="1"/>
+          </p:cNvPicPr>
+          <p:nvPr/>
+        </p:nvPicPr>
+        <p:blipFill>
+          <a:blip r:embed="rId4" cstate="print">
+            <a:extLst>
+              <a:ext uri="{28A0092B-C50C-407E-A947-70E740481C1C}">
+                <a14:useLocalDpi xmlns:a14="http://schemas.microsoft.com/office/drawing/2010/main" val="0"/>
+              </a:ext>
+            </a:extLst>
+          </a:blip>
+          <a:stretch>
+            <a:fillRect/>
+          </a:stretch>
+        </p:blipFill>
+        <p:spPr>
+          <a:xfrm>
+            <a:off x="6653162" y="1182921"/>
+            <a:ext cx="3864076" cy="2576051"/>
+          </a:xfrm>
+          <a:prstGeom prst="rect">
+            <a:avLst/>
+          </a:prstGeom>
+        </p:spPr>
+      </p:pic>
+      <p:sp>
+        <p:nvSpPr>
+          <p:cNvPr id="5" name="Szövegdoboz 4"/>
+          <p:cNvSpPr txBox="1"/>
+          <p:nvPr/>
+        </p:nvSpPr>
+        <p:spPr>
+          <a:xfrm>
+            <a:off x="6564262" y="1028264"/>
+            <a:ext cx="4829276" cy="215444"/>
+          </a:xfrm>
+          <a:prstGeom prst="rect">
+            <a:avLst/>
+          </a:prstGeom>
+          <a:noFill/>
+        </p:spPr>
+        <p:txBody>
+          <a:bodyPr wrap="square" rtlCol="0">
+            <a:spAutoFit/>
+          </a:bodyPr>
+          <a:lstStyle/>
+          <a:p>
+            <a:r>
+              <a:rPr lang="hu-HU" sz="800" dirty="0">
+                <a:hlinkClick r:id="rId5"/>
+              </a:rPr>
+              <a:t>https://fixthephoto.com/hu/photoshop-ingyen.html</a:t>
+            </a:r>
+            <a:endParaRPr lang="hu-HU" sz="800" dirty="0"/>
+          </a:p>
+        </p:txBody>
+      </p:sp>
+      <p:sp>
+        <p:nvSpPr>
+          <p:cNvPr id="16" name="Cím 1"/>
+          <p:cNvSpPr txBox="1">
+            <a:spLocks/>
+          </p:cNvSpPr>
+          <p:nvPr/>
+        </p:nvSpPr>
+        <p:spPr>
+          <a:xfrm>
+            <a:off x="228599" y="3720872"/>
+            <a:ext cx="2705101" cy="940028"/>
+          </a:xfrm>
+          <a:prstGeom prst="rect">
+            <a:avLst/>
+          </a:prstGeom>
+        </p:spPr>
+        <p:txBody>
+          <a:bodyPr/>
+          <a:lstStyle>
+            <a:lvl1pPr algn="l" defTabSz="914400" rtl="0" eaLnBrk="1" latinLnBrk="0" hangingPunct="1">
+              <a:lnSpc>
+                <a:spcPct val="90000"/>
+              </a:lnSpc>
+              <a:spcBef>
+                <a:spcPct val="0"/>
+              </a:spcBef>
+              <a:buNone/>
+              <a:defRPr sz="4400" kern="1200">
+                <a:solidFill>
+                  <a:schemeClr val="tx1"/>
+                </a:solidFill>
+                <a:latin typeface="+mj-lt"/>
+                <a:ea typeface="+mj-ea"/>
+                <a:cs typeface="+mj-cs"/>
+              </a:defRPr>
+            </a:lvl1pPr>
+          </a:lstStyle>
+          <a:p>
+            <a:r>
+              <a:rPr lang="hu-HU" dirty="0" smtClean="0">
+                <a:latin typeface="Times New Roman" panose="02020603050405020304" pitchFamily="18" charset="0"/>
+                <a:cs typeface="Times New Roman" panose="02020603050405020304" pitchFamily="18" charset="0"/>
+              </a:rPr>
+              <a:t>Photoshop</a:t>
+            </a:r>
+            <a:endParaRPr lang="hu-HU" dirty="0">
+              <a:latin typeface="Times New Roman" panose="02020603050405020304" pitchFamily="18" charset="0"/>
+              <a:cs typeface="Times New Roman" panose="02020603050405020304" pitchFamily="18" charset="0"/>
+            </a:endParaRPr>
+          </a:p>
+        </p:txBody>
+      </p:sp>
     </p:spTree>
     <p:extLst>
       <p:ext uri="{BB962C8B-B14F-4D97-AF65-F5344CB8AC3E}">
@@ -3518,6 +3987,370 @@
           </a:p>
         </p:txBody>
       </p:sp>
+      <p:sp>
+        <p:nvSpPr>
+          <p:cNvPr id="6" name="Derékszögű háromszög 5"/>
+          <p:cNvSpPr/>
+          <p:nvPr/>
+        </p:nvSpPr>
+        <p:spPr>
+          <a:xfrm rot="5400000">
+            <a:off x="0" y="0"/>
+            <a:ext cx="1346200" cy="1346200"/>
+          </a:xfrm>
+          <a:prstGeom prst="rtTriangle">
+            <a:avLst/>
+          </a:prstGeom>
+          <a:solidFill>
+            <a:srgbClr val="9999FF"/>
+          </a:solidFill>
+          <a:ln>
+            <a:noFill/>
+          </a:ln>
+        </p:spPr>
+        <p:style>
+          <a:lnRef idx="2">
+            <a:schemeClr val="accent1">
+              <a:shade val="50000"/>
+            </a:schemeClr>
+          </a:lnRef>
+          <a:fillRef idx="1">
+            <a:schemeClr val="accent1"/>
+          </a:fillRef>
+          <a:effectRef idx="0">
+            <a:schemeClr val="accent1"/>
+          </a:effectRef>
+          <a:fontRef idx="minor">
+            <a:schemeClr val="lt1"/>
+          </a:fontRef>
+        </p:style>
+        <p:txBody>
+          <a:bodyPr rtlCol="0" anchor="ctr"/>
+          <a:lstStyle/>
+          <a:p>
+            <a:pPr algn="ctr"/>
+            <a:endParaRPr lang="hu-HU"/>
+          </a:p>
+        </p:txBody>
+      </p:sp>
+      <p:sp>
+        <p:nvSpPr>
+          <p:cNvPr id="7" name="Derékszögű háromszög 6"/>
+          <p:cNvSpPr/>
+          <p:nvPr/>
+        </p:nvSpPr>
+        <p:spPr>
+          <a:xfrm>
+            <a:off x="0" y="5511800"/>
+            <a:ext cx="1346200" cy="1346200"/>
+          </a:xfrm>
+          <a:prstGeom prst="rtTriangle">
+            <a:avLst/>
+          </a:prstGeom>
+          <a:solidFill>
+            <a:srgbClr val="9999FF"/>
+          </a:solidFill>
+          <a:ln>
+            <a:noFill/>
+          </a:ln>
+        </p:spPr>
+        <p:style>
+          <a:lnRef idx="2">
+            <a:schemeClr val="accent1">
+              <a:shade val="50000"/>
+            </a:schemeClr>
+          </a:lnRef>
+          <a:fillRef idx="1">
+            <a:schemeClr val="accent1"/>
+          </a:fillRef>
+          <a:effectRef idx="0">
+            <a:schemeClr val="accent1"/>
+          </a:effectRef>
+          <a:fontRef idx="minor">
+            <a:schemeClr val="lt1"/>
+          </a:fontRef>
+        </p:style>
+        <p:txBody>
+          <a:bodyPr rtlCol="0" anchor="ctr"/>
+          <a:lstStyle/>
+          <a:p>
+            <a:pPr algn="ctr"/>
+            <a:endParaRPr lang="hu-HU"/>
+          </a:p>
+        </p:txBody>
+      </p:sp>
+      <p:sp>
+        <p:nvSpPr>
+          <p:cNvPr id="8" name="Derékszögű háromszög 7"/>
+          <p:cNvSpPr/>
+          <p:nvPr/>
+        </p:nvSpPr>
+        <p:spPr>
+          <a:xfrm rot="10800000">
+            <a:off x="10845800" y="0"/>
+            <a:ext cx="1346200" cy="1346200"/>
+          </a:xfrm>
+          <a:prstGeom prst="rtTriangle">
+            <a:avLst/>
+          </a:prstGeom>
+          <a:solidFill>
+            <a:srgbClr val="9999FF"/>
+          </a:solidFill>
+          <a:ln>
+            <a:noFill/>
+          </a:ln>
+        </p:spPr>
+        <p:style>
+          <a:lnRef idx="2">
+            <a:schemeClr val="accent1">
+              <a:shade val="50000"/>
+            </a:schemeClr>
+          </a:lnRef>
+          <a:fillRef idx="1">
+            <a:schemeClr val="accent1"/>
+          </a:fillRef>
+          <a:effectRef idx="0">
+            <a:schemeClr val="accent1"/>
+          </a:effectRef>
+          <a:fontRef idx="minor">
+            <a:schemeClr val="lt1"/>
+          </a:fontRef>
+        </p:style>
+        <p:txBody>
+          <a:bodyPr rtlCol="0" anchor="ctr"/>
+          <a:lstStyle/>
+          <a:p>
+            <a:pPr algn="ctr"/>
+            <a:endParaRPr lang="hu-HU"/>
+          </a:p>
+        </p:txBody>
+      </p:sp>
+      <p:sp>
+        <p:nvSpPr>
+          <p:cNvPr id="9" name="Derékszögű háromszög 8"/>
+          <p:cNvSpPr/>
+          <p:nvPr/>
+        </p:nvSpPr>
+        <p:spPr>
+          <a:xfrm rot="16200000">
+            <a:off x="10845800" y="5511800"/>
+            <a:ext cx="1346200" cy="1346200"/>
+          </a:xfrm>
+          <a:prstGeom prst="rtTriangle">
+            <a:avLst/>
+          </a:prstGeom>
+          <a:solidFill>
+            <a:srgbClr val="9999FF"/>
+          </a:solidFill>
+          <a:ln>
+            <a:noFill/>
+          </a:ln>
+        </p:spPr>
+        <p:style>
+          <a:lnRef idx="2">
+            <a:schemeClr val="accent1">
+              <a:shade val="50000"/>
+            </a:schemeClr>
+          </a:lnRef>
+          <a:fillRef idx="1">
+            <a:schemeClr val="accent1"/>
+          </a:fillRef>
+          <a:effectRef idx="0">
+            <a:schemeClr val="accent1"/>
+          </a:effectRef>
+          <a:fontRef idx="minor">
+            <a:schemeClr val="lt1"/>
+          </a:fontRef>
+        </p:style>
+        <p:txBody>
+          <a:bodyPr rtlCol="0" anchor="ctr"/>
+          <a:lstStyle/>
+          <a:p>
+            <a:pPr algn="ctr"/>
+            <a:endParaRPr lang="hu-HU"/>
+          </a:p>
+        </p:txBody>
+      </p:sp>
+      <p:sp>
+        <p:nvSpPr>
+          <p:cNvPr id="11" name="Szövegdoboz 10"/>
+          <p:cNvSpPr txBox="1"/>
+          <p:nvPr/>
+        </p:nvSpPr>
+        <p:spPr>
+          <a:xfrm>
+            <a:off x="6730999" y="4449970"/>
+            <a:ext cx="4865737" cy="2123658"/>
+          </a:xfrm>
+          <a:prstGeom prst="rect">
+            <a:avLst/>
+          </a:prstGeom>
+          <a:noFill/>
+        </p:spPr>
+        <p:txBody>
+          <a:bodyPr wrap="square" rtlCol="0">
+            <a:spAutoFit/>
+          </a:bodyPr>
+          <a:lstStyle/>
+          <a:p>
+            <a:r>
+              <a:rPr lang="hu-HU" sz="4400" dirty="0" smtClean="0">
+                <a:latin typeface="Times New Roman" panose="02020603050405020304" pitchFamily="18" charset="0"/>
+                <a:cs typeface="Times New Roman" panose="02020603050405020304" pitchFamily="18" charset="0"/>
+              </a:rPr>
+              <a:t>-PDF fájlok</a:t>
+            </a:r>
+            <a:br>
+              <a:rPr lang="hu-HU" sz="4400" dirty="0" smtClean="0">
+                <a:latin typeface="Times New Roman" panose="02020603050405020304" pitchFamily="18" charset="0"/>
+                <a:cs typeface="Times New Roman" panose="02020603050405020304" pitchFamily="18" charset="0"/>
+              </a:rPr>
+            </a:br>
+            <a:r>
+              <a:rPr lang="hu-HU" sz="4400" dirty="0" smtClean="0">
+                <a:latin typeface="Times New Roman" panose="02020603050405020304" pitchFamily="18" charset="0"/>
+                <a:cs typeface="Times New Roman" panose="02020603050405020304" pitchFamily="18" charset="0"/>
+              </a:rPr>
+              <a:t>-Kompatibilis</a:t>
+            </a:r>
+          </a:p>
+          <a:p>
+            <a:r>
+              <a:rPr lang="hu-HU" sz="4400" dirty="0" smtClean="0">
+                <a:latin typeface="Times New Roman" panose="02020603050405020304" pitchFamily="18" charset="0"/>
+                <a:cs typeface="Times New Roman" panose="02020603050405020304" pitchFamily="18" charset="0"/>
+              </a:rPr>
+              <a:t>-Aláírások</a:t>
+            </a:r>
+            <a:endParaRPr lang="hu-HU" sz="4400" dirty="0">
+              <a:latin typeface="Times New Roman" panose="02020603050405020304" pitchFamily="18" charset="0"/>
+              <a:cs typeface="Times New Roman" panose="02020603050405020304" pitchFamily="18" charset="0"/>
+            </a:endParaRPr>
+          </a:p>
+        </p:txBody>
+      </p:sp>
+      <p:sp>
+        <p:nvSpPr>
+          <p:cNvPr id="12" name="Szövegdoboz 11"/>
+          <p:cNvSpPr txBox="1"/>
+          <p:nvPr/>
+        </p:nvSpPr>
+        <p:spPr>
+          <a:xfrm>
+            <a:off x="6096000" y="968960"/>
+            <a:ext cx="3517900" cy="215444"/>
+          </a:xfrm>
+          <a:prstGeom prst="rect">
+            <a:avLst/>
+          </a:prstGeom>
+          <a:noFill/>
+        </p:spPr>
+        <p:txBody>
+          <a:bodyPr wrap="square" rtlCol="0">
+            <a:spAutoFit/>
+          </a:bodyPr>
+          <a:lstStyle/>
+          <a:p>
+            <a:r>
+              <a:rPr lang="hu-HU" sz="800" dirty="0">
+                <a:hlinkClick r:id="rId4"/>
+              </a:rPr>
+              <a:t>https://helpx.adobe.com/hu/premiere-pro/using/whats-new/2022-3.html</a:t>
+            </a:r>
+            <a:endParaRPr lang="hu-HU" sz="800" dirty="0"/>
+          </a:p>
+        </p:txBody>
+      </p:sp>
+      <p:pic>
+        <p:nvPicPr>
+          <p:cNvPr id="13" name="Kép 12"/>
+          <p:cNvPicPr>
+            <a:picLocks noChangeAspect="1"/>
+          </p:cNvPicPr>
+          <p:nvPr/>
+        </p:nvPicPr>
+        <p:blipFill>
+          <a:blip r:embed="rId5" cstate="print">
+            <a:extLst>
+              <a:ext uri="{28A0092B-C50C-407E-A947-70E740481C1C}">
+                <a14:useLocalDpi xmlns:a14="http://schemas.microsoft.com/office/drawing/2010/main" val="0"/>
+              </a:ext>
+            </a:extLst>
+          </a:blip>
+          <a:stretch>
+            <a:fillRect/>
+          </a:stretch>
+        </p:blipFill>
+        <p:spPr>
+          <a:xfrm>
+            <a:off x="6036368" y="1100930"/>
+            <a:ext cx="5726511" cy="3005137"/>
+          </a:xfrm>
+          <a:prstGeom prst="rect">
+            <a:avLst/>
+          </a:prstGeom>
+        </p:spPr>
+      </p:pic>
+      <p:sp>
+        <p:nvSpPr>
+          <p:cNvPr id="16" name="Cím 1"/>
+          <p:cNvSpPr txBox="1">
+            <a:spLocks/>
+          </p:cNvSpPr>
+          <p:nvPr/>
+        </p:nvSpPr>
+        <p:spPr>
+          <a:xfrm>
+            <a:off x="-101600" y="3720872"/>
+            <a:ext cx="3352799" cy="940028"/>
+          </a:xfrm>
+          <a:prstGeom prst="rect">
+            <a:avLst/>
+          </a:prstGeom>
+        </p:spPr>
+        <p:txBody>
+          <a:bodyPr/>
+          <a:lstStyle>
+            <a:lvl1pPr algn="l" defTabSz="914400" rtl="0" eaLnBrk="1" latinLnBrk="0" hangingPunct="1">
+              <a:lnSpc>
+                <a:spcPct val="90000"/>
+              </a:lnSpc>
+              <a:spcBef>
+                <a:spcPct val="0"/>
+              </a:spcBef>
+              <a:buNone/>
+              <a:defRPr sz="4400" kern="1200">
+                <a:solidFill>
+                  <a:schemeClr val="tx1"/>
+                </a:solidFill>
+                <a:latin typeface="+mj-lt"/>
+                <a:ea typeface="+mj-ea"/>
+                <a:cs typeface="+mj-cs"/>
+              </a:defRPr>
+            </a:lvl1pPr>
+          </a:lstStyle>
+          <a:p>
+            <a:r>
+              <a:rPr lang="hu-HU" sz="4000" dirty="0" err="1" smtClean="0">
+                <a:latin typeface="Times New Roman" panose="02020603050405020304" pitchFamily="18" charset="0"/>
+                <a:cs typeface="Times New Roman" panose="02020603050405020304" pitchFamily="18" charset="0"/>
+              </a:rPr>
+              <a:t>Premiere</a:t>
+            </a:r>
+            <a:r>
+              <a:rPr lang="hu-HU" sz="4000" dirty="0" smtClean="0">
+                <a:latin typeface="Times New Roman" panose="02020603050405020304" pitchFamily="18" charset="0"/>
+                <a:cs typeface="Times New Roman" panose="02020603050405020304" pitchFamily="18" charset="0"/>
+              </a:rPr>
+              <a:t> Pro</a:t>
+            </a:r>
+            <a:endParaRPr lang="hu-HU" sz="4000" dirty="0">
+              <a:latin typeface="Times New Roman" panose="02020603050405020304" pitchFamily="18" charset="0"/>
+              <a:cs typeface="Times New Roman" panose="02020603050405020304" pitchFamily="18" charset="0"/>
+            </a:endParaRPr>
+          </a:p>
+        </p:txBody>
+      </p:sp>
     </p:spTree>
     <p:extLst>
       <p:ext uri="{BB962C8B-B14F-4D97-AF65-F5344CB8AC3E}">
@@ -3528,18 +4361,9 @@
   <p:clrMapOvr>
     <a:masterClrMapping/>
   </p:clrMapOvr>
-  <mc:AlternateContent xmlns:mc="http://schemas.openxmlformats.org/markup-compatibility/2006">
-    <mc:Choice xmlns:p14="http://schemas.microsoft.com/office/powerpoint/2010/main" Requires="p14">
-      <p:transition spd="slow" p14:dur="1500">
-        <p:push/>
-      </p:transition>
-    </mc:Choice>
-    <mc:Fallback>
-      <p:transition spd="slow">
-        <p:push/>
-      </p:transition>
-    </mc:Fallback>
-  </mc:AlternateContent>
+  <p:transition spd="med">
+    <p:push/>
+  </p:transition>
   <p:timing>
     <p:tnLst>
       <p:par>
@@ -3675,6 +4499,377 @@
           </a:p>
         </p:txBody>
       </p:sp>
+      <p:sp>
+        <p:nvSpPr>
+          <p:cNvPr id="5" name="Derékszögű háromszög 4"/>
+          <p:cNvSpPr/>
+          <p:nvPr/>
+        </p:nvSpPr>
+        <p:spPr>
+          <a:xfrm rot="5400000">
+            <a:off x="0" y="0"/>
+            <a:ext cx="1346200" cy="1346200"/>
+          </a:xfrm>
+          <a:prstGeom prst="rtTriangle">
+            <a:avLst/>
+          </a:prstGeom>
+          <a:solidFill>
+            <a:srgbClr val="9999FF"/>
+          </a:solidFill>
+          <a:ln>
+            <a:noFill/>
+          </a:ln>
+        </p:spPr>
+        <p:style>
+          <a:lnRef idx="2">
+            <a:schemeClr val="accent1">
+              <a:shade val="50000"/>
+            </a:schemeClr>
+          </a:lnRef>
+          <a:fillRef idx="1">
+            <a:schemeClr val="accent1"/>
+          </a:fillRef>
+          <a:effectRef idx="0">
+            <a:schemeClr val="accent1"/>
+          </a:effectRef>
+          <a:fontRef idx="minor">
+            <a:schemeClr val="lt1"/>
+          </a:fontRef>
+        </p:style>
+        <p:txBody>
+          <a:bodyPr rtlCol="0" anchor="ctr"/>
+          <a:lstStyle/>
+          <a:p>
+            <a:pPr algn="ctr"/>
+            <a:endParaRPr lang="hu-HU"/>
+          </a:p>
+        </p:txBody>
+      </p:sp>
+      <p:sp>
+        <p:nvSpPr>
+          <p:cNvPr id="7" name="Derékszögű háromszög 6"/>
+          <p:cNvSpPr/>
+          <p:nvPr/>
+        </p:nvSpPr>
+        <p:spPr>
+          <a:xfrm>
+            <a:off x="0" y="5511800"/>
+            <a:ext cx="1346200" cy="1346200"/>
+          </a:xfrm>
+          <a:prstGeom prst="rtTriangle">
+            <a:avLst/>
+          </a:prstGeom>
+          <a:solidFill>
+            <a:srgbClr val="9999FF"/>
+          </a:solidFill>
+          <a:ln>
+            <a:noFill/>
+          </a:ln>
+        </p:spPr>
+        <p:style>
+          <a:lnRef idx="2">
+            <a:schemeClr val="accent1">
+              <a:shade val="50000"/>
+            </a:schemeClr>
+          </a:lnRef>
+          <a:fillRef idx="1">
+            <a:schemeClr val="accent1"/>
+          </a:fillRef>
+          <a:effectRef idx="0">
+            <a:schemeClr val="accent1"/>
+          </a:effectRef>
+          <a:fontRef idx="minor">
+            <a:schemeClr val="lt1"/>
+          </a:fontRef>
+        </p:style>
+        <p:txBody>
+          <a:bodyPr rtlCol="0" anchor="ctr"/>
+          <a:lstStyle/>
+          <a:p>
+            <a:pPr algn="ctr"/>
+            <a:endParaRPr lang="hu-HU"/>
+          </a:p>
+        </p:txBody>
+      </p:sp>
+      <p:sp>
+        <p:nvSpPr>
+          <p:cNvPr id="8" name="Derékszögű háromszög 7"/>
+          <p:cNvSpPr/>
+          <p:nvPr/>
+        </p:nvSpPr>
+        <p:spPr>
+          <a:xfrm rot="10800000">
+            <a:off x="10845800" y="0"/>
+            <a:ext cx="1346200" cy="1346200"/>
+          </a:xfrm>
+          <a:prstGeom prst="rtTriangle">
+            <a:avLst/>
+          </a:prstGeom>
+          <a:solidFill>
+            <a:srgbClr val="9999FF"/>
+          </a:solidFill>
+          <a:ln>
+            <a:noFill/>
+          </a:ln>
+        </p:spPr>
+        <p:style>
+          <a:lnRef idx="2">
+            <a:schemeClr val="accent1">
+              <a:shade val="50000"/>
+            </a:schemeClr>
+          </a:lnRef>
+          <a:fillRef idx="1">
+            <a:schemeClr val="accent1"/>
+          </a:fillRef>
+          <a:effectRef idx="0">
+            <a:schemeClr val="accent1"/>
+          </a:effectRef>
+          <a:fontRef idx="minor">
+            <a:schemeClr val="lt1"/>
+          </a:fontRef>
+        </p:style>
+        <p:txBody>
+          <a:bodyPr rtlCol="0" anchor="ctr"/>
+          <a:lstStyle/>
+          <a:p>
+            <a:pPr algn="ctr"/>
+            <a:endParaRPr lang="hu-HU"/>
+          </a:p>
+        </p:txBody>
+      </p:sp>
+      <p:sp>
+        <p:nvSpPr>
+          <p:cNvPr id="9" name="Derékszögű háromszög 8"/>
+          <p:cNvSpPr/>
+          <p:nvPr/>
+        </p:nvSpPr>
+        <p:spPr>
+          <a:xfrm rot="16200000">
+            <a:off x="10845800" y="5511800"/>
+            <a:ext cx="1346200" cy="1346200"/>
+          </a:xfrm>
+          <a:prstGeom prst="rtTriangle">
+            <a:avLst/>
+          </a:prstGeom>
+          <a:solidFill>
+            <a:srgbClr val="9999FF"/>
+          </a:solidFill>
+          <a:ln>
+            <a:noFill/>
+          </a:ln>
+        </p:spPr>
+        <p:style>
+          <a:lnRef idx="2">
+            <a:schemeClr val="accent1">
+              <a:shade val="50000"/>
+            </a:schemeClr>
+          </a:lnRef>
+          <a:fillRef idx="1">
+            <a:schemeClr val="accent1"/>
+          </a:fillRef>
+          <a:effectRef idx="0">
+            <a:schemeClr val="accent1"/>
+          </a:effectRef>
+          <a:fontRef idx="minor">
+            <a:schemeClr val="lt1"/>
+          </a:fontRef>
+        </p:style>
+        <p:txBody>
+          <a:bodyPr rtlCol="0" anchor="ctr"/>
+          <a:lstStyle/>
+          <a:p>
+            <a:pPr algn="ctr"/>
+            <a:endParaRPr lang="hu-HU"/>
+          </a:p>
+        </p:txBody>
+      </p:sp>
+      <p:sp>
+        <p:nvSpPr>
+          <p:cNvPr id="11" name="Szövegdoboz 10"/>
+          <p:cNvSpPr txBox="1"/>
+          <p:nvPr/>
+        </p:nvSpPr>
+        <p:spPr>
+          <a:xfrm>
+            <a:off x="6730999" y="4449970"/>
+            <a:ext cx="4865737" cy="2123658"/>
+          </a:xfrm>
+          <a:prstGeom prst="rect">
+            <a:avLst/>
+          </a:prstGeom>
+          <a:noFill/>
+        </p:spPr>
+        <p:txBody>
+          <a:bodyPr wrap="square" rtlCol="0">
+            <a:spAutoFit/>
+          </a:bodyPr>
+          <a:lstStyle/>
+          <a:p>
+            <a:r>
+              <a:rPr lang="hu-HU" sz="4400" dirty="0" smtClean="0">
+                <a:latin typeface="Times New Roman" panose="02020603050405020304" pitchFamily="18" charset="0"/>
+                <a:cs typeface="Times New Roman" panose="02020603050405020304" pitchFamily="18" charset="0"/>
+              </a:rPr>
+              <a:t>-PDF fájlok</a:t>
+            </a:r>
+            <a:br>
+              <a:rPr lang="hu-HU" sz="4400" dirty="0" smtClean="0">
+                <a:latin typeface="Times New Roman" panose="02020603050405020304" pitchFamily="18" charset="0"/>
+                <a:cs typeface="Times New Roman" panose="02020603050405020304" pitchFamily="18" charset="0"/>
+              </a:rPr>
+            </a:br>
+            <a:r>
+              <a:rPr lang="hu-HU" sz="4400" dirty="0" smtClean="0">
+                <a:latin typeface="Times New Roman" panose="02020603050405020304" pitchFamily="18" charset="0"/>
+                <a:cs typeface="Times New Roman" panose="02020603050405020304" pitchFamily="18" charset="0"/>
+              </a:rPr>
+              <a:t>-Kompatibilis</a:t>
+            </a:r>
+          </a:p>
+          <a:p>
+            <a:r>
+              <a:rPr lang="hu-HU" sz="4400" dirty="0" smtClean="0">
+                <a:latin typeface="Times New Roman" panose="02020603050405020304" pitchFamily="18" charset="0"/>
+                <a:cs typeface="Times New Roman" panose="02020603050405020304" pitchFamily="18" charset="0"/>
+              </a:rPr>
+              <a:t>-Aláírások</a:t>
+            </a:r>
+            <a:endParaRPr lang="hu-HU" sz="4400" dirty="0">
+              <a:latin typeface="Times New Roman" panose="02020603050405020304" pitchFamily="18" charset="0"/>
+              <a:cs typeface="Times New Roman" panose="02020603050405020304" pitchFamily="18" charset="0"/>
+            </a:endParaRPr>
+          </a:p>
+        </p:txBody>
+      </p:sp>
+      <p:sp>
+        <p:nvSpPr>
+          <p:cNvPr id="3" name="Szövegdoboz 2"/>
+          <p:cNvSpPr txBox="1"/>
+          <p:nvPr/>
+        </p:nvSpPr>
+        <p:spPr>
+          <a:xfrm>
+            <a:off x="5987875" y="826756"/>
+            <a:ext cx="5664200" cy="215444"/>
+          </a:xfrm>
+          <a:prstGeom prst="rect">
+            <a:avLst/>
+          </a:prstGeom>
+          <a:noFill/>
+        </p:spPr>
+        <p:txBody>
+          <a:bodyPr wrap="square" rtlCol="0">
+            <a:spAutoFit/>
+          </a:bodyPr>
+          <a:lstStyle/>
+          <a:p>
+            <a:r>
+              <a:rPr lang="hu-HU" sz="800" dirty="0">
+                <a:hlinkClick r:id="rId4"/>
+              </a:rPr>
+              <a:t>https://www.treddi.com/cms/news/after-effects-cc-2015/2528/</a:t>
+            </a:r>
+            <a:endParaRPr lang="hu-HU" sz="800" dirty="0"/>
+          </a:p>
+        </p:txBody>
+      </p:sp>
+      <p:pic>
+        <p:nvPicPr>
+          <p:cNvPr id="12" name="Kép 11"/>
+          <p:cNvPicPr>
+            <a:picLocks noChangeAspect="1"/>
+          </p:cNvPicPr>
+          <p:nvPr/>
+        </p:nvPicPr>
+        <p:blipFill>
+          <a:blip r:embed="rId5" cstate="print">
+            <a:extLst>
+              <a:ext uri="{28A0092B-C50C-407E-A947-70E740481C1C}">
+                <a14:useLocalDpi xmlns:a14="http://schemas.microsoft.com/office/drawing/2010/main" val="0"/>
+              </a:ext>
+            </a:extLst>
+          </a:blip>
+          <a:stretch>
+            <a:fillRect/>
+          </a:stretch>
+        </p:blipFill>
+        <p:spPr>
+          <a:xfrm>
+            <a:off x="6043213" y="1000657"/>
+            <a:ext cx="5553524" cy="3121873"/>
+          </a:xfrm>
+          <a:prstGeom prst="rect">
+            <a:avLst/>
+          </a:prstGeom>
+        </p:spPr>
+      </p:pic>
+      <p:sp>
+        <p:nvSpPr>
+          <p:cNvPr id="15" name="Cím 1"/>
+          <p:cNvSpPr txBox="1">
+            <a:spLocks/>
+          </p:cNvSpPr>
+          <p:nvPr/>
+        </p:nvSpPr>
+        <p:spPr>
+          <a:xfrm>
+            <a:off x="1" y="3720872"/>
+            <a:ext cx="2933700" cy="940028"/>
+          </a:xfrm>
+          <a:prstGeom prst="rect">
+            <a:avLst/>
+          </a:prstGeom>
+        </p:spPr>
+        <p:txBody>
+          <a:bodyPr/>
+          <a:lstStyle>
+            <a:lvl1pPr algn="l" defTabSz="914400" rtl="0" eaLnBrk="1" latinLnBrk="0" hangingPunct="1">
+              <a:lnSpc>
+                <a:spcPct val="90000"/>
+              </a:lnSpc>
+              <a:spcBef>
+                <a:spcPct val="0"/>
+              </a:spcBef>
+              <a:buNone/>
+              <a:defRPr sz="4400" kern="1200">
+                <a:solidFill>
+                  <a:schemeClr val="tx1"/>
+                </a:solidFill>
+                <a:latin typeface="+mj-lt"/>
+                <a:ea typeface="+mj-ea"/>
+                <a:cs typeface="+mj-cs"/>
+              </a:defRPr>
+            </a:lvl1pPr>
+          </a:lstStyle>
+          <a:p>
+            <a:r>
+              <a:rPr lang="hu-HU" sz="4000" dirty="0" err="1" smtClean="0">
+                <a:latin typeface="Times New Roman" panose="02020603050405020304" pitchFamily="18" charset="0"/>
+                <a:cs typeface="Times New Roman" panose="02020603050405020304" pitchFamily="18" charset="0"/>
+              </a:rPr>
+              <a:t>After</a:t>
+            </a:r>
+            <a:r>
+              <a:rPr lang="hu-HU" sz="4000" dirty="0" smtClean="0">
+                <a:latin typeface="Times New Roman" panose="02020603050405020304" pitchFamily="18" charset="0"/>
+                <a:cs typeface="Times New Roman" panose="02020603050405020304" pitchFamily="18" charset="0"/>
+              </a:rPr>
+              <a:t> </a:t>
+            </a:r>
+            <a:r>
+              <a:rPr lang="hu-HU" sz="4000" dirty="0" err="1" smtClean="0">
+                <a:latin typeface="Times New Roman" panose="02020603050405020304" pitchFamily="18" charset="0"/>
+                <a:cs typeface="Times New Roman" panose="02020603050405020304" pitchFamily="18" charset="0"/>
+              </a:rPr>
+              <a:t>Effects</a:t>
+            </a:r>
+            <a:endParaRPr lang="hu-HU" sz="4000" dirty="0">
+              <a:latin typeface="Times New Roman" panose="02020603050405020304" pitchFamily="18" charset="0"/>
+              <a:cs typeface="Times New Roman" panose="02020603050405020304" pitchFamily="18" charset="0"/>
+            </a:endParaRPr>
+          </a:p>
+        </p:txBody>
+      </p:sp>
     </p:spTree>
     <p:extLst>
       <p:ext uri="{BB962C8B-B14F-4D97-AF65-F5344CB8AC3E}">
@@ -3685,18 +4880,9 @@
   <p:clrMapOvr>
     <a:masterClrMapping/>
   </p:clrMapOvr>
-  <mc:AlternateContent xmlns:mc="http://schemas.openxmlformats.org/markup-compatibility/2006">
-    <mc:Choice xmlns:p14="http://schemas.microsoft.com/office/powerpoint/2010/main" Requires="p14">
-      <p:transition spd="slow" p14:dur="1500">
-        <p:push/>
-      </p:transition>
-    </mc:Choice>
-    <mc:Fallback>
-      <p:transition spd="slow">
-        <p:push/>
-      </p:transition>
-    </mc:Fallback>
-  </mc:AlternateContent>
+  <p:transition spd="med">
+    <p:push/>
+  </p:transition>
   <p:timing>
     <p:tnLst>
       <p:par>
@@ -3832,6 +5018,363 @@
           </a:p>
         </p:txBody>
       </p:sp>
+      <p:sp>
+        <p:nvSpPr>
+          <p:cNvPr id="5" name="Derékszögű háromszög 4"/>
+          <p:cNvSpPr/>
+          <p:nvPr/>
+        </p:nvSpPr>
+        <p:spPr>
+          <a:xfrm rot="5400000">
+            <a:off x="0" y="0"/>
+            <a:ext cx="1346200" cy="1346200"/>
+          </a:xfrm>
+          <a:prstGeom prst="rtTriangle">
+            <a:avLst/>
+          </a:prstGeom>
+          <a:solidFill>
+            <a:srgbClr val="31A8FF"/>
+          </a:solidFill>
+          <a:ln>
+            <a:noFill/>
+          </a:ln>
+        </p:spPr>
+        <p:style>
+          <a:lnRef idx="2">
+            <a:schemeClr val="accent1">
+              <a:shade val="50000"/>
+            </a:schemeClr>
+          </a:lnRef>
+          <a:fillRef idx="1">
+            <a:schemeClr val="accent1"/>
+          </a:fillRef>
+          <a:effectRef idx="0">
+            <a:schemeClr val="accent1"/>
+          </a:effectRef>
+          <a:fontRef idx="minor">
+            <a:schemeClr val="lt1"/>
+          </a:fontRef>
+        </p:style>
+        <p:txBody>
+          <a:bodyPr rtlCol="0" anchor="ctr"/>
+          <a:lstStyle/>
+          <a:p>
+            <a:pPr algn="ctr"/>
+            <a:endParaRPr lang="hu-HU"/>
+          </a:p>
+        </p:txBody>
+      </p:sp>
+      <p:sp>
+        <p:nvSpPr>
+          <p:cNvPr id="6" name="Derékszögű háromszög 5"/>
+          <p:cNvSpPr/>
+          <p:nvPr/>
+        </p:nvSpPr>
+        <p:spPr>
+          <a:xfrm>
+            <a:off x="0" y="5511800"/>
+            <a:ext cx="1346200" cy="1346200"/>
+          </a:xfrm>
+          <a:prstGeom prst="rtTriangle">
+            <a:avLst/>
+          </a:prstGeom>
+          <a:solidFill>
+            <a:srgbClr val="31A8FF"/>
+          </a:solidFill>
+          <a:ln>
+            <a:noFill/>
+          </a:ln>
+        </p:spPr>
+        <p:style>
+          <a:lnRef idx="2">
+            <a:schemeClr val="accent1">
+              <a:shade val="50000"/>
+            </a:schemeClr>
+          </a:lnRef>
+          <a:fillRef idx="1">
+            <a:schemeClr val="accent1"/>
+          </a:fillRef>
+          <a:effectRef idx="0">
+            <a:schemeClr val="accent1"/>
+          </a:effectRef>
+          <a:fontRef idx="minor">
+            <a:schemeClr val="lt1"/>
+          </a:fontRef>
+        </p:style>
+        <p:txBody>
+          <a:bodyPr rtlCol="0" anchor="ctr"/>
+          <a:lstStyle/>
+          <a:p>
+            <a:pPr algn="ctr"/>
+            <a:endParaRPr lang="hu-HU"/>
+          </a:p>
+        </p:txBody>
+      </p:sp>
+      <p:sp>
+        <p:nvSpPr>
+          <p:cNvPr id="8" name="Derékszögű háromszög 7"/>
+          <p:cNvSpPr/>
+          <p:nvPr/>
+        </p:nvSpPr>
+        <p:spPr>
+          <a:xfrm rot="10800000">
+            <a:off x="10845800" y="0"/>
+            <a:ext cx="1346200" cy="1346200"/>
+          </a:xfrm>
+          <a:prstGeom prst="rtTriangle">
+            <a:avLst/>
+          </a:prstGeom>
+          <a:solidFill>
+            <a:srgbClr val="31A8FF"/>
+          </a:solidFill>
+          <a:ln>
+            <a:noFill/>
+          </a:ln>
+        </p:spPr>
+        <p:style>
+          <a:lnRef idx="2">
+            <a:schemeClr val="accent1">
+              <a:shade val="50000"/>
+            </a:schemeClr>
+          </a:lnRef>
+          <a:fillRef idx="1">
+            <a:schemeClr val="accent1"/>
+          </a:fillRef>
+          <a:effectRef idx="0">
+            <a:schemeClr val="accent1"/>
+          </a:effectRef>
+          <a:fontRef idx="minor">
+            <a:schemeClr val="lt1"/>
+          </a:fontRef>
+        </p:style>
+        <p:txBody>
+          <a:bodyPr rtlCol="0" anchor="ctr"/>
+          <a:lstStyle/>
+          <a:p>
+            <a:pPr algn="ctr"/>
+            <a:endParaRPr lang="hu-HU"/>
+          </a:p>
+        </p:txBody>
+      </p:sp>
+      <p:sp>
+        <p:nvSpPr>
+          <p:cNvPr id="9" name="Derékszögű háromszög 8"/>
+          <p:cNvSpPr/>
+          <p:nvPr/>
+        </p:nvSpPr>
+        <p:spPr>
+          <a:xfrm rot="16200000">
+            <a:off x="10845800" y="5511800"/>
+            <a:ext cx="1346200" cy="1346200"/>
+          </a:xfrm>
+          <a:prstGeom prst="rtTriangle">
+            <a:avLst/>
+          </a:prstGeom>
+          <a:solidFill>
+            <a:srgbClr val="31A8FF"/>
+          </a:solidFill>
+          <a:ln>
+            <a:noFill/>
+          </a:ln>
+        </p:spPr>
+        <p:style>
+          <a:lnRef idx="2">
+            <a:schemeClr val="accent1">
+              <a:shade val="50000"/>
+            </a:schemeClr>
+          </a:lnRef>
+          <a:fillRef idx="1">
+            <a:schemeClr val="accent1"/>
+          </a:fillRef>
+          <a:effectRef idx="0">
+            <a:schemeClr val="accent1"/>
+          </a:effectRef>
+          <a:fontRef idx="minor">
+            <a:schemeClr val="lt1"/>
+          </a:fontRef>
+        </p:style>
+        <p:txBody>
+          <a:bodyPr rtlCol="0" anchor="ctr"/>
+          <a:lstStyle/>
+          <a:p>
+            <a:pPr algn="ctr"/>
+            <a:endParaRPr lang="hu-HU"/>
+          </a:p>
+        </p:txBody>
+      </p:sp>
+      <p:sp>
+        <p:nvSpPr>
+          <p:cNvPr id="11" name="Szövegdoboz 10"/>
+          <p:cNvSpPr txBox="1"/>
+          <p:nvPr/>
+        </p:nvSpPr>
+        <p:spPr>
+          <a:xfrm>
+            <a:off x="6730999" y="4449970"/>
+            <a:ext cx="4865737" cy="2123658"/>
+          </a:xfrm>
+          <a:prstGeom prst="rect">
+            <a:avLst/>
+          </a:prstGeom>
+          <a:noFill/>
+        </p:spPr>
+        <p:txBody>
+          <a:bodyPr wrap="square" rtlCol="0">
+            <a:spAutoFit/>
+          </a:bodyPr>
+          <a:lstStyle/>
+          <a:p>
+            <a:r>
+              <a:rPr lang="hu-HU" sz="4400" dirty="0" smtClean="0">
+                <a:latin typeface="Times New Roman" panose="02020603050405020304" pitchFamily="18" charset="0"/>
+                <a:cs typeface="Times New Roman" panose="02020603050405020304" pitchFamily="18" charset="0"/>
+              </a:rPr>
+              <a:t>-PDF fájlok</a:t>
+            </a:r>
+            <a:br>
+              <a:rPr lang="hu-HU" sz="4400" dirty="0" smtClean="0">
+                <a:latin typeface="Times New Roman" panose="02020603050405020304" pitchFamily="18" charset="0"/>
+                <a:cs typeface="Times New Roman" panose="02020603050405020304" pitchFamily="18" charset="0"/>
+              </a:rPr>
+            </a:br>
+            <a:r>
+              <a:rPr lang="hu-HU" sz="4400" dirty="0" smtClean="0">
+                <a:latin typeface="Times New Roman" panose="02020603050405020304" pitchFamily="18" charset="0"/>
+                <a:cs typeface="Times New Roman" panose="02020603050405020304" pitchFamily="18" charset="0"/>
+              </a:rPr>
+              <a:t>-Kompatibilis</a:t>
+            </a:r>
+          </a:p>
+          <a:p>
+            <a:r>
+              <a:rPr lang="hu-HU" sz="4400" dirty="0" smtClean="0">
+                <a:latin typeface="Times New Roman" panose="02020603050405020304" pitchFamily="18" charset="0"/>
+                <a:cs typeface="Times New Roman" panose="02020603050405020304" pitchFamily="18" charset="0"/>
+              </a:rPr>
+              <a:t>-Aláírások</a:t>
+            </a:r>
+            <a:endParaRPr lang="hu-HU" sz="4400" dirty="0">
+              <a:latin typeface="Times New Roman" panose="02020603050405020304" pitchFamily="18" charset="0"/>
+              <a:cs typeface="Times New Roman" panose="02020603050405020304" pitchFamily="18" charset="0"/>
+            </a:endParaRPr>
+          </a:p>
+        </p:txBody>
+      </p:sp>
+      <p:sp>
+        <p:nvSpPr>
+          <p:cNvPr id="3" name="Szövegdoboz 2"/>
+          <p:cNvSpPr txBox="1"/>
+          <p:nvPr/>
+        </p:nvSpPr>
+        <p:spPr>
+          <a:xfrm>
+            <a:off x="6503217" y="1458049"/>
+            <a:ext cx="5321300" cy="215444"/>
+          </a:xfrm>
+          <a:prstGeom prst="rect">
+            <a:avLst/>
+          </a:prstGeom>
+          <a:noFill/>
+        </p:spPr>
+        <p:txBody>
+          <a:bodyPr wrap="square" rtlCol="0">
+            <a:spAutoFit/>
+          </a:bodyPr>
+          <a:lstStyle/>
+          <a:p>
+            <a:r>
+              <a:rPr lang="hu-HU" sz="800" dirty="0">
+                <a:hlinkClick r:id="rId4"/>
+              </a:rPr>
+              <a:t>https://helpx.adobe.com/hu/lightroom-classic/help/applying-adjustments-develop-module-basic.html</a:t>
+            </a:r>
+            <a:endParaRPr lang="hu-HU" sz="800" dirty="0"/>
+          </a:p>
+        </p:txBody>
+      </p:sp>
+      <p:pic>
+        <p:nvPicPr>
+          <p:cNvPr id="12" name="Kép 11"/>
+          <p:cNvPicPr>
+            <a:picLocks noChangeAspect="1"/>
+          </p:cNvPicPr>
+          <p:nvPr/>
+        </p:nvPicPr>
+        <p:blipFill>
+          <a:blip r:embed="rId5" cstate="print">
+            <a:extLst>
+              <a:ext uri="{28A0092B-C50C-407E-A947-70E740481C1C}">
+                <a14:useLocalDpi xmlns:a14="http://schemas.microsoft.com/office/drawing/2010/main" val="0"/>
+              </a:ext>
+            </a:extLst>
+          </a:blip>
+          <a:stretch>
+            <a:fillRect/>
+          </a:stretch>
+        </p:blipFill>
+        <p:spPr>
+          <a:xfrm>
+            <a:off x="6325378" y="1612706"/>
+            <a:ext cx="5138737" cy="2476500"/>
+          </a:xfrm>
+          <a:prstGeom prst="rect">
+            <a:avLst/>
+          </a:prstGeom>
+        </p:spPr>
+      </p:pic>
+      <p:sp>
+        <p:nvSpPr>
+          <p:cNvPr id="13" name="Cím 1"/>
+          <p:cNvSpPr txBox="1">
+            <a:spLocks/>
+          </p:cNvSpPr>
+          <p:nvPr/>
+        </p:nvSpPr>
+        <p:spPr>
+          <a:xfrm>
+            <a:off x="1" y="3720872"/>
+            <a:ext cx="2933700" cy="940028"/>
+          </a:xfrm>
+          <a:prstGeom prst="rect">
+            <a:avLst/>
+          </a:prstGeom>
+        </p:spPr>
+        <p:txBody>
+          <a:bodyPr/>
+          <a:lstStyle>
+            <a:lvl1pPr algn="l" defTabSz="914400" rtl="0" eaLnBrk="1" latinLnBrk="0" hangingPunct="1">
+              <a:lnSpc>
+                <a:spcPct val="90000"/>
+              </a:lnSpc>
+              <a:spcBef>
+                <a:spcPct val="0"/>
+              </a:spcBef>
+              <a:buNone/>
+              <a:defRPr sz="4400" kern="1200">
+                <a:solidFill>
+                  <a:schemeClr val="tx1"/>
+                </a:solidFill>
+                <a:latin typeface="+mj-lt"/>
+                <a:ea typeface="+mj-ea"/>
+                <a:cs typeface="+mj-cs"/>
+              </a:defRPr>
+            </a:lvl1pPr>
+          </a:lstStyle>
+          <a:p>
+            <a:r>
+              <a:rPr lang="hu-HU" dirty="0" err="1" smtClean="0">
+                <a:latin typeface="Times New Roman" panose="02020603050405020304" pitchFamily="18" charset="0"/>
+                <a:cs typeface="Times New Roman" panose="02020603050405020304" pitchFamily="18" charset="0"/>
+              </a:rPr>
+              <a:t>Lightroom</a:t>
+            </a:r>
+            <a:endParaRPr lang="hu-HU" dirty="0">
+              <a:latin typeface="Times New Roman" panose="02020603050405020304" pitchFamily="18" charset="0"/>
+              <a:cs typeface="Times New Roman" panose="02020603050405020304" pitchFamily="18" charset="0"/>
+            </a:endParaRPr>
+          </a:p>
+        </p:txBody>
+      </p:sp>
     </p:spTree>
     <p:extLst>
       <p:ext uri="{BB962C8B-B14F-4D97-AF65-F5344CB8AC3E}">
@@ -3842,18 +5385,9 @@
   <p:clrMapOvr>
     <a:masterClrMapping/>
   </p:clrMapOvr>
-  <mc:AlternateContent xmlns:mc="http://schemas.openxmlformats.org/markup-compatibility/2006">
-    <mc:Choice xmlns:p14="http://schemas.microsoft.com/office/powerpoint/2010/main" Requires="p14">
-      <p:transition spd="slow" p14:dur="1500">
-        <p:push/>
-      </p:transition>
-    </mc:Choice>
-    <mc:Fallback>
-      <p:transition spd="slow">
-        <p:push/>
-      </p:transition>
-    </mc:Fallback>
-  </mc:AlternateContent>
+  <p:transition spd="med">
+    <p:push/>
+  </p:transition>
   <p:timing>
     <p:tnLst>
       <p:par>
@@ -3989,6 +5523,362 @@
           </a:p>
         </p:txBody>
       </p:sp>
+      <p:sp>
+        <p:nvSpPr>
+          <p:cNvPr id="5" name="Derékszögű háromszög 4"/>
+          <p:cNvSpPr/>
+          <p:nvPr/>
+        </p:nvSpPr>
+        <p:spPr>
+          <a:xfrm rot="5400000">
+            <a:off x="0" y="0"/>
+            <a:ext cx="1346200" cy="1346200"/>
+          </a:xfrm>
+          <a:prstGeom prst="rtTriangle">
+            <a:avLst/>
+          </a:prstGeom>
+          <a:solidFill>
+            <a:srgbClr val="FF9A00"/>
+          </a:solidFill>
+          <a:ln>
+            <a:noFill/>
+          </a:ln>
+        </p:spPr>
+        <p:style>
+          <a:lnRef idx="2">
+            <a:schemeClr val="accent1">
+              <a:shade val="50000"/>
+            </a:schemeClr>
+          </a:lnRef>
+          <a:fillRef idx="1">
+            <a:schemeClr val="accent1"/>
+          </a:fillRef>
+          <a:effectRef idx="0">
+            <a:schemeClr val="accent1"/>
+          </a:effectRef>
+          <a:fontRef idx="minor">
+            <a:schemeClr val="lt1"/>
+          </a:fontRef>
+        </p:style>
+        <p:txBody>
+          <a:bodyPr rtlCol="0" anchor="ctr"/>
+          <a:lstStyle/>
+          <a:p>
+            <a:pPr algn="ctr"/>
+            <a:endParaRPr lang="hu-HU"/>
+          </a:p>
+        </p:txBody>
+      </p:sp>
+      <p:sp>
+        <p:nvSpPr>
+          <p:cNvPr id="7" name="Derékszögű háromszög 6"/>
+          <p:cNvSpPr/>
+          <p:nvPr/>
+        </p:nvSpPr>
+        <p:spPr>
+          <a:xfrm>
+            <a:off x="0" y="5511800"/>
+            <a:ext cx="1346200" cy="1346200"/>
+          </a:xfrm>
+          <a:prstGeom prst="rtTriangle">
+            <a:avLst/>
+          </a:prstGeom>
+          <a:solidFill>
+            <a:srgbClr val="FF9A00"/>
+          </a:solidFill>
+          <a:ln>
+            <a:noFill/>
+          </a:ln>
+        </p:spPr>
+        <p:style>
+          <a:lnRef idx="2">
+            <a:schemeClr val="accent1">
+              <a:shade val="50000"/>
+            </a:schemeClr>
+          </a:lnRef>
+          <a:fillRef idx="1">
+            <a:schemeClr val="accent1"/>
+          </a:fillRef>
+          <a:effectRef idx="0">
+            <a:schemeClr val="accent1"/>
+          </a:effectRef>
+          <a:fontRef idx="minor">
+            <a:schemeClr val="lt1"/>
+          </a:fontRef>
+        </p:style>
+        <p:txBody>
+          <a:bodyPr rtlCol="0" anchor="ctr"/>
+          <a:lstStyle/>
+          <a:p>
+            <a:pPr algn="ctr"/>
+            <a:endParaRPr lang="hu-HU"/>
+          </a:p>
+        </p:txBody>
+      </p:sp>
+      <p:sp>
+        <p:nvSpPr>
+          <p:cNvPr id="8" name="Derékszögű háromszög 7"/>
+          <p:cNvSpPr/>
+          <p:nvPr/>
+        </p:nvSpPr>
+        <p:spPr>
+          <a:xfrm rot="10800000">
+            <a:off x="10845800" y="0"/>
+            <a:ext cx="1346200" cy="1346200"/>
+          </a:xfrm>
+          <a:prstGeom prst="rtTriangle">
+            <a:avLst/>
+          </a:prstGeom>
+          <a:solidFill>
+            <a:srgbClr val="FF9A00"/>
+          </a:solidFill>
+          <a:ln>
+            <a:noFill/>
+          </a:ln>
+        </p:spPr>
+        <p:style>
+          <a:lnRef idx="2">
+            <a:schemeClr val="accent1">
+              <a:shade val="50000"/>
+            </a:schemeClr>
+          </a:lnRef>
+          <a:fillRef idx="1">
+            <a:schemeClr val="accent1"/>
+          </a:fillRef>
+          <a:effectRef idx="0">
+            <a:schemeClr val="accent1"/>
+          </a:effectRef>
+          <a:fontRef idx="minor">
+            <a:schemeClr val="lt1"/>
+          </a:fontRef>
+        </p:style>
+        <p:txBody>
+          <a:bodyPr rtlCol="0" anchor="ctr"/>
+          <a:lstStyle/>
+          <a:p>
+            <a:pPr algn="ctr"/>
+            <a:endParaRPr lang="hu-HU"/>
+          </a:p>
+        </p:txBody>
+      </p:sp>
+      <p:sp>
+        <p:nvSpPr>
+          <p:cNvPr id="9" name="Derékszögű háromszög 8"/>
+          <p:cNvSpPr/>
+          <p:nvPr/>
+        </p:nvSpPr>
+        <p:spPr>
+          <a:xfrm rot="16200000">
+            <a:off x="10845800" y="5511800"/>
+            <a:ext cx="1346200" cy="1346200"/>
+          </a:xfrm>
+          <a:prstGeom prst="rtTriangle">
+            <a:avLst/>
+          </a:prstGeom>
+          <a:solidFill>
+            <a:srgbClr val="FF9A00"/>
+          </a:solidFill>
+          <a:ln>
+            <a:noFill/>
+          </a:ln>
+        </p:spPr>
+        <p:style>
+          <a:lnRef idx="2">
+            <a:schemeClr val="accent1">
+              <a:shade val="50000"/>
+            </a:schemeClr>
+          </a:lnRef>
+          <a:fillRef idx="1">
+            <a:schemeClr val="accent1"/>
+          </a:fillRef>
+          <a:effectRef idx="0">
+            <a:schemeClr val="accent1"/>
+          </a:effectRef>
+          <a:fontRef idx="minor">
+            <a:schemeClr val="lt1"/>
+          </a:fontRef>
+        </p:style>
+        <p:txBody>
+          <a:bodyPr rtlCol="0" anchor="ctr"/>
+          <a:lstStyle/>
+          <a:p>
+            <a:pPr algn="ctr"/>
+            <a:endParaRPr lang="hu-HU"/>
+          </a:p>
+        </p:txBody>
+      </p:sp>
+      <p:sp>
+        <p:nvSpPr>
+          <p:cNvPr id="11" name="Szövegdoboz 10"/>
+          <p:cNvSpPr txBox="1"/>
+          <p:nvPr/>
+        </p:nvSpPr>
+        <p:spPr>
+          <a:xfrm>
+            <a:off x="6730999" y="4449970"/>
+            <a:ext cx="4865737" cy="2123658"/>
+          </a:xfrm>
+          <a:prstGeom prst="rect">
+            <a:avLst/>
+          </a:prstGeom>
+          <a:noFill/>
+        </p:spPr>
+        <p:txBody>
+          <a:bodyPr wrap="square" rtlCol="0">
+            <a:spAutoFit/>
+          </a:bodyPr>
+          <a:lstStyle/>
+          <a:p>
+            <a:r>
+              <a:rPr lang="hu-HU" sz="4400" dirty="0" smtClean="0">
+                <a:latin typeface="Times New Roman" panose="02020603050405020304" pitchFamily="18" charset="0"/>
+                <a:cs typeface="Times New Roman" panose="02020603050405020304" pitchFamily="18" charset="0"/>
+              </a:rPr>
+              <a:t>-PDF fájlok</a:t>
+            </a:r>
+            <a:br>
+              <a:rPr lang="hu-HU" sz="4400" dirty="0" smtClean="0">
+                <a:latin typeface="Times New Roman" panose="02020603050405020304" pitchFamily="18" charset="0"/>
+                <a:cs typeface="Times New Roman" panose="02020603050405020304" pitchFamily="18" charset="0"/>
+              </a:rPr>
+            </a:br>
+            <a:r>
+              <a:rPr lang="hu-HU" sz="4400" dirty="0" smtClean="0">
+                <a:latin typeface="Times New Roman" panose="02020603050405020304" pitchFamily="18" charset="0"/>
+                <a:cs typeface="Times New Roman" panose="02020603050405020304" pitchFamily="18" charset="0"/>
+              </a:rPr>
+              <a:t>-Kompatibilis</a:t>
+            </a:r>
+          </a:p>
+          <a:p>
+            <a:r>
+              <a:rPr lang="hu-HU" sz="4400" dirty="0" smtClean="0">
+                <a:latin typeface="Times New Roman" panose="02020603050405020304" pitchFamily="18" charset="0"/>
+                <a:cs typeface="Times New Roman" panose="02020603050405020304" pitchFamily="18" charset="0"/>
+              </a:rPr>
+              <a:t>-Aláírások</a:t>
+            </a:r>
+            <a:endParaRPr lang="hu-HU" sz="4400" dirty="0">
+              <a:latin typeface="Times New Roman" panose="02020603050405020304" pitchFamily="18" charset="0"/>
+              <a:cs typeface="Times New Roman" panose="02020603050405020304" pitchFamily="18" charset="0"/>
+            </a:endParaRPr>
+          </a:p>
+        </p:txBody>
+      </p:sp>
+      <p:sp>
+        <p:nvSpPr>
+          <p:cNvPr id="4" name="Szövegdoboz 3"/>
+          <p:cNvSpPr txBox="1"/>
+          <p:nvPr/>
+        </p:nvSpPr>
+        <p:spPr>
+          <a:xfrm>
+            <a:off x="6299200" y="1315481"/>
+            <a:ext cx="3022600" cy="215444"/>
+          </a:xfrm>
+          <a:prstGeom prst="rect">
+            <a:avLst/>
+          </a:prstGeom>
+          <a:noFill/>
+        </p:spPr>
+        <p:txBody>
+          <a:bodyPr wrap="square" rtlCol="0">
+            <a:spAutoFit/>
+          </a:bodyPr>
+          <a:lstStyle/>
+          <a:p>
+            <a:r>
+              <a:rPr lang="hu-HU" sz="800" dirty="0">
+                <a:hlinkClick r:id="rId4"/>
+              </a:rPr>
+              <a:t>https://www.arageek.com/tech/illustrator-alternatives</a:t>
+            </a:r>
+            <a:endParaRPr lang="hu-HU" sz="800" dirty="0"/>
+          </a:p>
+        </p:txBody>
+      </p:sp>
+      <p:pic>
+        <p:nvPicPr>
+          <p:cNvPr id="12" name="Kép 11"/>
+          <p:cNvPicPr>
+            <a:picLocks noChangeAspect="1"/>
+          </p:cNvPicPr>
+          <p:nvPr/>
+        </p:nvPicPr>
+        <p:blipFill rotWithShape="1">
+          <a:blip r:embed="rId5" cstate="print">
+            <a:extLst>
+              <a:ext uri="{28A0092B-C50C-407E-A947-70E740481C1C}">
+                <a14:useLocalDpi xmlns:a14="http://schemas.microsoft.com/office/drawing/2010/main" val="0"/>
+              </a:ext>
+            </a:extLst>
+          </a:blip>
+          <a:srcRect l="14125" t="12494" r="2260" b="5247"/>
+          <a:stretch/>
+        </p:blipFill>
+        <p:spPr>
+          <a:xfrm>
+            <a:off x="6299200" y="1500206"/>
+            <a:ext cx="4995452" cy="2457222"/>
+          </a:xfrm>
+          <a:prstGeom prst="rect">
+            <a:avLst/>
+          </a:prstGeom>
+        </p:spPr>
+      </p:pic>
+      <p:sp>
+        <p:nvSpPr>
+          <p:cNvPr id="13" name="Cím 1"/>
+          <p:cNvSpPr txBox="1">
+            <a:spLocks/>
+          </p:cNvSpPr>
+          <p:nvPr/>
+        </p:nvSpPr>
+        <p:spPr>
+          <a:xfrm>
+            <a:off x="292101" y="3720872"/>
+            <a:ext cx="2641600" cy="940028"/>
+          </a:xfrm>
+          <a:prstGeom prst="rect">
+            <a:avLst/>
+          </a:prstGeom>
+        </p:spPr>
+        <p:txBody>
+          <a:bodyPr/>
+          <a:lstStyle>
+            <a:lvl1pPr algn="l" defTabSz="914400" rtl="0" eaLnBrk="1" latinLnBrk="0" hangingPunct="1">
+              <a:lnSpc>
+                <a:spcPct val="90000"/>
+              </a:lnSpc>
+              <a:spcBef>
+                <a:spcPct val="0"/>
+              </a:spcBef>
+              <a:buNone/>
+              <a:defRPr sz="4400" kern="1200">
+                <a:solidFill>
+                  <a:schemeClr val="tx1"/>
+                </a:solidFill>
+                <a:latin typeface="+mj-lt"/>
+                <a:ea typeface="+mj-ea"/>
+                <a:cs typeface="+mj-cs"/>
+              </a:defRPr>
+            </a:lvl1pPr>
+          </a:lstStyle>
+          <a:p>
+            <a:r>
+              <a:rPr lang="hu-HU" sz="4000" dirty="0" err="1" smtClean="0">
+                <a:latin typeface="Times New Roman" panose="02020603050405020304" pitchFamily="18" charset="0"/>
+                <a:cs typeface="Times New Roman" panose="02020603050405020304" pitchFamily="18" charset="0"/>
+              </a:rPr>
+              <a:t>Illustrator</a:t>
+            </a:r>
+            <a:endParaRPr lang="hu-HU" sz="4000" dirty="0">
+              <a:latin typeface="Times New Roman" panose="02020603050405020304" pitchFamily="18" charset="0"/>
+              <a:cs typeface="Times New Roman" panose="02020603050405020304" pitchFamily="18" charset="0"/>
+            </a:endParaRPr>
+          </a:p>
+        </p:txBody>
+      </p:sp>
     </p:spTree>
     <p:extLst>
       <p:ext uri="{BB962C8B-B14F-4D97-AF65-F5344CB8AC3E}">
@@ -3999,18 +5889,9 @@
   <p:clrMapOvr>
     <a:masterClrMapping/>
   </p:clrMapOvr>
-  <mc:AlternateContent xmlns:mc="http://schemas.openxmlformats.org/markup-compatibility/2006">
-    <mc:Choice xmlns:p14="http://schemas.microsoft.com/office/powerpoint/2010/main" Requires="p14">
-      <p:transition spd="slow" p14:dur="1500">
-        <p:push/>
-      </p:transition>
-    </mc:Choice>
-    <mc:Fallback>
-      <p:transition spd="slow">
-        <p:push/>
-      </p:transition>
-    </mc:Fallback>
-  </mc:AlternateContent>
+  <p:transition spd="med">
+    <p:push/>
+  </p:transition>
   <p:timing>
     <p:tnLst>
       <p:par>
@@ -4148,6 +6029,363 @@
           </a:p>
         </p:txBody>
       </p:sp>
+      <p:sp>
+        <p:nvSpPr>
+          <p:cNvPr id="6" name="Derékszögű háromszög 5"/>
+          <p:cNvSpPr/>
+          <p:nvPr/>
+        </p:nvSpPr>
+        <p:spPr>
+          <a:xfrm rot="5400000">
+            <a:off x="0" y="0"/>
+            <a:ext cx="1346200" cy="1346200"/>
+          </a:xfrm>
+          <a:prstGeom prst="rtTriangle">
+            <a:avLst/>
+          </a:prstGeom>
+          <a:solidFill>
+            <a:srgbClr val="E6110B"/>
+          </a:solidFill>
+          <a:ln>
+            <a:noFill/>
+          </a:ln>
+        </p:spPr>
+        <p:style>
+          <a:lnRef idx="2">
+            <a:schemeClr val="accent1">
+              <a:shade val="50000"/>
+            </a:schemeClr>
+          </a:lnRef>
+          <a:fillRef idx="1">
+            <a:schemeClr val="accent1"/>
+          </a:fillRef>
+          <a:effectRef idx="0">
+            <a:schemeClr val="accent1"/>
+          </a:effectRef>
+          <a:fontRef idx="minor">
+            <a:schemeClr val="lt1"/>
+          </a:fontRef>
+        </p:style>
+        <p:txBody>
+          <a:bodyPr rtlCol="0" anchor="ctr"/>
+          <a:lstStyle/>
+          <a:p>
+            <a:pPr algn="ctr"/>
+            <a:endParaRPr lang="hu-HU"/>
+          </a:p>
+        </p:txBody>
+      </p:sp>
+      <p:sp>
+        <p:nvSpPr>
+          <p:cNvPr id="8" name="Derékszögű háromszög 7"/>
+          <p:cNvSpPr/>
+          <p:nvPr/>
+        </p:nvSpPr>
+        <p:spPr>
+          <a:xfrm>
+            <a:off x="0" y="5511800"/>
+            <a:ext cx="1346200" cy="1346200"/>
+          </a:xfrm>
+          <a:prstGeom prst="rtTriangle">
+            <a:avLst/>
+          </a:prstGeom>
+          <a:solidFill>
+            <a:srgbClr val="E6110B"/>
+          </a:solidFill>
+          <a:ln>
+            <a:noFill/>
+          </a:ln>
+        </p:spPr>
+        <p:style>
+          <a:lnRef idx="2">
+            <a:schemeClr val="accent1">
+              <a:shade val="50000"/>
+            </a:schemeClr>
+          </a:lnRef>
+          <a:fillRef idx="1">
+            <a:schemeClr val="accent1"/>
+          </a:fillRef>
+          <a:effectRef idx="0">
+            <a:schemeClr val="accent1"/>
+          </a:effectRef>
+          <a:fontRef idx="minor">
+            <a:schemeClr val="lt1"/>
+          </a:fontRef>
+        </p:style>
+        <p:txBody>
+          <a:bodyPr rtlCol="0" anchor="ctr"/>
+          <a:lstStyle/>
+          <a:p>
+            <a:pPr algn="ctr"/>
+            <a:endParaRPr lang="hu-HU"/>
+          </a:p>
+        </p:txBody>
+      </p:sp>
+      <p:sp>
+        <p:nvSpPr>
+          <p:cNvPr id="10" name="Derékszögű háromszög 9"/>
+          <p:cNvSpPr/>
+          <p:nvPr/>
+        </p:nvSpPr>
+        <p:spPr>
+          <a:xfrm rot="10800000">
+            <a:off x="10845800" y="0"/>
+            <a:ext cx="1346200" cy="1346200"/>
+          </a:xfrm>
+          <a:prstGeom prst="rtTriangle">
+            <a:avLst/>
+          </a:prstGeom>
+          <a:solidFill>
+            <a:srgbClr val="E6110B"/>
+          </a:solidFill>
+          <a:ln>
+            <a:noFill/>
+          </a:ln>
+        </p:spPr>
+        <p:style>
+          <a:lnRef idx="2">
+            <a:schemeClr val="accent1">
+              <a:shade val="50000"/>
+            </a:schemeClr>
+          </a:lnRef>
+          <a:fillRef idx="1">
+            <a:schemeClr val="accent1"/>
+          </a:fillRef>
+          <a:effectRef idx="0">
+            <a:schemeClr val="accent1"/>
+          </a:effectRef>
+          <a:fontRef idx="minor">
+            <a:schemeClr val="lt1"/>
+          </a:fontRef>
+        </p:style>
+        <p:txBody>
+          <a:bodyPr rtlCol="0" anchor="ctr"/>
+          <a:lstStyle/>
+          <a:p>
+            <a:pPr algn="ctr"/>
+            <a:endParaRPr lang="hu-HU"/>
+          </a:p>
+        </p:txBody>
+      </p:sp>
+      <p:sp>
+        <p:nvSpPr>
+          <p:cNvPr id="11" name="Derékszögű háromszög 10"/>
+          <p:cNvSpPr/>
+          <p:nvPr/>
+        </p:nvSpPr>
+        <p:spPr>
+          <a:xfrm rot="16200000">
+            <a:off x="10845800" y="5511800"/>
+            <a:ext cx="1346200" cy="1346200"/>
+          </a:xfrm>
+          <a:prstGeom prst="rtTriangle">
+            <a:avLst/>
+          </a:prstGeom>
+          <a:solidFill>
+            <a:srgbClr val="E6110B"/>
+          </a:solidFill>
+          <a:ln>
+            <a:noFill/>
+          </a:ln>
+        </p:spPr>
+        <p:style>
+          <a:lnRef idx="2">
+            <a:schemeClr val="accent1">
+              <a:shade val="50000"/>
+            </a:schemeClr>
+          </a:lnRef>
+          <a:fillRef idx="1">
+            <a:schemeClr val="accent1"/>
+          </a:fillRef>
+          <a:effectRef idx="0">
+            <a:schemeClr val="accent1"/>
+          </a:effectRef>
+          <a:fontRef idx="minor">
+            <a:schemeClr val="lt1"/>
+          </a:fontRef>
+        </p:style>
+        <p:txBody>
+          <a:bodyPr rtlCol="0" anchor="ctr"/>
+          <a:lstStyle/>
+          <a:p>
+            <a:pPr algn="ctr"/>
+            <a:endParaRPr lang="hu-HU"/>
+          </a:p>
+        </p:txBody>
+      </p:sp>
+      <p:sp>
+        <p:nvSpPr>
+          <p:cNvPr id="12" name="Szövegdoboz 11"/>
+          <p:cNvSpPr txBox="1"/>
+          <p:nvPr/>
+        </p:nvSpPr>
+        <p:spPr>
+          <a:xfrm>
+            <a:off x="6730999" y="4449970"/>
+            <a:ext cx="4865737" cy="2123658"/>
+          </a:xfrm>
+          <a:prstGeom prst="rect">
+            <a:avLst/>
+          </a:prstGeom>
+          <a:noFill/>
+        </p:spPr>
+        <p:txBody>
+          <a:bodyPr wrap="square" rtlCol="0">
+            <a:spAutoFit/>
+          </a:bodyPr>
+          <a:lstStyle/>
+          <a:p>
+            <a:r>
+              <a:rPr lang="hu-HU" sz="4400" dirty="0" smtClean="0">
+                <a:latin typeface="Times New Roman" panose="02020603050405020304" pitchFamily="18" charset="0"/>
+                <a:cs typeface="Times New Roman" panose="02020603050405020304" pitchFamily="18" charset="0"/>
+              </a:rPr>
+              <a:t>-PDF fájlok</a:t>
+            </a:r>
+            <a:br>
+              <a:rPr lang="hu-HU" sz="4400" dirty="0" smtClean="0">
+                <a:latin typeface="Times New Roman" panose="02020603050405020304" pitchFamily="18" charset="0"/>
+                <a:cs typeface="Times New Roman" panose="02020603050405020304" pitchFamily="18" charset="0"/>
+              </a:rPr>
+            </a:br>
+            <a:r>
+              <a:rPr lang="hu-HU" sz="4400" dirty="0" smtClean="0">
+                <a:latin typeface="Times New Roman" panose="02020603050405020304" pitchFamily="18" charset="0"/>
+                <a:cs typeface="Times New Roman" panose="02020603050405020304" pitchFamily="18" charset="0"/>
+              </a:rPr>
+              <a:t>-Kompatibilis</a:t>
+            </a:r>
+          </a:p>
+          <a:p>
+            <a:r>
+              <a:rPr lang="hu-HU" sz="4400" dirty="0" smtClean="0">
+                <a:latin typeface="Times New Roman" panose="02020603050405020304" pitchFamily="18" charset="0"/>
+                <a:cs typeface="Times New Roman" panose="02020603050405020304" pitchFamily="18" charset="0"/>
+              </a:rPr>
+              <a:t>-Aláírások</a:t>
+            </a:r>
+            <a:endParaRPr lang="hu-HU" sz="4400" dirty="0">
+              <a:latin typeface="Times New Roman" panose="02020603050405020304" pitchFamily="18" charset="0"/>
+              <a:cs typeface="Times New Roman" panose="02020603050405020304" pitchFamily="18" charset="0"/>
+            </a:endParaRPr>
+          </a:p>
+        </p:txBody>
+      </p:sp>
+      <p:pic>
+        <p:nvPicPr>
+          <p:cNvPr id="4" name="Kép 3"/>
+          <p:cNvPicPr>
+            <a:picLocks noChangeAspect="1"/>
+          </p:cNvPicPr>
+          <p:nvPr/>
+        </p:nvPicPr>
+        <p:blipFill>
+          <a:blip r:embed="rId4" cstate="print">
+            <a:extLst>
+              <a:ext uri="{28A0092B-C50C-407E-A947-70E740481C1C}">
+                <a14:useLocalDpi xmlns:a14="http://schemas.microsoft.com/office/drawing/2010/main" val="0"/>
+              </a:ext>
+            </a:extLst>
+          </a:blip>
+          <a:stretch>
+            <a:fillRect/>
+          </a:stretch>
+        </p:blipFill>
+        <p:spPr>
+          <a:xfrm>
+            <a:off x="5764162" y="1735560"/>
+            <a:ext cx="6211937" cy="2183495"/>
+          </a:xfrm>
+          <a:prstGeom prst="rect">
+            <a:avLst/>
+          </a:prstGeom>
+        </p:spPr>
+      </p:pic>
+      <p:sp>
+        <p:nvSpPr>
+          <p:cNvPr id="5" name="Szövegdoboz 4"/>
+          <p:cNvSpPr txBox="1"/>
+          <p:nvPr/>
+        </p:nvSpPr>
+        <p:spPr>
+          <a:xfrm>
+            <a:off x="5764162" y="1580903"/>
+            <a:ext cx="5435600" cy="215444"/>
+          </a:xfrm>
+          <a:prstGeom prst="rect">
+            <a:avLst/>
+          </a:prstGeom>
+          <a:noFill/>
+        </p:spPr>
+        <p:txBody>
+          <a:bodyPr wrap="square" rtlCol="0">
+            <a:spAutoFit/>
+          </a:bodyPr>
+          <a:lstStyle/>
+          <a:p>
+            <a:r>
+              <a:rPr lang="hu-HU" sz="800" dirty="0">
+                <a:hlinkClick r:id="rId5"/>
+              </a:rPr>
+              <a:t>https://www.softwareone.com/hu-hu/blog/articles/2021/01/11/adobe-acrobat-pro-useful-features</a:t>
+            </a:r>
+            <a:endParaRPr lang="hu-HU" sz="800" dirty="0"/>
+          </a:p>
+        </p:txBody>
+      </p:sp>
+      <p:sp>
+        <p:nvSpPr>
+          <p:cNvPr id="13" name="Cím 1"/>
+          <p:cNvSpPr txBox="1">
+            <a:spLocks/>
+          </p:cNvSpPr>
+          <p:nvPr/>
+        </p:nvSpPr>
+        <p:spPr>
+          <a:xfrm>
+            <a:off x="698501" y="3720872"/>
+            <a:ext cx="2235200" cy="940028"/>
+          </a:xfrm>
+          <a:prstGeom prst="rect">
+            <a:avLst/>
+          </a:prstGeom>
+        </p:spPr>
+        <p:txBody>
+          <a:bodyPr/>
+          <a:lstStyle>
+            <a:lvl1pPr algn="l" defTabSz="914400" rtl="0" eaLnBrk="1" latinLnBrk="0" hangingPunct="1">
+              <a:lnSpc>
+                <a:spcPct val="90000"/>
+              </a:lnSpc>
+              <a:spcBef>
+                <a:spcPct val="0"/>
+              </a:spcBef>
+              <a:buNone/>
+              <a:defRPr sz="4400" kern="1200">
+                <a:solidFill>
+                  <a:schemeClr val="tx1"/>
+                </a:solidFill>
+                <a:latin typeface="+mj-lt"/>
+                <a:ea typeface="+mj-ea"/>
+                <a:cs typeface="+mj-cs"/>
+              </a:defRPr>
+            </a:lvl1pPr>
+          </a:lstStyle>
+          <a:p>
+            <a:r>
+              <a:rPr lang="hu-HU" dirty="0" err="1" smtClean="0">
+                <a:latin typeface="Times New Roman" panose="02020603050405020304" pitchFamily="18" charset="0"/>
+                <a:cs typeface="Times New Roman" panose="02020603050405020304" pitchFamily="18" charset="0"/>
+              </a:rPr>
+              <a:t>Acrobat</a:t>
+            </a:r>
+            <a:endParaRPr lang="hu-HU" dirty="0">
+              <a:latin typeface="Times New Roman" panose="02020603050405020304" pitchFamily="18" charset="0"/>
+              <a:cs typeface="Times New Roman" panose="02020603050405020304" pitchFamily="18" charset="0"/>
+            </a:endParaRPr>
+          </a:p>
+        </p:txBody>
+      </p:sp>
     </p:spTree>
     <p:extLst>
       <p:ext uri="{BB962C8B-B14F-4D97-AF65-F5344CB8AC3E}">
@@ -4158,18 +6396,9 @@
   <p:clrMapOvr>
     <a:masterClrMapping/>
   </p:clrMapOvr>
-  <mc:AlternateContent xmlns:mc="http://schemas.openxmlformats.org/markup-compatibility/2006">
-    <mc:Choice xmlns:p14="http://schemas.microsoft.com/office/powerpoint/2010/main" Requires="p14">
-      <p:transition spd="slow" p14:dur="1500">
-        <p:push/>
-      </p:transition>
-    </mc:Choice>
-    <mc:Fallback>
-      <p:transition spd="slow">
-        <p:push/>
-      </p:transition>
-    </mc:Fallback>
-  </mc:AlternateContent>
+  <p:transition spd="med">
+    <p:push/>
+  </p:transition>
   <p:timing>
     <p:tnLst>
       <p:par>
@@ -4305,6 +6534,363 @@
           </a:p>
         </p:txBody>
       </p:sp>
+      <p:sp>
+        <p:nvSpPr>
+          <p:cNvPr id="7" name="Derékszögű háromszög 6"/>
+          <p:cNvSpPr/>
+          <p:nvPr/>
+        </p:nvSpPr>
+        <p:spPr>
+          <a:xfrm rot="5400000">
+            <a:off x="0" y="0"/>
+            <a:ext cx="1346200" cy="1346200"/>
+          </a:xfrm>
+          <a:prstGeom prst="rtTriangle">
+            <a:avLst/>
+          </a:prstGeom>
+          <a:solidFill>
+            <a:srgbClr val="FF61F6"/>
+          </a:solidFill>
+          <a:ln>
+            <a:noFill/>
+          </a:ln>
+        </p:spPr>
+        <p:style>
+          <a:lnRef idx="2">
+            <a:schemeClr val="accent1">
+              <a:shade val="50000"/>
+            </a:schemeClr>
+          </a:lnRef>
+          <a:fillRef idx="1">
+            <a:schemeClr val="accent1"/>
+          </a:fillRef>
+          <a:effectRef idx="0">
+            <a:schemeClr val="accent1"/>
+          </a:effectRef>
+          <a:fontRef idx="minor">
+            <a:schemeClr val="lt1"/>
+          </a:fontRef>
+        </p:style>
+        <p:txBody>
+          <a:bodyPr rtlCol="0" anchor="ctr"/>
+          <a:lstStyle/>
+          <a:p>
+            <a:pPr algn="ctr"/>
+            <a:endParaRPr lang="hu-HU"/>
+          </a:p>
+        </p:txBody>
+      </p:sp>
+      <p:sp>
+        <p:nvSpPr>
+          <p:cNvPr id="8" name="Derékszögű háromszög 7"/>
+          <p:cNvSpPr/>
+          <p:nvPr/>
+        </p:nvSpPr>
+        <p:spPr>
+          <a:xfrm>
+            <a:off x="0" y="5511800"/>
+            <a:ext cx="1346200" cy="1346200"/>
+          </a:xfrm>
+          <a:prstGeom prst="rtTriangle">
+            <a:avLst/>
+          </a:prstGeom>
+          <a:solidFill>
+            <a:srgbClr val="FF61F6"/>
+          </a:solidFill>
+          <a:ln>
+            <a:noFill/>
+          </a:ln>
+        </p:spPr>
+        <p:style>
+          <a:lnRef idx="2">
+            <a:schemeClr val="accent1">
+              <a:shade val="50000"/>
+            </a:schemeClr>
+          </a:lnRef>
+          <a:fillRef idx="1">
+            <a:schemeClr val="accent1"/>
+          </a:fillRef>
+          <a:effectRef idx="0">
+            <a:schemeClr val="accent1"/>
+          </a:effectRef>
+          <a:fontRef idx="minor">
+            <a:schemeClr val="lt1"/>
+          </a:fontRef>
+        </p:style>
+        <p:txBody>
+          <a:bodyPr rtlCol="0" anchor="ctr"/>
+          <a:lstStyle/>
+          <a:p>
+            <a:pPr algn="ctr"/>
+            <a:endParaRPr lang="hu-HU"/>
+          </a:p>
+        </p:txBody>
+      </p:sp>
+      <p:sp>
+        <p:nvSpPr>
+          <p:cNvPr id="9" name="Derékszögű háromszög 8"/>
+          <p:cNvSpPr/>
+          <p:nvPr/>
+        </p:nvSpPr>
+        <p:spPr>
+          <a:xfrm rot="10800000">
+            <a:off x="10845800" y="0"/>
+            <a:ext cx="1346200" cy="1346200"/>
+          </a:xfrm>
+          <a:prstGeom prst="rtTriangle">
+            <a:avLst/>
+          </a:prstGeom>
+          <a:solidFill>
+            <a:srgbClr val="FF61F6"/>
+          </a:solidFill>
+          <a:ln>
+            <a:noFill/>
+          </a:ln>
+        </p:spPr>
+        <p:style>
+          <a:lnRef idx="2">
+            <a:schemeClr val="accent1">
+              <a:shade val="50000"/>
+            </a:schemeClr>
+          </a:lnRef>
+          <a:fillRef idx="1">
+            <a:schemeClr val="accent1"/>
+          </a:fillRef>
+          <a:effectRef idx="0">
+            <a:schemeClr val="accent1"/>
+          </a:effectRef>
+          <a:fontRef idx="minor">
+            <a:schemeClr val="lt1"/>
+          </a:fontRef>
+        </p:style>
+        <p:txBody>
+          <a:bodyPr rtlCol="0" anchor="ctr"/>
+          <a:lstStyle/>
+          <a:p>
+            <a:pPr algn="ctr"/>
+            <a:endParaRPr lang="hu-HU"/>
+          </a:p>
+        </p:txBody>
+      </p:sp>
+      <p:sp>
+        <p:nvSpPr>
+          <p:cNvPr id="10" name="Derékszögű háromszög 9"/>
+          <p:cNvSpPr/>
+          <p:nvPr/>
+        </p:nvSpPr>
+        <p:spPr>
+          <a:xfrm rot="16200000">
+            <a:off x="10845800" y="5511800"/>
+            <a:ext cx="1346200" cy="1346200"/>
+          </a:xfrm>
+          <a:prstGeom prst="rtTriangle">
+            <a:avLst/>
+          </a:prstGeom>
+          <a:solidFill>
+            <a:srgbClr val="FF61F6"/>
+          </a:solidFill>
+          <a:ln>
+            <a:noFill/>
+          </a:ln>
+        </p:spPr>
+        <p:style>
+          <a:lnRef idx="2">
+            <a:schemeClr val="accent1">
+              <a:shade val="50000"/>
+            </a:schemeClr>
+          </a:lnRef>
+          <a:fillRef idx="1">
+            <a:schemeClr val="accent1"/>
+          </a:fillRef>
+          <a:effectRef idx="0">
+            <a:schemeClr val="accent1"/>
+          </a:effectRef>
+          <a:fontRef idx="minor">
+            <a:schemeClr val="lt1"/>
+          </a:fontRef>
+        </p:style>
+        <p:txBody>
+          <a:bodyPr rtlCol="0" anchor="ctr"/>
+          <a:lstStyle/>
+          <a:p>
+            <a:pPr algn="ctr"/>
+            <a:endParaRPr lang="hu-HU"/>
+          </a:p>
+        </p:txBody>
+      </p:sp>
+      <p:sp>
+        <p:nvSpPr>
+          <p:cNvPr id="12" name="Szövegdoboz 11"/>
+          <p:cNvSpPr txBox="1"/>
+          <p:nvPr/>
+        </p:nvSpPr>
+        <p:spPr>
+          <a:xfrm>
+            <a:off x="6730999" y="4449970"/>
+            <a:ext cx="4865737" cy="2123658"/>
+          </a:xfrm>
+          <a:prstGeom prst="rect">
+            <a:avLst/>
+          </a:prstGeom>
+          <a:noFill/>
+        </p:spPr>
+        <p:txBody>
+          <a:bodyPr wrap="square" rtlCol="0">
+            <a:spAutoFit/>
+          </a:bodyPr>
+          <a:lstStyle/>
+          <a:p>
+            <a:r>
+              <a:rPr lang="hu-HU" sz="4400" dirty="0" smtClean="0">
+                <a:latin typeface="Times New Roman" panose="02020603050405020304" pitchFamily="18" charset="0"/>
+                <a:cs typeface="Times New Roman" panose="02020603050405020304" pitchFamily="18" charset="0"/>
+              </a:rPr>
+              <a:t>-PDF fájlok</a:t>
+            </a:r>
+            <a:br>
+              <a:rPr lang="hu-HU" sz="4400" dirty="0" smtClean="0">
+                <a:latin typeface="Times New Roman" panose="02020603050405020304" pitchFamily="18" charset="0"/>
+                <a:cs typeface="Times New Roman" panose="02020603050405020304" pitchFamily="18" charset="0"/>
+              </a:rPr>
+            </a:br>
+            <a:r>
+              <a:rPr lang="hu-HU" sz="4400" dirty="0" smtClean="0">
+                <a:latin typeface="Times New Roman" panose="02020603050405020304" pitchFamily="18" charset="0"/>
+                <a:cs typeface="Times New Roman" panose="02020603050405020304" pitchFamily="18" charset="0"/>
+              </a:rPr>
+              <a:t>-Kompatibilis</a:t>
+            </a:r>
+          </a:p>
+          <a:p>
+            <a:r>
+              <a:rPr lang="hu-HU" sz="4400" dirty="0" smtClean="0">
+                <a:latin typeface="Times New Roman" panose="02020603050405020304" pitchFamily="18" charset="0"/>
+                <a:cs typeface="Times New Roman" panose="02020603050405020304" pitchFamily="18" charset="0"/>
+              </a:rPr>
+              <a:t>-Aláírások</a:t>
+            </a:r>
+            <a:endParaRPr lang="hu-HU" sz="4400" dirty="0">
+              <a:latin typeface="Times New Roman" panose="02020603050405020304" pitchFamily="18" charset="0"/>
+              <a:cs typeface="Times New Roman" panose="02020603050405020304" pitchFamily="18" charset="0"/>
+            </a:endParaRPr>
+          </a:p>
+        </p:txBody>
+      </p:sp>
+      <p:pic>
+        <p:nvPicPr>
+          <p:cNvPr id="3" name="Kép 2"/>
+          <p:cNvPicPr>
+            <a:picLocks noChangeAspect="1"/>
+          </p:cNvPicPr>
+          <p:nvPr/>
+        </p:nvPicPr>
+        <p:blipFill>
+          <a:blip r:embed="rId4" cstate="print">
+            <a:extLst>
+              <a:ext uri="{28A0092B-C50C-407E-A947-70E740481C1C}">
+                <a14:useLocalDpi xmlns:a14="http://schemas.microsoft.com/office/drawing/2010/main" val="0"/>
+              </a:ext>
+            </a:extLst>
+          </a:blip>
+          <a:stretch>
+            <a:fillRect/>
+          </a:stretch>
+        </p:blipFill>
+        <p:spPr>
+          <a:xfrm>
+            <a:off x="6039711" y="1346200"/>
+            <a:ext cx="5764241" cy="2611228"/>
+          </a:xfrm>
+          <a:prstGeom prst="rect">
+            <a:avLst/>
+          </a:prstGeom>
+        </p:spPr>
+      </p:pic>
+      <p:sp>
+        <p:nvSpPr>
+          <p:cNvPr id="4" name="Szövegdoboz 3"/>
+          <p:cNvSpPr txBox="1"/>
+          <p:nvPr/>
+        </p:nvSpPr>
+        <p:spPr>
+          <a:xfrm>
+            <a:off x="6017357" y="1130756"/>
+            <a:ext cx="3073400" cy="215444"/>
+          </a:xfrm>
+          <a:prstGeom prst="rect">
+            <a:avLst/>
+          </a:prstGeom>
+          <a:noFill/>
+        </p:spPr>
+        <p:txBody>
+          <a:bodyPr wrap="square" rtlCol="0">
+            <a:spAutoFit/>
+          </a:bodyPr>
+          <a:lstStyle/>
+          <a:p>
+            <a:r>
+              <a:rPr lang="hu-HU" sz="800" dirty="0">
+                <a:hlinkClick r:id="rId5"/>
+              </a:rPr>
+              <a:t>https://support.crowdin.com/hu/adobe-xd-plugin/</a:t>
+            </a:r>
+            <a:endParaRPr lang="hu-HU" sz="800" dirty="0"/>
+          </a:p>
+        </p:txBody>
+      </p:sp>
+      <p:sp>
+        <p:nvSpPr>
+          <p:cNvPr id="13" name="Cím 1"/>
+          <p:cNvSpPr txBox="1">
+            <a:spLocks/>
+          </p:cNvSpPr>
+          <p:nvPr/>
+        </p:nvSpPr>
+        <p:spPr>
+          <a:xfrm>
+            <a:off x="889001" y="3720872"/>
+            <a:ext cx="1714499" cy="940028"/>
+          </a:xfrm>
+          <a:prstGeom prst="rect">
+            <a:avLst/>
+          </a:prstGeom>
+        </p:spPr>
+        <p:txBody>
+          <a:bodyPr/>
+          <a:lstStyle>
+            <a:lvl1pPr algn="l" defTabSz="914400" rtl="0" eaLnBrk="1" latinLnBrk="0" hangingPunct="1">
+              <a:lnSpc>
+                <a:spcPct val="90000"/>
+              </a:lnSpc>
+              <a:spcBef>
+                <a:spcPct val="0"/>
+              </a:spcBef>
+              <a:buNone/>
+              <a:defRPr sz="4400" kern="1200">
+                <a:solidFill>
+                  <a:schemeClr val="tx1"/>
+                </a:solidFill>
+                <a:latin typeface="+mj-lt"/>
+                <a:ea typeface="+mj-ea"/>
+                <a:cs typeface="+mj-cs"/>
+              </a:defRPr>
+            </a:lvl1pPr>
+          </a:lstStyle>
+          <a:p>
+            <a:r>
+              <a:rPr lang="hu-HU" dirty="0" smtClean="0">
+                <a:latin typeface="Times New Roman" panose="02020603050405020304" pitchFamily="18" charset="0"/>
+                <a:cs typeface="Times New Roman" panose="02020603050405020304" pitchFamily="18" charset="0"/>
+              </a:rPr>
+              <a:t>XD</a:t>
+            </a:r>
+            <a:endParaRPr lang="hu-HU" dirty="0">
+              <a:latin typeface="Times New Roman" panose="02020603050405020304" pitchFamily="18" charset="0"/>
+              <a:cs typeface="Times New Roman" panose="02020603050405020304" pitchFamily="18" charset="0"/>
+            </a:endParaRPr>
+          </a:p>
+        </p:txBody>
+      </p:sp>
     </p:spTree>
     <p:extLst>
       <p:ext uri="{BB962C8B-B14F-4D97-AF65-F5344CB8AC3E}">
@@ -4315,18 +6901,9 @@
   <p:clrMapOvr>
     <a:masterClrMapping/>
   </p:clrMapOvr>
-  <mc:AlternateContent xmlns:mc="http://schemas.openxmlformats.org/markup-compatibility/2006">
-    <mc:Choice xmlns:p14="http://schemas.microsoft.com/office/powerpoint/2010/main" Requires="p14">
-      <p:transition spd="slow" p14:dur="1500">
-        <p:push/>
-      </p:transition>
-    </mc:Choice>
-    <mc:Fallback>
-      <p:transition spd="slow">
-        <p:push/>
-      </p:transition>
-    </mc:Fallback>
-  </mc:AlternateContent>
+  <p:transition spd="med">
+    <p:push/>
+  </p:transition>
   <p:timing>
     <p:tnLst>
       <p:par>
@@ -4362,7 +6939,7 @@
         </p:nvSpPr>
         <p:spPr>
           <a:xfrm>
-            <a:off x="3073400" y="1778000"/>
+            <a:off x="2540000" y="1963003"/>
             <a:ext cx="7112000" cy="830997"/>
           </a:xfrm>
           <a:prstGeom prst="rect">
@@ -4376,11 +6953,18 @@
           </a:bodyPr>
           <a:lstStyle/>
           <a:p>
-            <a:r>
-              <a:rPr lang="hu-HU" sz="4800" dirty="0" smtClean="0"/>
+            <a:pPr algn="ctr"/>
+            <a:r>
+              <a:rPr lang="hu-HU" sz="4800" dirty="0" smtClean="0">
+                <a:latin typeface="Times New Roman" panose="02020603050405020304" pitchFamily="18" charset="0"/>
+                <a:cs typeface="Times New Roman" panose="02020603050405020304" pitchFamily="18" charset="0"/>
+              </a:rPr>
               <a:t>Köszönöm a figyelmet!</a:t>
             </a:r>
-            <a:endParaRPr lang="hu-HU" sz="4800" dirty="0"/>
+            <a:endParaRPr lang="hu-HU" sz="4800" dirty="0">
+              <a:latin typeface="Times New Roman" panose="02020603050405020304" pitchFamily="18" charset="0"/>
+              <a:cs typeface="Times New Roman" panose="02020603050405020304" pitchFamily="18" charset="0"/>
+            </a:endParaRPr>
           </a:p>
         </p:txBody>
       </p:sp>
@@ -4392,7 +6976,7 @@
         </p:nvSpPr>
         <p:spPr>
           <a:xfrm>
-            <a:off x="4546600" y="4584700"/>
+            <a:off x="2540000" y="4492366"/>
             <a:ext cx="7112000" cy="461665"/>
           </a:xfrm>
           <a:prstGeom prst="rect">
@@ -4406,11 +6990,18 @@
           </a:bodyPr>
           <a:lstStyle/>
           <a:p>
-            <a:r>
-              <a:rPr lang="hu-HU" sz="2400" dirty="0" smtClean="0"/>
+            <a:pPr algn="ctr"/>
+            <a:r>
+              <a:rPr lang="hu-HU" sz="2400" dirty="0" smtClean="0">
+                <a:latin typeface="Times New Roman" panose="02020603050405020304" pitchFamily="18" charset="0"/>
+                <a:cs typeface="Times New Roman" panose="02020603050405020304" pitchFamily="18" charset="0"/>
+              </a:rPr>
               <a:t>Készítette: Tarr Gábor</a:t>
             </a:r>
-            <a:endParaRPr lang="hu-HU" sz="2400" dirty="0"/>
+            <a:endParaRPr lang="hu-HU" sz="2400" dirty="0">
+              <a:latin typeface="Times New Roman" panose="02020603050405020304" pitchFamily="18" charset="0"/>
+              <a:cs typeface="Times New Roman" panose="02020603050405020304" pitchFamily="18" charset="0"/>
+            </a:endParaRPr>
           </a:p>
         </p:txBody>
       </p:sp>
@@ -4468,7 +7059,7 @@
         </p:nvSpPr>
         <p:spPr>
           <a:xfrm>
-            <a:off x="381000" y="5918200"/>
+            <a:off x="673100" y="5878899"/>
             <a:ext cx="6591300" cy="646331"/>
           </a:xfrm>
           <a:prstGeom prst="rect">
@@ -4488,14 +7079,205 @@
             </a:r>
             <a:r>
               <a:rPr lang="hu-HU" dirty="0">
+                <a:solidFill>
+                  <a:srgbClr val="31A8FF"/>
+                </a:solidFill>
                 <a:hlinkClick r:id="rId2"/>
               </a:rPr>
               <a:t>https://www.adobe.com/hu/products/catalog.html</a:t>
             </a:r>
+            <a:endParaRPr lang="hu-HU" dirty="0">
+              <a:solidFill>
+                <a:srgbClr val="31A8FF"/>
+              </a:solidFill>
+            </a:endParaRPr>
+          </a:p>
+          <a:p>
             <a:endParaRPr lang="hu-HU" dirty="0"/>
           </a:p>
-          <a:p>
-            <a:endParaRPr lang="hu-HU" dirty="0"/>
+        </p:txBody>
+      </p:sp>
+      <p:sp>
+        <p:nvSpPr>
+          <p:cNvPr id="8" name="Derékszögű háromszög 7"/>
+          <p:cNvSpPr/>
+          <p:nvPr/>
+        </p:nvSpPr>
+        <p:spPr>
+          <a:xfrm rot="5400000">
+            <a:off x="0" y="0"/>
+            <a:ext cx="1346200" cy="1346200"/>
+          </a:xfrm>
+          <a:prstGeom prst="rtTriangle">
+            <a:avLst/>
+          </a:prstGeom>
+          <a:solidFill>
+            <a:srgbClr val="00005B"/>
+          </a:solidFill>
+          <a:ln>
+            <a:noFill/>
+          </a:ln>
+        </p:spPr>
+        <p:style>
+          <a:lnRef idx="2">
+            <a:schemeClr val="accent1">
+              <a:shade val="50000"/>
+            </a:schemeClr>
+          </a:lnRef>
+          <a:fillRef idx="1">
+            <a:schemeClr val="accent1"/>
+          </a:fillRef>
+          <a:effectRef idx="0">
+            <a:schemeClr val="accent1"/>
+          </a:effectRef>
+          <a:fontRef idx="minor">
+            <a:schemeClr val="lt1"/>
+          </a:fontRef>
+        </p:style>
+        <p:txBody>
+          <a:bodyPr rtlCol="0" anchor="ctr"/>
+          <a:lstStyle/>
+          <a:p>
+            <a:pPr algn="ctr"/>
+            <a:endParaRPr lang="hu-HU"/>
+          </a:p>
+        </p:txBody>
+      </p:sp>
+      <p:sp>
+        <p:nvSpPr>
+          <p:cNvPr id="9" name="Derékszögű háromszög 8"/>
+          <p:cNvSpPr/>
+          <p:nvPr/>
+        </p:nvSpPr>
+        <p:spPr>
+          <a:xfrm>
+            <a:off x="0" y="5511800"/>
+            <a:ext cx="1346200" cy="1346200"/>
+          </a:xfrm>
+          <a:prstGeom prst="rtTriangle">
+            <a:avLst/>
+          </a:prstGeom>
+          <a:solidFill>
+            <a:srgbClr val="00005B"/>
+          </a:solidFill>
+          <a:ln>
+            <a:noFill/>
+          </a:ln>
+        </p:spPr>
+        <p:style>
+          <a:lnRef idx="2">
+            <a:schemeClr val="accent1">
+              <a:shade val="50000"/>
+            </a:schemeClr>
+          </a:lnRef>
+          <a:fillRef idx="1">
+            <a:schemeClr val="accent1"/>
+          </a:fillRef>
+          <a:effectRef idx="0">
+            <a:schemeClr val="accent1"/>
+          </a:effectRef>
+          <a:fontRef idx="minor">
+            <a:schemeClr val="lt1"/>
+          </a:fontRef>
+        </p:style>
+        <p:txBody>
+          <a:bodyPr rtlCol="0" anchor="ctr"/>
+          <a:lstStyle/>
+          <a:p>
+            <a:pPr algn="ctr"/>
+            <a:endParaRPr lang="hu-HU"/>
+          </a:p>
+        </p:txBody>
+      </p:sp>
+      <p:sp>
+        <p:nvSpPr>
+          <p:cNvPr id="10" name="Derékszögű háromszög 9"/>
+          <p:cNvSpPr/>
+          <p:nvPr/>
+        </p:nvSpPr>
+        <p:spPr>
+          <a:xfrm rot="10800000">
+            <a:off x="10845800" y="0"/>
+            <a:ext cx="1346200" cy="1346200"/>
+          </a:xfrm>
+          <a:prstGeom prst="rtTriangle">
+            <a:avLst/>
+          </a:prstGeom>
+          <a:solidFill>
+            <a:srgbClr val="00005B"/>
+          </a:solidFill>
+          <a:ln>
+            <a:noFill/>
+          </a:ln>
+        </p:spPr>
+        <p:style>
+          <a:lnRef idx="2">
+            <a:schemeClr val="accent1">
+              <a:shade val="50000"/>
+            </a:schemeClr>
+          </a:lnRef>
+          <a:fillRef idx="1">
+            <a:schemeClr val="accent1"/>
+          </a:fillRef>
+          <a:effectRef idx="0">
+            <a:schemeClr val="accent1"/>
+          </a:effectRef>
+          <a:fontRef idx="minor">
+            <a:schemeClr val="lt1"/>
+          </a:fontRef>
+        </p:style>
+        <p:txBody>
+          <a:bodyPr rtlCol="0" anchor="ctr"/>
+          <a:lstStyle/>
+          <a:p>
+            <a:pPr algn="ctr"/>
+            <a:endParaRPr lang="hu-HU"/>
+          </a:p>
+        </p:txBody>
+      </p:sp>
+      <p:sp>
+        <p:nvSpPr>
+          <p:cNvPr id="11" name="Derékszögű háromszög 10"/>
+          <p:cNvSpPr/>
+          <p:nvPr/>
+        </p:nvSpPr>
+        <p:spPr>
+          <a:xfrm rot="16200000">
+            <a:off x="10845800" y="5511800"/>
+            <a:ext cx="1346200" cy="1346200"/>
+          </a:xfrm>
+          <a:prstGeom prst="rtTriangle">
+            <a:avLst/>
+          </a:prstGeom>
+          <a:solidFill>
+            <a:srgbClr val="00005B"/>
+          </a:solidFill>
+          <a:ln>
+            <a:noFill/>
+          </a:ln>
+        </p:spPr>
+        <p:style>
+          <a:lnRef idx="2">
+            <a:schemeClr val="accent1">
+              <a:shade val="50000"/>
+            </a:schemeClr>
+          </a:lnRef>
+          <a:fillRef idx="1">
+            <a:schemeClr val="accent1"/>
+          </a:fillRef>
+          <a:effectRef idx="0">
+            <a:schemeClr val="accent1"/>
+          </a:effectRef>
+          <a:fontRef idx="minor">
+            <a:schemeClr val="lt1"/>
+          </a:fontRef>
+        </p:style>
+        <p:txBody>
+          <a:bodyPr rtlCol="0" anchor="ctr"/>
+          <a:lstStyle/>
+          <a:p>
+            <a:pPr algn="ctr"/>
+            <a:endParaRPr lang="hu-HU"/>
           </a:p>
         </p:txBody>
       </p:sp>
@@ -4509,18 +7291,9 @@
   <p:clrMapOvr>
     <a:masterClrMapping/>
   </p:clrMapOvr>
-  <mc:AlternateContent xmlns:mc="http://schemas.openxmlformats.org/markup-compatibility/2006">
-    <mc:Choice xmlns:p14="http://schemas.microsoft.com/office/powerpoint/2010/main" Requires="p14">
-      <p:transition spd="slow" p14:dur="1500">
-        <p:push/>
-      </p:transition>
-    </mc:Choice>
-    <mc:Fallback>
-      <p:transition spd="slow">
-        <p:push/>
-      </p:transition>
-    </mc:Fallback>
-  </mc:AlternateContent>
+  <p:transition spd="med">
+    <p:push/>
+  </p:transition>
   <p:timing>
     <p:tnLst>
       <p:par>

--- a/beadandóTG.pptx
+++ b/beadandóTG.pptx
@@ -3032,7 +3032,7 @@
             <a:avLst/>
           </a:prstGeom>
           <a:solidFill>
-            <a:schemeClr val="tx1"/>
+            <a:srgbClr val="ED1C24"/>
           </a:solidFill>
           <a:ln>
             <a:noFill/>
@@ -3329,6 +3329,38 @@
           </a:p>
         </p:txBody>
       </p:sp>
+      <p:sp>
+        <p:nvSpPr>
+          <p:cNvPr id="2" name="Szövegdoboz 1"/>
+          <p:cNvSpPr txBox="1"/>
+          <p:nvPr/>
+        </p:nvSpPr>
+        <p:spPr>
+          <a:xfrm>
+            <a:off x="2768600" y="5746944"/>
+            <a:ext cx="4013200" cy="215444"/>
+          </a:xfrm>
+          <a:prstGeom prst="rect">
+            <a:avLst/>
+          </a:prstGeom>
+          <a:noFill/>
+        </p:spPr>
+        <p:txBody>
+          <a:bodyPr wrap="square" rtlCol="0">
+            <a:spAutoFit/>
+          </a:bodyPr>
+          <a:lstStyle/>
+          <a:p>
+            <a:r>
+              <a:rPr lang="hu-HU" sz="800" dirty="0">
+                <a:hlinkClick r:id="rId3"/>
+              </a:rPr>
+              <a:t>https://www.kindpng.com/imgv/JimTwJ_adobe-logo-2019-png-transparent-png/</a:t>
+            </a:r>
+            <a:endParaRPr lang="hu-HU" sz="800" dirty="0"/>
+          </a:p>
+        </p:txBody>
+      </p:sp>
     </p:spTree>
     <p:extLst>
       <p:ext uri="{BB962C8B-B14F-4D97-AF65-F5344CB8AC3E}">
@@ -3339,11 +3371,11 @@
   <p:clrMapOvr>
     <a:masterClrMapping/>
   </p:clrMapOvr>
-  <mc:AlternateContent xmlns:mc="http://schemas.openxmlformats.org/markup-compatibility/2006">
-    <mc:Choice xmlns:p14="http://schemas.microsoft.com/office/powerpoint/2010/main" Requires="p14">
+  <mc:AlternateContent xmlns:mc="http://schemas.openxmlformats.org/markup-compatibility/2006" xmlns:p14="http://schemas.microsoft.com/office/powerpoint/2010/main">
+    <mc:Choice Requires="p14">
       <p:transition p14:dur="0"/>
     </mc:Choice>
-    <mc:Fallback>
+    <mc:Fallback xmlns="">
       <p:transition/>
     </mc:Fallback>
   </mc:AlternateContent>
@@ -4237,7 +4269,7 @@
         </p:nvSpPr>
         <p:spPr>
           <a:xfrm>
-            <a:off x="6096000" y="968960"/>
+            <a:off x="6036368" y="946273"/>
             <a:ext cx="3517900" cy="215444"/>
           </a:xfrm>
           <a:prstGeom prst="rect">

--- a/beadandóTG.pptx
+++ b/beadandóTG.pptx
@@ -251,7 +251,7 @@
           <a:p>
             <a:fld id="{5DCFF550-74A6-4A3B-803B-1468DFA707D9}" type="datetimeFigureOut">
               <a:rPr lang="hu-HU" smtClean="0"/>
-              <a:t>2022.09.13.</a:t>
+              <a:t>2022.09.15.</a:t>
             </a:fld>
             <a:endParaRPr lang="hu-HU"/>
           </a:p>
@@ -424,7 +424,7 @@
           <a:p>
             <a:fld id="{5DCFF550-74A6-4A3B-803B-1468DFA707D9}" type="datetimeFigureOut">
               <a:rPr lang="hu-HU" smtClean="0"/>
-              <a:t>2022.09.13.</a:t>
+              <a:t>2022.09.15.</a:t>
             </a:fld>
             <a:endParaRPr lang="hu-HU"/>
           </a:p>
@@ -607,7 +607,7 @@
           <a:p>
             <a:fld id="{5DCFF550-74A6-4A3B-803B-1468DFA707D9}" type="datetimeFigureOut">
               <a:rPr lang="hu-HU" smtClean="0"/>
-              <a:t>2022.09.13.</a:t>
+              <a:t>2022.09.15.</a:t>
             </a:fld>
             <a:endParaRPr lang="hu-HU"/>
           </a:p>
@@ -780,7 +780,7 @@
           <a:p>
             <a:fld id="{5DCFF550-74A6-4A3B-803B-1468DFA707D9}" type="datetimeFigureOut">
               <a:rPr lang="hu-HU" smtClean="0"/>
-              <a:t>2022.09.13.</a:t>
+              <a:t>2022.09.15.</a:t>
             </a:fld>
             <a:endParaRPr lang="hu-HU"/>
           </a:p>
@@ -1029,7 +1029,7 @@
           <a:p>
             <a:fld id="{5DCFF550-74A6-4A3B-803B-1468DFA707D9}" type="datetimeFigureOut">
               <a:rPr lang="hu-HU" smtClean="0"/>
-              <a:t>2022.09.13.</a:t>
+              <a:t>2022.09.15.</a:t>
             </a:fld>
             <a:endParaRPr lang="hu-HU"/>
           </a:p>
@@ -1264,7 +1264,7 @@
           <a:p>
             <a:fld id="{5DCFF550-74A6-4A3B-803B-1468DFA707D9}" type="datetimeFigureOut">
               <a:rPr lang="hu-HU" smtClean="0"/>
-              <a:t>2022.09.13.</a:t>
+              <a:t>2022.09.15.</a:t>
             </a:fld>
             <a:endParaRPr lang="hu-HU"/>
           </a:p>
@@ -1634,7 +1634,7 @@
           <a:p>
             <a:fld id="{5DCFF550-74A6-4A3B-803B-1468DFA707D9}" type="datetimeFigureOut">
               <a:rPr lang="hu-HU" smtClean="0"/>
-              <a:t>2022.09.13.</a:t>
+              <a:t>2022.09.15.</a:t>
             </a:fld>
             <a:endParaRPr lang="hu-HU"/>
           </a:p>
@@ -1755,7 +1755,7 @@
           <a:p>
             <a:fld id="{5DCFF550-74A6-4A3B-803B-1468DFA707D9}" type="datetimeFigureOut">
               <a:rPr lang="hu-HU" smtClean="0"/>
-              <a:t>2022.09.13.</a:t>
+              <a:t>2022.09.15.</a:t>
             </a:fld>
             <a:endParaRPr lang="hu-HU"/>
           </a:p>
@@ -1853,7 +1853,7 @@
           <a:p>
             <a:fld id="{5DCFF550-74A6-4A3B-803B-1468DFA707D9}" type="datetimeFigureOut">
               <a:rPr lang="hu-HU" smtClean="0"/>
-              <a:t>2022.09.13.</a:t>
+              <a:t>2022.09.15.</a:t>
             </a:fld>
             <a:endParaRPr lang="hu-HU"/>
           </a:p>
@@ -2133,7 +2133,7 @@
           <a:p>
             <a:fld id="{5DCFF550-74A6-4A3B-803B-1468DFA707D9}" type="datetimeFigureOut">
               <a:rPr lang="hu-HU" smtClean="0"/>
-              <a:t>2022.09.13.</a:t>
+              <a:t>2022.09.15.</a:t>
             </a:fld>
             <a:endParaRPr lang="hu-HU"/>
           </a:p>
@@ -2393,7 +2393,7 @@
           <a:p>
             <a:fld id="{5DCFF550-74A6-4A3B-803B-1468DFA707D9}" type="datetimeFigureOut">
               <a:rPr lang="hu-HU" smtClean="0"/>
-              <a:t>2022.09.13.</a:t>
+              <a:t>2022.09.15.</a:t>
             </a:fld>
             <a:endParaRPr lang="hu-HU"/>
           </a:p>
@@ -2609,7 +2609,7 @@
           <a:p>
             <a:fld id="{5DCFF550-74A6-4A3B-803B-1468DFA707D9}" type="datetimeFigureOut">
               <a:rPr lang="hu-HU" smtClean="0"/>
-              <a:t>2022.09.13.</a:t>
+              <a:t>2022.09.15.</a:t>
             </a:fld>
             <a:endParaRPr lang="hu-HU"/>
           </a:p>
@@ -3707,7 +3707,7 @@
         <p:spPr>
           <a:xfrm>
             <a:off x="6730999" y="4449970"/>
-            <a:ext cx="4865737" cy="2123658"/>
+            <a:ext cx="4865737" cy="1323439"/>
           </a:xfrm>
           <a:prstGeom prst="rect">
             <a:avLst/>
@@ -3721,35 +3721,26 @@
           <a:lstStyle/>
           <a:p>
             <a:r>
-              <a:rPr lang="hu-HU" sz="4400" dirty="0" smtClean="0">
+              <a:rPr lang="hu-HU" sz="4000" dirty="0" smtClean="0">
                 <a:latin typeface="Times New Roman" panose="02020603050405020304" pitchFamily="18" charset="0"/>
                 <a:cs typeface="Times New Roman" panose="02020603050405020304" pitchFamily="18" charset="0"/>
               </a:rPr>
-              <a:t>-PDF fájlok</a:t>
-            </a:r>
-            <a:br>
-              <a:rPr lang="hu-HU" sz="4400" dirty="0" smtClean="0">
+              <a:t>-Mire használjuk?</a:t>
+            </a:r>
+            <a:endParaRPr lang="hu-HU" sz="4000" dirty="0" smtClean="0">
+              <a:latin typeface="Times New Roman" panose="02020603050405020304" pitchFamily="18" charset="0"/>
+              <a:cs typeface="Times New Roman" panose="02020603050405020304" pitchFamily="18" charset="0"/>
+            </a:endParaRPr>
+          </a:p>
+          <a:p>
+            <a:r>
+              <a:rPr lang="hu-HU" sz="4000" dirty="0" smtClean="0">
                 <a:latin typeface="Times New Roman" panose="02020603050405020304" pitchFamily="18" charset="0"/>
                 <a:cs typeface="Times New Roman" panose="02020603050405020304" pitchFamily="18" charset="0"/>
               </a:rPr>
-            </a:br>
-            <a:r>
-              <a:rPr lang="hu-HU" sz="4400" dirty="0" smtClean="0">
-                <a:latin typeface="Times New Roman" panose="02020603050405020304" pitchFamily="18" charset="0"/>
-                <a:cs typeface="Times New Roman" panose="02020603050405020304" pitchFamily="18" charset="0"/>
-              </a:rPr>
-              <a:t>-Kompatibilis</a:t>
-            </a:r>
-          </a:p>
-          <a:p>
-            <a:r>
-              <a:rPr lang="hu-HU" sz="4400" dirty="0" smtClean="0">
-                <a:latin typeface="Times New Roman" panose="02020603050405020304" pitchFamily="18" charset="0"/>
-                <a:cs typeface="Times New Roman" panose="02020603050405020304" pitchFamily="18" charset="0"/>
-              </a:rPr>
-              <a:t>-Aláírások</a:t>
-            </a:r>
-            <a:endParaRPr lang="hu-HU" sz="4400" dirty="0">
+              <a:t>-Verziók</a:t>
+            </a:r>
+            <a:endParaRPr lang="hu-HU" sz="4000" dirty="0">
               <a:latin typeface="Times New Roman" panose="02020603050405020304" pitchFamily="18" charset="0"/>
               <a:cs typeface="Times New Roman" panose="02020603050405020304" pitchFamily="18" charset="0"/>
             </a:endParaRPr>
@@ -4212,7 +4203,7 @@
         <p:spPr>
           <a:xfrm>
             <a:off x="6730999" y="4449970"/>
-            <a:ext cx="4865737" cy="2123658"/>
+            <a:ext cx="5461001" cy="1200329"/>
           </a:xfrm>
           <a:prstGeom prst="rect">
             <a:avLst/>
@@ -4226,35 +4217,46 @@
           <a:lstStyle/>
           <a:p>
             <a:r>
-              <a:rPr lang="hu-HU" sz="4400" dirty="0" smtClean="0">
+              <a:rPr lang="hu-HU" sz="2400" dirty="0" smtClean="0">
                 <a:latin typeface="Times New Roman" panose="02020603050405020304" pitchFamily="18" charset="0"/>
                 <a:cs typeface="Times New Roman" panose="02020603050405020304" pitchFamily="18" charset="0"/>
               </a:rPr>
-              <a:t>-PDF fájlok</a:t>
+              <a:t>-Mi a feladata?</a:t>
+            </a:r>
+            <a:r>
+              <a:rPr lang="hu-HU" sz="2400" dirty="0" smtClean="0">
+                <a:latin typeface="Times New Roman" panose="02020603050405020304" pitchFamily="18" charset="0"/>
+                <a:cs typeface="Times New Roman" panose="02020603050405020304" pitchFamily="18" charset="0"/>
+              </a:rPr>
+              <a:t/>
             </a:r>
             <a:br>
-              <a:rPr lang="hu-HU" sz="4400" dirty="0" smtClean="0">
+              <a:rPr lang="hu-HU" sz="2400" dirty="0" smtClean="0">
                 <a:latin typeface="Times New Roman" panose="02020603050405020304" pitchFamily="18" charset="0"/>
                 <a:cs typeface="Times New Roman" panose="02020603050405020304" pitchFamily="18" charset="0"/>
               </a:rPr>
             </a:br>
             <a:r>
-              <a:rPr lang="hu-HU" sz="4400" dirty="0" smtClean="0">
+              <a:rPr lang="hu-HU" sz="2400" dirty="0" smtClean="0">
                 <a:latin typeface="Times New Roman" panose="02020603050405020304" pitchFamily="18" charset="0"/>
                 <a:cs typeface="Times New Roman" panose="02020603050405020304" pitchFamily="18" charset="0"/>
               </a:rPr>
-              <a:t>-Kompatibilis</a:t>
-            </a:r>
-          </a:p>
-          <a:p>
-            <a:r>
-              <a:rPr lang="hu-HU" sz="4400" dirty="0" smtClean="0">
+              <a:t>-Miben jobb mint a konkurens programok?</a:t>
+            </a:r>
+            <a:endParaRPr lang="hu-HU" sz="2400" dirty="0" smtClean="0">
+              <a:latin typeface="Times New Roman" panose="02020603050405020304" pitchFamily="18" charset="0"/>
+              <a:cs typeface="Times New Roman" panose="02020603050405020304" pitchFamily="18" charset="0"/>
+            </a:endParaRPr>
+          </a:p>
+          <a:p>
+            <a:r>
+              <a:rPr lang="hu-HU" sz="2400" dirty="0" smtClean="0">
                 <a:latin typeface="Times New Roman" panose="02020603050405020304" pitchFamily="18" charset="0"/>
                 <a:cs typeface="Times New Roman" panose="02020603050405020304" pitchFamily="18" charset="0"/>
               </a:rPr>
-              <a:t>-Aláírások</a:t>
-            </a:r>
-            <a:endParaRPr lang="hu-HU" sz="4400" dirty="0">
+              <a:t>-Verziók</a:t>
+            </a:r>
+            <a:endParaRPr lang="hu-HU" sz="2400" dirty="0">
               <a:latin typeface="Times New Roman" panose="02020603050405020304" pitchFamily="18" charset="0"/>
               <a:cs typeface="Times New Roman" panose="02020603050405020304" pitchFamily="18" charset="0"/>
             </a:endParaRPr>
@@ -4724,7 +4726,7 @@
         <p:spPr>
           <a:xfrm>
             <a:off x="6730999" y="4449970"/>
-            <a:ext cx="4865737" cy="2123658"/>
+            <a:ext cx="5461001" cy="954107"/>
           </a:xfrm>
           <a:prstGeom prst="rect">
             <a:avLst/>
@@ -4738,35 +4740,26 @@
           <a:lstStyle/>
           <a:p>
             <a:r>
-              <a:rPr lang="hu-HU" sz="4400" dirty="0" smtClean="0">
+              <a:rPr lang="hu-HU" sz="2800" dirty="0" smtClean="0">
                 <a:latin typeface="Times New Roman" panose="02020603050405020304" pitchFamily="18" charset="0"/>
                 <a:cs typeface="Times New Roman" panose="02020603050405020304" pitchFamily="18" charset="0"/>
               </a:rPr>
-              <a:t>-PDF fájlok</a:t>
-            </a:r>
-            <a:br>
-              <a:rPr lang="hu-HU" sz="4400" dirty="0" smtClean="0">
+              <a:t>-Milyen munkákra használhatjuk?</a:t>
+            </a:r>
+            <a:endParaRPr lang="hu-HU" sz="2800" dirty="0" smtClean="0">
+              <a:latin typeface="Times New Roman" panose="02020603050405020304" pitchFamily="18" charset="0"/>
+              <a:cs typeface="Times New Roman" panose="02020603050405020304" pitchFamily="18" charset="0"/>
+            </a:endParaRPr>
+          </a:p>
+          <a:p>
+            <a:r>
+              <a:rPr lang="hu-HU" sz="2800" dirty="0" smtClean="0">
                 <a:latin typeface="Times New Roman" panose="02020603050405020304" pitchFamily="18" charset="0"/>
                 <a:cs typeface="Times New Roman" panose="02020603050405020304" pitchFamily="18" charset="0"/>
               </a:rPr>
-            </a:br>
-            <a:r>
-              <a:rPr lang="hu-HU" sz="4400" dirty="0" smtClean="0">
-                <a:latin typeface="Times New Roman" panose="02020603050405020304" pitchFamily="18" charset="0"/>
-                <a:cs typeface="Times New Roman" panose="02020603050405020304" pitchFamily="18" charset="0"/>
-              </a:rPr>
-              <a:t>-Kompatibilis</a:t>
-            </a:r>
-          </a:p>
-          <a:p>
-            <a:r>
-              <a:rPr lang="hu-HU" sz="4400" dirty="0" smtClean="0">
-                <a:latin typeface="Times New Roman" panose="02020603050405020304" pitchFamily="18" charset="0"/>
-                <a:cs typeface="Times New Roman" panose="02020603050405020304" pitchFamily="18" charset="0"/>
-              </a:rPr>
-              <a:t>-Aláírások</a:t>
-            </a:r>
-            <a:endParaRPr lang="hu-HU" sz="4400" dirty="0">
+              <a:t>-Verziók</a:t>
+            </a:r>
+            <a:endParaRPr lang="hu-HU" sz="2800" dirty="0">
               <a:latin typeface="Times New Roman" panose="02020603050405020304" pitchFamily="18" charset="0"/>
               <a:cs typeface="Times New Roman" panose="02020603050405020304" pitchFamily="18" charset="0"/>
             </a:endParaRPr>
@@ -5243,7 +5236,7 @@
         <p:spPr>
           <a:xfrm>
             <a:off x="6730999" y="4449970"/>
-            <a:ext cx="4865737" cy="2123658"/>
+            <a:ext cx="5372101" cy="1384995"/>
           </a:xfrm>
           <a:prstGeom prst="rect">
             <a:avLst/>
@@ -5257,35 +5250,46 @@
           <a:lstStyle/>
           <a:p>
             <a:r>
-              <a:rPr lang="hu-HU" sz="4400" dirty="0" smtClean="0">
+              <a:rPr lang="hu-HU" sz="2800" dirty="0" smtClean="0">
                 <a:latin typeface="Times New Roman" panose="02020603050405020304" pitchFamily="18" charset="0"/>
                 <a:cs typeface="Times New Roman" panose="02020603050405020304" pitchFamily="18" charset="0"/>
               </a:rPr>
-              <a:t>-PDF fájlok</a:t>
+              <a:t>-Miben különbözik a Photoshoptól?</a:t>
+            </a:r>
+            <a:r>
+              <a:rPr lang="hu-HU" sz="2800" dirty="0" smtClean="0">
+                <a:latin typeface="Times New Roman" panose="02020603050405020304" pitchFamily="18" charset="0"/>
+                <a:cs typeface="Times New Roman" panose="02020603050405020304" pitchFamily="18" charset="0"/>
+              </a:rPr>
+              <a:t/>
             </a:r>
             <a:br>
-              <a:rPr lang="hu-HU" sz="4400" dirty="0" smtClean="0">
+              <a:rPr lang="hu-HU" sz="2800" dirty="0" smtClean="0">
                 <a:latin typeface="Times New Roman" panose="02020603050405020304" pitchFamily="18" charset="0"/>
                 <a:cs typeface="Times New Roman" panose="02020603050405020304" pitchFamily="18" charset="0"/>
               </a:rPr>
             </a:br>
             <a:r>
-              <a:rPr lang="hu-HU" sz="4400" dirty="0" smtClean="0">
+              <a:rPr lang="hu-HU" sz="2800" dirty="0" smtClean="0">
                 <a:latin typeface="Times New Roman" panose="02020603050405020304" pitchFamily="18" charset="0"/>
                 <a:cs typeface="Times New Roman" panose="02020603050405020304" pitchFamily="18" charset="0"/>
               </a:rPr>
-              <a:t>-Kompatibilis</a:t>
-            </a:r>
-          </a:p>
-          <a:p>
-            <a:r>
-              <a:rPr lang="hu-HU" sz="4400" dirty="0" smtClean="0">
+              <a:t>-Mire jó?</a:t>
+            </a:r>
+            <a:endParaRPr lang="hu-HU" sz="2800" dirty="0" smtClean="0">
+              <a:latin typeface="Times New Roman" panose="02020603050405020304" pitchFamily="18" charset="0"/>
+              <a:cs typeface="Times New Roman" panose="02020603050405020304" pitchFamily="18" charset="0"/>
+            </a:endParaRPr>
+          </a:p>
+          <a:p>
+            <a:r>
+              <a:rPr lang="hu-HU" sz="2800" dirty="0" smtClean="0">
                 <a:latin typeface="Times New Roman" panose="02020603050405020304" pitchFamily="18" charset="0"/>
                 <a:cs typeface="Times New Roman" panose="02020603050405020304" pitchFamily="18" charset="0"/>
               </a:rPr>
-              <a:t>-Aláírások</a:t>
-            </a:r>
-            <a:endParaRPr lang="hu-HU" sz="4400" dirty="0">
+              <a:t>-Verziók</a:t>
+            </a:r>
+            <a:endParaRPr lang="hu-HU" sz="2800" dirty="0">
               <a:latin typeface="Times New Roman" panose="02020603050405020304" pitchFamily="18" charset="0"/>
               <a:cs typeface="Times New Roman" panose="02020603050405020304" pitchFamily="18" charset="0"/>
             </a:endParaRPr>
@@ -5748,7 +5752,7 @@
         <p:spPr>
           <a:xfrm>
             <a:off x="6730999" y="4449970"/>
-            <a:ext cx="4865737" cy="2123658"/>
+            <a:ext cx="5461001" cy="1384995"/>
           </a:xfrm>
           <a:prstGeom prst="rect">
             <a:avLst/>
@@ -5762,35 +5766,49 @@
           <a:lstStyle/>
           <a:p>
             <a:r>
-              <a:rPr lang="hu-HU" sz="4400" dirty="0" smtClean="0">
+              <a:rPr lang="hu-HU" sz="2800" dirty="0" smtClean="0">
                 <a:latin typeface="Times New Roman" panose="02020603050405020304" pitchFamily="18" charset="0"/>
                 <a:cs typeface="Times New Roman" panose="02020603050405020304" pitchFamily="18" charset="0"/>
               </a:rPr>
-              <a:t>-PDF fájlok</a:t>
+              <a:t>-Mire használjuk?</a:t>
+            </a:r>
+            <a:r>
+              <a:rPr lang="hu-HU" sz="2800" dirty="0" smtClean="0">
+                <a:latin typeface="Times New Roman" panose="02020603050405020304" pitchFamily="18" charset="0"/>
+                <a:cs typeface="Times New Roman" panose="02020603050405020304" pitchFamily="18" charset="0"/>
+              </a:rPr>
+              <a:t/>
             </a:r>
             <a:br>
-              <a:rPr lang="hu-HU" sz="4400" dirty="0" smtClean="0">
+              <a:rPr lang="hu-HU" sz="2800" dirty="0" smtClean="0">
                 <a:latin typeface="Times New Roman" panose="02020603050405020304" pitchFamily="18" charset="0"/>
                 <a:cs typeface="Times New Roman" panose="02020603050405020304" pitchFamily="18" charset="0"/>
               </a:rPr>
             </a:br>
             <a:r>
-              <a:rPr lang="hu-HU" sz="4400" dirty="0" smtClean="0">
+              <a:rPr lang="hu-HU" sz="2800" dirty="0" smtClean="0">
                 <a:latin typeface="Times New Roman" panose="02020603050405020304" pitchFamily="18" charset="0"/>
                 <a:cs typeface="Times New Roman" panose="02020603050405020304" pitchFamily="18" charset="0"/>
               </a:rPr>
-              <a:t>-Kompatibilis</a:t>
-            </a:r>
-          </a:p>
-          <a:p>
-            <a:r>
-              <a:rPr lang="hu-HU" sz="4400" dirty="0" smtClean="0">
+              <a:t>-Verziók</a:t>
+            </a:r>
+          </a:p>
+          <a:p>
+            <a:r>
+              <a:rPr lang="hu-HU" sz="2800" dirty="0" smtClean="0">
                 <a:latin typeface="Times New Roman" panose="02020603050405020304" pitchFamily="18" charset="0"/>
                 <a:cs typeface="Times New Roman" panose="02020603050405020304" pitchFamily="18" charset="0"/>
               </a:rPr>
-              <a:t>-Aláírások</a:t>
-            </a:r>
-            <a:endParaRPr lang="hu-HU" sz="4400" dirty="0">
+              <a:t>-Miben </a:t>
+            </a:r>
+            <a:r>
+              <a:rPr lang="hu-HU" sz="2800" dirty="0">
+                <a:latin typeface="Times New Roman" panose="02020603050405020304" pitchFamily="18" charset="0"/>
+                <a:cs typeface="Times New Roman" panose="02020603050405020304" pitchFamily="18" charset="0"/>
+              </a:rPr>
+              <a:t>különbözik a Photoshoptól?</a:t>
+            </a:r>
+            <a:endParaRPr lang="hu-HU" sz="2800" dirty="0">
               <a:latin typeface="Times New Roman" panose="02020603050405020304" pitchFamily="18" charset="0"/>
               <a:cs typeface="Times New Roman" panose="02020603050405020304" pitchFamily="18" charset="0"/>
             </a:endParaRPr>
@@ -6272,7 +6290,14 @@
                 <a:latin typeface="Times New Roman" panose="02020603050405020304" pitchFamily="18" charset="0"/>
                 <a:cs typeface="Times New Roman" panose="02020603050405020304" pitchFamily="18" charset="0"/>
               </a:rPr>
-              <a:t>-PDF fájlok</a:t>
+              <a:t>-Mire használjuk?</a:t>
+            </a:r>
+            <a:r>
+              <a:rPr lang="hu-HU" sz="4400" dirty="0" smtClean="0">
+                <a:latin typeface="Times New Roman" panose="02020603050405020304" pitchFamily="18" charset="0"/>
+                <a:cs typeface="Times New Roman" panose="02020603050405020304" pitchFamily="18" charset="0"/>
+              </a:rPr>
+              <a:t/>
             </a:r>
             <a:br>
               <a:rPr lang="hu-HU" sz="4400" dirty="0" smtClean="0">
@@ -6294,7 +6319,7 @@
                 <a:latin typeface="Times New Roman" panose="02020603050405020304" pitchFamily="18" charset="0"/>
                 <a:cs typeface="Times New Roman" panose="02020603050405020304" pitchFamily="18" charset="0"/>
               </a:rPr>
-              <a:t>-Aláírások</a:t>
+              <a:t>-Verziók</a:t>
             </a:r>
             <a:endParaRPr lang="hu-HU" sz="4400" dirty="0">
               <a:latin typeface="Times New Roman" panose="02020603050405020304" pitchFamily="18" charset="0"/>
@@ -6759,7 +6784,7 @@
         <p:spPr>
           <a:xfrm>
             <a:off x="6730999" y="4449970"/>
-            <a:ext cx="4865737" cy="2123658"/>
+            <a:ext cx="4865737" cy="1200329"/>
           </a:xfrm>
           <a:prstGeom prst="rect">
             <a:avLst/>
@@ -6773,35 +6798,26 @@
           <a:lstStyle/>
           <a:p>
             <a:r>
-              <a:rPr lang="hu-HU" sz="4400" dirty="0" smtClean="0">
+              <a:rPr lang="hu-HU" sz="3600" dirty="0" smtClean="0">
                 <a:latin typeface="Times New Roman" panose="02020603050405020304" pitchFamily="18" charset="0"/>
                 <a:cs typeface="Times New Roman" panose="02020603050405020304" pitchFamily="18" charset="0"/>
               </a:rPr>
-              <a:t>-PDF fájlok</a:t>
-            </a:r>
-            <a:br>
-              <a:rPr lang="hu-HU" sz="4400" dirty="0" smtClean="0">
+              <a:t>-Mire használjuk?</a:t>
+            </a:r>
+            <a:endParaRPr lang="hu-HU" sz="3600" dirty="0" smtClean="0">
+              <a:latin typeface="Times New Roman" panose="02020603050405020304" pitchFamily="18" charset="0"/>
+              <a:cs typeface="Times New Roman" panose="02020603050405020304" pitchFamily="18" charset="0"/>
+            </a:endParaRPr>
+          </a:p>
+          <a:p>
+            <a:r>
+              <a:rPr lang="hu-HU" sz="3600" dirty="0" smtClean="0">
                 <a:latin typeface="Times New Roman" panose="02020603050405020304" pitchFamily="18" charset="0"/>
                 <a:cs typeface="Times New Roman" panose="02020603050405020304" pitchFamily="18" charset="0"/>
               </a:rPr>
-            </a:br>
-            <a:r>
-              <a:rPr lang="hu-HU" sz="4400" dirty="0" smtClean="0">
-                <a:latin typeface="Times New Roman" panose="02020603050405020304" pitchFamily="18" charset="0"/>
-                <a:cs typeface="Times New Roman" panose="02020603050405020304" pitchFamily="18" charset="0"/>
-              </a:rPr>
-              <a:t>-Kompatibilis</a:t>
-            </a:r>
-          </a:p>
-          <a:p>
-            <a:r>
-              <a:rPr lang="hu-HU" sz="4400" dirty="0" smtClean="0">
-                <a:latin typeface="Times New Roman" panose="02020603050405020304" pitchFamily="18" charset="0"/>
-                <a:cs typeface="Times New Roman" panose="02020603050405020304" pitchFamily="18" charset="0"/>
-              </a:rPr>
-              <a:t>-Aláírások</a:t>
-            </a:r>
-            <a:endParaRPr lang="hu-HU" sz="4400" dirty="0">
+              <a:t>-Verziók</a:t>
+            </a:r>
+            <a:endParaRPr lang="hu-HU" sz="3600" dirty="0">
               <a:latin typeface="Times New Roman" panose="02020603050405020304" pitchFamily="18" charset="0"/>
               <a:cs typeface="Times New Roman" panose="02020603050405020304" pitchFamily="18" charset="0"/>
             </a:endParaRPr>
@@ -7092,7 +7108,7 @@
         <p:spPr>
           <a:xfrm>
             <a:off x="673100" y="5878899"/>
-            <a:ext cx="6591300" cy="646331"/>
+            <a:ext cx="9194800" cy="923330"/>
           </a:xfrm>
           <a:prstGeom prst="rect">
             <a:avLst/>
@@ -7116,7 +7132,49 @@
                 </a:solidFill>
                 <a:hlinkClick r:id="rId2"/>
               </a:rPr>
-              <a:t>https://www.adobe.com/hu/products/catalog.html</a:t>
+              <a:t>https://</a:t>
+            </a:r>
+            <a:r>
+              <a:rPr lang="hu-HU" dirty="0" smtClean="0">
+                <a:solidFill>
+                  <a:srgbClr val="31A8FF"/>
+                </a:solidFill>
+                <a:hlinkClick r:id="rId2"/>
+              </a:rPr>
+              <a:t>www.adobe.com/hu/products/catalog.html</a:t>
+            </a:r>
+            <a:endParaRPr lang="hu-HU" dirty="0" smtClean="0">
+              <a:solidFill>
+                <a:srgbClr val="31A8FF"/>
+              </a:solidFill>
+            </a:endParaRPr>
+          </a:p>
+          <a:p>
+            <a:r>
+              <a:rPr lang="hu-HU" dirty="0" smtClean="0">
+                <a:solidFill>
+                  <a:srgbClr val="31A8FF"/>
+                </a:solidFill>
+              </a:rPr>
+              <a:t>             </a:t>
+            </a:r>
+            <a:r>
+              <a:rPr lang="hu-HU" dirty="0" smtClean="0">
+                <a:solidFill>
+                  <a:srgbClr val="31A8FF"/>
+                </a:solidFill>
+                <a:hlinkClick r:id="rId3"/>
+              </a:rPr>
+              <a:t>https</a:t>
+            </a:r>
+            <a:r>
+              <a:rPr lang="hu-HU" dirty="0">
+                <a:solidFill>
+                  <a:srgbClr val="31A8FF"/>
+                </a:solidFill>
+                <a:hlinkClick r:id="rId3"/>
+              </a:rPr>
+              <a:t>://szoftver.hu/hirmorzsak/adobe-cc-2020-korabbi-verziok</a:t>
             </a:r>
             <a:endParaRPr lang="hu-HU" dirty="0">
               <a:solidFill>

--- a/beadandóTG.pptx
+++ b/beadandóTG.pptx
@@ -162,7 +162,7 @@
           </a:lstStyle>
           <a:p>
             <a:r>
-              <a:rPr lang="hu-HU" smtClean="0"/>
+              <a:rPr lang="hu-HU"/>
               <a:t>Mintacím szerkesztése</a:t>
             </a:r>
             <a:endParaRPr lang="en-US" dirty="0"/>
@@ -227,7 +227,7 @@
           </a:lstStyle>
           <a:p>
             <a:r>
-              <a:rPr lang="hu-HU" smtClean="0"/>
+              <a:rPr lang="hu-HU"/>
               <a:t>Kattintson ide az alcím mintájának szerkesztéséhez</a:t>
             </a:r>
             <a:endParaRPr lang="en-US" dirty="0"/>
@@ -251,7 +251,7 @@
           <a:p>
             <a:fld id="{5DCFF550-74A6-4A3B-803B-1468DFA707D9}" type="datetimeFigureOut">
               <a:rPr lang="hu-HU" smtClean="0"/>
-              <a:t>2022.09.15.</a:t>
+              <a:t>2022. 10. 02.</a:t>
             </a:fld>
             <a:endParaRPr lang="hu-HU"/>
           </a:p>
@@ -348,7 +348,7 @@
           <a:lstStyle/>
           <a:p>
             <a:r>
-              <a:rPr lang="hu-HU" smtClean="0"/>
+              <a:rPr lang="hu-HU"/>
               <a:t>Mintacím szerkesztése</a:t>
             </a:r>
             <a:endParaRPr lang="en-US" dirty="0"/>
@@ -372,35 +372,35 @@
           <a:p>
             <a:pPr lvl="0"/>
             <a:r>
-              <a:rPr lang="hu-HU" smtClean="0"/>
+              <a:rPr lang="hu-HU"/>
               <a:t>Mintaszöveg szerkesztése</a:t>
             </a:r>
           </a:p>
           <a:p>
             <a:pPr lvl="1"/>
             <a:r>
-              <a:rPr lang="hu-HU" smtClean="0"/>
+              <a:rPr lang="hu-HU"/>
               <a:t>Második szint</a:t>
             </a:r>
           </a:p>
           <a:p>
             <a:pPr lvl="2"/>
             <a:r>
-              <a:rPr lang="hu-HU" smtClean="0"/>
+              <a:rPr lang="hu-HU"/>
               <a:t>Harmadik szint</a:t>
             </a:r>
           </a:p>
           <a:p>
             <a:pPr lvl="3"/>
             <a:r>
-              <a:rPr lang="hu-HU" smtClean="0"/>
+              <a:rPr lang="hu-HU"/>
               <a:t>Negyedik szint</a:t>
             </a:r>
           </a:p>
           <a:p>
             <a:pPr lvl="4"/>
             <a:r>
-              <a:rPr lang="hu-HU" smtClean="0"/>
+              <a:rPr lang="hu-HU"/>
               <a:t>Ötödik szint</a:t>
             </a:r>
             <a:endParaRPr lang="en-US" dirty="0"/>
@@ -424,7 +424,7 @@
           <a:p>
             <a:fld id="{5DCFF550-74A6-4A3B-803B-1468DFA707D9}" type="datetimeFigureOut">
               <a:rPr lang="hu-HU" smtClean="0"/>
-              <a:t>2022.09.15.</a:t>
+              <a:t>2022. 10. 02.</a:t>
             </a:fld>
             <a:endParaRPr lang="hu-HU"/>
           </a:p>
@@ -526,7 +526,7 @@
           <a:lstStyle/>
           <a:p>
             <a:r>
-              <a:rPr lang="hu-HU" smtClean="0"/>
+              <a:rPr lang="hu-HU"/>
               <a:t>Mintacím szerkesztése</a:t>
             </a:r>
             <a:endParaRPr lang="en-US" dirty="0"/>
@@ -555,35 +555,35 @@
           <a:p>
             <a:pPr lvl="0"/>
             <a:r>
-              <a:rPr lang="hu-HU" smtClean="0"/>
+              <a:rPr lang="hu-HU"/>
               <a:t>Mintaszöveg szerkesztése</a:t>
             </a:r>
           </a:p>
           <a:p>
             <a:pPr lvl="1"/>
             <a:r>
-              <a:rPr lang="hu-HU" smtClean="0"/>
+              <a:rPr lang="hu-HU"/>
               <a:t>Második szint</a:t>
             </a:r>
           </a:p>
           <a:p>
             <a:pPr lvl="2"/>
             <a:r>
-              <a:rPr lang="hu-HU" smtClean="0"/>
+              <a:rPr lang="hu-HU"/>
               <a:t>Harmadik szint</a:t>
             </a:r>
           </a:p>
           <a:p>
             <a:pPr lvl="3"/>
             <a:r>
-              <a:rPr lang="hu-HU" smtClean="0"/>
+              <a:rPr lang="hu-HU"/>
               <a:t>Negyedik szint</a:t>
             </a:r>
           </a:p>
           <a:p>
             <a:pPr lvl="4"/>
             <a:r>
-              <a:rPr lang="hu-HU" smtClean="0"/>
+              <a:rPr lang="hu-HU"/>
               <a:t>Ötödik szint</a:t>
             </a:r>
             <a:endParaRPr lang="en-US" dirty="0"/>
@@ -607,7 +607,7 @@
           <a:p>
             <a:fld id="{5DCFF550-74A6-4A3B-803B-1468DFA707D9}" type="datetimeFigureOut">
               <a:rPr lang="hu-HU" smtClean="0"/>
-              <a:t>2022.09.15.</a:t>
+              <a:t>2022. 10. 02.</a:t>
             </a:fld>
             <a:endParaRPr lang="hu-HU"/>
           </a:p>
@@ -704,7 +704,7 @@
           <a:lstStyle/>
           <a:p>
             <a:r>
-              <a:rPr lang="hu-HU" smtClean="0"/>
+              <a:rPr lang="hu-HU"/>
               <a:t>Mintacím szerkesztése</a:t>
             </a:r>
             <a:endParaRPr lang="en-US" dirty="0"/>
@@ -728,35 +728,35 @@
           <a:p>
             <a:pPr lvl="0"/>
             <a:r>
-              <a:rPr lang="hu-HU" smtClean="0"/>
+              <a:rPr lang="hu-HU"/>
               <a:t>Mintaszöveg szerkesztése</a:t>
             </a:r>
           </a:p>
           <a:p>
             <a:pPr lvl="1"/>
             <a:r>
-              <a:rPr lang="hu-HU" smtClean="0"/>
+              <a:rPr lang="hu-HU"/>
               <a:t>Második szint</a:t>
             </a:r>
           </a:p>
           <a:p>
             <a:pPr lvl="2"/>
             <a:r>
-              <a:rPr lang="hu-HU" smtClean="0"/>
+              <a:rPr lang="hu-HU"/>
               <a:t>Harmadik szint</a:t>
             </a:r>
           </a:p>
           <a:p>
             <a:pPr lvl="3"/>
             <a:r>
-              <a:rPr lang="hu-HU" smtClean="0"/>
+              <a:rPr lang="hu-HU"/>
               <a:t>Negyedik szint</a:t>
             </a:r>
           </a:p>
           <a:p>
             <a:pPr lvl="4"/>
             <a:r>
-              <a:rPr lang="hu-HU" smtClean="0"/>
+              <a:rPr lang="hu-HU"/>
               <a:t>Ötödik szint</a:t>
             </a:r>
             <a:endParaRPr lang="en-US" dirty="0"/>
@@ -780,7 +780,7 @@
           <a:p>
             <a:fld id="{5DCFF550-74A6-4A3B-803B-1468DFA707D9}" type="datetimeFigureOut">
               <a:rPr lang="hu-HU" smtClean="0"/>
-              <a:t>2022.09.15.</a:t>
+              <a:t>2022. 10. 02.</a:t>
             </a:fld>
             <a:endParaRPr lang="hu-HU"/>
           </a:p>
@@ -886,7 +886,7 @@
           </a:lstStyle>
           <a:p>
             <a:r>
-              <a:rPr lang="hu-HU" smtClean="0"/>
+              <a:rPr lang="hu-HU"/>
               <a:t>Mintacím szerkesztése</a:t>
             </a:r>
             <a:endParaRPr lang="en-US" dirty="0"/>
@@ -1006,7 +1006,7 @@
           <a:p>
             <a:pPr lvl="0"/>
             <a:r>
-              <a:rPr lang="hu-HU" smtClean="0"/>
+              <a:rPr lang="hu-HU"/>
               <a:t>Mintaszöveg szerkesztése</a:t>
             </a:r>
           </a:p>
@@ -1029,7 +1029,7 @@
           <a:p>
             <a:fld id="{5DCFF550-74A6-4A3B-803B-1468DFA707D9}" type="datetimeFigureOut">
               <a:rPr lang="hu-HU" smtClean="0"/>
-              <a:t>2022.09.15.</a:t>
+              <a:t>2022. 10. 02.</a:t>
             </a:fld>
             <a:endParaRPr lang="hu-HU"/>
           </a:p>
@@ -1126,7 +1126,7 @@
           <a:lstStyle/>
           <a:p>
             <a:r>
-              <a:rPr lang="hu-HU" smtClean="0"/>
+              <a:rPr lang="hu-HU"/>
               <a:t>Mintacím szerkesztése</a:t>
             </a:r>
             <a:endParaRPr lang="en-US" dirty="0"/>
@@ -1155,35 +1155,35 @@
           <a:p>
             <a:pPr lvl="0"/>
             <a:r>
-              <a:rPr lang="hu-HU" smtClean="0"/>
+              <a:rPr lang="hu-HU"/>
               <a:t>Mintaszöveg szerkesztése</a:t>
             </a:r>
           </a:p>
           <a:p>
             <a:pPr lvl="1"/>
             <a:r>
-              <a:rPr lang="hu-HU" smtClean="0"/>
+              <a:rPr lang="hu-HU"/>
               <a:t>Második szint</a:t>
             </a:r>
           </a:p>
           <a:p>
             <a:pPr lvl="2"/>
             <a:r>
-              <a:rPr lang="hu-HU" smtClean="0"/>
+              <a:rPr lang="hu-HU"/>
               <a:t>Harmadik szint</a:t>
             </a:r>
           </a:p>
           <a:p>
             <a:pPr lvl="3"/>
             <a:r>
-              <a:rPr lang="hu-HU" smtClean="0"/>
+              <a:rPr lang="hu-HU"/>
               <a:t>Negyedik szint</a:t>
             </a:r>
           </a:p>
           <a:p>
             <a:pPr lvl="4"/>
             <a:r>
-              <a:rPr lang="hu-HU" smtClean="0"/>
+              <a:rPr lang="hu-HU"/>
               <a:t>Ötödik szint</a:t>
             </a:r>
             <a:endParaRPr lang="en-US" dirty="0"/>
@@ -1212,35 +1212,35 @@
           <a:p>
             <a:pPr lvl="0"/>
             <a:r>
-              <a:rPr lang="hu-HU" smtClean="0"/>
+              <a:rPr lang="hu-HU"/>
               <a:t>Mintaszöveg szerkesztése</a:t>
             </a:r>
           </a:p>
           <a:p>
             <a:pPr lvl="1"/>
             <a:r>
-              <a:rPr lang="hu-HU" smtClean="0"/>
+              <a:rPr lang="hu-HU"/>
               <a:t>Második szint</a:t>
             </a:r>
           </a:p>
           <a:p>
             <a:pPr lvl="2"/>
             <a:r>
-              <a:rPr lang="hu-HU" smtClean="0"/>
+              <a:rPr lang="hu-HU"/>
               <a:t>Harmadik szint</a:t>
             </a:r>
           </a:p>
           <a:p>
             <a:pPr lvl="3"/>
             <a:r>
-              <a:rPr lang="hu-HU" smtClean="0"/>
+              <a:rPr lang="hu-HU"/>
               <a:t>Negyedik szint</a:t>
             </a:r>
           </a:p>
           <a:p>
             <a:pPr lvl="4"/>
             <a:r>
-              <a:rPr lang="hu-HU" smtClean="0"/>
+              <a:rPr lang="hu-HU"/>
               <a:t>Ötödik szint</a:t>
             </a:r>
             <a:endParaRPr lang="en-US" dirty="0"/>
@@ -1264,7 +1264,7 @@
           <a:p>
             <a:fld id="{5DCFF550-74A6-4A3B-803B-1468DFA707D9}" type="datetimeFigureOut">
               <a:rPr lang="hu-HU" smtClean="0"/>
-              <a:t>2022.09.15.</a:t>
+              <a:t>2022. 10. 02.</a:t>
             </a:fld>
             <a:endParaRPr lang="hu-HU"/>
           </a:p>
@@ -1366,7 +1366,7 @@
           <a:lstStyle/>
           <a:p>
             <a:r>
-              <a:rPr lang="hu-HU" smtClean="0"/>
+              <a:rPr lang="hu-HU"/>
               <a:t>Mintacím szerkesztése</a:t>
             </a:r>
             <a:endParaRPr lang="en-US" dirty="0"/>
@@ -1432,7 +1432,7 @@
           <a:p>
             <a:pPr lvl="0"/>
             <a:r>
-              <a:rPr lang="hu-HU" smtClean="0"/>
+              <a:rPr lang="hu-HU"/>
               <a:t>Mintaszöveg szerkesztése</a:t>
             </a:r>
           </a:p>
@@ -1460,35 +1460,35 @@
           <a:p>
             <a:pPr lvl="0"/>
             <a:r>
-              <a:rPr lang="hu-HU" smtClean="0"/>
+              <a:rPr lang="hu-HU"/>
               <a:t>Mintaszöveg szerkesztése</a:t>
             </a:r>
           </a:p>
           <a:p>
             <a:pPr lvl="1"/>
             <a:r>
-              <a:rPr lang="hu-HU" smtClean="0"/>
+              <a:rPr lang="hu-HU"/>
               <a:t>Második szint</a:t>
             </a:r>
           </a:p>
           <a:p>
             <a:pPr lvl="2"/>
             <a:r>
-              <a:rPr lang="hu-HU" smtClean="0"/>
+              <a:rPr lang="hu-HU"/>
               <a:t>Harmadik szint</a:t>
             </a:r>
           </a:p>
           <a:p>
             <a:pPr lvl="3"/>
             <a:r>
-              <a:rPr lang="hu-HU" smtClean="0"/>
+              <a:rPr lang="hu-HU"/>
               <a:t>Negyedik szint</a:t>
             </a:r>
           </a:p>
           <a:p>
             <a:pPr lvl="4"/>
             <a:r>
-              <a:rPr lang="hu-HU" smtClean="0"/>
+              <a:rPr lang="hu-HU"/>
               <a:t>Ötödik szint</a:t>
             </a:r>
             <a:endParaRPr lang="en-US" dirty="0"/>
@@ -1554,7 +1554,7 @@
           <a:p>
             <a:pPr lvl="0"/>
             <a:r>
-              <a:rPr lang="hu-HU" smtClean="0"/>
+              <a:rPr lang="hu-HU"/>
               <a:t>Mintaszöveg szerkesztése</a:t>
             </a:r>
           </a:p>
@@ -1582,35 +1582,35 @@
           <a:p>
             <a:pPr lvl="0"/>
             <a:r>
-              <a:rPr lang="hu-HU" smtClean="0"/>
+              <a:rPr lang="hu-HU"/>
               <a:t>Mintaszöveg szerkesztése</a:t>
             </a:r>
           </a:p>
           <a:p>
             <a:pPr lvl="1"/>
             <a:r>
-              <a:rPr lang="hu-HU" smtClean="0"/>
+              <a:rPr lang="hu-HU"/>
               <a:t>Második szint</a:t>
             </a:r>
           </a:p>
           <a:p>
             <a:pPr lvl="2"/>
             <a:r>
-              <a:rPr lang="hu-HU" smtClean="0"/>
+              <a:rPr lang="hu-HU"/>
               <a:t>Harmadik szint</a:t>
             </a:r>
           </a:p>
           <a:p>
             <a:pPr lvl="3"/>
             <a:r>
-              <a:rPr lang="hu-HU" smtClean="0"/>
+              <a:rPr lang="hu-HU"/>
               <a:t>Negyedik szint</a:t>
             </a:r>
           </a:p>
           <a:p>
             <a:pPr lvl="4"/>
             <a:r>
-              <a:rPr lang="hu-HU" smtClean="0"/>
+              <a:rPr lang="hu-HU"/>
               <a:t>Ötödik szint</a:t>
             </a:r>
             <a:endParaRPr lang="en-US" dirty="0"/>
@@ -1634,7 +1634,7 @@
           <a:p>
             <a:fld id="{5DCFF550-74A6-4A3B-803B-1468DFA707D9}" type="datetimeFigureOut">
               <a:rPr lang="hu-HU" smtClean="0"/>
-              <a:t>2022.09.15.</a:t>
+              <a:t>2022. 10. 02.</a:t>
             </a:fld>
             <a:endParaRPr lang="hu-HU"/>
           </a:p>
@@ -1731,7 +1731,7 @@
           <a:lstStyle/>
           <a:p>
             <a:r>
-              <a:rPr lang="hu-HU" smtClean="0"/>
+              <a:rPr lang="hu-HU"/>
               <a:t>Mintacím szerkesztése</a:t>
             </a:r>
             <a:endParaRPr lang="en-US" dirty="0"/>
@@ -1755,7 +1755,7 @@
           <a:p>
             <a:fld id="{5DCFF550-74A6-4A3B-803B-1468DFA707D9}" type="datetimeFigureOut">
               <a:rPr lang="hu-HU" smtClean="0"/>
-              <a:t>2022.09.15.</a:t>
+              <a:t>2022. 10. 02.</a:t>
             </a:fld>
             <a:endParaRPr lang="hu-HU"/>
           </a:p>
@@ -1853,7 +1853,7 @@
           <a:p>
             <a:fld id="{5DCFF550-74A6-4A3B-803B-1468DFA707D9}" type="datetimeFigureOut">
               <a:rPr lang="hu-HU" smtClean="0"/>
-              <a:t>2022.09.15.</a:t>
+              <a:t>2022. 10. 02.</a:t>
             </a:fld>
             <a:endParaRPr lang="hu-HU"/>
           </a:p>
@@ -1959,7 +1959,7 @@
           </a:lstStyle>
           <a:p>
             <a:r>
-              <a:rPr lang="hu-HU" smtClean="0"/>
+              <a:rPr lang="hu-HU"/>
               <a:t>Mintacím szerkesztése</a:t>
             </a:r>
             <a:endParaRPr lang="en-US" dirty="0"/>
@@ -2016,35 +2016,35 @@
           <a:p>
             <a:pPr lvl="0"/>
             <a:r>
-              <a:rPr lang="hu-HU" smtClean="0"/>
+              <a:rPr lang="hu-HU"/>
               <a:t>Mintaszöveg szerkesztése</a:t>
             </a:r>
           </a:p>
           <a:p>
             <a:pPr lvl="1"/>
             <a:r>
-              <a:rPr lang="hu-HU" smtClean="0"/>
+              <a:rPr lang="hu-HU"/>
               <a:t>Második szint</a:t>
             </a:r>
           </a:p>
           <a:p>
             <a:pPr lvl="2"/>
             <a:r>
-              <a:rPr lang="hu-HU" smtClean="0"/>
+              <a:rPr lang="hu-HU"/>
               <a:t>Harmadik szint</a:t>
             </a:r>
           </a:p>
           <a:p>
             <a:pPr lvl="3"/>
             <a:r>
-              <a:rPr lang="hu-HU" smtClean="0"/>
+              <a:rPr lang="hu-HU"/>
               <a:t>Negyedik szint</a:t>
             </a:r>
           </a:p>
           <a:p>
             <a:pPr lvl="4"/>
             <a:r>
-              <a:rPr lang="hu-HU" smtClean="0"/>
+              <a:rPr lang="hu-HU"/>
               <a:t>Ötödik szint</a:t>
             </a:r>
             <a:endParaRPr lang="en-US" dirty="0"/>
@@ -2110,7 +2110,7 @@
           <a:p>
             <a:pPr lvl="0"/>
             <a:r>
-              <a:rPr lang="hu-HU" smtClean="0"/>
+              <a:rPr lang="hu-HU"/>
               <a:t>Mintaszöveg szerkesztése</a:t>
             </a:r>
           </a:p>
@@ -2133,7 +2133,7 @@
           <a:p>
             <a:fld id="{5DCFF550-74A6-4A3B-803B-1468DFA707D9}" type="datetimeFigureOut">
               <a:rPr lang="hu-HU" smtClean="0"/>
-              <a:t>2022.09.15.</a:t>
+              <a:t>2022. 10. 02.</a:t>
             </a:fld>
             <a:endParaRPr lang="hu-HU"/>
           </a:p>
@@ -2239,7 +2239,7 @@
           </a:lstStyle>
           <a:p>
             <a:r>
-              <a:rPr lang="hu-HU" smtClean="0"/>
+              <a:rPr lang="hu-HU"/>
               <a:t>Mintacím szerkesztése</a:t>
             </a:r>
             <a:endParaRPr lang="en-US" dirty="0"/>
@@ -2304,7 +2304,7 @@
           </a:lstStyle>
           <a:p>
             <a:r>
-              <a:rPr lang="hu-HU" smtClean="0"/>
+              <a:rPr lang="hu-HU"/>
               <a:t>Kép beszúrásához kattintson az ikonra</a:t>
             </a:r>
             <a:endParaRPr lang="en-US" dirty="0"/>
@@ -2370,7 +2370,7 @@
           <a:p>
             <a:pPr lvl="0"/>
             <a:r>
-              <a:rPr lang="hu-HU" smtClean="0"/>
+              <a:rPr lang="hu-HU"/>
               <a:t>Mintaszöveg szerkesztése</a:t>
             </a:r>
           </a:p>
@@ -2393,7 +2393,7 @@
           <a:p>
             <a:fld id="{5DCFF550-74A6-4A3B-803B-1468DFA707D9}" type="datetimeFigureOut">
               <a:rPr lang="hu-HU" smtClean="0"/>
-              <a:t>2022.09.15.</a:t>
+              <a:t>2022. 10. 02.</a:t>
             </a:fld>
             <a:endParaRPr lang="hu-HU"/>
           </a:p>
@@ -2505,7 +2505,7 @@
           <a:lstStyle/>
           <a:p>
             <a:r>
-              <a:rPr lang="hu-HU" smtClean="0"/>
+              <a:rPr lang="hu-HU"/>
               <a:t>Mintacím szerkesztése</a:t>
             </a:r>
             <a:endParaRPr lang="en-US" dirty="0"/>
@@ -2539,35 +2539,35 @@
           <a:p>
             <a:pPr lvl="0"/>
             <a:r>
-              <a:rPr lang="hu-HU" smtClean="0"/>
+              <a:rPr lang="hu-HU"/>
               <a:t>Mintaszöveg szerkesztése</a:t>
             </a:r>
           </a:p>
           <a:p>
             <a:pPr lvl="1"/>
             <a:r>
-              <a:rPr lang="hu-HU" smtClean="0"/>
+              <a:rPr lang="hu-HU"/>
               <a:t>Második szint</a:t>
             </a:r>
           </a:p>
           <a:p>
             <a:pPr lvl="2"/>
             <a:r>
-              <a:rPr lang="hu-HU" smtClean="0"/>
+              <a:rPr lang="hu-HU"/>
               <a:t>Harmadik szint</a:t>
             </a:r>
           </a:p>
           <a:p>
             <a:pPr lvl="3"/>
             <a:r>
-              <a:rPr lang="hu-HU" smtClean="0"/>
+              <a:rPr lang="hu-HU"/>
               <a:t>Negyedik szint</a:t>
             </a:r>
           </a:p>
           <a:p>
             <a:pPr lvl="4"/>
             <a:r>
-              <a:rPr lang="hu-HU" smtClean="0"/>
+              <a:rPr lang="hu-HU"/>
               <a:t>Ötödik szint</a:t>
             </a:r>
             <a:endParaRPr lang="en-US" dirty="0"/>
@@ -2609,7 +2609,7 @@
           <a:p>
             <a:fld id="{5DCFF550-74A6-4A3B-803B-1468DFA707D9}" type="datetimeFigureOut">
               <a:rPr lang="hu-HU" smtClean="0"/>
-              <a:t>2022.09.15.</a:t>
+              <a:t>2022. 10. 02.</a:t>
             </a:fld>
             <a:endParaRPr lang="hu-HU"/>
           </a:p>
@@ -3063,190 +3063,6 @@
           </a:p>
         </p:txBody>
       </p:sp>
-      <p:sp>
-        <p:nvSpPr>
-          <p:cNvPr id="5" name="Derékszögű háromszög 4"/>
-          <p:cNvSpPr/>
-          <p:nvPr/>
-        </p:nvSpPr>
-        <p:spPr>
-          <a:xfrm rot="5400000">
-            <a:off x="0" y="0"/>
-            <a:ext cx="1346200" cy="1346200"/>
-          </a:xfrm>
-          <a:prstGeom prst="rtTriangle">
-            <a:avLst/>
-          </a:prstGeom>
-          <a:solidFill>
-            <a:srgbClr val="ED1C24"/>
-          </a:solidFill>
-          <a:ln>
-            <a:noFill/>
-          </a:ln>
-        </p:spPr>
-        <p:style>
-          <a:lnRef idx="2">
-            <a:schemeClr val="accent1">
-              <a:shade val="50000"/>
-            </a:schemeClr>
-          </a:lnRef>
-          <a:fillRef idx="1">
-            <a:schemeClr val="accent1"/>
-          </a:fillRef>
-          <a:effectRef idx="0">
-            <a:schemeClr val="accent1"/>
-          </a:effectRef>
-          <a:fontRef idx="minor">
-            <a:schemeClr val="lt1"/>
-          </a:fontRef>
-        </p:style>
-        <p:txBody>
-          <a:bodyPr rtlCol="0" anchor="ctr"/>
-          <a:lstStyle/>
-          <a:p>
-            <a:pPr algn="ctr"/>
-            <a:endParaRPr lang="hu-HU"/>
-          </a:p>
-        </p:txBody>
-      </p:sp>
-      <p:sp>
-        <p:nvSpPr>
-          <p:cNvPr id="6" name="Derékszögű háromszög 5"/>
-          <p:cNvSpPr/>
-          <p:nvPr/>
-        </p:nvSpPr>
-        <p:spPr>
-          <a:xfrm>
-            <a:off x="0" y="5511800"/>
-            <a:ext cx="1346200" cy="1346200"/>
-          </a:xfrm>
-          <a:prstGeom prst="rtTriangle">
-            <a:avLst/>
-          </a:prstGeom>
-          <a:solidFill>
-            <a:srgbClr val="ED1C24"/>
-          </a:solidFill>
-          <a:ln>
-            <a:noFill/>
-          </a:ln>
-        </p:spPr>
-        <p:style>
-          <a:lnRef idx="2">
-            <a:schemeClr val="accent1">
-              <a:shade val="50000"/>
-            </a:schemeClr>
-          </a:lnRef>
-          <a:fillRef idx="1">
-            <a:schemeClr val="accent1"/>
-          </a:fillRef>
-          <a:effectRef idx="0">
-            <a:schemeClr val="accent1"/>
-          </a:effectRef>
-          <a:fontRef idx="minor">
-            <a:schemeClr val="lt1"/>
-          </a:fontRef>
-        </p:style>
-        <p:txBody>
-          <a:bodyPr rtlCol="0" anchor="ctr"/>
-          <a:lstStyle/>
-          <a:p>
-            <a:pPr algn="ctr"/>
-            <a:endParaRPr lang="hu-HU"/>
-          </a:p>
-        </p:txBody>
-      </p:sp>
-      <p:sp>
-        <p:nvSpPr>
-          <p:cNvPr id="7" name="Derékszögű háromszög 6"/>
-          <p:cNvSpPr/>
-          <p:nvPr/>
-        </p:nvSpPr>
-        <p:spPr>
-          <a:xfrm rot="10800000">
-            <a:off x="10845800" y="0"/>
-            <a:ext cx="1346200" cy="1346200"/>
-          </a:xfrm>
-          <a:prstGeom prst="rtTriangle">
-            <a:avLst/>
-          </a:prstGeom>
-          <a:solidFill>
-            <a:srgbClr val="ED1C24"/>
-          </a:solidFill>
-          <a:ln>
-            <a:noFill/>
-          </a:ln>
-        </p:spPr>
-        <p:style>
-          <a:lnRef idx="2">
-            <a:schemeClr val="accent1">
-              <a:shade val="50000"/>
-            </a:schemeClr>
-          </a:lnRef>
-          <a:fillRef idx="1">
-            <a:schemeClr val="accent1"/>
-          </a:fillRef>
-          <a:effectRef idx="0">
-            <a:schemeClr val="accent1"/>
-          </a:effectRef>
-          <a:fontRef idx="minor">
-            <a:schemeClr val="lt1"/>
-          </a:fontRef>
-        </p:style>
-        <p:txBody>
-          <a:bodyPr rtlCol="0" anchor="ctr"/>
-          <a:lstStyle/>
-          <a:p>
-            <a:pPr algn="ctr"/>
-            <a:endParaRPr lang="hu-HU"/>
-          </a:p>
-        </p:txBody>
-      </p:sp>
-      <p:sp>
-        <p:nvSpPr>
-          <p:cNvPr id="8" name="Derékszögű háromszög 7"/>
-          <p:cNvSpPr/>
-          <p:nvPr/>
-        </p:nvSpPr>
-        <p:spPr>
-          <a:xfrm rot="16200000">
-            <a:off x="10845800" y="5511800"/>
-            <a:ext cx="1346200" cy="1346200"/>
-          </a:xfrm>
-          <a:prstGeom prst="rtTriangle">
-            <a:avLst/>
-          </a:prstGeom>
-          <a:solidFill>
-            <a:srgbClr val="ED1C24"/>
-          </a:solidFill>
-          <a:ln>
-            <a:noFill/>
-          </a:ln>
-        </p:spPr>
-        <p:style>
-          <a:lnRef idx="2">
-            <a:schemeClr val="accent1">
-              <a:shade val="50000"/>
-            </a:schemeClr>
-          </a:lnRef>
-          <a:fillRef idx="1">
-            <a:schemeClr val="accent1"/>
-          </a:fillRef>
-          <a:effectRef idx="0">
-            <a:schemeClr val="accent1"/>
-          </a:effectRef>
-          <a:fontRef idx="minor">
-            <a:schemeClr val="lt1"/>
-          </a:fontRef>
-        </p:style>
-        <p:txBody>
-          <a:bodyPr rtlCol="0" anchor="ctr"/>
-          <a:lstStyle/>
-          <a:p>
-            <a:pPr algn="ctr"/>
-            <a:endParaRPr lang="hu-HU"/>
-          </a:p>
-        </p:txBody>
-      </p:sp>
       <p:pic>
         <p:nvPicPr>
           <p:cNvPr id="11" name="Kép 10"/>
@@ -3316,7 +3132,7 @@
           </a:lstStyle>
           <a:p>
             <a:r>
-              <a:rPr lang="hu-HU" smtClean="0">
+              <a:rPr lang="hu-HU">
                 <a:latin typeface="Times New Roman" panose="02020603050405020304" pitchFamily="18" charset="0"/>
                 <a:cs typeface="Times New Roman" panose="02020603050405020304" pitchFamily="18" charset="0"/>
               </a:rPr>
@@ -3379,19 +3195,20 @@
       <p:transition/>
     </mc:Fallback>
   </mc:AlternateContent>
-  <p:timing>
-    <p:tnLst>
-      <p:par>
-        <p:cTn id="1" dur="indefinite" restart="never" nodeType="tmRoot"/>
-      </p:par>
-    </p:tnLst>
-  </p:timing>
 </p:sld>
 </file>
 
 <file path=ppt/slides/slide2.xml><?xml version="1.0" encoding="utf-8"?>
 <p:sld xmlns:a="http://schemas.openxmlformats.org/drawingml/2006/main" xmlns:r="http://schemas.openxmlformats.org/officeDocument/2006/relationships" xmlns:p="http://schemas.openxmlformats.org/presentationml/2006/main">
   <p:cSld>
+    <p:bg>
+      <p:bgPr>
+        <a:solidFill>
+          <a:srgbClr val="31A8FF"/>
+        </a:solidFill>
+        <a:effectLst/>
+      </p:bgPr>
+    </p:bg>
     <p:spTree>
       <p:nvGrpSpPr>
         <p:cNvPr id="1" name=""/>
@@ -3421,7 +3238,7 @@
             <a:avLst/>
           </a:prstGeom>
           <a:solidFill>
-            <a:srgbClr val="31A8FF"/>
+            <a:schemeClr val="bg1"/>
           </a:solidFill>
           <a:ln>
             <a:noFill/>
@@ -3514,22 +3331,174 @@
           </a:prstGeom>
         </p:spPr>
       </p:pic>
-      <p:sp>
-        <p:nvSpPr>
-          <p:cNvPr id="3" name="Derékszögű háromszög 2"/>
+      <p:pic>
+        <p:nvPicPr>
+          <p:cNvPr id="4" name="Kép 3"/>
+          <p:cNvPicPr>
+            <a:picLocks noChangeAspect="1"/>
+          </p:cNvPicPr>
+          <p:nvPr/>
+        </p:nvPicPr>
+        <p:blipFill>
+          <a:blip r:embed="rId4" cstate="print">
+            <a:extLst>
+              <a:ext uri="{28A0092B-C50C-407E-A947-70E740481C1C}">
+                <a14:useLocalDpi xmlns:a14="http://schemas.microsoft.com/office/drawing/2010/main" val="0"/>
+              </a:ext>
+            </a:extLst>
+          </a:blip>
+          <a:stretch>
+            <a:fillRect/>
+          </a:stretch>
+        </p:blipFill>
+        <p:spPr>
+          <a:xfrm>
+            <a:off x="6653162" y="1182921"/>
+            <a:ext cx="3864076" cy="2576051"/>
+          </a:xfrm>
+          <a:prstGeom prst="rect">
+            <a:avLst/>
+          </a:prstGeom>
+        </p:spPr>
+      </p:pic>
+      <p:sp>
+        <p:nvSpPr>
+          <p:cNvPr id="5" name="Szövegdoboz 4"/>
+          <p:cNvSpPr txBox="1"/>
+          <p:nvPr/>
+        </p:nvSpPr>
+        <p:spPr>
+          <a:xfrm>
+            <a:off x="6564262" y="1028264"/>
+            <a:ext cx="4829276" cy="215444"/>
+          </a:xfrm>
+          <a:prstGeom prst="rect">
+            <a:avLst/>
+          </a:prstGeom>
+          <a:noFill/>
+        </p:spPr>
+        <p:txBody>
+          <a:bodyPr wrap="square" rtlCol="0">
+            <a:spAutoFit/>
+          </a:bodyPr>
+          <a:lstStyle/>
+          <a:p>
+            <a:r>
+              <a:rPr lang="hu-HU" sz="800" dirty="0">
+                <a:hlinkClick r:id="rId5"/>
+              </a:rPr>
+              <a:t>https://fixthephoto.com/hu/photoshop-ingyen.html</a:t>
+            </a:r>
+            <a:endParaRPr lang="hu-HU" sz="800" dirty="0"/>
+          </a:p>
+        </p:txBody>
+      </p:sp>
+      <p:sp>
+        <p:nvSpPr>
+          <p:cNvPr id="16" name="Cím 1"/>
+          <p:cNvSpPr txBox="1">
+            <a:spLocks/>
+          </p:cNvSpPr>
+          <p:nvPr/>
+        </p:nvSpPr>
+        <p:spPr>
+          <a:xfrm>
+            <a:off x="228599" y="3720872"/>
+            <a:ext cx="2705101" cy="940028"/>
+          </a:xfrm>
+          <a:prstGeom prst="rect">
+            <a:avLst/>
+          </a:prstGeom>
+        </p:spPr>
+        <p:txBody>
+          <a:bodyPr/>
+          <a:lstStyle>
+            <a:lvl1pPr algn="l" defTabSz="914400" rtl="0" eaLnBrk="1" latinLnBrk="0" hangingPunct="1">
+              <a:lnSpc>
+                <a:spcPct val="90000"/>
+              </a:lnSpc>
+              <a:spcBef>
+                <a:spcPct val="0"/>
+              </a:spcBef>
+              <a:buNone/>
+              <a:defRPr sz="4400" kern="1200">
+                <a:solidFill>
+                  <a:schemeClr val="tx1"/>
+                </a:solidFill>
+                <a:latin typeface="+mj-lt"/>
+                <a:ea typeface="+mj-ea"/>
+                <a:cs typeface="+mj-cs"/>
+              </a:defRPr>
+            </a:lvl1pPr>
+          </a:lstStyle>
+          <a:p>
+            <a:r>
+              <a:rPr lang="hu-HU" dirty="0">
+                <a:latin typeface="Times New Roman" panose="02020603050405020304" pitchFamily="18" charset="0"/>
+                <a:cs typeface="Times New Roman" panose="02020603050405020304" pitchFamily="18" charset="0"/>
+              </a:rPr>
+              <a:t>Photoshop</a:t>
+            </a:r>
+          </a:p>
+        </p:txBody>
+      </p:sp>
+    </p:spTree>
+    <p:extLst>
+      <p:ext uri="{BB962C8B-B14F-4D97-AF65-F5344CB8AC3E}">
+        <p14:creationId xmlns:p14="http://schemas.microsoft.com/office/powerpoint/2010/main" val="1964960078"/>
+      </p:ext>
+    </p:extLst>
+  </p:cSld>
+  <p:clrMapOvr>
+    <a:masterClrMapping/>
+  </p:clrMapOvr>
+  <p:transition spd="med">
+    <p:push/>
+  </p:transition>
+</p:sld>
+</file>
+
+<file path=ppt/slides/slide3.xml><?xml version="1.0" encoding="utf-8"?>
+<p:sld xmlns:a="http://schemas.openxmlformats.org/drawingml/2006/main" xmlns:r="http://schemas.openxmlformats.org/officeDocument/2006/relationships" xmlns:p="http://schemas.openxmlformats.org/presentationml/2006/main">
+  <p:cSld>
+    <p:bg>
+      <p:bgPr>
+        <a:solidFill>
+          <a:srgbClr val="9999FF"/>
+        </a:solidFill>
+        <a:effectLst/>
+      </p:bgPr>
+    </p:bg>
+    <p:spTree>
+      <p:nvGrpSpPr>
+        <p:cNvPr id="1" name=""/>
+        <p:cNvGrpSpPr/>
+        <p:nvPr/>
+      </p:nvGrpSpPr>
+      <p:grpSpPr>
+        <a:xfrm>
+          <a:off x="0" y="0"/>
+          <a:ext cx="0" cy="0"/>
+          <a:chOff x="0" y="0"/>
+          <a:chExt cx="0" cy="0"/>
+        </a:xfrm>
+      </p:grpSpPr>
+      <p:sp>
+        <p:nvSpPr>
+          <p:cNvPr id="2" name="Téglalap 1"/>
           <p:cNvSpPr/>
           <p:nvPr/>
         </p:nvSpPr>
         <p:spPr>
-          <a:xfrm rot="5400000">
-            <a:off x="0" y="0"/>
-            <a:ext cx="1346200" cy="1346200"/>
-          </a:xfrm>
-          <a:prstGeom prst="rtTriangle">
+          <a:xfrm>
+            <a:off x="0" y="4241800"/>
+            <a:ext cx="12192000" cy="114300"/>
+          </a:xfrm>
+          <a:prstGeom prst="rect">
             <a:avLst/>
           </a:prstGeom>
           <a:solidFill>
-            <a:srgbClr val="31A8FF"/>
+            <a:schemeClr val="bg1"/>
           </a:solidFill>
           <a:ln>
             <a:noFill/>
@@ -3560,22 +3529,243 @@
           </a:p>
         </p:txBody>
       </p:sp>
-      <p:sp>
-        <p:nvSpPr>
-          <p:cNvPr id="10" name="Derékszögű háromszög 9"/>
+      <p:pic>
+        <p:nvPicPr>
+          <p:cNvPr id="4" name="Kép 3"/>
+          <p:cNvPicPr>
+            <a:picLocks noChangeAspect="1"/>
+          </p:cNvPicPr>
+          <p:nvPr/>
+        </p:nvPicPr>
+        <p:blipFill>
+          <a:blip r:embed="rId2">
+            <a:extLst>
+              <a:ext uri="{28A0092B-C50C-407E-A947-70E740481C1C}">
+                <a14:useLocalDpi xmlns:a14="http://schemas.microsoft.com/office/drawing/2010/main" val="0"/>
+              </a:ext>
+            </a:extLst>
+          </a:blip>
+          <a:stretch>
+            <a:fillRect/>
+          </a:stretch>
+        </p:blipFill>
+        <p:spPr>
+          <a:xfrm>
+            <a:off x="2749349" y="2850956"/>
+            <a:ext cx="2857899" cy="2781688"/>
+          </a:xfrm>
+          <a:prstGeom prst="rect">
+            <a:avLst/>
+          </a:prstGeom>
+        </p:spPr>
+      </p:pic>
+      <p:sp>
+        <p:nvSpPr>
+          <p:cNvPr id="5" name="Szövegdoboz 4"/>
+          <p:cNvSpPr txBox="1"/>
+          <p:nvPr/>
+        </p:nvSpPr>
+        <p:spPr>
+          <a:xfrm>
+            <a:off x="2749349" y="5639222"/>
+            <a:ext cx="3568700" cy="215444"/>
+          </a:xfrm>
+          <a:prstGeom prst="rect">
+            <a:avLst/>
+          </a:prstGeom>
+          <a:noFill/>
+        </p:spPr>
+        <p:txBody>
+          <a:bodyPr wrap="square" rtlCol="0">
+            <a:spAutoFit/>
+          </a:bodyPr>
+          <a:lstStyle/>
+          <a:p>
+            <a:r>
+              <a:rPr lang="hu-HU" sz="800" dirty="0">
+                <a:hlinkClick r:id="rId3"/>
+              </a:rPr>
+              <a:t>https://seeklogo.com/vector-logo/380789/adobe-premiere</a:t>
+            </a:r>
+            <a:endParaRPr lang="hu-HU" sz="800" dirty="0"/>
+          </a:p>
+        </p:txBody>
+      </p:sp>
+      <p:sp>
+        <p:nvSpPr>
+          <p:cNvPr id="12" name="Szövegdoboz 11"/>
+          <p:cNvSpPr txBox="1"/>
+          <p:nvPr/>
+        </p:nvSpPr>
+        <p:spPr>
+          <a:xfrm>
+            <a:off x="6036368" y="946273"/>
+            <a:ext cx="3517900" cy="215444"/>
+          </a:xfrm>
+          <a:prstGeom prst="rect">
+            <a:avLst/>
+          </a:prstGeom>
+          <a:noFill/>
+        </p:spPr>
+        <p:txBody>
+          <a:bodyPr wrap="square" rtlCol="0">
+            <a:spAutoFit/>
+          </a:bodyPr>
+          <a:lstStyle/>
+          <a:p>
+            <a:r>
+              <a:rPr lang="hu-HU" sz="800" dirty="0">
+                <a:hlinkClick r:id="rId4"/>
+              </a:rPr>
+              <a:t>https://helpx.adobe.com/hu/premiere-pro/using/whats-new/2022-3.html</a:t>
+            </a:r>
+            <a:endParaRPr lang="hu-HU" sz="800" dirty="0"/>
+          </a:p>
+        </p:txBody>
+      </p:sp>
+      <p:pic>
+        <p:nvPicPr>
+          <p:cNvPr id="13" name="Kép 12"/>
+          <p:cNvPicPr>
+            <a:picLocks noChangeAspect="1"/>
+          </p:cNvPicPr>
+          <p:nvPr/>
+        </p:nvPicPr>
+        <p:blipFill>
+          <a:blip r:embed="rId5" cstate="print">
+            <a:extLst>
+              <a:ext uri="{28A0092B-C50C-407E-A947-70E740481C1C}">
+                <a14:useLocalDpi xmlns:a14="http://schemas.microsoft.com/office/drawing/2010/main" val="0"/>
+              </a:ext>
+            </a:extLst>
+          </a:blip>
+          <a:stretch>
+            <a:fillRect/>
+          </a:stretch>
+        </p:blipFill>
+        <p:spPr>
+          <a:xfrm>
+            <a:off x="6036368" y="1100930"/>
+            <a:ext cx="5726511" cy="3005137"/>
+          </a:xfrm>
+          <a:prstGeom prst="rect">
+            <a:avLst/>
+          </a:prstGeom>
+        </p:spPr>
+      </p:pic>
+      <p:sp>
+        <p:nvSpPr>
+          <p:cNvPr id="16" name="Cím 1"/>
+          <p:cNvSpPr txBox="1">
+            <a:spLocks/>
+          </p:cNvSpPr>
+          <p:nvPr/>
+        </p:nvSpPr>
+        <p:spPr>
+          <a:xfrm>
+            <a:off x="-101600" y="3720872"/>
+            <a:ext cx="3352799" cy="940028"/>
+          </a:xfrm>
+          <a:prstGeom prst="rect">
+            <a:avLst/>
+          </a:prstGeom>
+        </p:spPr>
+        <p:txBody>
+          <a:bodyPr/>
+          <a:lstStyle>
+            <a:lvl1pPr algn="l" defTabSz="914400" rtl="0" eaLnBrk="1" latinLnBrk="0" hangingPunct="1">
+              <a:lnSpc>
+                <a:spcPct val="90000"/>
+              </a:lnSpc>
+              <a:spcBef>
+                <a:spcPct val="0"/>
+              </a:spcBef>
+              <a:buNone/>
+              <a:defRPr sz="4400" kern="1200">
+                <a:solidFill>
+                  <a:schemeClr val="tx1"/>
+                </a:solidFill>
+                <a:latin typeface="+mj-lt"/>
+                <a:ea typeface="+mj-ea"/>
+                <a:cs typeface="+mj-cs"/>
+              </a:defRPr>
+            </a:lvl1pPr>
+          </a:lstStyle>
+          <a:p>
+            <a:r>
+              <a:rPr lang="hu-HU" sz="4000" dirty="0" err="1">
+                <a:latin typeface="Times New Roman" panose="02020603050405020304" pitchFamily="18" charset="0"/>
+                <a:cs typeface="Times New Roman" panose="02020603050405020304" pitchFamily="18" charset="0"/>
+              </a:rPr>
+              <a:t>Premiere</a:t>
+            </a:r>
+            <a:r>
+              <a:rPr lang="hu-HU" sz="4000" dirty="0">
+                <a:latin typeface="Times New Roman" panose="02020603050405020304" pitchFamily="18" charset="0"/>
+                <a:cs typeface="Times New Roman" panose="02020603050405020304" pitchFamily="18" charset="0"/>
+              </a:rPr>
+              <a:t> Pro</a:t>
+            </a:r>
+          </a:p>
+        </p:txBody>
+      </p:sp>
+    </p:spTree>
+    <p:extLst>
+      <p:ext uri="{BB962C8B-B14F-4D97-AF65-F5344CB8AC3E}">
+        <p14:creationId xmlns:p14="http://schemas.microsoft.com/office/powerpoint/2010/main" val="1612289633"/>
+      </p:ext>
+    </p:extLst>
+  </p:cSld>
+  <p:clrMapOvr>
+    <a:masterClrMapping/>
+  </p:clrMapOvr>
+  <p:transition spd="med">
+    <p:push/>
+  </p:transition>
+</p:sld>
+</file>
+
+<file path=ppt/slides/slide4.xml><?xml version="1.0" encoding="utf-8"?>
+<p:sld xmlns:a="http://schemas.openxmlformats.org/drawingml/2006/main" xmlns:r="http://schemas.openxmlformats.org/officeDocument/2006/relationships" xmlns:p="http://schemas.openxmlformats.org/presentationml/2006/main">
+  <p:cSld>
+    <p:bg>
+      <p:bgPr>
+        <a:solidFill>
+          <a:srgbClr val="9999FF"/>
+        </a:solidFill>
+        <a:effectLst/>
+      </p:bgPr>
+    </p:bg>
+    <p:spTree>
+      <p:nvGrpSpPr>
+        <p:cNvPr id="1" name=""/>
+        <p:cNvGrpSpPr/>
+        <p:nvPr/>
+      </p:nvGrpSpPr>
+      <p:grpSpPr>
+        <a:xfrm>
+          <a:off x="0" y="0"/>
+          <a:ext cx="0" cy="0"/>
+          <a:chOff x="0" y="0"/>
+          <a:chExt cx="0" cy="0"/>
+        </a:xfrm>
+      </p:grpSpPr>
+      <p:sp>
+        <p:nvSpPr>
+          <p:cNvPr id="2" name="Téglalap 1"/>
           <p:cNvSpPr/>
           <p:nvPr/>
         </p:nvSpPr>
         <p:spPr>
           <a:xfrm>
-            <a:off x="0" y="5511800"/>
-            <a:ext cx="1346200" cy="1346200"/>
-          </a:xfrm>
-          <a:prstGeom prst="rtTriangle">
+            <a:off x="0" y="4241800"/>
+            <a:ext cx="12192000" cy="114300"/>
+          </a:xfrm>
+          <a:prstGeom prst="rect">
             <a:avLst/>
           </a:prstGeom>
           <a:solidFill>
-            <a:srgbClr val="31A8FF"/>
+            <a:srgbClr val="FFFFFF"/>
           </a:solidFill>
           <a:ln>
             <a:noFill/>
@@ -3606,22 +3796,84 @@
           </a:p>
         </p:txBody>
       </p:sp>
-      <p:sp>
-        <p:nvSpPr>
-          <p:cNvPr id="11" name="Derékszögű háromszög 10"/>
+      <p:pic>
+        <p:nvPicPr>
+          <p:cNvPr id="4" name="Kép 3"/>
+          <p:cNvPicPr>
+            <a:picLocks noChangeAspect="1"/>
+          </p:cNvPicPr>
+          <p:nvPr/>
+        </p:nvPicPr>
+        <p:blipFill>
+          <a:blip r:embed="rId2" cstate="print">
+            <a:extLst>
+              <a:ext uri="{28A0092B-C50C-407E-A947-70E740481C1C}">
+                <a14:useLocalDpi xmlns:a14="http://schemas.microsoft.com/office/drawing/2010/main" val="0"/>
+              </a:ext>
+            </a:extLst>
+          </a:blip>
+          <a:stretch>
+            <a:fillRect/>
+          </a:stretch>
+        </p:blipFill>
+        <p:spPr>
+          <a:xfrm>
+            <a:off x="2749350" y="2850956"/>
+            <a:ext cx="2853675" cy="2781688"/>
+          </a:xfrm>
+          <a:prstGeom prst="rect">
+            <a:avLst/>
+          </a:prstGeom>
+        </p:spPr>
+      </p:pic>
+      <p:sp>
+        <p:nvSpPr>
+          <p:cNvPr id="6" name="Szövegdoboz 5"/>
+          <p:cNvSpPr txBox="1"/>
+          <p:nvPr/>
+        </p:nvSpPr>
+        <p:spPr>
+          <a:xfrm>
+            <a:off x="2969687" y="5632644"/>
+            <a:ext cx="2413000" cy="338554"/>
+          </a:xfrm>
+          <a:prstGeom prst="rect">
+            <a:avLst/>
+          </a:prstGeom>
+          <a:noFill/>
+        </p:spPr>
+        <p:txBody>
+          <a:bodyPr wrap="square" rtlCol="0">
+            <a:spAutoFit/>
+          </a:bodyPr>
+          <a:lstStyle/>
+          <a:p>
+            <a:r>
+              <a:rPr lang="hu-HU" sz="800" dirty="0">
+                <a:hlinkClick r:id="rId3"/>
+              </a:rPr>
+              <a:t>https://commons.wikimedia.org/wiki/File:Adobe_After_Effects_CC_icon.svg</a:t>
+            </a:r>
+            <a:endParaRPr lang="hu-HU" sz="800" dirty="0"/>
+          </a:p>
+        </p:txBody>
+      </p:sp>
+      <p:sp>
+        <p:nvSpPr>
+          <p:cNvPr id="5" name="Derékszögű háromszög 4"/>
           <p:cNvSpPr/>
           <p:nvPr/>
         </p:nvSpPr>
         <p:spPr>
-          <a:xfrm rot="10800000">
-            <a:off x="10845800" y="0"/>
+          <a:xfrm rot="5400000">
+            <a:off x="0" y="0"/>
             <a:ext cx="1346200" cy="1346200"/>
           </a:xfrm>
           <a:prstGeom prst="rtTriangle">
             <a:avLst/>
           </a:prstGeom>
           <a:solidFill>
-            <a:srgbClr val="31A8FF"/>
+            <a:srgbClr val="9999FF"/>
           </a:solidFill>
           <a:ln>
             <a:noFill/>
@@ -3654,20 +3906,20 @@
       </p:sp>
       <p:sp>
         <p:nvSpPr>
-          <p:cNvPr id="12" name="Derékszögű háromszög 11"/>
+          <p:cNvPr id="7" name="Derékszögű háromszög 6"/>
           <p:cNvSpPr/>
           <p:nvPr/>
         </p:nvSpPr>
         <p:spPr>
-          <a:xfrm rot="16200000">
-            <a:off x="10845800" y="5511800"/>
+          <a:xfrm>
+            <a:off x="0" y="5511800"/>
             <a:ext cx="1346200" cy="1346200"/>
           </a:xfrm>
           <a:prstGeom prst="rtTriangle">
             <a:avLst/>
           </a:prstGeom>
           <a:solidFill>
-            <a:srgbClr val="31A8FF"/>
+            <a:srgbClr val="9999FF"/>
           </a:solidFill>
           <a:ln>
             <a:noFill/>
@@ -3700,220 +3952,16 @@
       </p:sp>
       <p:sp>
         <p:nvSpPr>
-          <p:cNvPr id="13" name="Szövegdoboz 12"/>
-          <p:cNvSpPr txBox="1"/>
-          <p:nvPr/>
-        </p:nvSpPr>
-        <p:spPr>
-          <a:xfrm>
-            <a:off x="6730999" y="4449970"/>
-            <a:ext cx="4865737" cy="1323439"/>
-          </a:xfrm>
-          <a:prstGeom prst="rect">
-            <a:avLst/>
-          </a:prstGeom>
-          <a:noFill/>
-        </p:spPr>
-        <p:txBody>
-          <a:bodyPr wrap="square" rtlCol="0">
-            <a:spAutoFit/>
-          </a:bodyPr>
-          <a:lstStyle/>
-          <a:p>
-            <a:r>
-              <a:rPr lang="hu-HU" sz="4000" dirty="0" smtClean="0">
-                <a:latin typeface="Times New Roman" panose="02020603050405020304" pitchFamily="18" charset="0"/>
-                <a:cs typeface="Times New Roman" panose="02020603050405020304" pitchFamily="18" charset="0"/>
-              </a:rPr>
-              <a:t>-Mire használjuk?</a:t>
-            </a:r>
-            <a:endParaRPr lang="hu-HU" sz="4000" dirty="0" smtClean="0">
-              <a:latin typeface="Times New Roman" panose="02020603050405020304" pitchFamily="18" charset="0"/>
-              <a:cs typeface="Times New Roman" panose="02020603050405020304" pitchFamily="18" charset="0"/>
-            </a:endParaRPr>
-          </a:p>
-          <a:p>
-            <a:r>
-              <a:rPr lang="hu-HU" sz="4000" dirty="0" smtClean="0">
-                <a:latin typeface="Times New Roman" panose="02020603050405020304" pitchFamily="18" charset="0"/>
-                <a:cs typeface="Times New Roman" panose="02020603050405020304" pitchFamily="18" charset="0"/>
-              </a:rPr>
-              <a:t>-Verziók</a:t>
-            </a:r>
-            <a:endParaRPr lang="hu-HU" sz="4000" dirty="0">
-              <a:latin typeface="Times New Roman" panose="02020603050405020304" pitchFamily="18" charset="0"/>
-              <a:cs typeface="Times New Roman" panose="02020603050405020304" pitchFamily="18" charset="0"/>
-            </a:endParaRPr>
-          </a:p>
-        </p:txBody>
-      </p:sp>
-      <p:pic>
-        <p:nvPicPr>
-          <p:cNvPr id="4" name="Kép 3"/>
-          <p:cNvPicPr>
-            <a:picLocks noChangeAspect="1"/>
-          </p:cNvPicPr>
-          <p:nvPr/>
-        </p:nvPicPr>
-        <p:blipFill>
-          <a:blip r:embed="rId4" cstate="print">
-            <a:extLst>
-              <a:ext uri="{28A0092B-C50C-407E-A947-70E740481C1C}">
-                <a14:useLocalDpi xmlns:a14="http://schemas.microsoft.com/office/drawing/2010/main" val="0"/>
-              </a:ext>
-            </a:extLst>
-          </a:blip>
-          <a:stretch>
-            <a:fillRect/>
-          </a:stretch>
-        </p:blipFill>
-        <p:spPr>
-          <a:xfrm>
-            <a:off x="6653162" y="1182921"/>
-            <a:ext cx="3864076" cy="2576051"/>
-          </a:xfrm>
-          <a:prstGeom prst="rect">
-            <a:avLst/>
-          </a:prstGeom>
-        </p:spPr>
-      </p:pic>
-      <p:sp>
-        <p:nvSpPr>
-          <p:cNvPr id="5" name="Szövegdoboz 4"/>
-          <p:cNvSpPr txBox="1"/>
-          <p:nvPr/>
-        </p:nvSpPr>
-        <p:spPr>
-          <a:xfrm>
-            <a:off x="6564262" y="1028264"/>
-            <a:ext cx="4829276" cy="215444"/>
-          </a:xfrm>
-          <a:prstGeom prst="rect">
-            <a:avLst/>
-          </a:prstGeom>
-          <a:noFill/>
-        </p:spPr>
-        <p:txBody>
-          <a:bodyPr wrap="square" rtlCol="0">
-            <a:spAutoFit/>
-          </a:bodyPr>
-          <a:lstStyle/>
-          <a:p>
-            <a:r>
-              <a:rPr lang="hu-HU" sz="800" dirty="0">
-                <a:hlinkClick r:id="rId5"/>
-              </a:rPr>
-              <a:t>https://fixthephoto.com/hu/photoshop-ingyen.html</a:t>
-            </a:r>
-            <a:endParaRPr lang="hu-HU" sz="800" dirty="0"/>
-          </a:p>
-        </p:txBody>
-      </p:sp>
-      <p:sp>
-        <p:nvSpPr>
-          <p:cNvPr id="16" name="Cím 1"/>
-          <p:cNvSpPr txBox="1">
-            <a:spLocks/>
-          </p:cNvSpPr>
-          <p:nvPr/>
-        </p:nvSpPr>
-        <p:spPr>
-          <a:xfrm>
-            <a:off x="228599" y="3720872"/>
-            <a:ext cx="2705101" cy="940028"/>
-          </a:xfrm>
-          <a:prstGeom prst="rect">
-            <a:avLst/>
-          </a:prstGeom>
-        </p:spPr>
-        <p:txBody>
-          <a:bodyPr/>
-          <a:lstStyle>
-            <a:lvl1pPr algn="l" defTabSz="914400" rtl="0" eaLnBrk="1" latinLnBrk="0" hangingPunct="1">
-              <a:lnSpc>
-                <a:spcPct val="90000"/>
-              </a:lnSpc>
-              <a:spcBef>
-                <a:spcPct val="0"/>
-              </a:spcBef>
-              <a:buNone/>
-              <a:defRPr sz="4400" kern="1200">
-                <a:solidFill>
-                  <a:schemeClr val="tx1"/>
-                </a:solidFill>
-                <a:latin typeface="+mj-lt"/>
-                <a:ea typeface="+mj-ea"/>
-                <a:cs typeface="+mj-cs"/>
-              </a:defRPr>
-            </a:lvl1pPr>
-          </a:lstStyle>
-          <a:p>
-            <a:r>
-              <a:rPr lang="hu-HU" dirty="0" smtClean="0">
-                <a:latin typeface="Times New Roman" panose="02020603050405020304" pitchFamily="18" charset="0"/>
-                <a:cs typeface="Times New Roman" panose="02020603050405020304" pitchFamily="18" charset="0"/>
-              </a:rPr>
-              <a:t>Photoshop</a:t>
-            </a:r>
-            <a:endParaRPr lang="hu-HU" dirty="0">
-              <a:latin typeface="Times New Roman" panose="02020603050405020304" pitchFamily="18" charset="0"/>
-              <a:cs typeface="Times New Roman" panose="02020603050405020304" pitchFamily="18" charset="0"/>
-            </a:endParaRPr>
-          </a:p>
-        </p:txBody>
-      </p:sp>
-    </p:spTree>
-    <p:extLst>
-      <p:ext uri="{BB962C8B-B14F-4D97-AF65-F5344CB8AC3E}">
-        <p14:creationId xmlns:p14="http://schemas.microsoft.com/office/powerpoint/2010/main" val="1964960078"/>
-      </p:ext>
-    </p:extLst>
-  </p:cSld>
-  <p:clrMapOvr>
-    <a:masterClrMapping/>
-  </p:clrMapOvr>
-  <p:transition spd="med">
-    <p:push/>
-  </p:transition>
-  <p:timing>
-    <p:tnLst>
-      <p:par>
-        <p:cTn id="1" dur="indefinite" restart="never" nodeType="tmRoot"/>
-      </p:par>
-    </p:tnLst>
-  </p:timing>
-</p:sld>
-</file>
-
-<file path=ppt/slides/slide3.xml><?xml version="1.0" encoding="utf-8"?>
-<p:sld xmlns:a="http://schemas.openxmlformats.org/drawingml/2006/main" xmlns:r="http://schemas.openxmlformats.org/officeDocument/2006/relationships" xmlns:p="http://schemas.openxmlformats.org/presentationml/2006/main">
-  <p:cSld>
-    <p:spTree>
-      <p:nvGrpSpPr>
-        <p:cNvPr id="1" name=""/>
-        <p:cNvGrpSpPr/>
-        <p:nvPr/>
-      </p:nvGrpSpPr>
-      <p:grpSpPr>
-        <a:xfrm>
-          <a:off x="0" y="0"/>
-          <a:ext cx="0" cy="0"/>
-          <a:chOff x="0" y="0"/>
-          <a:chExt cx="0" cy="0"/>
-        </a:xfrm>
-      </p:grpSpPr>
-      <p:sp>
-        <p:nvSpPr>
-          <p:cNvPr id="2" name="Téglalap 1"/>
+          <p:cNvPr id="8" name="Derékszögű háromszög 7"/>
           <p:cNvSpPr/>
           <p:nvPr/>
         </p:nvSpPr>
         <p:spPr>
-          <a:xfrm>
-            <a:off x="0" y="4241800"/>
-            <a:ext cx="12192000" cy="114300"/>
-          </a:xfrm>
-          <a:prstGeom prst="rect">
+          <a:xfrm rot="10800000">
+            <a:off x="10845800" y="0"/>
+            <a:ext cx="1346200" cy="1346200"/>
+          </a:xfrm>
+          <a:prstGeom prst="rtTriangle">
             <a:avLst/>
           </a:prstGeom>
           <a:solidFill>
@@ -3948,77 +3996,15 @@
           </a:p>
         </p:txBody>
       </p:sp>
-      <p:pic>
-        <p:nvPicPr>
-          <p:cNvPr id="4" name="Kép 3"/>
-          <p:cNvPicPr>
-            <a:picLocks noChangeAspect="1"/>
-          </p:cNvPicPr>
-          <p:nvPr/>
-        </p:nvPicPr>
-        <p:blipFill>
-          <a:blip r:embed="rId2">
-            <a:extLst>
-              <a:ext uri="{28A0092B-C50C-407E-A947-70E740481C1C}">
-                <a14:useLocalDpi xmlns:a14="http://schemas.microsoft.com/office/drawing/2010/main" val="0"/>
-              </a:ext>
-            </a:extLst>
-          </a:blip>
-          <a:stretch>
-            <a:fillRect/>
-          </a:stretch>
-        </p:blipFill>
-        <p:spPr>
-          <a:xfrm>
-            <a:off x="2749349" y="2850956"/>
-            <a:ext cx="2857899" cy="2781688"/>
-          </a:xfrm>
-          <a:prstGeom prst="rect">
-            <a:avLst/>
-          </a:prstGeom>
-        </p:spPr>
-      </p:pic>
-      <p:sp>
-        <p:nvSpPr>
-          <p:cNvPr id="5" name="Szövegdoboz 4"/>
-          <p:cNvSpPr txBox="1"/>
-          <p:nvPr/>
-        </p:nvSpPr>
-        <p:spPr>
-          <a:xfrm>
-            <a:off x="2749349" y="5639222"/>
-            <a:ext cx="3568700" cy="215444"/>
-          </a:xfrm>
-          <a:prstGeom prst="rect">
-            <a:avLst/>
-          </a:prstGeom>
-          <a:noFill/>
-        </p:spPr>
-        <p:txBody>
-          <a:bodyPr wrap="square" rtlCol="0">
-            <a:spAutoFit/>
-          </a:bodyPr>
-          <a:lstStyle/>
-          <a:p>
-            <a:r>
-              <a:rPr lang="hu-HU" sz="800" dirty="0">
-                <a:hlinkClick r:id="rId3"/>
-              </a:rPr>
-              <a:t>https://seeklogo.com/vector-logo/380789/adobe-premiere</a:t>
-            </a:r>
-            <a:endParaRPr lang="hu-HU" sz="800" dirty="0"/>
-          </a:p>
-        </p:txBody>
-      </p:sp>
-      <p:sp>
-        <p:nvSpPr>
-          <p:cNvPr id="6" name="Derékszögű háromszög 5"/>
+      <p:sp>
+        <p:nvSpPr>
+          <p:cNvPr id="9" name="Derékszögű háromszög 8"/>
           <p:cNvSpPr/>
           <p:nvPr/>
         </p:nvSpPr>
         <p:spPr>
-          <a:xfrm rot="5400000">
-            <a:off x="0" y="0"/>
+          <a:xfrm rot="16200000">
+            <a:off x="10845800" y="5511800"/>
             <a:ext cx="1346200" cy="1346200"/>
           </a:xfrm>
           <a:prstGeom prst="rtTriangle">
@@ -4058,20 +4044,190 @@
       </p:sp>
       <p:sp>
         <p:nvSpPr>
-          <p:cNvPr id="7" name="Derékszögű háromszög 6"/>
+          <p:cNvPr id="3" name="Szövegdoboz 2"/>
+          <p:cNvSpPr txBox="1"/>
+          <p:nvPr/>
+        </p:nvSpPr>
+        <p:spPr>
+          <a:xfrm>
+            <a:off x="5987875" y="826756"/>
+            <a:ext cx="5664200" cy="215444"/>
+          </a:xfrm>
+          <a:prstGeom prst="rect">
+            <a:avLst/>
+          </a:prstGeom>
+          <a:noFill/>
+        </p:spPr>
+        <p:txBody>
+          <a:bodyPr wrap="square" rtlCol="0">
+            <a:spAutoFit/>
+          </a:bodyPr>
+          <a:lstStyle/>
+          <a:p>
+            <a:r>
+              <a:rPr lang="hu-HU" sz="800" dirty="0">
+                <a:hlinkClick r:id="rId4"/>
+              </a:rPr>
+              <a:t>https://www.treddi.com/cms/news/after-effects-cc-2015/2528/</a:t>
+            </a:r>
+            <a:endParaRPr lang="hu-HU" sz="800" dirty="0"/>
+          </a:p>
+        </p:txBody>
+      </p:sp>
+      <p:pic>
+        <p:nvPicPr>
+          <p:cNvPr id="12" name="Kép 11"/>
+          <p:cNvPicPr>
+            <a:picLocks noChangeAspect="1"/>
+          </p:cNvPicPr>
+          <p:nvPr/>
+        </p:nvPicPr>
+        <p:blipFill>
+          <a:blip r:embed="rId5" cstate="print">
+            <a:extLst>
+              <a:ext uri="{28A0092B-C50C-407E-A947-70E740481C1C}">
+                <a14:useLocalDpi xmlns:a14="http://schemas.microsoft.com/office/drawing/2010/main" val="0"/>
+              </a:ext>
+            </a:extLst>
+          </a:blip>
+          <a:stretch>
+            <a:fillRect/>
+          </a:stretch>
+        </p:blipFill>
+        <p:spPr>
+          <a:xfrm>
+            <a:off x="6043213" y="1000657"/>
+            <a:ext cx="5553524" cy="3121873"/>
+          </a:xfrm>
+          <a:prstGeom prst="rect">
+            <a:avLst/>
+          </a:prstGeom>
+        </p:spPr>
+      </p:pic>
+      <p:sp>
+        <p:nvSpPr>
+          <p:cNvPr id="15" name="Cím 1"/>
+          <p:cNvSpPr txBox="1">
+            <a:spLocks/>
+          </p:cNvSpPr>
+          <p:nvPr/>
+        </p:nvSpPr>
+        <p:spPr>
+          <a:xfrm>
+            <a:off x="1" y="3720872"/>
+            <a:ext cx="2933700" cy="940028"/>
+          </a:xfrm>
+          <a:prstGeom prst="rect">
+            <a:avLst/>
+          </a:prstGeom>
+        </p:spPr>
+        <p:txBody>
+          <a:bodyPr/>
+          <a:lstStyle>
+            <a:lvl1pPr algn="l" defTabSz="914400" rtl="0" eaLnBrk="1" latinLnBrk="0" hangingPunct="1">
+              <a:lnSpc>
+                <a:spcPct val="90000"/>
+              </a:lnSpc>
+              <a:spcBef>
+                <a:spcPct val="0"/>
+              </a:spcBef>
+              <a:buNone/>
+              <a:defRPr sz="4400" kern="1200">
+                <a:solidFill>
+                  <a:schemeClr val="tx1"/>
+                </a:solidFill>
+                <a:latin typeface="+mj-lt"/>
+                <a:ea typeface="+mj-ea"/>
+                <a:cs typeface="+mj-cs"/>
+              </a:defRPr>
+            </a:lvl1pPr>
+          </a:lstStyle>
+          <a:p>
+            <a:r>
+              <a:rPr lang="hu-HU" sz="4000" dirty="0" err="1">
+                <a:latin typeface="Times New Roman" panose="02020603050405020304" pitchFamily="18" charset="0"/>
+                <a:cs typeface="Times New Roman" panose="02020603050405020304" pitchFamily="18" charset="0"/>
+              </a:rPr>
+              <a:t>After</a:t>
+            </a:r>
+            <a:r>
+              <a:rPr lang="hu-HU" sz="4000" dirty="0">
+                <a:latin typeface="Times New Roman" panose="02020603050405020304" pitchFamily="18" charset="0"/>
+                <a:cs typeface="Times New Roman" panose="02020603050405020304" pitchFamily="18" charset="0"/>
+              </a:rPr>
+              <a:t> </a:t>
+            </a:r>
+            <a:r>
+              <a:rPr lang="hu-HU" sz="4000" dirty="0" err="1">
+                <a:latin typeface="Times New Roman" panose="02020603050405020304" pitchFamily="18" charset="0"/>
+                <a:cs typeface="Times New Roman" panose="02020603050405020304" pitchFamily="18" charset="0"/>
+              </a:rPr>
+              <a:t>Effects</a:t>
+            </a:r>
+            <a:endParaRPr lang="hu-HU" sz="4000" dirty="0">
+              <a:latin typeface="Times New Roman" panose="02020603050405020304" pitchFamily="18" charset="0"/>
+              <a:cs typeface="Times New Roman" panose="02020603050405020304" pitchFamily="18" charset="0"/>
+            </a:endParaRPr>
+          </a:p>
+        </p:txBody>
+      </p:sp>
+    </p:spTree>
+    <p:extLst>
+      <p:ext uri="{BB962C8B-B14F-4D97-AF65-F5344CB8AC3E}">
+        <p14:creationId xmlns:p14="http://schemas.microsoft.com/office/powerpoint/2010/main" val="3763855223"/>
+      </p:ext>
+    </p:extLst>
+  </p:cSld>
+  <p:clrMapOvr>
+    <a:masterClrMapping/>
+  </p:clrMapOvr>
+  <p:transition spd="med">
+    <p:push/>
+  </p:transition>
+</p:sld>
+</file>
+
+<file path=ppt/slides/slide5.xml><?xml version="1.0" encoding="utf-8"?>
+<p:sld xmlns:a="http://schemas.openxmlformats.org/drawingml/2006/main" xmlns:r="http://schemas.openxmlformats.org/officeDocument/2006/relationships" xmlns:p="http://schemas.openxmlformats.org/presentationml/2006/main">
+  <p:cSld>
+    <p:bg>
+      <p:bgPr>
+        <a:solidFill>
+          <a:srgbClr val="31A8FF"/>
+        </a:solidFill>
+        <a:effectLst/>
+      </p:bgPr>
+    </p:bg>
+    <p:spTree>
+      <p:nvGrpSpPr>
+        <p:cNvPr id="1" name=""/>
+        <p:cNvGrpSpPr/>
+        <p:nvPr/>
+      </p:nvGrpSpPr>
+      <p:grpSpPr>
+        <a:xfrm>
+          <a:off x="0" y="0"/>
+          <a:ext cx="0" cy="0"/>
+          <a:chOff x="0" y="0"/>
+          <a:chExt cx="0" cy="0"/>
+        </a:xfrm>
+      </p:grpSpPr>
+      <p:sp>
+        <p:nvSpPr>
+          <p:cNvPr id="2" name="Téglalap 1"/>
           <p:cNvSpPr/>
           <p:nvPr/>
         </p:nvSpPr>
         <p:spPr>
           <a:xfrm>
-            <a:off x="0" y="5511800"/>
-            <a:ext cx="1346200" cy="1346200"/>
-          </a:xfrm>
-          <a:prstGeom prst="rtTriangle">
+            <a:off x="0" y="4241800"/>
+            <a:ext cx="12192000" cy="114300"/>
+          </a:xfrm>
+          <a:prstGeom prst="rect">
             <a:avLst/>
           </a:prstGeom>
           <a:solidFill>
-            <a:srgbClr val="9999FF"/>
+            <a:schemeClr val="bg1"/>
           </a:solidFill>
           <a:ln>
             <a:noFill/>
@@ -4102,22 +4258,84 @@
           </a:p>
         </p:txBody>
       </p:sp>
-      <p:sp>
-        <p:nvSpPr>
-          <p:cNvPr id="8" name="Derékszögű háromszög 7"/>
+      <p:pic>
+        <p:nvPicPr>
+          <p:cNvPr id="4" name="Kép 3"/>
+          <p:cNvPicPr>
+            <a:picLocks noChangeAspect="1"/>
+          </p:cNvPicPr>
+          <p:nvPr/>
+        </p:nvPicPr>
+        <p:blipFill>
+          <a:blip r:embed="rId2" cstate="print">
+            <a:extLst>
+              <a:ext uri="{28A0092B-C50C-407E-A947-70E740481C1C}">
+                <a14:useLocalDpi xmlns:a14="http://schemas.microsoft.com/office/drawing/2010/main" val="0"/>
+              </a:ext>
+            </a:extLst>
+          </a:blip>
+          <a:stretch>
+            <a:fillRect/>
+          </a:stretch>
+        </p:blipFill>
+        <p:spPr>
+          <a:xfrm>
+            <a:off x="2749350" y="2850956"/>
+            <a:ext cx="2848144" cy="2781688"/>
+          </a:xfrm>
+          <a:prstGeom prst="rect">
+            <a:avLst/>
+          </a:prstGeom>
+        </p:spPr>
+      </p:pic>
+      <p:sp>
+        <p:nvSpPr>
+          <p:cNvPr id="7" name="Szövegdoboz 6"/>
+          <p:cNvSpPr txBox="1"/>
+          <p:nvPr/>
+        </p:nvSpPr>
+        <p:spPr>
+          <a:xfrm>
+            <a:off x="2273300" y="5632644"/>
+            <a:ext cx="4991100" cy="215444"/>
+          </a:xfrm>
+          <a:prstGeom prst="rect">
+            <a:avLst/>
+          </a:prstGeom>
+          <a:noFill/>
+        </p:spPr>
+        <p:txBody>
+          <a:bodyPr wrap="square" rtlCol="0">
+            <a:spAutoFit/>
+          </a:bodyPr>
+          <a:lstStyle/>
+          <a:p>
+            <a:r>
+              <a:rPr lang="hu-HU" sz="800" dirty="0">
+                <a:hlinkClick r:id="rId3"/>
+              </a:rPr>
+              <a:t>https://hu.m.wikipedia.org/wiki/F%C3%A1jl:Adobe_Photoshop_Lightroom_CC_logo.svg</a:t>
+            </a:r>
+            <a:endParaRPr lang="hu-HU" sz="800" dirty="0"/>
+          </a:p>
+        </p:txBody>
+      </p:sp>
+      <p:sp>
+        <p:nvSpPr>
+          <p:cNvPr id="5" name="Derékszögű háromszög 4"/>
           <p:cNvSpPr/>
           <p:nvPr/>
         </p:nvSpPr>
         <p:spPr>
-          <a:xfrm rot="10800000">
-            <a:off x="10845800" y="0"/>
+          <a:xfrm rot="5400000">
+            <a:off x="0" y="0"/>
             <a:ext cx="1346200" cy="1346200"/>
           </a:xfrm>
           <a:prstGeom prst="rtTriangle">
             <a:avLst/>
           </a:prstGeom>
           <a:solidFill>
-            <a:srgbClr val="9999FF"/>
+            <a:srgbClr val="31A8FF"/>
           </a:solidFill>
           <a:ln>
             <a:noFill/>
@@ -4150,20 +4368,20 @@
       </p:sp>
       <p:sp>
         <p:nvSpPr>
-          <p:cNvPr id="9" name="Derékszögű háromszög 8"/>
+          <p:cNvPr id="6" name="Derékszögű háromszög 5"/>
           <p:cNvSpPr/>
           <p:nvPr/>
         </p:nvSpPr>
         <p:spPr>
-          <a:xfrm rot="16200000">
-            <a:off x="10845800" y="5511800"/>
+          <a:xfrm>
+            <a:off x="0" y="5511800"/>
             <a:ext cx="1346200" cy="1346200"/>
           </a:xfrm>
           <a:prstGeom prst="rtTriangle">
             <a:avLst/>
           </a:prstGeom>
           <a:solidFill>
-            <a:srgbClr val="9999FF"/>
+            <a:srgbClr val="31A8FF"/>
           </a:solidFill>
           <a:ln>
             <a:noFill/>
@@ -4196,251 +4414,20 @@
       </p:sp>
       <p:sp>
         <p:nvSpPr>
-          <p:cNvPr id="11" name="Szövegdoboz 10"/>
-          <p:cNvSpPr txBox="1"/>
-          <p:nvPr/>
-        </p:nvSpPr>
-        <p:spPr>
-          <a:xfrm>
-            <a:off x="6730999" y="4449970"/>
-            <a:ext cx="5461001" cy="1200329"/>
-          </a:xfrm>
-          <a:prstGeom prst="rect">
-            <a:avLst/>
-          </a:prstGeom>
-          <a:noFill/>
-        </p:spPr>
-        <p:txBody>
-          <a:bodyPr wrap="square" rtlCol="0">
-            <a:spAutoFit/>
-          </a:bodyPr>
-          <a:lstStyle/>
-          <a:p>
-            <a:r>
-              <a:rPr lang="hu-HU" sz="2400" dirty="0" smtClean="0">
-                <a:latin typeface="Times New Roman" panose="02020603050405020304" pitchFamily="18" charset="0"/>
-                <a:cs typeface="Times New Roman" panose="02020603050405020304" pitchFamily="18" charset="0"/>
-              </a:rPr>
-              <a:t>-Mi a feladata?</a:t>
-            </a:r>
-            <a:r>
-              <a:rPr lang="hu-HU" sz="2400" dirty="0" smtClean="0">
-                <a:latin typeface="Times New Roman" panose="02020603050405020304" pitchFamily="18" charset="0"/>
-                <a:cs typeface="Times New Roman" panose="02020603050405020304" pitchFamily="18" charset="0"/>
-              </a:rPr>
-              <a:t/>
-            </a:r>
-            <a:br>
-              <a:rPr lang="hu-HU" sz="2400" dirty="0" smtClean="0">
-                <a:latin typeface="Times New Roman" panose="02020603050405020304" pitchFamily="18" charset="0"/>
-                <a:cs typeface="Times New Roman" panose="02020603050405020304" pitchFamily="18" charset="0"/>
-              </a:rPr>
-            </a:br>
-            <a:r>
-              <a:rPr lang="hu-HU" sz="2400" dirty="0" smtClean="0">
-                <a:latin typeface="Times New Roman" panose="02020603050405020304" pitchFamily="18" charset="0"/>
-                <a:cs typeface="Times New Roman" panose="02020603050405020304" pitchFamily="18" charset="0"/>
-              </a:rPr>
-              <a:t>-Miben jobb mint a konkurens programok?</a:t>
-            </a:r>
-            <a:endParaRPr lang="hu-HU" sz="2400" dirty="0" smtClean="0">
-              <a:latin typeface="Times New Roman" panose="02020603050405020304" pitchFamily="18" charset="0"/>
-              <a:cs typeface="Times New Roman" panose="02020603050405020304" pitchFamily="18" charset="0"/>
-            </a:endParaRPr>
-          </a:p>
-          <a:p>
-            <a:r>
-              <a:rPr lang="hu-HU" sz="2400" dirty="0" smtClean="0">
-                <a:latin typeface="Times New Roman" panose="02020603050405020304" pitchFamily="18" charset="0"/>
-                <a:cs typeface="Times New Roman" panose="02020603050405020304" pitchFamily="18" charset="0"/>
-              </a:rPr>
-              <a:t>-Verziók</a:t>
-            </a:r>
-            <a:endParaRPr lang="hu-HU" sz="2400" dirty="0">
-              <a:latin typeface="Times New Roman" panose="02020603050405020304" pitchFamily="18" charset="0"/>
-              <a:cs typeface="Times New Roman" panose="02020603050405020304" pitchFamily="18" charset="0"/>
-            </a:endParaRPr>
-          </a:p>
-        </p:txBody>
-      </p:sp>
-      <p:sp>
-        <p:nvSpPr>
-          <p:cNvPr id="12" name="Szövegdoboz 11"/>
-          <p:cNvSpPr txBox="1"/>
-          <p:nvPr/>
-        </p:nvSpPr>
-        <p:spPr>
-          <a:xfrm>
-            <a:off x="6036368" y="946273"/>
-            <a:ext cx="3517900" cy="215444"/>
-          </a:xfrm>
-          <a:prstGeom prst="rect">
-            <a:avLst/>
-          </a:prstGeom>
-          <a:noFill/>
-        </p:spPr>
-        <p:txBody>
-          <a:bodyPr wrap="square" rtlCol="0">
-            <a:spAutoFit/>
-          </a:bodyPr>
-          <a:lstStyle/>
-          <a:p>
-            <a:r>
-              <a:rPr lang="hu-HU" sz="800" dirty="0">
-                <a:hlinkClick r:id="rId4"/>
-              </a:rPr>
-              <a:t>https://helpx.adobe.com/hu/premiere-pro/using/whats-new/2022-3.html</a:t>
-            </a:r>
-            <a:endParaRPr lang="hu-HU" sz="800" dirty="0"/>
-          </a:p>
-        </p:txBody>
-      </p:sp>
-      <p:pic>
-        <p:nvPicPr>
-          <p:cNvPr id="13" name="Kép 12"/>
-          <p:cNvPicPr>
-            <a:picLocks noChangeAspect="1"/>
-          </p:cNvPicPr>
-          <p:nvPr/>
-        </p:nvPicPr>
-        <p:blipFill>
-          <a:blip r:embed="rId5" cstate="print">
-            <a:extLst>
-              <a:ext uri="{28A0092B-C50C-407E-A947-70E740481C1C}">
-                <a14:useLocalDpi xmlns:a14="http://schemas.microsoft.com/office/drawing/2010/main" val="0"/>
-              </a:ext>
-            </a:extLst>
-          </a:blip>
-          <a:stretch>
-            <a:fillRect/>
-          </a:stretch>
-        </p:blipFill>
-        <p:spPr>
-          <a:xfrm>
-            <a:off x="6036368" y="1100930"/>
-            <a:ext cx="5726511" cy="3005137"/>
-          </a:xfrm>
-          <a:prstGeom prst="rect">
-            <a:avLst/>
-          </a:prstGeom>
-        </p:spPr>
-      </p:pic>
-      <p:sp>
-        <p:nvSpPr>
-          <p:cNvPr id="16" name="Cím 1"/>
-          <p:cNvSpPr txBox="1">
-            <a:spLocks/>
-          </p:cNvSpPr>
-          <p:nvPr/>
-        </p:nvSpPr>
-        <p:spPr>
-          <a:xfrm>
-            <a:off x="-101600" y="3720872"/>
-            <a:ext cx="3352799" cy="940028"/>
-          </a:xfrm>
-          <a:prstGeom prst="rect">
-            <a:avLst/>
-          </a:prstGeom>
-        </p:spPr>
-        <p:txBody>
-          <a:bodyPr/>
-          <a:lstStyle>
-            <a:lvl1pPr algn="l" defTabSz="914400" rtl="0" eaLnBrk="1" latinLnBrk="0" hangingPunct="1">
-              <a:lnSpc>
-                <a:spcPct val="90000"/>
-              </a:lnSpc>
-              <a:spcBef>
-                <a:spcPct val="0"/>
-              </a:spcBef>
-              <a:buNone/>
-              <a:defRPr sz="4400" kern="1200">
-                <a:solidFill>
-                  <a:schemeClr val="tx1"/>
-                </a:solidFill>
-                <a:latin typeface="+mj-lt"/>
-                <a:ea typeface="+mj-ea"/>
-                <a:cs typeface="+mj-cs"/>
-              </a:defRPr>
-            </a:lvl1pPr>
-          </a:lstStyle>
-          <a:p>
-            <a:r>
-              <a:rPr lang="hu-HU" sz="4000" dirty="0" err="1" smtClean="0">
-                <a:latin typeface="Times New Roman" panose="02020603050405020304" pitchFamily="18" charset="0"/>
-                <a:cs typeface="Times New Roman" panose="02020603050405020304" pitchFamily="18" charset="0"/>
-              </a:rPr>
-              <a:t>Premiere</a:t>
-            </a:r>
-            <a:r>
-              <a:rPr lang="hu-HU" sz="4000" dirty="0" smtClean="0">
-                <a:latin typeface="Times New Roman" panose="02020603050405020304" pitchFamily="18" charset="0"/>
-                <a:cs typeface="Times New Roman" panose="02020603050405020304" pitchFamily="18" charset="0"/>
-              </a:rPr>
-              <a:t> Pro</a:t>
-            </a:r>
-            <a:endParaRPr lang="hu-HU" sz="4000" dirty="0">
-              <a:latin typeface="Times New Roman" panose="02020603050405020304" pitchFamily="18" charset="0"/>
-              <a:cs typeface="Times New Roman" panose="02020603050405020304" pitchFamily="18" charset="0"/>
-            </a:endParaRPr>
-          </a:p>
-        </p:txBody>
-      </p:sp>
-    </p:spTree>
-    <p:extLst>
-      <p:ext uri="{BB962C8B-B14F-4D97-AF65-F5344CB8AC3E}">
-        <p14:creationId xmlns:p14="http://schemas.microsoft.com/office/powerpoint/2010/main" val="1612289633"/>
-      </p:ext>
-    </p:extLst>
-  </p:cSld>
-  <p:clrMapOvr>
-    <a:masterClrMapping/>
-  </p:clrMapOvr>
-  <p:transition spd="med">
-    <p:push/>
-  </p:transition>
-  <p:timing>
-    <p:tnLst>
-      <p:par>
-        <p:cTn id="1" dur="indefinite" restart="never" nodeType="tmRoot"/>
-      </p:par>
-    </p:tnLst>
-  </p:timing>
-</p:sld>
-</file>
-
-<file path=ppt/slides/slide4.xml><?xml version="1.0" encoding="utf-8"?>
-<p:sld xmlns:a="http://schemas.openxmlformats.org/drawingml/2006/main" xmlns:r="http://schemas.openxmlformats.org/officeDocument/2006/relationships" xmlns:p="http://schemas.openxmlformats.org/presentationml/2006/main">
-  <p:cSld>
-    <p:spTree>
-      <p:nvGrpSpPr>
-        <p:cNvPr id="1" name=""/>
-        <p:cNvGrpSpPr/>
-        <p:nvPr/>
-      </p:nvGrpSpPr>
-      <p:grpSpPr>
-        <a:xfrm>
-          <a:off x="0" y="0"/>
-          <a:ext cx="0" cy="0"/>
-          <a:chOff x="0" y="0"/>
-          <a:chExt cx="0" cy="0"/>
-        </a:xfrm>
-      </p:grpSpPr>
-      <p:sp>
-        <p:nvSpPr>
-          <p:cNvPr id="2" name="Téglalap 1"/>
+          <p:cNvPr id="8" name="Derékszögű háromszög 7"/>
           <p:cNvSpPr/>
           <p:nvPr/>
         </p:nvSpPr>
         <p:spPr>
-          <a:xfrm>
-            <a:off x="0" y="4241800"/>
-            <a:ext cx="12192000" cy="114300"/>
-          </a:xfrm>
-          <a:prstGeom prst="rect">
+          <a:xfrm rot="10800000">
+            <a:off x="10845800" y="0"/>
+            <a:ext cx="1346200" cy="1346200"/>
+          </a:xfrm>
+          <a:prstGeom prst="rtTriangle">
             <a:avLst/>
           </a:prstGeom>
           <a:solidFill>
-            <a:srgbClr val="9999FF"/>
+            <a:srgbClr val="31A8FF"/>
           </a:solidFill>
           <a:ln>
             <a:noFill/>
@@ -4471,84 +4458,22 @@
           </a:p>
         </p:txBody>
       </p:sp>
-      <p:pic>
-        <p:nvPicPr>
-          <p:cNvPr id="4" name="Kép 3"/>
-          <p:cNvPicPr>
-            <a:picLocks noChangeAspect="1"/>
-          </p:cNvPicPr>
-          <p:nvPr/>
-        </p:nvPicPr>
-        <p:blipFill>
-          <a:blip r:embed="rId2" cstate="print">
-            <a:extLst>
-              <a:ext uri="{28A0092B-C50C-407E-A947-70E740481C1C}">
-                <a14:useLocalDpi xmlns:a14="http://schemas.microsoft.com/office/drawing/2010/main" val="0"/>
-              </a:ext>
-            </a:extLst>
-          </a:blip>
-          <a:stretch>
-            <a:fillRect/>
-          </a:stretch>
-        </p:blipFill>
-        <p:spPr>
-          <a:xfrm>
-            <a:off x="2749350" y="2850956"/>
-            <a:ext cx="2853675" cy="2781688"/>
-          </a:xfrm>
-          <a:prstGeom prst="rect">
-            <a:avLst/>
-          </a:prstGeom>
-        </p:spPr>
-      </p:pic>
-      <p:sp>
-        <p:nvSpPr>
-          <p:cNvPr id="6" name="Szövegdoboz 5"/>
-          <p:cNvSpPr txBox="1"/>
-          <p:nvPr/>
-        </p:nvSpPr>
-        <p:spPr>
-          <a:xfrm>
-            <a:off x="2969687" y="5632644"/>
-            <a:ext cx="2413000" cy="338554"/>
-          </a:xfrm>
-          <a:prstGeom prst="rect">
-            <a:avLst/>
-          </a:prstGeom>
-          <a:noFill/>
-        </p:spPr>
-        <p:txBody>
-          <a:bodyPr wrap="square" rtlCol="0">
-            <a:spAutoFit/>
-          </a:bodyPr>
-          <a:lstStyle/>
-          <a:p>
-            <a:r>
-              <a:rPr lang="hu-HU" sz="800" dirty="0">
-                <a:hlinkClick r:id="rId3"/>
-              </a:rPr>
-              <a:t>https://commons.wikimedia.org/wiki/File:Adobe_After_Effects_CC_icon.svg</a:t>
-            </a:r>
-            <a:endParaRPr lang="hu-HU" sz="800" dirty="0"/>
-          </a:p>
-        </p:txBody>
-      </p:sp>
-      <p:sp>
-        <p:nvSpPr>
-          <p:cNvPr id="5" name="Derékszögű háromszög 4"/>
+      <p:sp>
+        <p:nvSpPr>
+          <p:cNvPr id="9" name="Derékszögű háromszög 8"/>
           <p:cNvSpPr/>
           <p:nvPr/>
         </p:nvSpPr>
         <p:spPr>
-          <a:xfrm rot="5400000">
-            <a:off x="0" y="0"/>
+          <a:xfrm rot="16200000">
+            <a:off x="10845800" y="5511800"/>
             <a:ext cx="1346200" cy="1346200"/>
           </a:xfrm>
           <a:prstGeom prst="rtTriangle">
             <a:avLst/>
           </a:prstGeom>
           <a:solidFill>
-            <a:srgbClr val="9999FF"/>
+            <a:srgbClr val="31A8FF"/>
           </a:solidFill>
           <a:ln>
             <a:noFill/>
@@ -4581,20 +4506,176 @@
       </p:sp>
       <p:sp>
         <p:nvSpPr>
-          <p:cNvPr id="7" name="Derékszögű háromszög 6"/>
+          <p:cNvPr id="3" name="Szövegdoboz 2"/>
+          <p:cNvSpPr txBox="1"/>
+          <p:nvPr/>
+        </p:nvSpPr>
+        <p:spPr>
+          <a:xfrm>
+            <a:off x="6503217" y="1458049"/>
+            <a:ext cx="5321300" cy="215444"/>
+          </a:xfrm>
+          <a:prstGeom prst="rect">
+            <a:avLst/>
+          </a:prstGeom>
+          <a:noFill/>
+        </p:spPr>
+        <p:txBody>
+          <a:bodyPr wrap="square" rtlCol="0">
+            <a:spAutoFit/>
+          </a:bodyPr>
+          <a:lstStyle/>
+          <a:p>
+            <a:r>
+              <a:rPr lang="hu-HU" sz="800" dirty="0">
+                <a:hlinkClick r:id="rId4"/>
+              </a:rPr>
+              <a:t>https://helpx.adobe.com/hu/lightroom-classic/help/applying-adjustments-develop-module-basic.html</a:t>
+            </a:r>
+            <a:endParaRPr lang="hu-HU" sz="800" dirty="0"/>
+          </a:p>
+        </p:txBody>
+      </p:sp>
+      <p:pic>
+        <p:nvPicPr>
+          <p:cNvPr id="12" name="Kép 11"/>
+          <p:cNvPicPr>
+            <a:picLocks noChangeAspect="1"/>
+          </p:cNvPicPr>
+          <p:nvPr/>
+        </p:nvPicPr>
+        <p:blipFill>
+          <a:blip r:embed="rId5" cstate="print">
+            <a:extLst>
+              <a:ext uri="{28A0092B-C50C-407E-A947-70E740481C1C}">
+                <a14:useLocalDpi xmlns:a14="http://schemas.microsoft.com/office/drawing/2010/main" val="0"/>
+              </a:ext>
+            </a:extLst>
+          </a:blip>
+          <a:stretch>
+            <a:fillRect/>
+          </a:stretch>
+        </p:blipFill>
+        <p:spPr>
+          <a:xfrm>
+            <a:off x="6325378" y="1612706"/>
+            <a:ext cx="5138737" cy="2476500"/>
+          </a:xfrm>
+          <a:prstGeom prst="rect">
+            <a:avLst/>
+          </a:prstGeom>
+        </p:spPr>
+      </p:pic>
+      <p:sp>
+        <p:nvSpPr>
+          <p:cNvPr id="13" name="Cím 1"/>
+          <p:cNvSpPr txBox="1">
+            <a:spLocks/>
+          </p:cNvSpPr>
+          <p:nvPr/>
+        </p:nvSpPr>
+        <p:spPr>
+          <a:xfrm>
+            <a:off x="1" y="3720872"/>
+            <a:ext cx="2933700" cy="940028"/>
+          </a:xfrm>
+          <a:prstGeom prst="rect">
+            <a:avLst/>
+          </a:prstGeom>
+        </p:spPr>
+        <p:txBody>
+          <a:bodyPr/>
+          <a:lstStyle>
+            <a:lvl1pPr algn="l" defTabSz="914400" rtl="0" eaLnBrk="1" latinLnBrk="0" hangingPunct="1">
+              <a:lnSpc>
+                <a:spcPct val="90000"/>
+              </a:lnSpc>
+              <a:spcBef>
+                <a:spcPct val="0"/>
+              </a:spcBef>
+              <a:buNone/>
+              <a:defRPr sz="4400" kern="1200">
+                <a:solidFill>
+                  <a:schemeClr val="tx1"/>
+                </a:solidFill>
+                <a:latin typeface="+mj-lt"/>
+                <a:ea typeface="+mj-ea"/>
+                <a:cs typeface="+mj-cs"/>
+              </a:defRPr>
+            </a:lvl1pPr>
+          </a:lstStyle>
+          <a:p>
+            <a:r>
+              <a:rPr lang="hu-HU" dirty="0" err="1">
+                <a:latin typeface="Times New Roman" panose="02020603050405020304" pitchFamily="18" charset="0"/>
+                <a:cs typeface="Times New Roman" panose="02020603050405020304" pitchFamily="18" charset="0"/>
+              </a:rPr>
+              <a:t>Lightroom</a:t>
+            </a:r>
+            <a:endParaRPr lang="hu-HU" dirty="0">
+              <a:latin typeface="Times New Roman" panose="02020603050405020304" pitchFamily="18" charset="0"/>
+              <a:cs typeface="Times New Roman" panose="02020603050405020304" pitchFamily="18" charset="0"/>
+            </a:endParaRPr>
+          </a:p>
+        </p:txBody>
+      </p:sp>
+    </p:spTree>
+    <p:extLst>
+      <p:ext uri="{BB962C8B-B14F-4D97-AF65-F5344CB8AC3E}">
+        <p14:creationId xmlns:p14="http://schemas.microsoft.com/office/powerpoint/2010/main" val="238994123"/>
+      </p:ext>
+    </p:extLst>
+  </p:cSld>
+  <p:clrMapOvr>
+    <a:masterClrMapping/>
+  </p:clrMapOvr>
+  <p:transition spd="med">
+    <p:push/>
+  </p:transition>
+</p:sld>
+</file>
+
+<file path=ppt/slides/slide6.xml><?xml version="1.0" encoding="utf-8"?>
+<p:sld xmlns:a="http://schemas.openxmlformats.org/drawingml/2006/main" xmlns:r="http://schemas.openxmlformats.org/officeDocument/2006/relationships" xmlns:p="http://schemas.openxmlformats.org/presentationml/2006/main">
+  <p:cSld>
+    <p:bg>
+      <p:bgPr>
+        <a:solidFill>
+          <a:srgbClr val="FF9A00"/>
+        </a:solidFill>
+        <a:effectLst/>
+      </p:bgPr>
+    </p:bg>
+    <p:spTree>
+      <p:nvGrpSpPr>
+        <p:cNvPr id="1" name=""/>
+        <p:cNvGrpSpPr/>
+        <p:nvPr/>
+      </p:nvGrpSpPr>
+      <p:grpSpPr>
+        <a:xfrm>
+          <a:off x="0" y="0"/>
+          <a:ext cx="0" cy="0"/>
+          <a:chOff x="0" y="0"/>
+          <a:chExt cx="0" cy="0"/>
+        </a:xfrm>
+      </p:grpSpPr>
+      <p:sp>
+        <p:nvSpPr>
+          <p:cNvPr id="2" name="Téglalap 1"/>
           <p:cNvSpPr/>
           <p:nvPr/>
         </p:nvSpPr>
         <p:spPr>
           <a:xfrm>
-            <a:off x="0" y="5511800"/>
-            <a:ext cx="1346200" cy="1346200"/>
-          </a:xfrm>
-          <a:prstGeom prst="rtTriangle">
+            <a:off x="0" y="4241800"/>
+            <a:ext cx="12192000" cy="114300"/>
+          </a:xfrm>
+          <a:prstGeom prst="rect">
             <a:avLst/>
           </a:prstGeom>
           <a:solidFill>
-            <a:srgbClr val="9999FF"/>
+            <a:schemeClr val="bg1"/>
           </a:solidFill>
           <a:ln>
             <a:noFill/>
@@ -4625,22 +4706,84 @@
           </a:p>
         </p:txBody>
       </p:sp>
-      <p:sp>
-        <p:nvSpPr>
-          <p:cNvPr id="8" name="Derékszögű háromszög 7"/>
+      <p:pic>
+        <p:nvPicPr>
+          <p:cNvPr id="3" name="Kép 2"/>
+          <p:cNvPicPr>
+            <a:picLocks noChangeAspect="1"/>
+          </p:cNvPicPr>
+          <p:nvPr/>
+        </p:nvPicPr>
+        <p:blipFill>
+          <a:blip r:embed="rId2">
+            <a:extLst>
+              <a:ext uri="{28A0092B-C50C-407E-A947-70E740481C1C}">
+                <a14:useLocalDpi xmlns:a14="http://schemas.microsoft.com/office/drawing/2010/main" val="0"/>
+              </a:ext>
+            </a:extLst>
+          </a:blip>
+          <a:stretch>
+            <a:fillRect/>
+          </a:stretch>
+        </p:blipFill>
+        <p:spPr>
+          <a:xfrm>
+            <a:off x="2749350" y="2850956"/>
+            <a:ext cx="2857899" cy="2781688"/>
+          </a:xfrm>
+          <a:prstGeom prst="rect">
+            <a:avLst/>
+          </a:prstGeom>
+        </p:spPr>
+      </p:pic>
+      <p:sp>
+        <p:nvSpPr>
+          <p:cNvPr id="6" name="Szövegdoboz 5"/>
+          <p:cNvSpPr txBox="1"/>
+          <p:nvPr/>
+        </p:nvSpPr>
+        <p:spPr>
+          <a:xfrm>
+            <a:off x="2882900" y="5639222"/>
+            <a:ext cx="2832100" cy="215444"/>
+          </a:xfrm>
+          <a:prstGeom prst="rect">
+            <a:avLst/>
+          </a:prstGeom>
+          <a:noFill/>
+        </p:spPr>
+        <p:txBody>
+          <a:bodyPr wrap="square" rtlCol="0">
+            <a:spAutoFit/>
+          </a:bodyPr>
+          <a:lstStyle/>
+          <a:p>
+            <a:r>
+              <a:rPr lang="hu-HU" sz="800" dirty="0">
+                <a:hlinkClick r:id="rId3"/>
+              </a:rPr>
+              <a:t>https://seeklogo.com/vector-logo/380559/adobe-illustrator</a:t>
+            </a:r>
+            <a:endParaRPr lang="hu-HU" sz="800" dirty="0"/>
+          </a:p>
+        </p:txBody>
+      </p:sp>
+      <p:sp>
+        <p:nvSpPr>
+          <p:cNvPr id="5" name="Derékszögű háromszög 4"/>
           <p:cNvSpPr/>
           <p:nvPr/>
         </p:nvSpPr>
         <p:spPr>
-          <a:xfrm rot="10800000">
-            <a:off x="10845800" y="0"/>
+          <a:xfrm rot="5400000">
+            <a:off x="0" y="0"/>
             <a:ext cx="1346200" cy="1346200"/>
           </a:xfrm>
           <a:prstGeom prst="rtTriangle">
             <a:avLst/>
           </a:prstGeom>
           <a:solidFill>
-            <a:srgbClr val="9999FF"/>
+            <a:srgbClr val="FF9A00"/>
           </a:solidFill>
           <a:ln>
             <a:noFill/>
@@ -4673,20 +4816,20 @@
       </p:sp>
       <p:sp>
         <p:nvSpPr>
-          <p:cNvPr id="9" name="Derékszögű háromszög 8"/>
+          <p:cNvPr id="7" name="Derékszögű háromszög 6"/>
           <p:cNvSpPr/>
           <p:nvPr/>
         </p:nvSpPr>
         <p:spPr>
-          <a:xfrm rot="16200000">
-            <a:off x="10845800" y="5511800"/>
+          <a:xfrm>
+            <a:off x="0" y="5511800"/>
             <a:ext cx="1346200" cy="1346200"/>
           </a:xfrm>
           <a:prstGeom prst="rtTriangle">
             <a:avLst/>
           </a:prstGeom>
           <a:solidFill>
-            <a:srgbClr val="9999FF"/>
+            <a:srgbClr val="FF9A00"/>
           </a:solidFill>
           <a:ln>
             <a:noFill/>
@@ -4719,238 +4862,20 @@
       </p:sp>
       <p:sp>
         <p:nvSpPr>
-          <p:cNvPr id="11" name="Szövegdoboz 10"/>
-          <p:cNvSpPr txBox="1"/>
-          <p:nvPr/>
-        </p:nvSpPr>
-        <p:spPr>
-          <a:xfrm>
-            <a:off x="6730999" y="4449970"/>
-            <a:ext cx="5461001" cy="954107"/>
-          </a:xfrm>
-          <a:prstGeom prst="rect">
-            <a:avLst/>
-          </a:prstGeom>
-          <a:noFill/>
-        </p:spPr>
-        <p:txBody>
-          <a:bodyPr wrap="square" rtlCol="0">
-            <a:spAutoFit/>
-          </a:bodyPr>
-          <a:lstStyle/>
-          <a:p>
-            <a:r>
-              <a:rPr lang="hu-HU" sz="2800" dirty="0" smtClean="0">
-                <a:latin typeface="Times New Roman" panose="02020603050405020304" pitchFamily="18" charset="0"/>
-                <a:cs typeface="Times New Roman" panose="02020603050405020304" pitchFamily="18" charset="0"/>
-              </a:rPr>
-              <a:t>-Milyen munkákra használhatjuk?</a:t>
-            </a:r>
-            <a:endParaRPr lang="hu-HU" sz="2800" dirty="0" smtClean="0">
-              <a:latin typeface="Times New Roman" panose="02020603050405020304" pitchFamily="18" charset="0"/>
-              <a:cs typeface="Times New Roman" panose="02020603050405020304" pitchFamily="18" charset="0"/>
-            </a:endParaRPr>
-          </a:p>
-          <a:p>
-            <a:r>
-              <a:rPr lang="hu-HU" sz="2800" dirty="0" smtClean="0">
-                <a:latin typeface="Times New Roman" panose="02020603050405020304" pitchFamily="18" charset="0"/>
-                <a:cs typeface="Times New Roman" panose="02020603050405020304" pitchFamily="18" charset="0"/>
-              </a:rPr>
-              <a:t>-Verziók</a:t>
-            </a:r>
-            <a:endParaRPr lang="hu-HU" sz="2800" dirty="0">
-              <a:latin typeface="Times New Roman" panose="02020603050405020304" pitchFamily="18" charset="0"/>
-              <a:cs typeface="Times New Roman" panose="02020603050405020304" pitchFamily="18" charset="0"/>
-            </a:endParaRPr>
-          </a:p>
-        </p:txBody>
-      </p:sp>
-      <p:sp>
-        <p:nvSpPr>
-          <p:cNvPr id="3" name="Szövegdoboz 2"/>
-          <p:cNvSpPr txBox="1"/>
-          <p:nvPr/>
-        </p:nvSpPr>
-        <p:spPr>
-          <a:xfrm>
-            <a:off x="5987875" y="826756"/>
-            <a:ext cx="5664200" cy="215444"/>
-          </a:xfrm>
-          <a:prstGeom prst="rect">
-            <a:avLst/>
-          </a:prstGeom>
-          <a:noFill/>
-        </p:spPr>
-        <p:txBody>
-          <a:bodyPr wrap="square" rtlCol="0">
-            <a:spAutoFit/>
-          </a:bodyPr>
-          <a:lstStyle/>
-          <a:p>
-            <a:r>
-              <a:rPr lang="hu-HU" sz="800" dirty="0">
-                <a:hlinkClick r:id="rId4"/>
-              </a:rPr>
-              <a:t>https://www.treddi.com/cms/news/after-effects-cc-2015/2528/</a:t>
-            </a:r>
-            <a:endParaRPr lang="hu-HU" sz="800" dirty="0"/>
-          </a:p>
-        </p:txBody>
-      </p:sp>
-      <p:pic>
-        <p:nvPicPr>
-          <p:cNvPr id="12" name="Kép 11"/>
-          <p:cNvPicPr>
-            <a:picLocks noChangeAspect="1"/>
-          </p:cNvPicPr>
-          <p:nvPr/>
-        </p:nvPicPr>
-        <p:blipFill>
-          <a:blip r:embed="rId5" cstate="print">
-            <a:extLst>
-              <a:ext uri="{28A0092B-C50C-407E-A947-70E740481C1C}">
-                <a14:useLocalDpi xmlns:a14="http://schemas.microsoft.com/office/drawing/2010/main" val="0"/>
-              </a:ext>
-            </a:extLst>
-          </a:blip>
-          <a:stretch>
-            <a:fillRect/>
-          </a:stretch>
-        </p:blipFill>
-        <p:spPr>
-          <a:xfrm>
-            <a:off x="6043213" y="1000657"/>
-            <a:ext cx="5553524" cy="3121873"/>
-          </a:xfrm>
-          <a:prstGeom prst="rect">
-            <a:avLst/>
-          </a:prstGeom>
-        </p:spPr>
-      </p:pic>
-      <p:sp>
-        <p:nvSpPr>
-          <p:cNvPr id="15" name="Cím 1"/>
-          <p:cNvSpPr txBox="1">
-            <a:spLocks/>
-          </p:cNvSpPr>
-          <p:nvPr/>
-        </p:nvSpPr>
-        <p:spPr>
-          <a:xfrm>
-            <a:off x="1" y="3720872"/>
-            <a:ext cx="2933700" cy="940028"/>
-          </a:xfrm>
-          <a:prstGeom prst="rect">
-            <a:avLst/>
-          </a:prstGeom>
-        </p:spPr>
-        <p:txBody>
-          <a:bodyPr/>
-          <a:lstStyle>
-            <a:lvl1pPr algn="l" defTabSz="914400" rtl="0" eaLnBrk="1" latinLnBrk="0" hangingPunct="1">
-              <a:lnSpc>
-                <a:spcPct val="90000"/>
-              </a:lnSpc>
-              <a:spcBef>
-                <a:spcPct val="0"/>
-              </a:spcBef>
-              <a:buNone/>
-              <a:defRPr sz="4400" kern="1200">
-                <a:solidFill>
-                  <a:schemeClr val="tx1"/>
-                </a:solidFill>
-                <a:latin typeface="+mj-lt"/>
-                <a:ea typeface="+mj-ea"/>
-                <a:cs typeface="+mj-cs"/>
-              </a:defRPr>
-            </a:lvl1pPr>
-          </a:lstStyle>
-          <a:p>
-            <a:r>
-              <a:rPr lang="hu-HU" sz="4000" dirty="0" err="1" smtClean="0">
-                <a:latin typeface="Times New Roman" panose="02020603050405020304" pitchFamily="18" charset="0"/>
-                <a:cs typeface="Times New Roman" panose="02020603050405020304" pitchFamily="18" charset="0"/>
-              </a:rPr>
-              <a:t>After</a:t>
-            </a:r>
-            <a:r>
-              <a:rPr lang="hu-HU" sz="4000" dirty="0" smtClean="0">
-                <a:latin typeface="Times New Roman" panose="02020603050405020304" pitchFamily="18" charset="0"/>
-                <a:cs typeface="Times New Roman" panose="02020603050405020304" pitchFamily="18" charset="0"/>
-              </a:rPr>
-              <a:t> </a:t>
-            </a:r>
-            <a:r>
-              <a:rPr lang="hu-HU" sz="4000" dirty="0" err="1" smtClean="0">
-                <a:latin typeface="Times New Roman" panose="02020603050405020304" pitchFamily="18" charset="0"/>
-                <a:cs typeface="Times New Roman" panose="02020603050405020304" pitchFamily="18" charset="0"/>
-              </a:rPr>
-              <a:t>Effects</a:t>
-            </a:r>
-            <a:endParaRPr lang="hu-HU" sz="4000" dirty="0">
-              <a:latin typeface="Times New Roman" panose="02020603050405020304" pitchFamily="18" charset="0"/>
-              <a:cs typeface="Times New Roman" panose="02020603050405020304" pitchFamily="18" charset="0"/>
-            </a:endParaRPr>
-          </a:p>
-        </p:txBody>
-      </p:sp>
-    </p:spTree>
-    <p:extLst>
-      <p:ext uri="{BB962C8B-B14F-4D97-AF65-F5344CB8AC3E}">
-        <p14:creationId xmlns:p14="http://schemas.microsoft.com/office/powerpoint/2010/main" val="3763855223"/>
-      </p:ext>
-    </p:extLst>
-  </p:cSld>
-  <p:clrMapOvr>
-    <a:masterClrMapping/>
-  </p:clrMapOvr>
-  <p:transition spd="med">
-    <p:push/>
-  </p:transition>
-  <p:timing>
-    <p:tnLst>
-      <p:par>
-        <p:cTn id="1" dur="indefinite" restart="never" nodeType="tmRoot"/>
-      </p:par>
-    </p:tnLst>
-  </p:timing>
-</p:sld>
-</file>
-
-<file path=ppt/slides/slide5.xml><?xml version="1.0" encoding="utf-8"?>
-<p:sld xmlns:a="http://schemas.openxmlformats.org/drawingml/2006/main" xmlns:r="http://schemas.openxmlformats.org/officeDocument/2006/relationships" xmlns:p="http://schemas.openxmlformats.org/presentationml/2006/main">
-  <p:cSld>
-    <p:spTree>
-      <p:nvGrpSpPr>
-        <p:cNvPr id="1" name=""/>
-        <p:cNvGrpSpPr/>
-        <p:nvPr/>
-      </p:nvGrpSpPr>
-      <p:grpSpPr>
-        <a:xfrm>
-          <a:off x="0" y="0"/>
-          <a:ext cx="0" cy="0"/>
-          <a:chOff x="0" y="0"/>
-          <a:chExt cx="0" cy="0"/>
-        </a:xfrm>
-      </p:grpSpPr>
-      <p:sp>
-        <p:nvSpPr>
-          <p:cNvPr id="2" name="Téglalap 1"/>
+          <p:cNvPr id="8" name="Derékszögű háromszög 7"/>
           <p:cNvSpPr/>
           <p:nvPr/>
         </p:nvSpPr>
         <p:spPr>
-          <a:xfrm>
-            <a:off x="0" y="4241800"/>
-            <a:ext cx="12192000" cy="114300"/>
-          </a:xfrm>
-          <a:prstGeom prst="rect">
+          <a:xfrm rot="10800000">
+            <a:off x="10845800" y="0"/>
+            <a:ext cx="1346200" cy="1346200"/>
+          </a:xfrm>
+          <a:prstGeom prst="rtTriangle">
             <a:avLst/>
           </a:prstGeom>
           <a:solidFill>
-            <a:srgbClr val="31A8FF"/>
+            <a:srgbClr val="FF9A00"/>
           </a:solidFill>
           <a:ln>
             <a:noFill/>
@@ -4981,84 +4906,22 @@
           </a:p>
         </p:txBody>
       </p:sp>
-      <p:pic>
-        <p:nvPicPr>
-          <p:cNvPr id="4" name="Kép 3"/>
-          <p:cNvPicPr>
-            <a:picLocks noChangeAspect="1"/>
-          </p:cNvPicPr>
-          <p:nvPr/>
-        </p:nvPicPr>
-        <p:blipFill>
-          <a:blip r:embed="rId2" cstate="print">
-            <a:extLst>
-              <a:ext uri="{28A0092B-C50C-407E-A947-70E740481C1C}">
-                <a14:useLocalDpi xmlns:a14="http://schemas.microsoft.com/office/drawing/2010/main" val="0"/>
-              </a:ext>
-            </a:extLst>
-          </a:blip>
-          <a:stretch>
-            <a:fillRect/>
-          </a:stretch>
-        </p:blipFill>
-        <p:spPr>
-          <a:xfrm>
-            <a:off x="2749350" y="2850956"/>
-            <a:ext cx="2848144" cy="2781688"/>
-          </a:xfrm>
-          <a:prstGeom prst="rect">
-            <a:avLst/>
-          </a:prstGeom>
-        </p:spPr>
-      </p:pic>
-      <p:sp>
-        <p:nvSpPr>
-          <p:cNvPr id="7" name="Szövegdoboz 6"/>
-          <p:cNvSpPr txBox="1"/>
-          <p:nvPr/>
-        </p:nvSpPr>
-        <p:spPr>
-          <a:xfrm>
-            <a:off x="2273300" y="5632644"/>
-            <a:ext cx="4991100" cy="215444"/>
-          </a:xfrm>
-          <a:prstGeom prst="rect">
-            <a:avLst/>
-          </a:prstGeom>
-          <a:noFill/>
-        </p:spPr>
-        <p:txBody>
-          <a:bodyPr wrap="square" rtlCol="0">
-            <a:spAutoFit/>
-          </a:bodyPr>
-          <a:lstStyle/>
-          <a:p>
-            <a:r>
-              <a:rPr lang="hu-HU" sz="800" dirty="0">
-                <a:hlinkClick r:id="rId3"/>
-              </a:rPr>
-              <a:t>https://hu.m.wikipedia.org/wiki/F%C3%A1jl:Adobe_Photoshop_Lightroom_CC_logo.svg</a:t>
-            </a:r>
-            <a:endParaRPr lang="hu-HU" sz="800" dirty="0"/>
-          </a:p>
-        </p:txBody>
-      </p:sp>
-      <p:sp>
-        <p:nvSpPr>
-          <p:cNvPr id="5" name="Derékszögű háromszög 4"/>
+      <p:sp>
+        <p:nvSpPr>
+          <p:cNvPr id="9" name="Derékszögű háromszög 8"/>
           <p:cNvSpPr/>
           <p:nvPr/>
         </p:nvSpPr>
         <p:spPr>
-          <a:xfrm rot="5400000">
-            <a:off x="0" y="0"/>
+          <a:xfrm rot="16200000">
+            <a:off x="10845800" y="5511800"/>
             <a:ext cx="1346200" cy="1346200"/>
           </a:xfrm>
           <a:prstGeom prst="rtTriangle">
             <a:avLst/>
           </a:prstGeom>
           <a:solidFill>
-            <a:srgbClr val="31A8FF"/>
+            <a:srgbClr val="FF9A00"/>
           </a:solidFill>
           <a:ln>
             <a:noFill/>
@@ -5091,20 +4954,175 @@
       </p:sp>
       <p:sp>
         <p:nvSpPr>
-          <p:cNvPr id="6" name="Derékszögű háromszög 5"/>
+          <p:cNvPr id="4" name="Szövegdoboz 3"/>
+          <p:cNvSpPr txBox="1"/>
+          <p:nvPr/>
+        </p:nvSpPr>
+        <p:spPr>
+          <a:xfrm>
+            <a:off x="6299200" y="1315481"/>
+            <a:ext cx="3022600" cy="215444"/>
+          </a:xfrm>
+          <a:prstGeom prst="rect">
+            <a:avLst/>
+          </a:prstGeom>
+          <a:noFill/>
+        </p:spPr>
+        <p:txBody>
+          <a:bodyPr wrap="square" rtlCol="0">
+            <a:spAutoFit/>
+          </a:bodyPr>
+          <a:lstStyle/>
+          <a:p>
+            <a:r>
+              <a:rPr lang="hu-HU" sz="800" dirty="0">
+                <a:hlinkClick r:id="rId4"/>
+              </a:rPr>
+              <a:t>https://www.arageek.com/tech/illustrator-alternatives</a:t>
+            </a:r>
+            <a:endParaRPr lang="hu-HU" sz="800" dirty="0"/>
+          </a:p>
+        </p:txBody>
+      </p:sp>
+      <p:pic>
+        <p:nvPicPr>
+          <p:cNvPr id="12" name="Kép 11"/>
+          <p:cNvPicPr>
+            <a:picLocks noChangeAspect="1"/>
+          </p:cNvPicPr>
+          <p:nvPr/>
+        </p:nvPicPr>
+        <p:blipFill rotWithShape="1">
+          <a:blip r:embed="rId5" cstate="print">
+            <a:extLst>
+              <a:ext uri="{28A0092B-C50C-407E-A947-70E740481C1C}">
+                <a14:useLocalDpi xmlns:a14="http://schemas.microsoft.com/office/drawing/2010/main" val="0"/>
+              </a:ext>
+            </a:extLst>
+          </a:blip>
+          <a:srcRect l="14125" t="12494" r="2260" b="5247"/>
+          <a:stretch/>
+        </p:blipFill>
+        <p:spPr>
+          <a:xfrm>
+            <a:off x="6299200" y="1500206"/>
+            <a:ext cx="4995452" cy="2457222"/>
+          </a:xfrm>
+          <a:prstGeom prst="rect">
+            <a:avLst/>
+          </a:prstGeom>
+        </p:spPr>
+      </p:pic>
+      <p:sp>
+        <p:nvSpPr>
+          <p:cNvPr id="13" name="Cím 1"/>
+          <p:cNvSpPr txBox="1">
+            <a:spLocks/>
+          </p:cNvSpPr>
+          <p:nvPr/>
+        </p:nvSpPr>
+        <p:spPr>
+          <a:xfrm>
+            <a:off x="292101" y="3720872"/>
+            <a:ext cx="2641600" cy="940028"/>
+          </a:xfrm>
+          <a:prstGeom prst="rect">
+            <a:avLst/>
+          </a:prstGeom>
+        </p:spPr>
+        <p:txBody>
+          <a:bodyPr/>
+          <a:lstStyle>
+            <a:lvl1pPr algn="l" defTabSz="914400" rtl="0" eaLnBrk="1" latinLnBrk="0" hangingPunct="1">
+              <a:lnSpc>
+                <a:spcPct val="90000"/>
+              </a:lnSpc>
+              <a:spcBef>
+                <a:spcPct val="0"/>
+              </a:spcBef>
+              <a:buNone/>
+              <a:defRPr sz="4400" kern="1200">
+                <a:solidFill>
+                  <a:schemeClr val="tx1"/>
+                </a:solidFill>
+                <a:latin typeface="+mj-lt"/>
+                <a:ea typeface="+mj-ea"/>
+                <a:cs typeface="+mj-cs"/>
+              </a:defRPr>
+            </a:lvl1pPr>
+          </a:lstStyle>
+          <a:p>
+            <a:r>
+              <a:rPr lang="hu-HU" sz="4000" dirty="0" err="1">
+                <a:latin typeface="Times New Roman" panose="02020603050405020304" pitchFamily="18" charset="0"/>
+                <a:cs typeface="Times New Roman" panose="02020603050405020304" pitchFamily="18" charset="0"/>
+              </a:rPr>
+              <a:t>Illustrator</a:t>
+            </a:r>
+            <a:endParaRPr lang="hu-HU" sz="4000" dirty="0">
+              <a:latin typeface="Times New Roman" panose="02020603050405020304" pitchFamily="18" charset="0"/>
+              <a:cs typeface="Times New Roman" panose="02020603050405020304" pitchFamily="18" charset="0"/>
+            </a:endParaRPr>
+          </a:p>
+        </p:txBody>
+      </p:sp>
+    </p:spTree>
+    <p:extLst>
+      <p:ext uri="{BB962C8B-B14F-4D97-AF65-F5344CB8AC3E}">
+        <p14:creationId xmlns:p14="http://schemas.microsoft.com/office/powerpoint/2010/main" val="735547391"/>
+      </p:ext>
+    </p:extLst>
+  </p:cSld>
+  <p:clrMapOvr>
+    <a:masterClrMapping/>
+  </p:clrMapOvr>
+  <p:transition spd="med">
+    <p:push/>
+  </p:transition>
+</p:sld>
+</file>
+
+<file path=ppt/slides/slide7.xml><?xml version="1.0" encoding="utf-8"?>
+<p:sld xmlns:a="http://schemas.openxmlformats.org/drawingml/2006/main" xmlns:r="http://schemas.openxmlformats.org/officeDocument/2006/relationships" xmlns:p="http://schemas.openxmlformats.org/presentationml/2006/main">
+  <p:cSld>
+    <p:bg>
+      <p:bgPr>
+        <a:solidFill>
+          <a:srgbClr val="FD9D9D"/>
+        </a:solidFill>
+        <a:effectLst/>
+      </p:bgPr>
+    </p:bg>
+    <p:spTree>
+      <p:nvGrpSpPr>
+        <p:cNvPr id="1" name=""/>
+        <p:cNvGrpSpPr/>
+        <p:nvPr/>
+      </p:nvGrpSpPr>
+      <p:grpSpPr>
+        <a:xfrm>
+          <a:off x="0" y="0"/>
+          <a:ext cx="0" cy="0"/>
+          <a:chOff x="0" y="0"/>
+          <a:chExt cx="0" cy="0"/>
+        </a:xfrm>
+      </p:grpSpPr>
+      <p:sp>
+        <p:nvSpPr>
+          <p:cNvPr id="2" name="Téglalap 1"/>
           <p:cNvSpPr/>
           <p:nvPr/>
         </p:nvSpPr>
         <p:spPr>
           <a:xfrm>
-            <a:off x="0" y="5511800"/>
-            <a:ext cx="1346200" cy="1346200"/>
-          </a:xfrm>
-          <a:prstGeom prst="rtTriangle">
+            <a:off x="0" y="4241800"/>
+            <a:ext cx="12192000" cy="114300"/>
+          </a:xfrm>
+          <a:prstGeom prst="rect">
             <a:avLst/>
           </a:prstGeom>
           <a:solidFill>
-            <a:srgbClr val="31A8FF"/>
+            <a:schemeClr val="bg1"/>
           </a:solidFill>
           <a:ln>
             <a:noFill/>
@@ -5135,22 +5153,242 @@
           </a:p>
         </p:txBody>
       </p:sp>
-      <p:sp>
-        <p:nvSpPr>
-          <p:cNvPr id="8" name="Derékszögű háromszög 7"/>
+      <p:pic>
+        <p:nvPicPr>
+          <p:cNvPr id="7" name="Kép 6">
+            <a:hlinkClick r:id="rId2"/>
+          </p:cNvPr>
+          <p:cNvPicPr>
+            <a:picLocks noChangeAspect="1"/>
+          </p:cNvPicPr>
+          <p:nvPr/>
+        </p:nvPicPr>
+        <p:blipFill>
+          <a:blip r:embed="rId3">
+            <a:extLst>
+              <a:ext uri="{28A0092B-C50C-407E-A947-70E740481C1C}">
+                <a14:useLocalDpi xmlns:a14="http://schemas.microsoft.com/office/drawing/2010/main" val="0"/>
+              </a:ext>
+            </a:extLst>
+          </a:blip>
+          <a:stretch>
+            <a:fillRect/>
+          </a:stretch>
+        </p:blipFill>
+        <p:spPr>
+          <a:xfrm>
+            <a:off x="2411769" y="2457650"/>
+            <a:ext cx="3568294" cy="3568294"/>
+          </a:xfrm>
+          <a:prstGeom prst="rect">
+            <a:avLst/>
+          </a:prstGeom>
+        </p:spPr>
+      </p:pic>
+      <p:sp>
+        <p:nvSpPr>
+          <p:cNvPr id="9" name="Szövegdoboz 8"/>
+          <p:cNvSpPr txBox="1"/>
+          <p:nvPr/>
+        </p:nvSpPr>
+        <p:spPr>
+          <a:xfrm>
+            <a:off x="2849716" y="5549900"/>
+            <a:ext cx="2692400" cy="338554"/>
+          </a:xfrm>
+          <a:prstGeom prst="rect">
+            <a:avLst/>
+          </a:prstGeom>
+          <a:noFill/>
+        </p:spPr>
+        <p:txBody>
+          <a:bodyPr wrap="square" rtlCol="0">
+            <a:spAutoFit/>
+          </a:bodyPr>
+          <a:lstStyle/>
+          <a:p>
+            <a:r>
+              <a:rPr lang="hu-HU" sz="800" dirty="0">
+                <a:hlinkClick r:id="rId2"/>
+              </a:rPr>
+              <a:t>www.likento.com/similarities/5de4be60f03b1600170b103d/details</a:t>
+            </a:r>
+            <a:endParaRPr lang="hu-HU" sz="800" dirty="0"/>
+          </a:p>
+        </p:txBody>
+      </p:sp>
+      <p:pic>
+        <p:nvPicPr>
+          <p:cNvPr id="4" name="Kép 3"/>
+          <p:cNvPicPr>
+            <a:picLocks noChangeAspect="1"/>
+          </p:cNvPicPr>
+          <p:nvPr/>
+        </p:nvPicPr>
+        <p:blipFill>
+          <a:blip r:embed="rId4" cstate="print">
+            <a:extLst>
+              <a:ext uri="{28A0092B-C50C-407E-A947-70E740481C1C}">
+                <a14:useLocalDpi xmlns:a14="http://schemas.microsoft.com/office/drawing/2010/main" val="0"/>
+              </a:ext>
+            </a:extLst>
+          </a:blip>
+          <a:stretch>
+            <a:fillRect/>
+          </a:stretch>
+        </p:blipFill>
+        <p:spPr>
+          <a:xfrm>
+            <a:off x="5764162" y="1735560"/>
+            <a:ext cx="6211937" cy="2183495"/>
+          </a:xfrm>
+          <a:prstGeom prst="rect">
+            <a:avLst/>
+          </a:prstGeom>
+        </p:spPr>
+      </p:pic>
+      <p:sp>
+        <p:nvSpPr>
+          <p:cNvPr id="5" name="Szövegdoboz 4"/>
+          <p:cNvSpPr txBox="1"/>
+          <p:nvPr/>
+        </p:nvSpPr>
+        <p:spPr>
+          <a:xfrm>
+            <a:off x="5764162" y="1580903"/>
+            <a:ext cx="5435600" cy="215444"/>
+          </a:xfrm>
+          <a:prstGeom prst="rect">
+            <a:avLst/>
+          </a:prstGeom>
+          <a:noFill/>
+        </p:spPr>
+        <p:txBody>
+          <a:bodyPr wrap="square" rtlCol="0">
+            <a:spAutoFit/>
+          </a:bodyPr>
+          <a:lstStyle/>
+          <a:p>
+            <a:r>
+              <a:rPr lang="hu-HU" sz="800" dirty="0">
+                <a:hlinkClick r:id="rId5"/>
+              </a:rPr>
+              <a:t>https://www.softwareone.com/hu-hu/blog/articles/2021/01/11/adobe-acrobat-pro-useful-features</a:t>
+            </a:r>
+            <a:endParaRPr lang="hu-HU" sz="800" dirty="0"/>
+          </a:p>
+        </p:txBody>
+      </p:sp>
+      <p:sp>
+        <p:nvSpPr>
+          <p:cNvPr id="13" name="Cím 1"/>
+          <p:cNvSpPr txBox="1">
+            <a:spLocks/>
+          </p:cNvSpPr>
+          <p:nvPr/>
+        </p:nvSpPr>
+        <p:spPr>
+          <a:xfrm>
+            <a:off x="698501" y="3720872"/>
+            <a:ext cx="2235200" cy="940028"/>
+          </a:xfrm>
+          <a:prstGeom prst="rect">
+            <a:avLst/>
+          </a:prstGeom>
+        </p:spPr>
+        <p:txBody>
+          <a:bodyPr/>
+          <a:lstStyle>
+            <a:lvl1pPr algn="l" defTabSz="914400" rtl="0" eaLnBrk="1" latinLnBrk="0" hangingPunct="1">
+              <a:lnSpc>
+                <a:spcPct val="90000"/>
+              </a:lnSpc>
+              <a:spcBef>
+                <a:spcPct val="0"/>
+              </a:spcBef>
+              <a:buNone/>
+              <a:defRPr sz="4400" kern="1200">
+                <a:solidFill>
+                  <a:schemeClr val="tx1"/>
+                </a:solidFill>
+                <a:latin typeface="+mj-lt"/>
+                <a:ea typeface="+mj-ea"/>
+                <a:cs typeface="+mj-cs"/>
+              </a:defRPr>
+            </a:lvl1pPr>
+          </a:lstStyle>
+          <a:p>
+            <a:r>
+              <a:rPr lang="hu-HU" dirty="0" err="1">
+                <a:latin typeface="Times New Roman" panose="02020603050405020304" pitchFamily="18" charset="0"/>
+                <a:cs typeface="Times New Roman" panose="02020603050405020304" pitchFamily="18" charset="0"/>
+              </a:rPr>
+              <a:t>Acrobat</a:t>
+            </a:r>
+            <a:endParaRPr lang="hu-HU" dirty="0">
+              <a:latin typeface="Times New Roman" panose="02020603050405020304" pitchFamily="18" charset="0"/>
+              <a:cs typeface="Times New Roman" panose="02020603050405020304" pitchFamily="18" charset="0"/>
+            </a:endParaRPr>
+          </a:p>
+        </p:txBody>
+      </p:sp>
+    </p:spTree>
+    <p:extLst>
+      <p:ext uri="{BB962C8B-B14F-4D97-AF65-F5344CB8AC3E}">
+        <p14:creationId xmlns:p14="http://schemas.microsoft.com/office/powerpoint/2010/main" val="676245274"/>
+      </p:ext>
+    </p:extLst>
+  </p:cSld>
+  <p:clrMapOvr>
+    <a:masterClrMapping/>
+  </p:clrMapOvr>
+  <p:transition spd="med">
+    <p:push/>
+  </p:transition>
+</p:sld>
+</file>
+
+<file path=ppt/slides/slide8.xml><?xml version="1.0" encoding="utf-8"?>
+<p:sld xmlns:a="http://schemas.openxmlformats.org/drawingml/2006/main" xmlns:r="http://schemas.openxmlformats.org/officeDocument/2006/relationships" xmlns:p="http://schemas.openxmlformats.org/presentationml/2006/main">
+  <p:cSld>
+    <p:bg>
+      <p:bgPr>
+        <a:solidFill>
+          <a:srgbClr val="FF61F6"/>
+        </a:solidFill>
+        <a:effectLst/>
+      </p:bgPr>
+    </p:bg>
+    <p:spTree>
+      <p:nvGrpSpPr>
+        <p:cNvPr id="1" name=""/>
+        <p:cNvGrpSpPr/>
+        <p:nvPr/>
+      </p:nvGrpSpPr>
+      <p:grpSpPr>
+        <a:xfrm>
+          <a:off x="0" y="0"/>
+          <a:ext cx="0" cy="0"/>
+          <a:chOff x="0" y="0"/>
+          <a:chExt cx="0" cy="0"/>
+        </a:xfrm>
+      </p:grpSpPr>
+      <p:sp>
+        <p:nvSpPr>
+          <p:cNvPr id="2" name="Téglalap 1"/>
           <p:cNvSpPr/>
           <p:nvPr/>
         </p:nvSpPr>
         <p:spPr>
-          <a:xfrm rot="10800000">
-            <a:off x="10845800" y="0"/>
-            <a:ext cx="1346200" cy="1346200"/>
-          </a:xfrm>
-          <a:prstGeom prst="rtTriangle">
+          <a:xfrm>
+            <a:off x="0" y="4241800"/>
+            <a:ext cx="12192000" cy="114300"/>
+          </a:xfrm>
+          <a:prstGeom prst="rect">
             <a:avLst/>
           </a:prstGeom>
           <a:solidFill>
-            <a:srgbClr val="31A8FF"/>
+            <a:schemeClr val="bg1"/>
           </a:solidFill>
           <a:ln>
             <a:noFill/>
@@ -5181,22 +5419,84 @@
           </a:p>
         </p:txBody>
       </p:sp>
-      <p:sp>
-        <p:nvSpPr>
-          <p:cNvPr id="9" name="Derékszögű háromszög 8"/>
+      <p:pic>
+        <p:nvPicPr>
+          <p:cNvPr id="5" name="Kép 4"/>
+          <p:cNvPicPr>
+            <a:picLocks noChangeAspect="1"/>
+          </p:cNvPicPr>
+          <p:nvPr/>
+        </p:nvPicPr>
+        <p:blipFill>
+          <a:blip r:embed="rId2" cstate="print">
+            <a:extLst>
+              <a:ext uri="{28A0092B-C50C-407E-A947-70E740481C1C}">
+                <a14:useLocalDpi xmlns:a14="http://schemas.microsoft.com/office/drawing/2010/main" val="0"/>
+              </a:ext>
+            </a:extLst>
+          </a:blip>
+          <a:stretch>
+            <a:fillRect/>
+          </a:stretch>
+        </p:blipFill>
+        <p:spPr>
+          <a:xfrm>
+            <a:off x="2749350" y="2908105"/>
+            <a:ext cx="2853675" cy="2781687"/>
+          </a:xfrm>
+          <a:prstGeom prst="rect">
+            <a:avLst/>
+          </a:prstGeom>
+        </p:spPr>
+      </p:pic>
+      <p:sp>
+        <p:nvSpPr>
+          <p:cNvPr id="6" name="Szövegdoboz 5"/>
+          <p:cNvSpPr txBox="1"/>
+          <p:nvPr/>
+        </p:nvSpPr>
+        <p:spPr>
+          <a:xfrm>
+            <a:off x="2882900" y="5689792"/>
+            <a:ext cx="2603500" cy="338554"/>
+          </a:xfrm>
+          <a:prstGeom prst="rect">
+            <a:avLst/>
+          </a:prstGeom>
+          <a:noFill/>
+        </p:spPr>
+        <p:txBody>
+          <a:bodyPr wrap="square" rtlCol="0">
+            <a:spAutoFit/>
+          </a:bodyPr>
+          <a:lstStyle/>
+          <a:p>
+            <a:r>
+              <a:rPr lang="hu-HU" sz="800" dirty="0">
+                <a:hlinkClick r:id="rId3"/>
+              </a:rPr>
+              <a:t>https://commons.wikimedia.org/wiki/File:Adobe_XD_CC_icon.svg</a:t>
+            </a:r>
+            <a:endParaRPr lang="hu-HU" sz="800" dirty="0"/>
+          </a:p>
+        </p:txBody>
+      </p:sp>
+      <p:sp>
+        <p:nvSpPr>
+          <p:cNvPr id="7" name="Derékszögű háromszög 6"/>
           <p:cNvSpPr/>
           <p:nvPr/>
         </p:nvSpPr>
         <p:spPr>
-          <a:xfrm rot="16200000">
-            <a:off x="10845800" y="5511800"/>
+          <a:xfrm rot="5400000">
+            <a:off x="0" y="0"/>
             <a:ext cx="1346200" cy="1346200"/>
           </a:xfrm>
           <a:prstGeom prst="rtTriangle">
             <a:avLst/>
           </a:prstGeom>
           <a:solidFill>
-            <a:srgbClr val="31A8FF"/>
+            <a:srgbClr val="FF61F6"/>
           </a:solidFill>
           <a:ln>
             <a:noFill/>
@@ -5229,244 +5529,20 @@
       </p:sp>
       <p:sp>
         <p:nvSpPr>
-          <p:cNvPr id="11" name="Szövegdoboz 10"/>
-          <p:cNvSpPr txBox="1"/>
-          <p:nvPr/>
-        </p:nvSpPr>
-        <p:spPr>
-          <a:xfrm>
-            <a:off x="6730999" y="4449970"/>
-            <a:ext cx="5372101" cy="1384995"/>
-          </a:xfrm>
-          <a:prstGeom prst="rect">
-            <a:avLst/>
-          </a:prstGeom>
-          <a:noFill/>
-        </p:spPr>
-        <p:txBody>
-          <a:bodyPr wrap="square" rtlCol="0">
-            <a:spAutoFit/>
-          </a:bodyPr>
-          <a:lstStyle/>
-          <a:p>
-            <a:r>
-              <a:rPr lang="hu-HU" sz="2800" dirty="0" smtClean="0">
-                <a:latin typeface="Times New Roman" panose="02020603050405020304" pitchFamily="18" charset="0"/>
-                <a:cs typeface="Times New Roman" panose="02020603050405020304" pitchFamily="18" charset="0"/>
-              </a:rPr>
-              <a:t>-Miben különbözik a Photoshoptól?</a:t>
-            </a:r>
-            <a:r>
-              <a:rPr lang="hu-HU" sz="2800" dirty="0" smtClean="0">
-                <a:latin typeface="Times New Roman" panose="02020603050405020304" pitchFamily="18" charset="0"/>
-                <a:cs typeface="Times New Roman" panose="02020603050405020304" pitchFamily="18" charset="0"/>
-              </a:rPr>
-              <a:t/>
-            </a:r>
-            <a:br>
-              <a:rPr lang="hu-HU" sz="2800" dirty="0" smtClean="0">
-                <a:latin typeface="Times New Roman" panose="02020603050405020304" pitchFamily="18" charset="0"/>
-                <a:cs typeface="Times New Roman" panose="02020603050405020304" pitchFamily="18" charset="0"/>
-              </a:rPr>
-            </a:br>
-            <a:r>
-              <a:rPr lang="hu-HU" sz="2800" dirty="0" smtClean="0">
-                <a:latin typeface="Times New Roman" panose="02020603050405020304" pitchFamily="18" charset="0"/>
-                <a:cs typeface="Times New Roman" panose="02020603050405020304" pitchFamily="18" charset="0"/>
-              </a:rPr>
-              <a:t>-Mire jó?</a:t>
-            </a:r>
-            <a:endParaRPr lang="hu-HU" sz="2800" dirty="0" smtClean="0">
-              <a:latin typeface="Times New Roman" panose="02020603050405020304" pitchFamily="18" charset="0"/>
-              <a:cs typeface="Times New Roman" panose="02020603050405020304" pitchFamily="18" charset="0"/>
-            </a:endParaRPr>
-          </a:p>
-          <a:p>
-            <a:r>
-              <a:rPr lang="hu-HU" sz="2800" dirty="0" smtClean="0">
-                <a:latin typeface="Times New Roman" panose="02020603050405020304" pitchFamily="18" charset="0"/>
-                <a:cs typeface="Times New Roman" panose="02020603050405020304" pitchFamily="18" charset="0"/>
-              </a:rPr>
-              <a:t>-Verziók</a:t>
-            </a:r>
-            <a:endParaRPr lang="hu-HU" sz="2800" dirty="0">
-              <a:latin typeface="Times New Roman" panose="02020603050405020304" pitchFamily="18" charset="0"/>
-              <a:cs typeface="Times New Roman" panose="02020603050405020304" pitchFamily="18" charset="0"/>
-            </a:endParaRPr>
-          </a:p>
-        </p:txBody>
-      </p:sp>
-      <p:sp>
-        <p:nvSpPr>
-          <p:cNvPr id="3" name="Szövegdoboz 2"/>
-          <p:cNvSpPr txBox="1"/>
-          <p:nvPr/>
-        </p:nvSpPr>
-        <p:spPr>
-          <a:xfrm>
-            <a:off x="6503217" y="1458049"/>
-            <a:ext cx="5321300" cy="215444"/>
-          </a:xfrm>
-          <a:prstGeom prst="rect">
-            <a:avLst/>
-          </a:prstGeom>
-          <a:noFill/>
-        </p:spPr>
-        <p:txBody>
-          <a:bodyPr wrap="square" rtlCol="0">
-            <a:spAutoFit/>
-          </a:bodyPr>
-          <a:lstStyle/>
-          <a:p>
-            <a:r>
-              <a:rPr lang="hu-HU" sz="800" dirty="0">
-                <a:hlinkClick r:id="rId4"/>
-              </a:rPr>
-              <a:t>https://helpx.adobe.com/hu/lightroom-classic/help/applying-adjustments-develop-module-basic.html</a:t>
-            </a:r>
-            <a:endParaRPr lang="hu-HU" sz="800" dirty="0"/>
-          </a:p>
-        </p:txBody>
-      </p:sp>
-      <p:pic>
-        <p:nvPicPr>
-          <p:cNvPr id="12" name="Kép 11"/>
-          <p:cNvPicPr>
-            <a:picLocks noChangeAspect="1"/>
-          </p:cNvPicPr>
-          <p:nvPr/>
-        </p:nvPicPr>
-        <p:blipFill>
-          <a:blip r:embed="rId5" cstate="print">
-            <a:extLst>
-              <a:ext uri="{28A0092B-C50C-407E-A947-70E740481C1C}">
-                <a14:useLocalDpi xmlns:a14="http://schemas.microsoft.com/office/drawing/2010/main" val="0"/>
-              </a:ext>
-            </a:extLst>
-          </a:blip>
-          <a:stretch>
-            <a:fillRect/>
-          </a:stretch>
-        </p:blipFill>
-        <p:spPr>
-          <a:xfrm>
-            <a:off x="6325378" y="1612706"/>
-            <a:ext cx="5138737" cy="2476500"/>
-          </a:xfrm>
-          <a:prstGeom prst="rect">
-            <a:avLst/>
-          </a:prstGeom>
-        </p:spPr>
-      </p:pic>
-      <p:sp>
-        <p:nvSpPr>
-          <p:cNvPr id="13" name="Cím 1"/>
-          <p:cNvSpPr txBox="1">
-            <a:spLocks/>
-          </p:cNvSpPr>
-          <p:nvPr/>
-        </p:nvSpPr>
-        <p:spPr>
-          <a:xfrm>
-            <a:off x="1" y="3720872"/>
-            <a:ext cx="2933700" cy="940028"/>
-          </a:xfrm>
-          <a:prstGeom prst="rect">
-            <a:avLst/>
-          </a:prstGeom>
-        </p:spPr>
-        <p:txBody>
-          <a:bodyPr/>
-          <a:lstStyle>
-            <a:lvl1pPr algn="l" defTabSz="914400" rtl="0" eaLnBrk="1" latinLnBrk="0" hangingPunct="1">
-              <a:lnSpc>
-                <a:spcPct val="90000"/>
-              </a:lnSpc>
-              <a:spcBef>
-                <a:spcPct val="0"/>
-              </a:spcBef>
-              <a:buNone/>
-              <a:defRPr sz="4400" kern="1200">
-                <a:solidFill>
-                  <a:schemeClr val="tx1"/>
-                </a:solidFill>
-                <a:latin typeface="+mj-lt"/>
-                <a:ea typeface="+mj-ea"/>
-                <a:cs typeface="+mj-cs"/>
-              </a:defRPr>
-            </a:lvl1pPr>
-          </a:lstStyle>
-          <a:p>
-            <a:r>
-              <a:rPr lang="hu-HU" dirty="0" err="1" smtClean="0">
-                <a:latin typeface="Times New Roman" panose="02020603050405020304" pitchFamily="18" charset="0"/>
-                <a:cs typeface="Times New Roman" panose="02020603050405020304" pitchFamily="18" charset="0"/>
-              </a:rPr>
-              <a:t>Lightroom</a:t>
-            </a:r>
-            <a:endParaRPr lang="hu-HU" dirty="0">
-              <a:latin typeface="Times New Roman" panose="02020603050405020304" pitchFamily="18" charset="0"/>
-              <a:cs typeface="Times New Roman" panose="02020603050405020304" pitchFamily="18" charset="0"/>
-            </a:endParaRPr>
-          </a:p>
-        </p:txBody>
-      </p:sp>
-    </p:spTree>
-    <p:extLst>
-      <p:ext uri="{BB962C8B-B14F-4D97-AF65-F5344CB8AC3E}">
-        <p14:creationId xmlns:p14="http://schemas.microsoft.com/office/powerpoint/2010/main" val="238994123"/>
-      </p:ext>
-    </p:extLst>
-  </p:cSld>
-  <p:clrMapOvr>
-    <a:masterClrMapping/>
-  </p:clrMapOvr>
-  <p:transition spd="med">
-    <p:push/>
-  </p:transition>
-  <p:timing>
-    <p:tnLst>
-      <p:par>
-        <p:cTn id="1" dur="indefinite" restart="never" nodeType="tmRoot"/>
-      </p:par>
-    </p:tnLst>
-  </p:timing>
-</p:sld>
-</file>
-
-<file path=ppt/slides/slide6.xml><?xml version="1.0" encoding="utf-8"?>
-<p:sld xmlns:a="http://schemas.openxmlformats.org/drawingml/2006/main" xmlns:r="http://schemas.openxmlformats.org/officeDocument/2006/relationships" xmlns:p="http://schemas.openxmlformats.org/presentationml/2006/main">
-  <p:cSld>
-    <p:spTree>
-      <p:nvGrpSpPr>
-        <p:cNvPr id="1" name=""/>
-        <p:cNvGrpSpPr/>
-        <p:nvPr/>
-      </p:nvGrpSpPr>
-      <p:grpSpPr>
-        <a:xfrm>
-          <a:off x="0" y="0"/>
-          <a:ext cx="0" cy="0"/>
-          <a:chOff x="0" y="0"/>
-          <a:chExt cx="0" cy="0"/>
-        </a:xfrm>
-      </p:grpSpPr>
-      <p:sp>
-        <p:nvSpPr>
-          <p:cNvPr id="2" name="Téglalap 1"/>
+          <p:cNvPr id="8" name="Derékszögű háromszög 7"/>
           <p:cNvSpPr/>
           <p:nvPr/>
         </p:nvSpPr>
         <p:spPr>
           <a:xfrm>
-            <a:off x="0" y="4241800"/>
-            <a:ext cx="12192000" cy="114300"/>
-          </a:xfrm>
-          <a:prstGeom prst="rect">
+            <a:off x="0" y="5511800"/>
+            <a:ext cx="1346200" cy="1346200"/>
+          </a:xfrm>
+          <a:prstGeom prst="rtTriangle">
             <a:avLst/>
           </a:prstGeom>
           <a:solidFill>
-            <a:srgbClr val="FF9A00"/>
+            <a:srgbClr val="FF61F6"/>
           </a:solidFill>
           <a:ln>
             <a:noFill/>
@@ -5497,84 +5573,22 @@
           </a:p>
         </p:txBody>
       </p:sp>
-      <p:pic>
-        <p:nvPicPr>
-          <p:cNvPr id="3" name="Kép 2"/>
-          <p:cNvPicPr>
-            <a:picLocks noChangeAspect="1"/>
-          </p:cNvPicPr>
-          <p:nvPr/>
-        </p:nvPicPr>
-        <p:blipFill>
-          <a:blip r:embed="rId2">
-            <a:extLst>
-              <a:ext uri="{28A0092B-C50C-407E-A947-70E740481C1C}">
-                <a14:useLocalDpi xmlns:a14="http://schemas.microsoft.com/office/drawing/2010/main" val="0"/>
-              </a:ext>
-            </a:extLst>
-          </a:blip>
-          <a:stretch>
-            <a:fillRect/>
-          </a:stretch>
-        </p:blipFill>
-        <p:spPr>
-          <a:xfrm>
-            <a:off x="2749350" y="2850956"/>
-            <a:ext cx="2857899" cy="2781688"/>
-          </a:xfrm>
-          <a:prstGeom prst="rect">
-            <a:avLst/>
-          </a:prstGeom>
-        </p:spPr>
-      </p:pic>
-      <p:sp>
-        <p:nvSpPr>
-          <p:cNvPr id="6" name="Szövegdoboz 5"/>
-          <p:cNvSpPr txBox="1"/>
-          <p:nvPr/>
-        </p:nvSpPr>
-        <p:spPr>
-          <a:xfrm>
-            <a:off x="2882900" y="5639222"/>
-            <a:ext cx="2832100" cy="215444"/>
-          </a:xfrm>
-          <a:prstGeom prst="rect">
-            <a:avLst/>
-          </a:prstGeom>
-          <a:noFill/>
-        </p:spPr>
-        <p:txBody>
-          <a:bodyPr wrap="square" rtlCol="0">
-            <a:spAutoFit/>
-          </a:bodyPr>
-          <a:lstStyle/>
-          <a:p>
-            <a:r>
-              <a:rPr lang="hu-HU" sz="800" dirty="0" smtClean="0">
-                <a:hlinkClick r:id="rId3"/>
-              </a:rPr>
-              <a:t>https://seeklogo.com/vector-logo/380559/adobe-illustrator</a:t>
-            </a:r>
-            <a:endParaRPr lang="hu-HU" sz="800" dirty="0"/>
-          </a:p>
-        </p:txBody>
-      </p:sp>
-      <p:sp>
-        <p:nvSpPr>
-          <p:cNvPr id="5" name="Derékszögű háromszög 4"/>
+      <p:sp>
+        <p:nvSpPr>
+          <p:cNvPr id="9" name="Derékszögű háromszög 8"/>
           <p:cNvSpPr/>
           <p:nvPr/>
         </p:nvSpPr>
         <p:spPr>
-          <a:xfrm rot="5400000">
-            <a:off x="0" y="0"/>
+          <a:xfrm rot="10800000">
+            <a:off x="10845800" y="0"/>
             <a:ext cx="1346200" cy="1346200"/>
           </a:xfrm>
           <a:prstGeom prst="rtTriangle">
             <a:avLst/>
           </a:prstGeom>
           <a:solidFill>
-            <a:srgbClr val="FF9A00"/>
+            <a:srgbClr val="FF61F6"/>
           </a:solidFill>
           <a:ln>
             <a:noFill/>
@@ -5607,20 +5621,20 @@
       </p:sp>
       <p:sp>
         <p:nvSpPr>
-          <p:cNvPr id="7" name="Derékszögű háromszög 6"/>
+          <p:cNvPr id="10" name="Derékszögű háromszög 9"/>
           <p:cNvSpPr/>
           <p:nvPr/>
         </p:nvSpPr>
         <p:spPr>
-          <a:xfrm>
-            <a:off x="0" y="5511800"/>
+          <a:xfrm rot="16200000">
+            <a:off x="10845800" y="5511800"/>
             <a:ext cx="1346200" cy="1346200"/>
           </a:xfrm>
           <a:prstGeom prst="rtTriangle">
             <a:avLst/>
           </a:prstGeom>
           <a:solidFill>
-            <a:srgbClr val="FF9A00"/>
+            <a:srgbClr val="FF61F6"/>
           </a:solidFill>
           <a:ln>
             <a:noFill/>
@@ -5651,686 +5665,9 @@
           </a:p>
         </p:txBody>
       </p:sp>
-      <p:sp>
-        <p:nvSpPr>
-          <p:cNvPr id="8" name="Derékszögű háromszög 7"/>
-          <p:cNvSpPr/>
-          <p:nvPr/>
-        </p:nvSpPr>
-        <p:spPr>
-          <a:xfrm rot="10800000">
-            <a:off x="10845800" y="0"/>
-            <a:ext cx="1346200" cy="1346200"/>
-          </a:xfrm>
-          <a:prstGeom prst="rtTriangle">
-            <a:avLst/>
-          </a:prstGeom>
-          <a:solidFill>
-            <a:srgbClr val="FF9A00"/>
-          </a:solidFill>
-          <a:ln>
-            <a:noFill/>
-          </a:ln>
-        </p:spPr>
-        <p:style>
-          <a:lnRef idx="2">
-            <a:schemeClr val="accent1">
-              <a:shade val="50000"/>
-            </a:schemeClr>
-          </a:lnRef>
-          <a:fillRef idx="1">
-            <a:schemeClr val="accent1"/>
-          </a:fillRef>
-          <a:effectRef idx="0">
-            <a:schemeClr val="accent1"/>
-          </a:effectRef>
-          <a:fontRef idx="minor">
-            <a:schemeClr val="lt1"/>
-          </a:fontRef>
-        </p:style>
-        <p:txBody>
-          <a:bodyPr rtlCol="0" anchor="ctr"/>
-          <a:lstStyle/>
-          <a:p>
-            <a:pPr algn="ctr"/>
-            <a:endParaRPr lang="hu-HU"/>
-          </a:p>
-        </p:txBody>
-      </p:sp>
-      <p:sp>
-        <p:nvSpPr>
-          <p:cNvPr id="9" name="Derékszögű háromszög 8"/>
-          <p:cNvSpPr/>
-          <p:nvPr/>
-        </p:nvSpPr>
-        <p:spPr>
-          <a:xfrm rot="16200000">
-            <a:off x="10845800" y="5511800"/>
-            <a:ext cx="1346200" cy="1346200"/>
-          </a:xfrm>
-          <a:prstGeom prst="rtTriangle">
-            <a:avLst/>
-          </a:prstGeom>
-          <a:solidFill>
-            <a:srgbClr val="FF9A00"/>
-          </a:solidFill>
-          <a:ln>
-            <a:noFill/>
-          </a:ln>
-        </p:spPr>
-        <p:style>
-          <a:lnRef idx="2">
-            <a:schemeClr val="accent1">
-              <a:shade val="50000"/>
-            </a:schemeClr>
-          </a:lnRef>
-          <a:fillRef idx="1">
-            <a:schemeClr val="accent1"/>
-          </a:fillRef>
-          <a:effectRef idx="0">
-            <a:schemeClr val="accent1"/>
-          </a:effectRef>
-          <a:fontRef idx="minor">
-            <a:schemeClr val="lt1"/>
-          </a:fontRef>
-        </p:style>
-        <p:txBody>
-          <a:bodyPr rtlCol="0" anchor="ctr"/>
-          <a:lstStyle/>
-          <a:p>
-            <a:pPr algn="ctr"/>
-            <a:endParaRPr lang="hu-HU"/>
-          </a:p>
-        </p:txBody>
-      </p:sp>
-      <p:sp>
-        <p:nvSpPr>
-          <p:cNvPr id="11" name="Szövegdoboz 10"/>
-          <p:cNvSpPr txBox="1"/>
-          <p:nvPr/>
-        </p:nvSpPr>
-        <p:spPr>
-          <a:xfrm>
-            <a:off x="6730999" y="4449970"/>
-            <a:ext cx="5461001" cy="1384995"/>
-          </a:xfrm>
-          <a:prstGeom prst="rect">
-            <a:avLst/>
-          </a:prstGeom>
-          <a:noFill/>
-        </p:spPr>
-        <p:txBody>
-          <a:bodyPr wrap="square" rtlCol="0">
-            <a:spAutoFit/>
-          </a:bodyPr>
-          <a:lstStyle/>
-          <a:p>
-            <a:r>
-              <a:rPr lang="hu-HU" sz="2800" dirty="0" smtClean="0">
-                <a:latin typeface="Times New Roman" panose="02020603050405020304" pitchFamily="18" charset="0"/>
-                <a:cs typeface="Times New Roman" panose="02020603050405020304" pitchFamily="18" charset="0"/>
-              </a:rPr>
-              <a:t>-Mire használjuk?</a:t>
-            </a:r>
-            <a:r>
-              <a:rPr lang="hu-HU" sz="2800" dirty="0" smtClean="0">
-                <a:latin typeface="Times New Roman" panose="02020603050405020304" pitchFamily="18" charset="0"/>
-                <a:cs typeface="Times New Roman" panose="02020603050405020304" pitchFamily="18" charset="0"/>
-              </a:rPr>
-              <a:t/>
-            </a:r>
-            <a:br>
-              <a:rPr lang="hu-HU" sz="2800" dirty="0" smtClean="0">
-                <a:latin typeface="Times New Roman" panose="02020603050405020304" pitchFamily="18" charset="0"/>
-                <a:cs typeface="Times New Roman" panose="02020603050405020304" pitchFamily="18" charset="0"/>
-              </a:rPr>
-            </a:br>
-            <a:r>
-              <a:rPr lang="hu-HU" sz="2800" dirty="0" smtClean="0">
-                <a:latin typeface="Times New Roman" panose="02020603050405020304" pitchFamily="18" charset="0"/>
-                <a:cs typeface="Times New Roman" panose="02020603050405020304" pitchFamily="18" charset="0"/>
-              </a:rPr>
-              <a:t>-Verziók</a:t>
-            </a:r>
-          </a:p>
-          <a:p>
-            <a:r>
-              <a:rPr lang="hu-HU" sz="2800" dirty="0" smtClean="0">
-                <a:latin typeface="Times New Roman" panose="02020603050405020304" pitchFamily="18" charset="0"/>
-                <a:cs typeface="Times New Roman" panose="02020603050405020304" pitchFamily="18" charset="0"/>
-              </a:rPr>
-              <a:t>-Miben </a:t>
-            </a:r>
-            <a:r>
-              <a:rPr lang="hu-HU" sz="2800" dirty="0">
-                <a:latin typeface="Times New Roman" panose="02020603050405020304" pitchFamily="18" charset="0"/>
-                <a:cs typeface="Times New Roman" panose="02020603050405020304" pitchFamily="18" charset="0"/>
-              </a:rPr>
-              <a:t>különbözik a Photoshoptól?</a:t>
-            </a:r>
-            <a:endParaRPr lang="hu-HU" sz="2800" dirty="0">
-              <a:latin typeface="Times New Roman" panose="02020603050405020304" pitchFamily="18" charset="0"/>
-              <a:cs typeface="Times New Roman" panose="02020603050405020304" pitchFamily="18" charset="0"/>
-            </a:endParaRPr>
-          </a:p>
-        </p:txBody>
-      </p:sp>
-      <p:sp>
-        <p:nvSpPr>
-          <p:cNvPr id="4" name="Szövegdoboz 3"/>
-          <p:cNvSpPr txBox="1"/>
-          <p:nvPr/>
-        </p:nvSpPr>
-        <p:spPr>
-          <a:xfrm>
-            <a:off x="6299200" y="1315481"/>
-            <a:ext cx="3022600" cy="215444"/>
-          </a:xfrm>
-          <a:prstGeom prst="rect">
-            <a:avLst/>
-          </a:prstGeom>
-          <a:noFill/>
-        </p:spPr>
-        <p:txBody>
-          <a:bodyPr wrap="square" rtlCol="0">
-            <a:spAutoFit/>
-          </a:bodyPr>
-          <a:lstStyle/>
-          <a:p>
-            <a:r>
-              <a:rPr lang="hu-HU" sz="800" dirty="0">
-                <a:hlinkClick r:id="rId4"/>
-              </a:rPr>
-              <a:t>https://www.arageek.com/tech/illustrator-alternatives</a:t>
-            </a:r>
-            <a:endParaRPr lang="hu-HU" sz="800" dirty="0"/>
-          </a:p>
-        </p:txBody>
-      </p:sp>
       <p:pic>
         <p:nvPicPr>
-          <p:cNvPr id="12" name="Kép 11"/>
-          <p:cNvPicPr>
-            <a:picLocks noChangeAspect="1"/>
-          </p:cNvPicPr>
-          <p:nvPr/>
-        </p:nvPicPr>
-        <p:blipFill rotWithShape="1">
-          <a:blip r:embed="rId5" cstate="print">
-            <a:extLst>
-              <a:ext uri="{28A0092B-C50C-407E-A947-70E740481C1C}">
-                <a14:useLocalDpi xmlns:a14="http://schemas.microsoft.com/office/drawing/2010/main" val="0"/>
-              </a:ext>
-            </a:extLst>
-          </a:blip>
-          <a:srcRect l="14125" t="12494" r="2260" b="5247"/>
-          <a:stretch/>
-        </p:blipFill>
-        <p:spPr>
-          <a:xfrm>
-            <a:off x="6299200" y="1500206"/>
-            <a:ext cx="4995452" cy="2457222"/>
-          </a:xfrm>
-          <a:prstGeom prst="rect">
-            <a:avLst/>
-          </a:prstGeom>
-        </p:spPr>
-      </p:pic>
-      <p:sp>
-        <p:nvSpPr>
-          <p:cNvPr id="13" name="Cím 1"/>
-          <p:cNvSpPr txBox="1">
-            <a:spLocks/>
-          </p:cNvSpPr>
-          <p:nvPr/>
-        </p:nvSpPr>
-        <p:spPr>
-          <a:xfrm>
-            <a:off x="292101" y="3720872"/>
-            <a:ext cx="2641600" cy="940028"/>
-          </a:xfrm>
-          <a:prstGeom prst="rect">
-            <a:avLst/>
-          </a:prstGeom>
-        </p:spPr>
-        <p:txBody>
-          <a:bodyPr/>
-          <a:lstStyle>
-            <a:lvl1pPr algn="l" defTabSz="914400" rtl="0" eaLnBrk="1" latinLnBrk="0" hangingPunct="1">
-              <a:lnSpc>
-                <a:spcPct val="90000"/>
-              </a:lnSpc>
-              <a:spcBef>
-                <a:spcPct val="0"/>
-              </a:spcBef>
-              <a:buNone/>
-              <a:defRPr sz="4400" kern="1200">
-                <a:solidFill>
-                  <a:schemeClr val="tx1"/>
-                </a:solidFill>
-                <a:latin typeface="+mj-lt"/>
-                <a:ea typeface="+mj-ea"/>
-                <a:cs typeface="+mj-cs"/>
-              </a:defRPr>
-            </a:lvl1pPr>
-          </a:lstStyle>
-          <a:p>
-            <a:r>
-              <a:rPr lang="hu-HU" sz="4000" dirty="0" err="1" smtClean="0">
-                <a:latin typeface="Times New Roman" panose="02020603050405020304" pitchFamily="18" charset="0"/>
-                <a:cs typeface="Times New Roman" panose="02020603050405020304" pitchFamily="18" charset="0"/>
-              </a:rPr>
-              <a:t>Illustrator</a:t>
-            </a:r>
-            <a:endParaRPr lang="hu-HU" sz="4000" dirty="0">
-              <a:latin typeface="Times New Roman" panose="02020603050405020304" pitchFamily="18" charset="0"/>
-              <a:cs typeface="Times New Roman" panose="02020603050405020304" pitchFamily="18" charset="0"/>
-            </a:endParaRPr>
-          </a:p>
-        </p:txBody>
-      </p:sp>
-    </p:spTree>
-    <p:extLst>
-      <p:ext uri="{BB962C8B-B14F-4D97-AF65-F5344CB8AC3E}">
-        <p14:creationId xmlns:p14="http://schemas.microsoft.com/office/powerpoint/2010/main" val="735547391"/>
-      </p:ext>
-    </p:extLst>
-  </p:cSld>
-  <p:clrMapOvr>
-    <a:masterClrMapping/>
-  </p:clrMapOvr>
-  <p:transition spd="med">
-    <p:push/>
-  </p:transition>
-  <p:timing>
-    <p:tnLst>
-      <p:par>
-        <p:cTn id="1" dur="indefinite" restart="never" nodeType="tmRoot"/>
-      </p:par>
-    </p:tnLst>
-  </p:timing>
-</p:sld>
-</file>
-
-<file path=ppt/slides/slide7.xml><?xml version="1.0" encoding="utf-8"?>
-<p:sld xmlns:a="http://schemas.openxmlformats.org/drawingml/2006/main" xmlns:r="http://schemas.openxmlformats.org/officeDocument/2006/relationships" xmlns:p="http://schemas.openxmlformats.org/presentationml/2006/main">
-  <p:cSld>
-    <p:spTree>
-      <p:nvGrpSpPr>
-        <p:cNvPr id="1" name=""/>
-        <p:cNvGrpSpPr/>
-        <p:nvPr/>
-      </p:nvGrpSpPr>
-      <p:grpSpPr>
-        <a:xfrm>
-          <a:off x="0" y="0"/>
-          <a:ext cx="0" cy="0"/>
-          <a:chOff x="0" y="0"/>
-          <a:chExt cx="0" cy="0"/>
-        </a:xfrm>
-      </p:grpSpPr>
-      <p:sp>
-        <p:nvSpPr>
-          <p:cNvPr id="2" name="Téglalap 1"/>
-          <p:cNvSpPr/>
-          <p:nvPr/>
-        </p:nvSpPr>
-        <p:spPr>
-          <a:xfrm>
-            <a:off x="0" y="4241800"/>
-            <a:ext cx="12192000" cy="114300"/>
-          </a:xfrm>
-          <a:prstGeom prst="rect">
-            <a:avLst/>
-          </a:prstGeom>
-          <a:solidFill>
-            <a:srgbClr val="FF0000"/>
-          </a:solidFill>
-          <a:ln>
-            <a:noFill/>
-          </a:ln>
-        </p:spPr>
-        <p:style>
-          <a:lnRef idx="2">
-            <a:schemeClr val="accent1">
-              <a:shade val="50000"/>
-            </a:schemeClr>
-          </a:lnRef>
-          <a:fillRef idx="1">
-            <a:schemeClr val="accent1"/>
-          </a:fillRef>
-          <a:effectRef idx="0">
-            <a:schemeClr val="accent1"/>
-          </a:effectRef>
-          <a:fontRef idx="minor">
-            <a:schemeClr val="lt1"/>
-          </a:fontRef>
-        </p:style>
-        <p:txBody>
-          <a:bodyPr rtlCol="0" anchor="ctr"/>
-          <a:lstStyle/>
-          <a:p>
-            <a:pPr algn="ctr"/>
-            <a:endParaRPr lang="hu-HU"/>
-          </a:p>
-        </p:txBody>
-      </p:sp>
-      <p:pic>
-        <p:nvPicPr>
-          <p:cNvPr id="7" name="Kép 6">
-            <a:hlinkClick r:id="rId2"/>
-          </p:cNvPr>
-          <p:cNvPicPr>
-            <a:picLocks noChangeAspect="1"/>
-          </p:cNvPicPr>
-          <p:nvPr/>
-        </p:nvPicPr>
-        <p:blipFill>
-          <a:blip r:embed="rId3">
-            <a:extLst>
-              <a:ext uri="{28A0092B-C50C-407E-A947-70E740481C1C}">
-                <a14:useLocalDpi xmlns:a14="http://schemas.microsoft.com/office/drawing/2010/main" val="0"/>
-              </a:ext>
-            </a:extLst>
-          </a:blip>
-          <a:stretch>
-            <a:fillRect/>
-          </a:stretch>
-        </p:blipFill>
-        <p:spPr>
-          <a:xfrm>
-            <a:off x="2411769" y="2457650"/>
-            <a:ext cx="3568294" cy="3568294"/>
-          </a:xfrm>
-          <a:prstGeom prst="rect">
-            <a:avLst/>
-          </a:prstGeom>
-        </p:spPr>
-      </p:pic>
-      <p:sp>
-        <p:nvSpPr>
-          <p:cNvPr id="9" name="Szövegdoboz 8"/>
-          <p:cNvSpPr txBox="1"/>
-          <p:nvPr/>
-        </p:nvSpPr>
-        <p:spPr>
-          <a:xfrm>
-            <a:off x="2849716" y="5549900"/>
-            <a:ext cx="2692400" cy="338554"/>
-          </a:xfrm>
-          <a:prstGeom prst="rect">
-            <a:avLst/>
-          </a:prstGeom>
-          <a:noFill/>
-        </p:spPr>
-        <p:txBody>
-          <a:bodyPr wrap="square" rtlCol="0">
-            <a:spAutoFit/>
-          </a:bodyPr>
-          <a:lstStyle/>
-          <a:p>
-            <a:r>
-              <a:rPr lang="hu-HU" sz="800" dirty="0" smtClean="0">
-                <a:hlinkClick r:id="rId2"/>
-              </a:rPr>
-              <a:t>www.likento.com/similarities/5de4be60f03b1600170b103d/details</a:t>
-            </a:r>
-            <a:endParaRPr lang="hu-HU" sz="800" dirty="0"/>
-          </a:p>
-        </p:txBody>
-      </p:sp>
-      <p:sp>
-        <p:nvSpPr>
-          <p:cNvPr id="6" name="Derékszögű háromszög 5"/>
-          <p:cNvSpPr/>
-          <p:nvPr/>
-        </p:nvSpPr>
-        <p:spPr>
-          <a:xfrm rot="5400000">
-            <a:off x="0" y="0"/>
-            <a:ext cx="1346200" cy="1346200"/>
-          </a:xfrm>
-          <a:prstGeom prst="rtTriangle">
-            <a:avLst/>
-          </a:prstGeom>
-          <a:solidFill>
-            <a:srgbClr val="E6110B"/>
-          </a:solidFill>
-          <a:ln>
-            <a:noFill/>
-          </a:ln>
-        </p:spPr>
-        <p:style>
-          <a:lnRef idx="2">
-            <a:schemeClr val="accent1">
-              <a:shade val="50000"/>
-            </a:schemeClr>
-          </a:lnRef>
-          <a:fillRef idx="1">
-            <a:schemeClr val="accent1"/>
-          </a:fillRef>
-          <a:effectRef idx="0">
-            <a:schemeClr val="accent1"/>
-          </a:effectRef>
-          <a:fontRef idx="minor">
-            <a:schemeClr val="lt1"/>
-          </a:fontRef>
-        </p:style>
-        <p:txBody>
-          <a:bodyPr rtlCol="0" anchor="ctr"/>
-          <a:lstStyle/>
-          <a:p>
-            <a:pPr algn="ctr"/>
-            <a:endParaRPr lang="hu-HU"/>
-          </a:p>
-        </p:txBody>
-      </p:sp>
-      <p:sp>
-        <p:nvSpPr>
-          <p:cNvPr id="8" name="Derékszögű háromszög 7"/>
-          <p:cNvSpPr/>
-          <p:nvPr/>
-        </p:nvSpPr>
-        <p:spPr>
-          <a:xfrm>
-            <a:off x="0" y="5511800"/>
-            <a:ext cx="1346200" cy="1346200"/>
-          </a:xfrm>
-          <a:prstGeom prst="rtTriangle">
-            <a:avLst/>
-          </a:prstGeom>
-          <a:solidFill>
-            <a:srgbClr val="E6110B"/>
-          </a:solidFill>
-          <a:ln>
-            <a:noFill/>
-          </a:ln>
-        </p:spPr>
-        <p:style>
-          <a:lnRef idx="2">
-            <a:schemeClr val="accent1">
-              <a:shade val="50000"/>
-            </a:schemeClr>
-          </a:lnRef>
-          <a:fillRef idx="1">
-            <a:schemeClr val="accent1"/>
-          </a:fillRef>
-          <a:effectRef idx="0">
-            <a:schemeClr val="accent1"/>
-          </a:effectRef>
-          <a:fontRef idx="minor">
-            <a:schemeClr val="lt1"/>
-          </a:fontRef>
-        </p:style>
-        <p:txBody>
-          <a:bodyPr rtlCol="0" anchor="ctr"/>
-          <a:lstStyle/>
-          <a:p>
-            <a:pPr algn="ctr"/>
-            <a:endParaRPr lang="hu-HU"/>
-          </a:p>
-        </p:txBody>
-      </p:sp>
-      <p:sp>
-        <p:nvSpPr>
-          <p:cNvPr id="10" name="Derékszögű háromszög 9"/>
-          <p:cNvSpPr/>
-          <p:nvPr/>
-        </p:nvSpPr>
-        <p:spPr>
-          <a:xfrm rot="10800000">
-            <a:off x="10845800" y="0"/>
-            <a:ext cx="1346200" cy="1346200"/>
-          </a:xfrm>
-          <a:prstGeom prst="rtTriangle">
-            <a:avLst/>
-          </a:prstGeom>
-          <a:solidFill>
-            <a:srgbClr val="E6110B"/>
-          </a:solidFill>
-          <a:ln>
-            <a:noFill/>
-          </a:ln>
-        </p:spPr>
-        <p:style>
-          <a:lnRef idx="2">
-            <a:schemeClr val="accent1">
-              <a:shade val="50000"/>
-            </a:schemeClr>
-          </a:lnRef>
-          <a:fillRef idx="1">
-            <a:schemeClr val="accent1"/>
-          </a:fillRef>
-          <a:effectRef idx="0">
-            <a:schemeClr val="accent1"/>
-          </a:effectRef>
-          <a:fontRef idx="minor">
-            <a:schemeClr val="lt1"/>
-          </a:fontRef>
-        </p:style>
-        <p:txBody>
-          <a:bodyPr rtlCol="0" anchor="ctr"/>
-          <a:lstStyle/>
-          <a:p>
-            <a:pPr algn="ctr"/>
-            <a:endParaRPr lang="hu-HU"/>
-          </a:p>
-        </p:txBody>
-      </p:sp>
-      <p:sp>
-        <p:nvSpPr>
-          <p:cNvPr id="11" name="Derékszögű háromszög 10"/>
-          <p:cNvSpPr/>
-          <p:nvPr/>
-        </p:nvSpPr>
-        <p:spPr>
-          <a:xfrm rot="16200000">
-            <a:off x="10845800" y="5511800"/>
-            <a:ext cx="1346200" cy="1346200"/>
-          </a:xfrm>
-          <a:prstGeom prst="rtTriangle">
-            <a:avLst/>
-          </a:prstGeom>
-          <a:solidFill>
-            <a:srgbClr val="E6110B"/>
-          </a:solidFill>
-          <a:ln>
-            <a:noFill/>
-          </a:ln>
-        </p:spPr>
-        <p:style>
-          <a:lnRef idx="2">
-            <a:schemeClr val="accent1">
-              <a:shade val="50000"/>
-            </a:schemeClr>
-          </a:lnRef>
-          <a:fillRef idx="1">
-            <a:schemeClr val="accent1"/>
-          </a:fillRef>
-          <a:effectRef idx="0">
-            <a:schemeClr val="accent1"/>
-          </a:effectRef>
-          <a:fontRef idx="minor">
-            <a:schemeClr val="lt1"/>
-          </a:fontRef>
-        </p:style>
-        <p:txBody>
-          <a:bodyPr rtlCol="0" anchor="ctr"/>
-          <a:lstStyle/>
-          <a:p>
-            <a:pPr algn="ctr"/>
-            <a:endParaRPr lang="hu-HU"/>
-          </a:p>
-        </p:txBody>
-      </p:sp>
-      <p:sp>
-        <p:nvSpPr>
-          <p:cNvPr id="12" name="Szövegdoboz 11"/>
-          <p:cNvSpPr txBox="1"/>
-          <p:nvPr/>
-        </p:nvSpPr>
-        <p:spPr>
-          <a:xfrm>
-            <a:off x="6730999" y="4449970"/>
-            <a:ext cx="4865737" cy="2123658"/>
-          </a:xfrm>
-          <a:prstGeom prst="rect">
-            <a:avLst/>
-          </a:prstGeom>
-          <a:noFill/>
-        </p:spPr>
-        <p:txBody>
-          <a:bodyPr wrap="square" rtlCol="0">
-            <a:spAutoFit/>
-          </a:bodyPr>
-          <a:lstStyle/>
-          <a:p>
-            <a:r>
-              <a:rPr lang="hu-HU" sz="4400" dirty="0" smtClean="0">
-                <a:latin typeface="Times New Roman" panose="02020603050405020304" pitchFamily="18" charset="0"/>
-                <a:cs typeface="Times New Roman" panose="02020603050405020304" pitchFamily="18" charset="0"/>
-              </a:rPr>
-              <a:t>-Mire használjuk?</a:t>
-            </a:r>
-            <a:r>
-              <a:rPr lang="hu-HU" sz="4400" dirty="0" smtClean="0">
-                <a:latin typeface="Times New Roman" panose="02020603050405020304" pitchFamily="18" charset="0"/>
-                <a:cs typeface="Times New Roman" panose="02020603050405020304" pitchFamily="18" charset="0"/>
-              </a:rPr>
-              <a:t/>
-            </a:r>
-            <a:br>
-              <a:rPr lang="hu-HU" sz="4400" dirty="0" smtClean="0">
-                <a:latin typeface="Times New Roman" panose="02020603050405020304" pitchFamily="18" charset="0"/>
-                <a:cs typeface="Times New Roman" panose="02020603050405020304" pitchFamily="18" charset="0"/>
-              </a:rPr>
-            </a:br>
-            <a:r>
-              <a:rPr lang="hu-HU" sz="4400" dirty="0" smtClean="0">
-                <a:latin typeface="Times New Roman" panose="02020603050405020304" pitchFamily="18" charset="0"/>
-                <a:cs typeface="Times New Roman" panose="02020603050405020304" pitchFamily="18" charset="0"/>
-              </a:rPr>
-              <a:t>-Kompatibilis</a:t>
-            </a:r>
-          </a:p>
-          <a:p>
-            <a:r>
-              <a:rPr lang="hu-HU" sz="4400" dirty="0" smtClean="0">
-                <a:latin typeface="Times New Roman" panose="02020603050405020304" pitchFamily="18" charset="0"/>
-                <a:cs typeface="Times New Roman" panose="02020603050405020304" pitchFamily="18" charset="0"/>
-              </a:rPr>
-              <a:t>-Verziók</a:t>
-            </a:r>
-            <a:endParaRPr lang="hu-HU" sz="4400" dirty="0">
-              <a:latin typeface="Times New Roman" panose="02020603050405020304" pitchFamily="18" charset="0"/>
-              <a:cs typeface="Times New Roman" panose="02020603050405020304" pitchFamily="18" charset="0"/>
-            </a:endParaRPr>
-          </a:p>
-        </p:txBody>
-      </p:sp>
-      <p:pic>
-        <p:nvPicPr>
-          <p:cNvPr id="4" name="Kép 3"/>
+          <p:cNvPr id="3" name="Kép 2"/>
           <p:cNvPicPr>
             <a:picLocks noChangeAspect="1"/>
           </p:cNvPicPr>
@@ -6350,8 +5687,8 @@
         </p:blipFill>
         <p:spPr>
           <a:xfrm>
-            <a:off x="5764162" y="1735560"/>
-            <a:ext cx="6211937" cy="2183495"/>
+            <a:off x="6039711" y="1346200"/>
+            <a:ext cx="5764241" cy="2611228"/>
           </a:xfrm>
           <a:prstGeom prst="rect">
             <a:avLst/>
@@ -6360,14 +5697,14 @@
       </p:pic>
       <p:sp>
         <p:nvSpPr>
-          <p:cNvPr id="5" name="Szövegdoboz 4"/>
+          <p:cNvPr id="4" name="Szövegdoboz 3"/>
           <p:cNvSpPr txBox="1"/>
           <p:nvPr/>
         </p:nvSpPr>
         <p:spPr>
           <a:xfrm>
-            <a:off x="5764162" y="1580903"/>
-            <a:ext cx="5435600" cy="215444"/>
+            <a:off x="6017357" y="1130756"/>
+            <a:ext cx="3073400" cy="215444"/>
           </a:xfrm>
           <a:prstGeom prst="rect">
             <a:avLst/>
@@ -6384,7 +5721,7 @@
               <a:rPr lang="hu-HU" sz="800" dirty="0">
                 <a:hlinkClick r:id="rId5"/>
               </a:rPr>
-              <a:t>https://www.softwareone.com/hu-hu/blog/articles/2021/01/11/adobe-acrobat-pro-useful-features</a:t>
+              <a:t>https://support.crowdin.com/hu/adobe-xd-plugin/</a:t>
             </a:r>
             <a:endParaRPr lang="hu-HU" sz="800" dirty="0"/>
           </a:p>
@@ -6400,8 +5737,8 @@
         </p:nvSpPr>
         <p:spPr>
           <a:xfrm>
-            <a:off x="698501" y="3720872"/>
-            <a:ext cx="2235200" cy="940028"/>
+            <a:off x="889001" y="3720872"/>
+            <a:ext cx="1714499" cy="940028"/>
           </a:xfrm>
           <a:prstGeom prst="rect">
             <a:avLst/>
@@ -6430,512 +5767,12 @@
           </a:lstStyle>
           <a:p>
             <a:r>
-              <a:rPr lang="hu-HU" dirty="0" err="1" smtClean="0">
-                <a:latin typeface="Times New Roman" panose="02020603050405020304" pitchFamily="18" charset="0"/>
-                <a:cs typeface="Times New Roman" panose="02020603050405020304" pitchFamily="18" charset="0"/>
-              </a:rPr>
-              <a:t>Acrobat</a:t>
-            </a:r>
-            <a:endParaRPr lang="hu-HU" dirty="0">
-              <a:latin typeface="Times New Roman" panose="02020603050405020304" pitchFamily="18" charset="0"/>
-              <a:cs typeface="Times New Roman" panose="02020603050405020304" pitchFamily="18" charset="0"/>
-            </a:endParaRPr>
-          </a:p>
-        </p:txBody>
-      </p:sp>
-    </p:spTree>
-    <p:extLst>
-      <p:ext uri="{BB962C8B-B14F-4D97-AF65-F5344CB8AC3E}">
-        <p14:creationId xmlns:p14="http://schemas.microsoft.com/office/powerpoint/2010/main" val="676245274"/>
-      </p:ext>
-    </p:extLst>
-  </p:cSld>
-  <p:clrMapOvr>
-    <a:masterClrMapping/>
-  </p:clrMapOvr>
-  <p:transition spd="med">
-    <p:push/>
-  </p:transition>
-  <p:timing>
-    <p:tnLst>
-      <p:par>
-        <p:cTn id="1" dur="indefinite" restart="never" nodeType="tmRoot"/>
-      </p:par>
-    </p:tnLst>
-  </p:timing>
-</p:sld>
-</file>
-
-<file path=ppt/slides/slide8.xml><?xml version="1.0" encoding="utf-8"?>
-<p:sld xmlns:a="http://schemas.openxmlformats.org/drawingml/2006/main" xmlns:r="http://schemas.openxmlformats.org/officeDocument/2006/relationships" xmlns:p="http://schemas.openxmlformats.org/presentationml/2006/main">
-  <p:cSld>
-    <p:spTree>
-      <p:nvGrpSpPr>
-        <p:cNvPr id="1" name=""/>
-        <p:cNvGrpSpPr/>
-        <p:nvPr/>
-      </p:nvGrpSpPr>
-      <p:grpSpPr>
-        <a:xfrm>
-          <a:off x="0" y="0"/>
-          <a:ext cx="0" cy="0"/>
-          <a:chOff x="0" y="0"/>
-          <a:chExt cx="0" cy="0"/>
-        </a:xfrm>
-      </p:grpSpPr>
-      <p:sp>
-        <p:nvSpPr>
-          <p:cNvPr id="2" name="Téglalap 1"/>
-          <p:cNvSpPr/>
-          <p:nvPr/>
-        </p:nvSpPr>
-        <p:spPr>
-          <a:xfrm>
-            <a:off x="0" y="4241800"/>
-            <a:ext cx="12192000" cy="114300"/>
-          </a:xfrm>
-          <a:prstGeom prst="rect">
-            <a:avLst/>
-          </a:prstGeom>
-          <a:solidFill>
-            <a:srgbClr val="FF61F6"/>
-          </a:solidFill>
-          <a:ln>
-            <a:noFill/>
-          </a:ln>
-        </p:spPr>
-        <p:style>
-          <a:lnRef idx="2">
-            <a:schemeClr val="accent1">
-              <a:shade val="50000"/>
-            </a:schemeClr>
-          </a:lnRef>
-          <a:fillRef idx="1">
-            <a:schemeClr val="accent1"/>
-          </a:fillRef>
-          <a:effectRef idx="0">
-            <a:schemeClr val="accent1"/>
-          </a:effectRef>
-          <a:fontRef idx="minor">
-            <a:schemeClr val="lt1"/>
-          </a:fontRef>
-        </p:style>
-        <p:txBody>
-          <a:bodyPr rtlCol="0" anchor="ctr"/>
-          <a:lstStyle/>
-          <a:p>
-            <a:pPr algn="ctr"/>
-            <a:endParaRPr lang="hu-HU"/>
-          </a:p>
-        </p:txBody>
-      </p:sp>
-      <p:pic>
-        <p:nvPicPr>
-          <p:cNvPr id="5" name="Kép 4"/>
-          <p:cNvPicPr>
-            <a:picLocks noChangeAspect="1"/>
-          </p:cNvPicPr>
-          <p:nvPr/>
-        </p:nvPicPr>
-        <p:blipFill>
-          <a:blip r:embed="rId2" cstate="print">
-            <a:extLst>
-              <a:ext uri="{28A0092B-C50C-407E-A947-70E740481C1C}">
-                <a14:useLocalDpi xmlns:a14="http://schemas.microsoft.com/office/drawing/2010/main" val="0"/>
-              </a:ext>
-            </a:extLst>
-          </a:blip>
-          <a:stretch>
-            <a:fillRect/>
-          </a:stretch>
-        </p:blipFill>
-        <p:spPr>
-          <a:xfrm>
-            <a:off x="2749350" y="2908105"/>
-            <a:ext cx="2853675" cy="2781687"/>
-          </a:xfrm>
-          <a:prstGeom prst="rect">
-            <a:avLst/>
-          </a:prstGeom>
-        </p:spPr>
-      </p:pic>
-      <p:sp>
-        <p:nvSpPr>
-          <p:cNvPr id="6" name="Szövegdoboz 5"/>
-          <p:cNvSpPr txBox="1"/>
-          <p:nvPr/>
-        </p:nvSpPr>
-        <p:spPr>
-          <a:xfrm>
-            <a:off x="2882900" y="5689792"/>
-            <a:ext cx="2603500" cy="338554"/>
-          </a:xfrm>
-          <a:prstGeom prst="rect">
-            <a:avLst/>
-          </a:prstGeom>
-          <a:noFill/>
-        </p:spPr>
-        <p:txBody>
-          <a:bodyPr wrap="square" rtlCol="0">
-            <a:spAutoFit/>
-          </a:bodyPr>
-          <a:lstStyle/>
-          <a:p>
-            <a:r>
-              <a:rPr lang="hu-HU" sz="800" dirty="0">
-                <a:hlinkClick r:id="rId3"/>
-              </a:rPr>
-              <a:t>https://commons.wikimedia.org/wiki/File:Adobe_XD_CC_icon.svg</a:t>
-            </a:r>
-            <a:endParaRPr lang="hu-HU" sz="800" dirty="0"/>
-          </a:p>
-        </p:txBody>
-      </p:sp>
-      <p:sp>
-        <p:nvSpPr>
-          <p:cNvPr id="7" name="Derékszögű háromszög 6"/>
-          <p:cNvSpPr/>
-          <p:nvPr/>
-        </p:nvSpPr>
-        <p:spPr>
-          <a:xfrm rot="5400000">
-            <a:off x="0" y="0"/>
-            <a:ext cx="1346200" cy="1346200"/>
-          </a:xfrm>
-          <a:prstGeom prst="rtTriangle">
-            <a:avLst/>
-          </a:prstGeom>
-          <a:solidFill>
-            <a:srgbClr val="FF61F6"/>
-          </a:solidFill>
-          <a:ln>
-            <a:noFill/>
-          </a:ln>
-        </p:spPr>
-        <p:style>
-          <a:lnRef idx="2">
-            <a:schemeClr val="accent1">
-              <a:shade val="50000"/>
-            </a:schemeClr>
-          </a:lnRef>
-          <a:fillRef idx="1">
-            <a:schemeClr val="accent1"/>
-          </a:fillRef>
-          <a:effectRef idx="0">
-            <a:schemeClr val="accent1"/>
-          </a:effectRef>
-          <a:fontRef idx="minor">
-            <a:schemeClr val="lt1"/>
-          </a:fontRef>
-        </p:style>
-        <p:txBody>
-          <a:bodyPr rtlCol="0" anchor="ctr"/>
-          <a:lstStyle/>
-          <a:p>
-            <a:pPr algn="ctr"/>
-            <a:endParaRPr lang="hu-HU"/>
-          </a:p>
-        </p:txBody>
-      </p:sp>
-      <p:sp>
-        <p:nvSpPr>
-          <p:cNvPr id="8" name="Derékszögű háromszög 7"/>
-          <p:cNvSpPr/>
-          <p:nvPr/>
-        </p:nvSpPr>
-        <p:spPr>
-          <a:xfrm>
-            <a:off x="0" y="5511800"/>
-            <a:ext cx="1346200" cy="1346200"/>
-          </a:xfrm>
-          <a:prstGeom prst="rtTriangle">
-            <a:avLst/>
-          </a:prstGeom>
-          <a:solidFill>
-            <a:srgbClr val="FF61F6"/>
-          </a:solidFill>
-          <a:ln>
-            <a:noFill/>
-          </a:ln>
-        </p:spPr>
-        <p:style>
-          <a:lnRef idx="2">
-            <a:schemeClr val="accent1">
-              <a:shade val="50000"/>
-            </a:schemeClr>
-          </a:lnRef>
-          <a:fillRef idx="1">
-            <a:schemeClr val="accent1"/>
-          </a:fillRef>
-          <a:effectRef idx="0">
-            <a:schemeClr val="accent1"/>
-          </a:effectRef>
-          <a:fontRef idx="minor">
-            <a:schemeClr val="lt1"/>
-          </a:fontRef>
-        </p:style>
-        <p:txBody>
-          <a:bodyPr rtlCol="0" anchor="ctr"/>
-          <a:lstStyle/>
-          <a:p>
-            <a:pPr algn="ctr"/>
-            <a:endParaRPr lang="hu-HU"/>
-          </a:p>
-        </p:txBody>
-      </p:sp>
-      <p:sp>
-        <p:nvSpPr>
-          <p:cNvPr id="9" name="Derékszögű háromszög 8"/>
-          <p:cNvSpPr/>
-          <p:nvPr/>
-        </p:nvSpPr>
-        <p:spPr>
-          <a:xfrm rot="10800000">
-            <a:off x="10845800" y="0"/>
-            <a:ext cx="1346200" cy="1346200"/>
-          </a:xfrm>
-          <a:prstGeom prst="rtTriangle">
-            <a:avLst/>
-          </a:prstGeom>
-          <a:solidFill>
-            <a:srgbClr val="FF61F6"/>
-          </a:solidFill>
-          <a:ln>
-            <a:noFill/>
-          </a:ln>
-        </p:spPr>
-        <p:style>
-          <a:lnRef idx="2">
-            <a:schemeClr val="accent1">
-              <a:shade val="50000"/>
-            </a:schemeClr>
-          </a:lnRef>
-          <a:fillRef idx="1">
-            <a:schemeClr val="accent1"/>
-          </a:fillRef>
-          <a:effectRef idx="0">
-            <a:schemeClr val="accent1"/>
-          </a:effectRef>
-          <a:fontRef idx="minor">
-            <a:schemeClr val="lt1"/>
-          </a:fontRef>
-        </p:style>
-        <p:txBody>
-          <a:bodyPr rtlCol="0" anchor="ctr"/>
-          <a:lstStyle/>
-          <a:p>
-            <a:pPr algn="ctr"/>
-            <a:endParaRPr lang="hu-HU"/>
-          </a:p>
-        </p:txBody>
-      </p:sp>
-      <p:sp>
-        <p:nvSpPr>
-          <p:cNvPr id="10" name="Derékszögű háromszög 9"/>
-          <p:cNvSpPr/>
-          <p:nvPr/>
-        </p:nvSpPr>
-        <p:spPr>
-          <a:xfrm rot="16200000">
-            <a:off x="10845800" y="5511800"/>
-            <a:ext cx="1346200" cy="1346200"/>
-          </a:xfrm>
-          <a:prstGeom prst="rtTriangle">
-            <a:avLst/>
-          </a:prstGeom>
-          <a:solidFill>
-            <a:srgbClr val="FF61F6"/>
-          </a:solidFill>
-          <a:ln>
-            <a:noFill/>
-          </a:ln>
-        </p:spPr>
-        <p:style>
-          <a:lnRef idx="2">
-            <a:schemeClr val="accent1">
-              <a:shade val="50000"/>
-            </a:schemeClr>
-          </a:lnRef>
-          <a:fillRef idx="1">
-            <a:schemeClr val="accent1"/>
-          </a:fillRef>
-          <a:effectRef idx="0">
-            <a:schemeClr val="accent1"/>
-          </a:effectRef>
-          <a:fontRef idx="minor">
-            <a:schemeClr val="lt1"/>
-          </a:fontRef>
-        </p:style>
-        <p:txBody>
-          <a:bodyPr rtlCol="0" anchor="ctr"/>
-          <a:lstStyle/>
-          <a:p>
-            <a:pPr algn="ctr"/>
-            <a:endParaRPr lang="hu-HU"/>
-          </a:p>
-        </p:txBody>
-      </p:sp>
-      <p:sp>
-        <p:nvSpPr>
-          <p:cNvPr id="12" name="Szövegdoboz 11"/>
-          <p:cNvSpPr txBox="1"/>
-          <p:nvPr/>
-        </p:nvSpPr>
-        <p:spPr>
-          <a:xfrm>
-            <a:off x="6730999" y="4449970"/>
-            <a:ext cx="4865737" cy="1200329"/>
-          </a:xfrm>
-          <a:prstGeom prst="rect">
-            <a:avLst/>
-          </a:prstGeom>
-          <a:noFill/>
-        </p:spPr>
-        <p:txBody>
-          <a:bodyPr wrap="square" rtlCol="0">
-            <a:spAutoFit/>
-          </a:bodyPr>
-          <a:lstStyle/>
-          <a:p>
-            <a:r>
-              <a:rPr lang="hu-HU" sz="3600" dirty="0" smtClean="0">
-                <a:latin typeface="Times New Roman" panose="02020603050405020304" pitchFamily="18" charset="0"/>
-                <a:cs typeface="Times New Roman" panose="02020603050405020304" pitchFamily="18" charset="0"/>
-              </a:rPr>
-              <a:t>-Mire használjuk?</a:t>
-            </a:r>
-            <a:endParaRPr lang="hu-HU" sz="3600" dirty="0" smtClean="0">
-              <a:latin typeface="Times New Roman" panose="02020603050405020304" pitchFamily="18" charset="0"/>
-              <a:cs typeface="Times New Roman" panose="02020603050405020304" pitchFamily="18" charset="0"/>
-            </a:endParaRPr>
-          </a:p>
-          <a:p>
-            <a:r>
-              <a:rPr lang="hu-HU" sz="3600" dirty="0" smtClean="0">
-                <a:latin typeface="Times New Roman" panose="02020603050405020304" pitchFamily="18" charset="0"/>
-                <a:cs typeface="Times New Roman" panose="02020603050405020304" pitchFamily="18" charset="0"/>
-              </a:rPr>
-              <a:t>-Verziók</a:t>
-            </a:r>
-            <a:endParaRPr lang="hu-HU" sz="3600" dirty="0">
-              <a:latin typeface="Times New Roman" panose="02020603050405020304" pitchFamily="18" charset="0"/>
-              <a:cs typeface="Times New Roman" panose="02020603050405020304" pitchFamily="18" charset="0"/>
-            </a:endParaRPr>
-          </a:p>
-        </p:txBody>
-      </p:sp>
-      <p:pic>
-        <p:nvPicPr>
-          <p:cNvPr id="3" name="Kép 2"/>
-          <p:cNvPicPr>
-            <a:picLocks noChangeAspect="1"/>
-          </p:cNvPicPr>
-          <p:nvPr/>
-        </p:nvPicPr>
-        <p:blipFill>
-          <a:blip r:embed="rId4" cstate="print">
-            <a:extLst>
-              <a:ext uri="{28A0092B-C50C-407E-A947-70E740481C1C}">
-                <a14:useLocalDpi xmlns:a14="http://schemas.microsoft.com/office/drawing/2010/main" val="0"/>
-              </a:ext>
-            </a:extLst>
-          </a:blip>
-          <a:stretch>
-            <a:fillRect/>
-          </a:stretch>
-        </p:blipFill>
-        <p:spPr>
-          <a:xfrm>
-            <a:off x="6039711" y="1346200"/>
-            <a:ext cx="5764241" cy="2611228"/>
-          </a:xfrm>
-          <a:prstGeom prst="rect">
-            <a:avLst/>
-          </a:prstGeom>
-        </p:spPr>
-      </p:pic>
-      <p:sp>
-        <p:nvSpPr>
-          <p:cNvPr id="4" name="Szövegdoboz 3"/>
-          <p:cNvSpPr txBox="1"/>
-          <p:nvPr/>
-        </p:nvSpPr>
-        <p:spPr>
-          <a:xfrm>
-            <a:off x="6017357" y="1130756"/>
-            <a:ext cx="3073400" cy="215444"/>
-          </a:xfrm>
-          <a:prstGeom prst="rect">
-            <a:avLst/>
-          </a:prstGeom>
-          <a:noFill/>
-        </p:spPr>
-        <p:txBody>
-          <a:bodyPr wrap="square" rtlCol="0">
-            <a:spAutoFit/>
-          </a:bodyPr>
-          <a:lstStyle/>
-          <a:p>
-            <a:r>
-              <a:rPr lang="hu-HU" sz="800" dirty="0">
-                <a:hlinkClick r:id="rId5"/>
-              </a:rPr>
-              <a:t>https://support.crowdin.com/hu/adobe-xd-plugin/</a:t>
-            </a:r>
-            <a:endParaRPr lang="hu-HU" sz="800" dirty="0"/>
-          </a:p>
-        </p:txBody>
-      </p:sp>
-      <p:sp>
-        <p:nvSpPr>
-          <p:cNvPr id="13" name="Cím 1"/>
-          <p:cNvSpPr txBox="1">
-            <a:spLocks/>
-          </p:cNvSpPr>
-          <p:nvPr/>
-        </p:nvSpPr>
-        <p:spPr>
-          <a:xfrm>
-            <a:off x="889001" y="3720872"/>
-            <a:ext cx="1714499" cy="940028"/>
-          </a:xfrm>
-          <a:prstGeom prst="rect">
-            <a:avLst/>
-          </a:prstGeom>
-        </p:spPr>
-        <p:txBody>
-          <a:bodyPr/>
-          <a:lstStyle>
-            <a:lvl1pPr algn="l" defTabSz="914400" rtl="0" eaLnBrk="1" latinLnBrk="0" hangingPunct="1">
-              <a:lnSpc>
-                <a:spcPct val="90000"/>
-              </a:lnSpc>
-              <a:spcBef>
-                <a:spcPct val="0"/>
-              </a:spcBef>
-              <a:buNone/>
-              <a:defRPr sz="4400" kern="1200">
-                <a:solidFill>
-                  <a:schemeClr val="tx1"/>
-                </a:solidFill>
-                <a:latin typeface="+mj-lt"/>
-                <a:ea typeface="+mj-ea"/>
-                <a:cs typeface="+mj-cs"/>
-              </a:defRPr>
-            </a:lvl1pPr>
-          </a:lstStyle>
-          <a:p>
-            <a:r>
-              <a:rPr lang="hu-HU" dirty="0" smtClean="0">
+              <a:rPr lang="hu-HU" dirty="0">
                 <a:latin typeface="Times New Roman" panose="02020603050405020304" pitchFamily="18" charset="0"/>
                 <a:cs typeface="Times New Roman" panose="02020603050405020304" pitchFamily="18" charset="0"/>
               </a:rPr>
               <a:t>XD</a:t>
             </a:r>
-            <a:endParaRPr lang="hu-HU" dirty="0">
-              <a:latin typeface="Times New Roman" panose="02020603050405020304" pitchFamily="18" charset="0"/>
-              <a:cs typeface="Times New Roman" panose="02020603050405020304" pitchFamily="18" charset="0"/>
-            </a:endParaRPr>
           </a:p>
         </p:txBody>
       </p:sp>
@@ -6952,13 +5789,6 @@
   <p:transition spd="med">
     <p:push/>
   </p:transition>
-  <p:timing>
-    <p:tnLst>
-      <p:par>
-        <p:cTn id="1" dur="indefinite" restart="never" nodeType="tmRoot"/>
-      </p:par>
-    </p:tnLst>
-  </p:timing>
 </p:sld>
 </file>
 
@@ -7003,16 +5833,12 @@
           <a:p>
             <a:pPr algn="ctr"/>
             <a:r>
-              <a:rPr lang="hu-HU" sz="4800" dirty="0" smtClean="0">
+              <a:rPr lang="hu-HU" sz="4800" dirty="0">
                 <a:latin typeface="Times New Roman" panose="02020603050405020304" pitchFamily="18" charset="0"/>
                 <a:cs typeface="Times New Roman" panose="02020603050405020304" pitchFamily="18" charset="0"/>
               </a:rPr>
               <a:t>Köszönöm a figyelmet!</a:t>
             </a:r>
-            <a:endParaRPr lang="hu-HU" sz="4800" dirty="0">
-              <a:latin typeface="Times New Roman" panose="02020603050405020304" pitchFamily="18" charset="0"/>
-              <a:cs typeface="Times New Roman" panose="02020603050405020304" pitchFamily="18" charset="0"/>
-            </a:endParaRPr>
           </a:p>
         </p:txBody>
       </p:sp>
@@ -7040,16 +5866,12 @@
           <a:p>
             <a:pPr algn="ctr"/>
             <a:r>
-              <a:rPr lang="hu-HU" sz="2400" dirty="0" smtClean="0">
+              <a:rPr lang="hu-HU" sz="2400" dirty="0">
                 <a:latin typeface="Times New Roman" panose="02020603050405020304" pitchFamily="18" charset="0"/>
                 <a:cs typeface="Times New Roman" panose="02020603050405020304" pitchFamily="18" charset="0"/>
               </a:rPr>
               <a:t>Készítette: Tarr Gábor</a:t>
             </a:r>
-            <a:endParaRPr lang="hu-HU" sz="2400" dirty="0">
-              <a:latin typeface="Times New Roman" panose="02020603050405020304" pitchFamily="18" charset="0"/>
-              <a:cs typeface="Times New Roman" panose="02020603050405020304" pitchFamily="18" charset="0"/>
-            </a:endParaRPr>
           </a:p>
         </p:txBody>
       </p:sp>
@@ -7122,7 +5944,7 @@
           <a:lstStyle/>
           <a:p>
             <a:r>
-              <a:rPr lang="hu-HU" dirty="0" smtClean="0"/>
+              <a:rPr lang="hu-HU" dirty="0"/>
               <a:t>Forrás: </a:t>
             </a:r>
             <a:r>
@@ -7132,18 +5954,9 @@
                 </a:solidFill>
                 <a:hlinkClick r:id="rId2"/>
               </a:rPr>
-              <a:t>https://</a:t>
-            </a:r>
-            <a:r>
-              <a:rPr lang="hu-HU" dirty="0" smtClean="0">
-                <a:solidFill>
-                  <a:srgbClr val="31A8FF"/>
-                </a:solidFill>
-                <a:hlinkClick r:id="rId2"/>
-              </a:rPr>
-              <a:t>www.adobe.com/hu/products/catalog.html</a:t>
-            </a:r>
-            <a:endParaRPr lang="hu-HU" dirty="0" smtClean="0">
+              <a:t>https://www.adobe.com/hu/products/catalog.html</a:t>
+            </a:r>
+            <a:endParaRPr lang="hu-HU" dirty="0">
               <a:solidFill>
                 <a:srgbClr val="31A8FF"/>
               </a:solidFill>
@@ -7151,21 +5964,12 @@
           </a:p>
           <a:p>
             <a:r>
-              <a:rPr lang="hu-HU" dirty="0" smtClean="0">
+              <a:rPr lang="hu-HU" dirty="0">
                 <a:solidFill>
                   <a:srgbClr val="31A8FF"/>
                 </a:solidFill>
               </a:rPr>
               <a:t>             </a:t>
-            </a:r>
-            <a:r>
-              <a:rPr lang="hu-HU" dirty="0" smtClean="0">
-                <a:solidFill>
-                  <a:srgbClr val="31A8FF"/>
-                </a:solidFill>
-                <a:hlinkClick r:id="rId3"/>
-              </a:rPr>
-              <a:t>https</a:t>
             </a:r>
             <a:r>
               <a:rPr lang="hu-HU" dirty="0">
@@ -7174,7 +5978,7 @@
                 </a:solidFill>
                 <a:hlinkClick r:id="rId3"/>
               </a:rPr>
-              <a:t>://szoftver.hu/hirmorzsak/adobe-cc-2020-korabbi-verziok</a:t>
+              <a:t>https://szoftver.hu/hirmorzsak/adobe-cc-2020-korabbi-verziok</a:t>
             </a:r>
             <a:endParaRPr lang="hu-HU" dirty="0">
               <a:solidFill>
@@ -7184,190 +5988,6 @@
           </a:p>
           <a:p>
             <a:endParaRPr lang="hu-HU" dirty="0"/>
-          </a:p>
-        </p:txBody>
-      </p:sp>
-      <p:sp>
-        <p:nvSpPr>
-          <p:cNvPr id="8" name="Derékszögű háromszög 7"/>
-          <p:cNvSpPr/>
-          <p:nvPr/>
-        </p:nvSpPr>
-        <p:spPr>
-          <a:xfrm rot="5400000">
-            <a:off x="0" y="0"/>
-            <a:ext cx="1346200" cy="1346200"/>
-          </a:xfrm>
-          <a:prstGeom prst="rtTriangle">
-            <a:avLst/>
-          </a:prstGeom>
-          <a:solidFill>
-            <a:srgbClr val="00005B"/>
-          </a:solidFill>
-          <a:ln>
-            <a:noFill/>
-          </a:ln>
-        </p:spPr>
-        <p:style>
-          <a:lnRef idx="2">
-            <a:schemeClr val="accent1">
-              <a:shade val="50000"/>
-            </a:schemeClr>
-          </a:lnRef>
-          <a:fillRef idx="1">
-            <a:schemeClr val="accent1"/>
-          </a:fillRef>
-          <a:effectRef idx="0">
-            <a:schemeClr val="accent1"/>
-          </a:effectRef>
-          <a:fontRef idx="minor">
-            <a:schemeClr val="lt1"/>
-          </a:fontRef>
-        </p:style>
-        <p:txBody>
-          <a:bodyPr rtlCol="0" anchor="ctr"/>
-          <a:lstStyle/>
-          <a:p>
-            <a:pPr algn="ctr"/>
-            <a:endParaRPr lang="hu-HU"/>
-          </a:p>
-        </p:txBody>
-      </p:sp>
-      <p:sp>
-        <p:nvSpPr>
-          <p:cNvPr id="9" name="Derékszögű háromszög 8"/>
-          <p:cNvSpPr/>
-          <p:nvPr/>
-        </p:nvSpPr>
-        <p:spPr>
-          <a:xfrm>
-            <a:off x="0" y="5511800"/>
-            <a:ext cx="1346200" cy="1346200"/>
-          </a:xfrm>
-          <a:prstGeom prst="rtTriangle">
-            <a:avLst/>
-          </a:prstGeom>
-          <a:solidFill>
-            <a:srgbClr val="00005B"/>
-          </a:solidFill>
-          <a:ln>
-            <a:noFill/>
-          </a:ln>
-        </p:spPr>
-        <p:style>
-          <a:lnRef idx="2">
-            <a:schemeClr val="accent1">
-              <a:shade val="50000"/>
-            </a:schemeClr>
-          </a:lnRef>
-          <a:fillRef idx="1">
-            <a:schemeClr val="accent1"/>
-          </a:fillRef>
-          <a:effectRef idx="0">
-            <a:schemeClr val="accent1"/>
-          </a:effectRef>
-          <a:fontRef idx="minor">
-            <a:schemeClr val="lt1"/>
-          </a:fontRef>
-        </p:style>
-        <p:txBody>
-          <a:bodyPr rtlCol="0" anchor="ctr"/>
-          <a:lstStyle/>
-          <a:p>
-            <a:pPr algn="ctr"/>
-            <a:endParaRPr lang="hu-HU"/>
-          </a:p>
-        </p:txBody>
-      </p:sp>
-      <p:sp>
-        <p:nvSpPr>
-          <p:cNvPr id="10" name="Derékszögű háromszög 9"/>
-          <p:cNvSpPr/>
-          <p:nvPr/>
-        </p:nvSpPr>
-        <p:spPr>
-          <a:xfrm rot="10800000">
-            <a:off x="10845800" y="0"/>
-            <a:ext cx="1346200" cy="1346200"/>
-          </a:xfrm>
-          <a:prstGeom prst="rtTriangle">
-            <a:avLst/>
-          </a:prstGeom>
-          <a:solidFill>
-            <a:srgbClr val="00005B"/>
-          </a:solidFill>
-          <a:ln>
-            <a:noFill/>
-          </a:ln>
-        </p:spPr>
-        <p:style>
-          <a:lnRef idx="2">
-            <a:schemeClr val="accent1">
-              <a:shade val="50000"/>
-            </a:schemeClr>
-          </a:lnRef>
-          <a:fillRef idx="1">
-            <a:schemeClr val="accent1"/>
-          </a:fillRef>
-          <a:effectRef idx="0">
-            <a:schemeClr val="accent1"/>
-          </a:effectRef>
-          <a:fontRef idx="minor">
-            <a:schemeClr val="lt1"/>
-          </a:fontRef>
-        </p:style>
-        <p:txBody>
-          <a:bodyPr rtlCol="0" anchor="ctr"/>
-          <a:lstStyle/>
-          <a:p>
-            <a:pPr algn="ctr"/>
-            <a:endParaRPr lang="hu-HU"/>
-          </a:p>
-        </p:txBody>
-      </p:sp>
-      <p:sp>
-        <p:nvSpPr>
-          <p:cNvPr id="11" name="Derékszögű háromszög 10"/>
-          <p:cNvSpPr/>
-          <p:nvPr/>
-        </p:nvSpPr>
-        <p:spPr>
-          <a:xfrm rot="16200000">
-            <a:off x="10845800" y="5511800"/>
-            <a:ext cx="1346200" cy="1346200"/>
-          </a:xfrm>
-          <a:prstGeom prst="rtTriangle">
-            <a:avLst/>
-          </a:prstGeom>
-          <a:solidFill>
-            <a:srgbClr val="00005B"/>
-          </a:solidFill>
-          <a:ln>
-            <a:noFill/>
-          </a:ln>
-        </p:spPr>
-        <p:style>
-          <a:lnRef idx="2">
-            <a:schemeClr val="accent1">
-              <a:shade val="50000"/>
-            </a:schemeClr>
-          </a:lnRef>
-          <a:fillRef idx="1">
-            <a:schemeClr val="accent1"/>
-          </a:fillRef>
-          <a:effectRef idx="0">
-            <a:schemeClr val="accent1"/>
-          </a:effectRef>
-          <a:fontRef idx="minor">
-            <a:schemeClr val="lt1"/>
-          </a:fontRef>
-        </p:style>
-        <p:txBody>
-          <a:bodyPr rtlCol="0" anchor="ctr"/>
-          <a:lstStyle/>
-          <a:p>
-            <a:pPr algn="ctr"/>
-            <a:endParaRPr lang="hu-HU"/>
           </a:p>
         </p:txBody>
       </p:sp>
@@ -7384,13 +6004,6 @@
   <p:transition spd="med">
     <p:push/>
   </p:transition>
-  <p:timing>
-    <p:tnLst>
-      <p:par>
-        <p:cTn id="1" dur="indefinite" restart="never" nodeType="tmRoot"/>
-      </p:par>
-    </p:tnLst>
-  </p:timing>
 </p:sld>
 </file>
 

--- a/beadandóTG.pptx
+++ b/beadandóTG.pptx
@@ -251,7 +251,7 @@
           <a:p>
             <a:fld id="{5DCFF550-74A6-4A3B-803B-1468DFA707D9}" type="datetimeFigureOut">
               <a:rPr lang="hu-HU" smtClean="0"/>
-              <a:t>2022. 10. 02.</a:t>
+              <a:t>2022. 10. 04.</a:t>
             </a:fld>
             <a:endParaRPr lang="hu-HU"/>
           </a:p>
@@ -424,7 +424,7 @@
           <a:p>
             <a:fld id="{5DCFF550-74A6-4A3B-803B-1468DFA707D9}" type="datetimeFigureOut">
               <a:rPr lang="hu-HU" smtClean="0"/>
-              <a:t>2022. 10. 02.</a:t>
+              <a:t>2022. 10. 04.</a:t>
             </a:fld>
             <a:endParaRPr lang="hu-HU"/>
           </a:p>
@@ -607,7 +607,7 @@
           <a:p>
             <a:fld id="{5DCFF550-74A6-4A3B-803B-1468DFA707D9}" type="datetimeFigureOut">
               <a:rPr lang="hu-HU" smtClean="0"/>
-              <a:t>2022. 10. 02.</a:t>
+              <a:t>2022. 10. 04.</a:t>
             </a:fld>
             <a:endParaRPr lang="hu-HU"/>
           </a:p>
@@ -780,7 +780,7 @@
           <a:p>
             <a:fld id="{5DCFF550-74A6-4A3B-803B-1468DFA707D9}" type="datetimeFigureOut">
               <a:rPr lang="hu-HU" smtClean="0"/>
-              <a:t>2022. 10. 02.</a:t>
+              <a:t>2022. 10. 04.</a:t>
             </a:fld>
             <a:endParaRPr lang="hu-HU"/>
           </a:p>
@@ -1029,7 +1029,7 @@
           <a:p>
             <a:fld id="{5DCFF550-74A6-4A3B-803B-1468DFA707D9}" type="datetimeFigureOut">
               <a:rPr lang="hu-HU" smtClean="0"/>
-              <a:t>2022. 10. 02.</a:t>
+              <a:t>2022. 10. 04.</a:t>
             </a:fld>
             <a:endParaRPr lang="hu-HU"/>
           </a:p>
@@ -1264,7 +1264,7 @@
           <a:p>
             <a:fld id="{5DCFF550-74A6-4A3B-803B-1468DFA707D9}" type="datetimeFigureOut">
               <a:rPr lang="hu-HU" smtClean="0"/>
-              <a:t>2022. 10. 02.</a:t>
+              <a:t>2022. 10. 04.</a:t>
             </a:fld>
             <a:endParaRPr lang="hu-HU"/>
           </a:p>
@@ -1634,7 +1634,7 @@
           <a:p>
             <a:fld id="{5DCFF550-74A6-4A3B-803B-1468DFA707D9}" type="datetimeFigureOut">
               <a:rPr lang="hu-HU" smtClean="0"/>
-              <a:t>2022. 10. 02.</a:t>
+              <a:t>2022. 10. 04.</a:t>
             </a:fld>
             <a:endParaRPr lang="hu-HU"/>
           </a:p>
@@ -1755,7 +1755,7 @@
           <a:p>
             <a:fld id="{5DCFF550-74A6-4A3B-803B-1468DFA707D9}" type="datetimeFigureOut">
               <a:rPr lang="hu-HU" smtClean="0"/>
-              <a:t>2022. 10. 02.</a:t>
+              <a:t>2022. 10. 04.</a:t>
             </a:fld>
             <a:endParaRPr lang="hu-HU"/>
           </a:p>
@@ -1853,7 +1853,7 @@
           <a:p>
             <a:fld id="{5DCFF550-74A6-4A3B-803B-1468DFA707D9}" type="datetimeFigureOut">
               <a:rPr lang="hu-HU" smtClean="0"/>
-              <a:t>2022. 10. 02.</a:t>
+              <a:t>2022. 10. 04.</a:t>
             </a:fld>
             <a:endParaRPr lang="hu-HU"/>
           </a:p>
@@ -2133,7 +2133,7 @@
           <a:p>
             <a:fld id="{5DCFF550-74A6-4A3B-803B-1468DFA707D9}" type="datetimeFigureOut">
               <a:rPr lang="hu-HU" smtClean="0"/>
-              <a:t>2022. 10. 02.</a:t>
+              <a:t>2022. 10. 04.</a:t>
             </a:fld>
             <a:endParaRPr lang="hu-HU"/>
           </a:p>
@@ -2393,7 +2393,7 @@
           <a:p>
             <a:fld id="{5DCFF550-74A6-4A3B-803B-1468DFA707D9}" type="datetimeFigureOut">
               <a:rPr lang="hu-HU" smtClean="0"/>
-              <a:t>2022. 10. 02.</a:t>
+              <a:t>2022. 10. 04.</a:t>
             </a:fld>
             <a:endParaRPr lang="hu-HU"/>
           </a:p>
@@ -2609,7 +2609,7 @@
           <a:p>
             <a:fld id="{5DCFF550-74A6-4A3B-803B-1468DFA707D9}" type="datetimeFigureOut">
               <a:rPr lang="hu-HU" smtClean="0"/>
-              <a:t>2022. 10. 02.</a:t>
+              <a:t>2022. 10. 04.</a:t>
             </a:fld>
             <a:endParaRPr lang="hu-HU"/>
           </a:p>
@@ -3090,6 +3090,9 @@
           <a:prstGeom prst="rect">
             <a:avLst/>
           </a:prstGeom>
+          <a:solidFill>
+            <a:srgbClr val="FF0000"/>
+          </a:solidFill>
         </p:spPr>
       </p:pic>
       <p:sp>
@@ -3442,6 +3445,73 @@
           </a:p>
         </p:txBody>
       </p:sp>
+      <p:sp>
+        <p:nvSpPr>
+          <p:cNvPr id="6" name="TextBox 5">
+            <a:extLst>
+              <a:ext uri="{FF2B5EF4-FFF2-40B4-BE49-F238E27FC236}">
+                <a16:creationId xmlns:a16="http://schemas.microsoft.com/office/drawing/2014/main" id="{E97FF542-465D-2F56-052D-0A398878DF93}"/>
+              </a:ext>
+            </a:extLst>
+          </p:cNvPr>
+          <p:cNvSpPr txBox="1"/>
+          <p:nvPr/>
+        </p:nvSpPr>
+        <p:spPr>
+          <a:xfrm>
+            <a:off x="6987746" y="4572000"/>
+            <a:ext cx="4677032" cy="923330"/>
+          </a:xfrm>
+          <a:prstGeom prst="rect">
+            <a:avLst/>
+          </a:prstGeom>
+          <a:noFill/>
+        </p:spPr>
+        <p:txBody>
+          <a:bodyPr wrap="square" rtlCol="0">
+            <a:spAutoFit/>
+          </a:bodyPr>
+          <a:lstStyle/>
+          <a:p>
+            <a:pPr marL="285750" indent="-285750">
+              <a:buFont typeface="Wingdings" panose="05000000000000000000" pitchFamily="2" charset="2"/>
+              <a:buChar char="v"/>
+            </a:pPr>
+            <a:r>
+              <a:rPr lang="hu-HU" dirty="0"/>
+              <a:t>Feladata</a:t>
+            </a:r>
+            <a:endParaRPr lang="hu-HU" dirty="0">
+              <a:latin typeface="Times New Roman" panose="02020603050405020304" pitchFamily="18" charset="0"/>
+              <a:cs typeface="Times New Roman" panose="02020603050405020304" pitchFamily="18" charset="0"/>
+            </a:endParaRPr>
+          </a:p>
+          <a:p>
+            <a:pPr marL="285750" indent="-285750">
+              <a:buFont typeface="Wingdings" panose="05000000000000000000" pitchFamily="2" charset="2"/>
+              <a:buChar char="v"/>
+            </a:pPr>
+            <a:r>
+              <a:rPr lang="hu-HU" dirty="0">
+                <a:latin typeface="Times New Roman" panose="02020603050405020304" pitchFamily="18" charset="0"/>
+                <a:cs typeface="Times New Roman" panose="02020603050405020304" pitchFamily="18" charset="0"/>
+              </a:rPr>
+              <a:t>Minek köszönheti a népszerűségét?</a:t>
+            </a:r>
+          </a:p>
+          <a:p>
+            <a:pPr marL="285750" indent="-285750">
+              <a:buFont typeface="Wingdings" panose="05000000000000000000" pitchFamily="2" charset="2"/>
+              <a:buChar char="v"/>
+            </a:pPr>
+            <a:r>
+              <a:rPr lang="hu-HU" dirty="0"/>
+              <a:t>Miért jobb mint a konkurens programok</a:t>
+            </a:r>
+            <a:endParaRPr lang="en-GB" dirty="0"/>
+          </a:p>
+        </p:txBody>
+      </p:sp>
     </p:spTree>
     <p:extLst>
       <p:ext uri="{BB962C8B-B14F-4D97-AF65-F5344CB8AC3E}">
@@ -3709,6 +3779,56 @@
           </a:p>
         </p:txBody>
       </p:sp>
+      <p:sp>
+        <p:nvSpPr>
+          <p:cNvPr id="3" name="TextBox 2">
+            <a:extLst>
+              <a:ext uri="{FF2B5EF4-FFF2-40B4-BE49-F238E27FC236}">
+                <a16:creationId xmlns:a16="http://schemas.microsoft.com/office/drawing/2014/main" id="{19B19774-1C4D-52B3-9BB2-3B428A10282D}"/>
+              </a:ext>
+            </a:extLst>
+          </p:cNvPr>
+          <p:cNvSpPr txBox="1"/>
+          <p:nvPr/>
+        </p:nvSpPr>
+        <p:spPr>
+          <a:xfrm>
+            <a:off x="6987746" y="4572000"/>
+            <a:ext cx="4677032" cy="646331"/>
+          </a:xfrm>
+          <a:prstGeom prst="rect">
+            <a:avLst/>
+          </a:prstGeom>
+          <a:noFill/>
+        </p:spPr>
+        <p:txBody>
+          <a:bodyPr wrap="square" rtlCol="0">
+            <a:spAutoFit/>
+          </a:bodyPr>
+          <a:lstStyle/>
+          <a:p>
+            <a:pPr marL="285750" indent="-285750">
+              <a:buFont typeface="Wingdings" panose="05000000000000000000" pitchFamily="2" charset="2"/>
+              <a:buChar char="v"/>
+            </a:pPr>
+            <a:r>
+              <a:rPr lang="hu-HU" dirty="0"/>
+              <a:t>Feladata</a:t>
+            </a:r>
+          </a:p>
+          <a:p>
+            <a:pPr marL="285750" indent="-285750">
+              <a:buFont typeface="Wingdings" panose="05000000000000000000" pitchFamily="2" charset="2"/>
+              <a:buChar char="v"/>
+            </a:pPr>
+            <a:r>
+              <a:rPr lang="hu-HU" dirty="0"/>
+              <a:t>Miért jobb mint a konkurens programok</a:t>
+            </a:r>
+            <a:endParaRPr lang="en-GB" dirty="0"/>
+          </a:p>
+        </p:txBody>
+      </p:sp>
     </p:spTree>
     <p:extLst>
       <p:ext uri="{BB962C8B-B14F-4D97-AF65-F5344CB8AC3E}">
@@ -4171,6 +4291,56 @@
           </a:p>
         </p:txBody>
       </p:sp>
+      <p:sp>
+        <p:nvSpPr>
+          <p:cNvPr id="10" name="TextBox 9">
+            <a:extLst>
+              <a:ext uri="{FF2B5EF4-FFF2-40B4-BE49-F238E27FC236}">
+                <a16:creationId xmlns:a16="http://schemas.microsoft.com/office/drawing/2014/main" id="{F0D36C8F-7696-3196-6FC0-DC1A9F248F4E}"/>
+              </a:ext>
+            </a:extLst>
+          </p:cNvPr>
+          <p:cNvSpPr txBox="1"/>
+          <p:nvPr/>
+        </p:nvSpPr>
+        <p:spPr>
+          <a:xfrm>
+            <a:off x="6987746" y="4572000"/>
+            <a:ext cx="4677032" cy="646331"/>
+          </a:xfrm>
+          <a:prstGeom prst="rect">
+            <a:avLst/>
+          </a:prstGeom>
+          <a:noFill/>
+        </p:spPr>
+        <p:txBody>
+          <a:bodyPr wrap="square" rtlCol="0">
+            <a:spAutoFit/>
+          </a:bodyPr>
+          <a:lstStyle/>
+          <a:p>
+            <a:pPr marL="285750" indent="-285750">
+              <a:buFont typeface="Wingdings" panose="05000000000000000000" pitchFamily="2" charset="2"/>
+              <a:buChar char="v"/>
+            </a:pPr>
+            <a:r>
+              <a:rPr lang="hu-HU" dirty="0"/>
+              <a:t>Feladata</a:t>
+            </a:r>
+          </a:p>
+          <a:p>
+            <a:pPr marL="285750" indent="-285750">
+              <a:buFont typeface="Wingdings" panose="05000000000000000000" pitchFamily="2" charset="2"/>
+              <a:buChar char="v"/>
+            </a:pPr>
+            <a:r>
+              <a:rPr lang="hu-HU" dirty="0"/>
+              <a:t>Miért jobb mint a konkurens programok</a:t>
+            </a:r>
+            <a:endParaRPr lang="en-GB" dirty="0"/>
+          </a:p>
+        </p:txBody>
+      </p:sp>
     </p:spTree>
     <p:extLst>
       <p:ext uri="{BB962C8B-B14F-4D97-AF65-F5344CB8AC3E}">
@@ -4619,6 +4789,56 @@
           </a:p>
         </p:txBody>
       </p:sp>
+      <p:sp>
+        <p:nvSpPr>
+          <p:cNvPr id="10" name="TextBox 9">
+            <a:extLst>
+              <a:ext uri="{FF2B5EF4-FFF2-40B4-BE49-F238E27FC236}">
+                <a16:creationId xmlns:a16="http://schemas.microsoft.com/office/drawing/2014/main" id="{B14A6734-B132-8B0D-10F9-AD4BC51D1BC8}"/>
+              </a:ext>
+            </a:extLst>
+          </p:cNvPr>
+          <p:cNvSpPr txBox="1"/>
+          <p:nvPr/>
+        </p:nvSpPr>
+        <p:spPr>
+          <a:xfrm>
+            <a:off x="6987746" y="4572000"/>
+            <a:ext cx="4677032" cy="646331"/>
+          </a:xfrm>
+          <a:prstGeom prst="rect">
+            <a:avLst/>
+          </a:prstGeom>
+          <a:noFill/>
+        </p:spPr>
+        <p:txBody>
+          <a:bodyPr wrap="square" rtlCol="0">
+            <a:spAutoFit/>
+          </a:bodyPr>
+          <a:lstStyle/>
+          <a:p>
+            <a:pPr marL="285750" indent="-285750">
+              <a:buFont typeface="Wingdings" panose="05000000000000000000" pitchFamily="2" charset="2"/>
+              <a:buChar char="v"/>
+            </a:pPr>
+            <a:r>
+              <a:rPr lang="hu-HU" dirty="0"/>
+              <a:t>Feladata</a:t>
+            </a:r>
+          </a:p>
+          <a:p>
+            <a:pPr marL="285750" indent="-285750">
+              <a:buFont typeface="Wingdings" panose="05000000000000000000" pitchFamily="2" charset="2"/>
+              <a:buChar char="v"/>
+            </a:pPr>
+            <a:r>
+              <a:rPr lang="hu-HU" dirty="0"/>
+              <a:t>Photoshoppal való vetélkedés</a:t>
+            </a:r>
+            <a:endParaRPr lang="en-GB" dirty="0"/>
+          </a:p>
+        </p:txBody>
+      </p:sp>
     </p:spTree>
     <p:extLst>
       <p:ext uri="{BB962C8B-B14F-4D97-AF65-F5344CB8AC3E}">
@@ -5066,6 +5286,56 @@
           </a:p>
         </p:txBody>
       </p:sp>
+      <p:sp>
+        <p:nvSpPr>
+          <p:cNvPr id="11" name="TextBox 10">
+            <a:extLst>
+              <a:ext uri="{FF2B5EF4-FFF2-40B4-BE49-F238E27FC236}">
+                <a16:creationId xmlns:a16="http://schemas.microsoft.com/office/drawing/2014/main" id="{05AFA687-D88E-AAB0-5790-5A399EB0C99C}"/>
+              </a:ext>
+            </a:extLst>
+          </p:cNvPr>
+          <p:cNvSpPr txBox="1"/>
+          <p:nvPr/>
+        </p:nvSpPr>
+        <p:spPr>
+          <a:xfrm>
+            <a:off x="6987746" y="4572000"/>
+            <a:ext cx="4677032" cy="646331"/>
+          </a:xfrm>
+          <a:prstGeom prst="rect">
+            <a:avLst/>
+          </a:prstGeom>
+          <a:noFill/>
+        </p:spPr>
+        <p:txBody>
+          <a:bodyPr wrap="square" rtlCol="0">
+            <a:spAutoFit/>
+          </a:bodyPr>
+          <a:lstStyle/>
+          <a:p>
+            <a:pPr marL="285750" indent="-285750">
+              <a:buFont typeface="Wingdings" panose="05000000000000000000" pitchFamily="2" charset="2"/>
+              <a:buChar char="v"/>
+            </a:pPr>
+            <a:r>
+              <a:rPr lang="hu-HU" dirty="0"/>
+              <a:t>Feladata</a:t>
+            </a:r>
+          </a:p>
+          <a:p>
+            <a:pPr marL="285750" indent="-285750">
+              <a:buFont typeface="Wingdings" panose="05000000000000000000" pitchFamily="2" charset="2"/>
+              <a:buChar char="v"/>
+            </a:pPr>
+            <a:r>
+              <a:rPr lang="hu-HU" dirty="0"/>
+              <a:t>Miért jobb mint a konkurens programok</a:t>
+            </a:r>
+            <a:endParaRPr lang="en-GB" dirty="0"/>
+          </a:p>
+        </p:txBody>
+      </p:sp>
     </p:spTree>
     <p:extLst>
       <p:ext uri="{BB962C8B-B14F-4D97-AF65-F5344CB8AC3E}">
@@ -5332,6 +5602,55 @@
           </a:p>
         </p:txBody>
       </p:sp>
+      <p:sp>
+        <p:nvSpPr>
+          <p:cNvPr id="6" name="TextBox 5">
+            <a:extLst>
+              <a:ext uri="{FF2B5EF4-FFF2-40B4-BE49-F238E27FC236}">
+                <a16:creationId xmlns:a16="http://schemas.microsoft.com/office/drawing/2014/main" id="{EC3F231C-7A43-CADD-1ADE-9E19FFCE008E}"/>
+              </a:ext>
+            </a:extLst>
+          </p:cNvPr>
+          <p:cNvSpPr txBox="1"/>
+          <p:nvPr/>
+        </p:nvSpPr>
+        <p:spPr>
+          <a:xfrm>
+            <a:off x="6987746" y="4572000"/>
+            <a:ext cx="4677032" cy="646331"/>
+          </a:xfrm>
+          <a:prstGeom prst="rect">
+            <a:avLst/>
+          </a:prstGeom>
+          <a:noFill/>
+        </p:spPr>
+        <p:txBody>
+          <a:bodyPr wrap="square" rtlCol="0">
+            <a:spAutoFit/>
+          </a:bodyPr>
+          <a:lstStyle/>
+          <a:p>
+            <a:pPr marL="285750" indent="-285750">
+              <a:buFont typeface="Wingdings" panose="05000000000000000000" pitchFamily="2" charset="2"/>
+              <a:buChar char="v"/>
+            </a:pPr>
+            <a:r>
+              <a:rPr lang="hu-HU" dirty="0"/>
+              <a:t>Feladata</a:t>
+            </a:r>
+          </a:p>
+          <a:p>
+            <a:pPr marL="285750" indent="-285750">
+              <a:buFont typeface="Wingdings" panose="05000000000000000000" pitchFamily="2" charset="2"/>
+              <a:buChar char="v"/>
+            </a:pPr>
+            <a:r>
+              <a:rPr lang="hu-HU" dirty="0"/>
+              <a:t>Minek köszönheti a népszerűségét?</a:t>
+            </a:r>
+          </a:p>
+        </p:txBody>
+      </p:sp>
     </p:spTree>
     <p:extLst>
       <p:ext uri="{BB962C8B-B14F-4D97-AF65-F5344CB8AC3E}">
@@ -5773,6 +6092,76 @@
               </a:rPr>
               <a:t>XD</a:t>
             </a:r>
+          </a:p>
+        </p:txBody>
+      </p:sp>
+      <p:sp>
+        <p:nvSpPr>
+          <p:cNvPr id="11" name="TextBox 10">
+            <a:extLst>
+              <a:ext uri="{FF2B5EF4-FFF2-40B4-BE49-F238E27FC236}">
+                <a16:creationId xmlns:a16="http://schemas.microsoft.com/office/drawing/2014/main" id="{F67DBA8C-E798-D20B-4BC0-4C3EF10F09C7}"/>
+              </a:ext>
+            </a:extLst>
+          </p:cNvPr>
+          <p:cNvSpPr txBox="1"/>
+          <p:nvPr/>
+        </p:nvSpPr>
+        <p:spPr>
+          <a:xfrm>
+            <a:off x="6987746" y="4572000"/>
+            <a:ext cx="4677032" cy="1477328"/>
+          </a:xfrm>
+          <a:prstGeom prst="rect">
+            <a:avLst/>
+          </a:prstGeom>
+          <a:noFill/>
+        </p:spPr>
+        <p:txBody>
+          <a:bodyPr wrap="square" rtlCol="0">
+            <a:spAutoFit/>
+          </a:bodyPr>
+          <a:lstStyle/>
+          <a:p>
+            <a:pPr marL="285750" indent="-285750">
+              <a:buFont typeface="Wingdings" panose="05000000000000000000" pitchFamily="2" charset="2"/>
+              <a:buChar char="v"/>
+            </a:pPr>
+            <a:r>
+              <a:rPr lang="hu-HU" dirty="0"/>
+              <a:t>Feladata</a:t>
+            </a:r>
+          </a:p>
+          <a:p>
+            <a:pPr marL="285750" indent="-285750">
+              <a:buFont typeface="Wingdings" panose="05000000000000000000" pitchFamily="2" charset="2"/>
+              <a:buChar char="v"/>
+            </a:pPr>
+            <a:r>
+              <a:rPr lang="hu-HU" dirty="0"/>
+              <a:t>Kód generálás</a:t>
+            </a:r>
+          </a:p>
+          <a:p>
+            <a:pPr marL="285750" indent="-285750">
+              <a:buFont typeface="Wingdings" panose="05000000000000000000" pitchFamily="2" charset="2"/>
+              <a:buChar char="v"/>
+            </a:pPr>
+            <a:endParaRPr lang="hu-HU" dirty="0"/>
+          </a:p>
+          <a:p>
+            <a:pPr marL="285750" indent="-285750">
+              <a:buFont typeface="Wingdings" panose="05000000000000000000" pitchFamily="2" charset="2"/>
+              <a:buChar char="v"/>
+            </a:pPr>
+            <a:endParaRPr lang="hu-HU" dirty="0"/>
+          </a:p>
+          <a:p>
+            <a:pPr marL="285750" indent="-285750">
+              <a:buFont typeface="Wingdings" panose="05000000000000000000" pitchFamily="2" charset="2"/>
+              <a:buChar char="v"/>
+            </a:pPr>
+            <a:endParaRPr lang="hu-HU" dirty="0"/>
           </a:p>
         </p:txBody>
       </p:sp>

--- a/beadandóTG.pptx
+++ b/beadandóTG.pptx
@@ -251,7 +251,7 @@
           <a:p>
             <a:fld id="{5DCFF550-74A6-4A3B-803B-1468DFA707D9}" type="datetimeFigureOut">
               <a:rPr lang="hu-HU" smtClean="0"/>
-              <a:t>2022. 10. 04.</a:t>
+              <a:t>2022. 10. 10.</a:t>
             </a:fld>
             <a:endParaRPr lang="hu-HU"/>
           </a:p>
@@ -424,7 +424,7 @@
           <a:p>
             <a:fld id="{5DCFF550-74A6-4A3B-803B-1468DFA707D9}" type="datetimeFigureOut">
               <a:rPr lang="hu-HU" smtClean="0"/>
-              <a:t>2022. 10. 04.</a:t>
+              <a:t>2022. 10. 10.</a:t>
             </a:fld>
             <a:endParaRPr lang="hu-HU"/>
           </a:p>
@@ -607,7 +607,7 @@
           <a:p>
             <a:fld id="{5DCFF550-74A6-4A3B-803B-1468DFA707D9}" type="datetimeFigureOut">
               <a:rPr lang="hu-HU" smtClean="0"/>
-              <a:t>2022. 10. 04.</a:t>
+              <a:t>2022. 10. 10.</a:t>
             </a:fld>
             <a:endParaRPr lang="hu-HU"/>
           </a:p>
@@ -780,7 +780,7 @@
           <a:p>
             <a:fld id="{5DCFF550-74A6-4A3B-803B-1468DFA707D9}" type="datetimeFigureOut">
               <a:rPr lang="hu-HU" smtClean="0"/>
-              <a:t>2022. 10. 04.</a:t>
+              <a:t>2022. 10. 10.</a:t>
             </a:fld>
             <a:endParaRPr lang="hu-HU"/>
           </a:p>
@@ -1029,7 +1029,7 @@
           <a:p>
             <a:fld id="{5DCFF550-74A6-4A3B-803B-1468DFA707D9}" type="datetimeFigureOut">
               <a:rPr lang="hu-HU" smtClean="0"/>
-              <a:t>2022. 10. 04.</a:t>
+              <a:t>2022. 10. 10.</a:t>
             </a:fld>
             <a:endParaRPr lang="hu-HU"/>
           </a:p>
@@ -1264,7 +1264,7 @@
           <a:p>
             <a:fld id="{5DCFF550-74A6-4A3B-803B-1468DFA707D9}" type="datetimeFigureOut">
               <a:rPr lang="hu-HU" smtClean="0"/>
-              <a:t>2022. 10. 04.</a:t>
+              <a:t>2022. 10. 10.</a:t>
             </a:fld>
             <a:endParaRPr lang="hu-HU"/>
           </a:p>
@@ -1634,7 +1634,7 @@
           <a:p>
             <a:fld id="{5DCFF550-74A6-4A3B-803B-1468DFA707D9}" type="datetimeFigureOut">
               <a:rPr lang="hu-HU" smtClean="0"/>
-              <a:t>2022. 10. 04.</a:t>
+              <a:t>2022. 10. 10.</a:t>
             </a:fld>
             <a:endParaRPr lang="hu-HU"/>
           </a:p>
@@ -1755,7 +1755,7 @@
           <a:p>
             <a:fld id="{5DCFF550-74A6-4A3B-803B-1468DFA707D9}" type="datetimeFigureOut">
               <a:rPr lang="hu-HU" smtClean="0"/>
-              <a:t>2022. 10. 04.</a:t>
+              <a:t>2022. 10. 10.</a:t>
             </a:fld>
             <a:endParaRPr lang="hu-HU"/>
           </a:p>
@@ -1853,7 +1853,7 @@
           <a:p>
             <a:fld id="{5DCFF550-74A6-4A3B-803B-1468DFA707D9}" type="datetimeFigureOut">
               <a:rPr lang="hu-HU" smtClean="0"/>
-              <a:t>2022. 10. 04.</a:t>
+              <a:t>2022. 10. 10.</a:t>
             </a:fld>
             <a:endParaRPr lang="hu-HU"/>
           </a:p>
@@ -2133,7 +2133,7 @@
           <a:p>
             <a:fld id="{5DCFF550-74A6-4A3B-803B-1468DFA707D9}" type="datetimeFigureOut">
               <a:rPr lang="hu-HU" smtClean="0"/>
-              <a:t>2022. 10. 04.</a:t>
+              <a:t>2022. 10. 10.</a:t>
             </a:fld>
             <a:endParaRPr lang="hu-HU"/>
           </a:p>
@@ -2393,7 +2393,7 @@
           <a:p>
             <a:fld id="{5DCFF550-74A6-4A3B-803B-1468DFA707D9}" type="datetimeFigureOut">
               <a:rPr lang="hu-HU" smtClean="0"/>
-              <a:t>2022. 10. 04.</a:t>
+              <a:t>2022. 10. 10.</a:t>
             </a:fld>
             <a:endParaRPr lang="hu-HU"/>
           </a:p>
@@ -2609,7 +2609,7 @@
           <a:p>
             <a:fld id="{5DCFF550-74A6-4A3B-803B-1468DFA707D9}" type="datetimeFigureOut">
               <a:rPr lang="hu-HU" smtClean="0"/>
-              <a:t>2022. 10. 04.</a:t>
+              <a:t>2022. 10. 10.</a:t>
             </a:fld>
             <a:endParaRPr lang="hu-HU"/>
           </a:p>
@@ -3356,8 +3356,8 @@
         </p:blipFill>
         <p:spPr>
           <a:xfrm>
-            <a:off x="6653162" y="1182921"/>
-            <a:ext cx="3864076" cy="2576051"/>
+            <a:off x="6406979" y="1018799"/>
+            <a:ext cx="4708874" cy="3139250"/>
           </a:xfrm>
           <a:prstGeom prst="rect">
             <a:avLst/>
@@ -3372,7 +3372,7 @@
         </p:nvSpPr>
         <p:spPr>
           <a:xfrm>
-            <a:off x="6564262" y="1028264"/>
+            <a:off x="6346778" y="869202"/>
             <a:ext cx="4829276" cy="215444"/>
           </a:xfrm>
           <a:prstGeom prst="rect">
@@ -3669,7 +3669,7 @@
         </p:nvSpPr>
         <p:spPr>
           <a:xfrm>
-            <a:off x="6036368" y="946273"/>
+            <a:off x="5808362" y="836574"/>
             <a:ext cx="3517900" cy="215444"/>
           </a:xfrm>
           <a:prstGeom prst="rect">
@@ -3715,8 +3715,8 @@
         </p:blipFill>
         <p:spPr>
           <a:xfrm>
-            <a:off x="6036368" y="1100930"/>
-            <a:ext cx="5726511" cy="3005137"/>
+            <a:off x="5850392" y="1003334"/>
+            <a:ext cx="6058635" cy="3179428"/>
           </a:xfrm>
           <a:prstGeom prst="rect">
             <a:avLst/>
@@ -4216,8 +4216,8 @@
         </p:blipFill>
         <p:spPr>
           <a:xfrm>
-            <a:off x="6043213" y="1000657"/>
-            <a:ext cx="5553524" cy="3121873"/>
+            <a:off x="6043212" y="1000657"/>
+            <a:ext cx="5682653" cy="3194462"/>
           </a:xfrm>
           <a:prstGeom prst="rect">
             <a:avLst/>
@@ -4682,7 +4682,7 @@
         </p:nvSpPr>
         <p:spPr>
           <a:xfrm>
-            <a:off x="6503217" y="1458049"/>
+            <a:off x="6006070" y="1238478"/>
             <a:ext cx="5321300" cy="215444"/>
           </a:xfrm>
           <a:prstGeom prst="rect">
@@ -4728,8 +4728,8 @@
         </p:blipFill>
         <p:spPr>
           <a:xfrm>
-            <a:off x="6325378" y="1612706"/>
-            <a:ext cx="5138737" cy="2476500"/>
+            <a:off x="6096000" y="1388257"/>
+            <a:ext cx="5833833" cy="2811486"/>
           </a:xfrm>
           <a:prstGeom prst="rect">
             <a:avLst/>
@@ -5180,7 +5180,7 @@
         </p:nvSpPr>
         <p:spPr>
           <a:xfrm>
-            <a:off x="6299200" y="1315481"/>
+            <a:off x="5897606" y="1185620"/>
             <a:ext cx="3022600" cy="215444"/>
           </a:xfrm>
           <a:prstGeom prst="rect">
@@ -5225,8 +5225,8 @@
         </p:blipFill>
         <p:spPr>
           <a:xfrm>
-            <a:off x="6299200" y="1500206"/>
-            <a:ext cx="4995452" cy="2457222"/>
+            <a:off x="5986113" y="1346201"/>
+            <a:ext cx="5779197" cy="2842740"/>
           </a:xfrm>
           <a:prstGeom prst="rect">
             <a:avLst/>
@@ -5509,8 +5509,8 @@
         </p:blipFill>
         <p:spPr>
           <a:xfrm>
-            <a:off x="5764162" y="1735560"/>
-            <a:ext cx="6211937" cy="2183495"/>
+            <a:off x="5749833" y="1729947"/>
+            <a:ext cx="6277319" cy="2458994"/>
           </a:xfrm>
           <a:prstGeom prst="rect">
             <a:avLst/>
@@ -5525,7 +5525,7 @@
         </p:nvSpPr>
         <p:spPr>
           <a:xfrm>
-            <a:off x="5764162" y="1580903"/>
+            <a:off x="5652951" y="1554578"/>
             <a:ext cx="5435600" cy="215444"/>
           </a:xfrm>
           <a:prstGeom prst="rect">
@@ -6006,8 +6006,8 @@
         </p:blipFill>
         <p:spPr>
           <a:xfrm>
-            <a:off x="6039711" y="1346200"/>
-            <a:ext cx="5764241" cy="2611228"/>
+            <a:off x="5748875" y="1241077"/>
+            <a:ext cx="6352332" cy="2877636"/>
           </a:xfrm>
           <a:prstGeom prst="rect">
             <a:avLst/>
@@ -6022,7 +6022,7 @@
         </p:nvSpPr>
         <p:spPr>
           <a:xfrm>
-            <a:off x="6017357" y="1130756"/>
+            <a:off x="5658082" y="1071812"/>
             <a:ext cx="3073400" cy="215444"/>
           </a:xfrm>
           <a:prstGeom prst="rect">
